--- a/PowerPoint/提出用.pptx
+++ b/PowerPoint/提出用.pptx
@@ -6051,7 +6051,7 @@
         </p:nvSpPr>
         <p:spPr>
           <a:xfrm>
-            <a:off x="104464" y="686572"/>
+            <a:off x="100800" y="696144"/>
             <a:ext cx="12600000" cy="8856984"/>
           </a:xfrm>
           <a:prstGeom prst="rect">
@@ -6128,7 +6128,7 @@
         </p:nvSpPr>
         <p:spPr>
           <a:xfrm>
-            <a:off x="2513459" y="248190"/>
+            <a:off x="2726583" y="249029"/>
             <a:ext cx="1203919" cy="430887"/>
           </a:xfrm>
           <a:prstGeom prst="rect">
@@ -6194,46 +6194,6 @@
                 <a:ea typeface="HG創英角ｺﾞｼｯｸUB" panose="020B0909000000000000" pitchFamily="49" charset="-128"/>
                 <a:cs typeface="+mn-cs"/>
               </a:rPr>
-              <a:t>２</a:t>
-            </a:r>
-            <a:r>
-              <a:rPr kumimoji="1" lang="en-US" altLang="ja-JP" sz="2200" b="1" i="0" u="none" strike="noStrike" kern="1200" cap="none" spc="0" normalizeH="0" baseline="0" noProof="0" dirty="0">
-                <a:ln>
-                  <a:noFill/>
-                </a:ln>
-                <a:solidFill>
-                  <a:srgbClr val="70AD47">
-                    <a:lumMod val="60000"/>
-                    <a:lumOff val="40000"/>
-                  </a:srgbClr>
-                </a:solidFill>
-                <a:effectLst/>
-                <a:uLnTx/>
-                <a:uFillTx/>
-                <a:latin typeface="HG創英角ｺﾞｼｯｸUB" panose="020B0909000000000000" pitchFamily="49" charset="-128"/>
-                <a:ea typeface="HG創英角ｺﾞｼｯｸUB" panose="020B0909000000000000" pitchFamily="49" charset="-128"/>
-                <a:cs typeface="+mn-cs"/>
-              </a:rPr>
-              <a:t>.</a:t>
-            </a:r>
-            <a:r>
-              <a:rPr kumimoji="1" lang="ja-JP" altLang="en-US" sz="2200" b="0" i="0" u="none" strike="noStrike" kern="1200" cap="none" spc="0" normalizeH="0" baseline="0" noProof="0" dirty="0">
-                <a:ln>
-                  <a:noFill/>
-                </a:ln>
-                <a:solidFill>
-                  <a:srgbClr val="70AD47">
-                    <a:lumMod val="60000"/>
-                    <a:lumOff val="40000"/>
-                  </a:srgbClr>
-                </a:solidFill>
-                <a:effectLst/>
-                <a:uLnTx/>
-                <a:uFillTx/>
-                <a:latin typeface="HG創英角ｺﾞｼｯｸUB" panose="020B0909000000000000" pitchFamily="49" charset="-128"/>
-                <a:ea typeface="HG創英角ｺﾞｼｯｸUB" panose="020B0909000000000000" pitchFamily="49" charset="-128"/>
-                <a:cs typeface="+mn-cs"/>
-              </a:rPr>
               <a:t>構造</a:t>
             </a:r>
             <a:endParaRPr kumimoji="1" lang="en-US" altLang="ja-JP" sz="2200" b="0" i="0" u="none" strike="noStrike" kern="1200" cap="none" spc="0" normalizeH="0" baseline="0" noProof="0" dirty="0">
@@ -6270,8 +6230,8 @@
         </p:nvSpPr>
         <p:spPr>
           <a:xfrm>
-            <a:off x="420438" y="147312"/>
-            <a:ext cx="1219549" cy="430887"/>
+            <a:off x="683506" y="148737"/>
+            <a:ext cx="795786" cy="430887"/>
           </a:xfrm>
           <a:prstGeom prst="rect">
             <a:avLst/>
@@ -6333,40 +6293,6 @@
                 <a:ea typeface="HG創英角ｺﾞｼｯｸUB" panose="020B0909000000000000" pitchFamily="49" charset="-128"/>
                 <a:cs typeface="+mn-cs"/>
               </a:rPr>
-              <a:t>１</a:t>
-            </a:r>
-            <a:r>
-              <a:rPr kumimoji="1" lang="en-US" altLang="ja-JP" sz="2200" b="1" i="0" u="none" strike="noStrike" kern="1200" cap="none" spc="0" normalizeH="0" baseline="0" noProof="0" dirty="0">
-                <a:ln>
-                  <a:noFill/>
-                </a:ln>
-                <a:solidFill>
-                  <a:prstClr val="white"/>
-                </a:solidFill>
-                <a:effectLst/>
-                <a:uLnTx/>
-                <a:uFillTx/>
-                <a:latin typeface="HG創英角ｺﾞｼｯｸUB" panose="020B0909000000000000" pitchFamily="49" charset="-128"/>
-                <a:ea typeface="HG創英角ｺﾞｼｯｸUB" panose="020B0909000000000000" pitchFamily="49" charset="-128"/>
-                <a:cs typeface="+mn-cs"/>
-              </a:rPr>
-              <a:t>.</a:t>
-            </a:r>
-            <a:r>
-              <a:rPr kumimoji="1" lang="ja-JP" altLang="en-US" sz="2200" b="0" i="0" u="none" strike="noStrike" kern="1200" cap="none" spc="0" normalizeH="0" baseline="0" noProof="0" dirty="0">
-                <a:ln>
-                  <a:noFill/>
-                </a:ln>
-                <a:solidFill>
-                  <a:prstClr val="white"/>
-                </a:solidFill>
-                <a:effectLst/>
-                <a:uLnTx/>
-                <a:uFillTx/>
-                <a:latin typeface="HG創英角ｺﾞｼｯｸUB" panose="020B0909000000000000" pitchFamily="49" charset="-128"/>
-                <a:ea typeface="HG創英角ｺﾞｼｯｸUB" panose="020B0909000000000000" pitchFamily="49" charset="-128"/>
-                <a:cs typeface="+mn-cs"/>
-              </a:rPr>
               <a:t>機能</a:t>
             </a:r>
             <a:endParaRPr kumimoji="1" lang="en-US" altLang="ja-JP" sz="2200" b="0" i="0" u="none" strike="noStrike" kern="1200" cap="none" spc="0" normalizeH="0" baseline="0" noProof="0" dirty="0">
@@ -6400,7 +6326,7 @@
         </p:nvSpPr>
         <p:spPr>
           <a:xfrm>
-            <a:off x="4123686" y="274701"/>
+            <a:off x="4400259" y="255607"/>
             <a:ext cx="2016000" cy="446276"/>
           </a:xfrm>
           <a:prstGeom prst="rect">
@@ -6466,46 +6392,6 @@
                 <a:ea typeface="HG創英角ｺﾞｼｯｸUB" panose="020B0909000000000000" pitchFamily="49" charset="-128"/>
                 <a:cs typeface="+mn-cs"/>
               </a:rPr>
-              <a:t>３</a:t>
-            </a:r>
-            <a:r>
-              <a:rPr kumimoji="1" lang="en-US" altLang="ja-JP" sz="2200" b="1" i="0" u="none" strike="noStrike" kern="1200" cap="none" spc="0" normalizeH="0" baseline="0" noProof="0" dirty="0">
-                <a:ln>
-                  <a:noFill/>
-                </a:ln>
-                <a:solidFill>
-                  <a:srgbClr val="70AD47">
-                    <a:lumMod val="60000"/>
-                    <a:lumOff val="40000"/>
-                  </a:srgbClr>
-                </a:solidFill>
-                <a:effectLst/>
-                <a:uLnTx/>
-                <a:uFillTx/>
-                <a:latin typeface="HG創英角ｺﾞｼｯｸUB" panose="020B0909000000000000" pitchFamily="49" charset="-128"/>
-                <a:ea typeface="HG創英角ｺﾞｼｯｸUB" panose="020B0909000000000000" pitchFamily="49" charset="-128"/>
-                <a:cs typeface="+mn-cs"/>
-              </a:rPr>
-              <a:t>.</a:t>
-            </a:r>
-            <a:r>
-              <a:rPr kumimoji="1" lang="ja-JP" altLang="en-US" sz="2200" b="0" i="0" u="none" strike="noStrike" kern="1200" cap="none" spc="0" normalizeH="0" baseline="0" noProof="0" dirty="0">
-                <a:ln>
-                  <a:noFill/>
-                </a:ln>
-                <a:solidFill>
-                  <a:srgbClr val="70AD47">
-                    <a:lumMod val="60000"/>
-                    <a:lumOff val="40000"/>
-                  </a:srgbClr>
-                </a:solidFill>
-                <a:effectLst/>
-                <a:uLnTx/>
-                <a:uFillTx/>
-                <a:latin typeface="HG創英角ｺﾞｼｯｸUB" panose="020B0909000000000000" pitchFamily="49" charset="-128"/>
-                <a:ea typeface="HG創英角ｺﾞｼｯｸUB" panose="020B0909000000000000" pitchFamily="49" charset="-128"/>
-                <a:cs typeface="+mn-cs"/>
-              </a:rPr>
               <a:t>振る舞い①</a:t>
             </a:r>
             <a:endParaRPr kumimoji="1" lang="en-US" altLang="ja-JP" sz="2200" b="0" i="0" u="none" strike="noStrike" kern="1200" cap="none" spc="0" normalizeH="0" baseline="0" noProof="0" dirty="0">
@@ -6542,7 +6428,7 @@
         </p:nvSpPr>
         <p:spPr>
           <a:xfrm>
-            <a:off x="8441559" y="270996"/>
+            <a:off x="8683078" y="253425"/>
             <a:ext cx="1445666" cy="430887"/>
           </a:xfrm>
           <a:prstGeom prst="rect">
@@ -6590,46 +6476,6 @@
               <a:tabLst/>
               <a:defRPr/>
             </a:pPr>
-            <a:r>
-              <a:rPr kumimoji="1" lang="ja-JP" altLang="en-US" sz="2200" b="0" i="0" u="none" strike="noStrike" kern="1200" cap="none" spc="0" normalizeH="0" baseline="0" noProof="0" dirty="0">
-                <a:ln>
-                  <a:noFill/>
-                </a:ln>
-                <a:solidFill>
-                  <a:srgbClr val="70AD47">
-                    <a:lumMod val="60000"/>
-                    <a:lumOff val="40000"/>
-                  </a:srgbClr>
-                </a:solidFill>
-                <a:effectLst/>
-                <a:uLnTx/>
-                <a:uFillTx/>
-                <a:latin typeface="HG創英角ｺﾞｼｯｸUB" panose="020B0909000000000000" pitchFamily="49" charset="-128"/>
-                <a:ea typeface="HG創英角ｺﾞｼｯｸUB" panose="020B0909000000000000" pitchFamily="49" charset="-128"/>
-                <a:cs typeface="+mn-cs"/>
-              </a:rPr>
-              <a:t>４</a:t>
-            </a:r>
-            <a:r>
-              <a:rPr kumimoji="1" lang="en-US" altLang="ja-JP" sz="2200" b="1" i="0" u="none" strike="noStrike" kern="1200" cap="none" spc="0" normalizeH="0" baseline="0" noProof="0" dirty="0">
-                <a:ln>
-                  <a:noFill/>
-                </a:ln>
-                <a:solidFill>
-                  <a:srgbClr val="70AD47">
-                    <a:lumMod val="60000"/>
-                    <a:lumOff val="40000"/>
-                  </a:srgbClr>
-                </a:solidFill>
-                <a:effectLst/>
-                <a:uLnTx/>
-                <a:uFillTx/>
-                <a:latin typeface="HG創英角ｺﾞｼｯｸUB" panose="020B0909000000000000" pitchFamily="49" charset="-128"/>
-                <a:ea typeface="HG創英角ｺﾞｼｯｸUB" panose="020B0909000000000000" pitchFamily="49" charset="-128"/>
-                <a:cs typeface="+mn-cs"/>
-              </a:rPr>
-              <a:t>.</a:t>
-            </a:r>
             <a:r>
               <a:rPr kumimoji="1" lang="ja-JP" altLang="en-US" sz="2200" b="0" i="0" u="none" strike="noStrike" kern="1200" cap="none" spc="0" normalizeH="0" baseline="0" noProof="0" dirty="0">
                 <a:ln>
@@ -14412,7 +14258,7 @@
         </p:nvSpPr>
         <p:spPr>
           <a:xfrm>
-            <a:off x="6151764" y="265968"/>
+            <a:off x="6425559" y="266574"/>
             <a:ext cx="2160240" cy="446276"/>
           </a:xfrm>
           <a:prstGeom prst="rect">
@@ -14460,46 +14306,6 @@
               <a:tabLst/>
               <a:defRPr/>
             </a:pPr>
-            <a:r>
-              <a:rPr kumimoji="1" lang="ja-JP" altLang="en-US" sz="2200" b="0" i="0" u="none" strike="noStrike" kern="1200" cap="none" spc="0" normalizeH="0" baseline="0" noProof="0" dirty="0">
-                <a:ln>
-                  <a:noFill/>
-                </a:ln>
-                <a:solidFill>
-                  <a:srgbClr val="70AD47">
-                    <a:lumMod val="60000"/>
-                    <a:lumOff val="40000"/>
-                  </a:srgbClr>
-                </a:solidFill>
-                <a:effectLst/>
-                <a:uLnTx/>
-                <a:uFillTx/>
-                <a:latin typeface="HG創英角ｺﾞｼｯｸUB" panose="020B0909000000000000" pitchFamily="49" charset="-128"/>
-                <a:ea typeface="HG創英角ｺﾞｼｯｸUB" panose="020B0909000000000000" pitchFamily="49" charset="-128"/>
-                <a:cs typeface="+mn-cs"/>
-              </a:rPr>
-              <a:t>３</a:t>
-            </a:r>
-            <a:r>
-              <a:rPr kumimoji="1" lang="en-US" altLang="ja-JP" sz="2200" b="1" i="0" u="none" strike="noStrike" kern="1200" cap="none" spc="0" normalizeH="0" baseline="0" noProof="0" dirty="0">
-                <a:ln>
-                  <a:noFill/>
-                </a:ln>
-                <a:solidFill>
-                  <a:srgbClr val="70AD47">
-                    <a:lumMod val="60000"/>
-                    <a:lumOff val="40000"/>
-                  </a:srgbClr>
-                </a:solidFill>
-                <a:effectLst/>
-                <a:uLnTx/>
-                <a:uFillTx/>
-                <a:latin typeface="HG創英角ｺﾞｼｯｸUB" panose="020B0909000000000000" pitchFamily="49" charset="-128"/>
-                <a:ea typeface="HG創英角ｺﾞｼｯｸUB" panose="020B0909000000000000" pitchFamily="49" charset="-128"/>
-                <a:cs typeface="+mn-cs"/>
-              </a:rPr>
-              <a:t>.</a:t>
-            </a:r>
             <a:r>
               <a:rPr kumimoji="1" lang="ja-JP" altLang="en-US" sz="2200" b="0" i="0" u="none" strike="noStrike" kern="1200" cap="none" spc="0" normalizeH="0" baseline="0" noProof="0" dirty="0">
                 <a:ln>
@@ -15141,7 +14947,7 @@
         </p:nvSpPr>
         <p:spPr>
           <a:xfrm>
-            <a:off x="460935" y="276162"/>
+            <a:off x="701927" y="258118"/>
             <a:ext cx="1215249" cy="430887"/>
           </a:xfrm>
           <a:prstGeom prst="rect">
@@ -15207,46 +15013,6 @@
                 <a:ea typeface="HG創英角ｺﾞｼｯｸUB" panose="020B0909000000000000" pitchFamily="49" charset="-128"/>
                 <a:cs typeface="+mn-cs"/>
               </a:rPr>
-              <a:t>１</a:t>
-            </a:r>
-            <a:r>
-              <a:rPr kumimoji="1" lang="en-US" altLang="ja-JP" sz="2200" b="1" i="0" u="none" strike="noStrike" kern="1200" cap="none" spc="0" normalizeH="0" baseline="0" noProof="0" dirty="0">
-                <a:ln>
-                  <a:noFill/>
-                </a:ln>
-                <a:solidFill>
-                  <a:srgbClr val="70AD47">
-                    <a:lumMod val="60000"/>
-                    <a:lumOff val="40000"/>
-                  </a:srgbClr>
-                </a:solidFill>
-                <a:effectLst/>
-                <a:uLnTx/>
-                <a:uFillTx/>
-                <a:latin typeface="HG創英角ｺﾞｼｯｸUB" panose="020B0909000000000000" pitchFamily="49" charset="-128"/>
-                <a:ea typeface="HG創英角ｺﾞｼｯｸUB" panose="020B0909000000000000" pitchFamily="49" charset="-128"/>
-                <a:cs typeface="+mn-cs"/>
-              </a:rPr>
-              <a:t>.</a:t>
-            </a:r>
-            <a:r>
-              <a:rPr kumimoji="1" lang="ja-JP" altLang="en-US" sz="2200" b="0" i="0" u="none" strike="noStrike" kern="1200" cap="none" spc="0" normalizeH="0" baseline="0" noProof="0" dirty="0">
-                <a:ln>
-                  <a:noFill/>
-                </a:ln>
-                <a:solidFill>
-                  <a:srgbClr val="70AD47">
-                    <a:lumMod val="60000"/>
-                    <a:lumOff val="40000"/>
-                  </a:srgbClr>
-                </a:solidFill>
-                <a:effectLst/>
-                <a:uLnTx/>
-                <a:uFillTx/>
-                <a:latin typeface="HG創英角ｺﾞｼｯｸUB" panose="020B0909000000000000" pitchFamily="49" charset="-128"/>
-                <a:ea typeface="HG創英角ｺﾞｼｯｸUB" panose="020B0909000000000000" pitchFamily="49" charset="-128"/>
-                <a:cs typeface="+mn-cs"/>
-              </a:rPr>
               <a:t>機能</a:t>
             </a:r>
             <a:endParaRPr kumimoji="1" lang="en-US" altLang="ja-JP" sz="2200" b="0" i="0" u="none" strike="noStrike" kern="1200" cap="none" spc="0" normalizeH="0" baseline="0" noProof="0" dirty="0">
@@ -15283,8 +15049,8 @@
         </p:nvSpPr>
         <p:spPr>
           <a:xfrm>
-            <a:off x="2493371" y="104631"/>
-            <a:ext cx="1210912" cy="430887"/>
+            <a:off x="2758108" y="147080"/>
+            <a:ext cx="763530" cy="430887"/>
           </a:xfrm>
           <a:prstGeom prst="rect">
             <a:avLst/>
@@ -15346,40 +15112,6 @@
                 <a:ea typeface="HG創英角ｺﾞｼｯｸUB" panose="020B0909000000000000" pitchFamily="49" charset="-128"/>
                 <a:cs typeface="+mn-cs"/>
               </a:rPr>
-              <a:t>２</a:t>
-            </a:r>
-            <a:r>
-              <a:rPr kumimoji="1" lang="en-US" altLang="ja-JP" sz="2200" b="1" i="0" u="none" strike="noStrike" kern="1200" cap="none" spc="0" normalizeH="0" baseline="0" noProof="0" dirty="0">
-                <a:ln>
-                  <a:noFill/>
-                </a:ln>
-                <a:solidFill>
-                  <a:prstClr val="white"/>
-                </a:solidFill>
-                <a:effectLst/>
-                <a:uLnTx/>
-                <a:uFillTx/>
-                <a:latin typeface="HG創英角ｺﾞｼｯｸUB" panose="020B0909000000000000" pitchFamily="49" charset="-128"/>
-                <a:ea typeface="HG創英角ｺﾞｼｯｸUB" panose="020B0909000000000000" pitchFamily="49" charset="-128"/>
-                <a:cs typeface="+mn-cs"/>
-              </a:rPr>
-              <a:t>.</a:t>
-            </a:r>
-            <a:r>
-              <a:rPr kumimoji="1" lang="ja-JP" altLang="en-US" sz="2200" b="0" i="0" u="none" strike="noStrike" kern="1200" cap="none" spc="0" normalizeH="0" baseline="0" noProof="0" dirty="0">
-                <a:ln>
-                  <a:noFill/>
-                </a:ln>
-                <a:solidFill>
-                  <a:prstClr val="white"/>
-                </a:solidFill>
-                <a:effectLst/>
-                <a:uLnTx/>
-                <a:uFillTx/>
-                <a:latin typeface="HG創英角ｺﾞｼｯｸUB" panose="020B0909000000000000" pitchFamily="49" charset="-128"/>
-                <a:ea typeface="HG創英角ｺﾞｼｯｸUB" panose="020B0909000000000000" pitchFamily="49" charset="-128"/>
-                <a:cs typeface="+mn-cs"/>
-              </a:rPr>
               <a:t>構造</a:t>
             </a:r>
             <a:endParaRPr kumimoji="1" lang="en-US" altLang="ja-JP" sz="2200" b="0" i="0" u="none" strike="noStrike" kern="1200" cap="none" spc="0" normalizeH="0" baseline="0" noProof="0" dirty="0">
@@ -15413,7 +15145,7 @@
         </p:nvSpPr>
         <p:spPr>
           <a:xfrm>
-            <a:off x="4127240" y="249868"/>
+            <a:off x="4384800" y="258118"/>
             <a:ext cx="2016000" cy="446276"/>
           </a:xfrm>
           <a:prstGeom prst="rect">
@@ -15479,46 +15211,6 @@
                 <a:ea typeface="HG創英角ｺﾞｼｯｸUB" panose="020B0909000000000000" pitchFamily="49" charset="-128"/>
                 <a:cs typeface="+mn-cs"/>
               </a:rPr>
-              <a:t>３</a:t>
-            </a:r>
-            <a:r>
-              <a:rPr kumimoji="1" lang="en-US" altLang="ja-JP" sz="2200" b="1" i="0" u="none" strike="noStrike" kern="1200" cap="none" spc="0" normalizeH="0" baseline="0" noProof="0" dirty="0">
-                <a:ln>
-                  <a:noFill/>
-                </a:ln>
-                <a:solidFill>
-                  <a:srgbClr val="70AD47">
-                    <a:lumMod val="60000"/>
-                    <a:lumOff val="40000"/>
-                  </a:srgbClr>
-                </a:solidFill>
-                <a:effectLst/>
-                <a:uLnTx/>
-                <a:uFillTx/>
-                <a:latin typeface="HG創英角ｺﾞｼｯｸUB" panose="020B0909000000000000" pitchFamily="49" charset="-128"/>
-                <a:ea typeface="HG創英角ｺﾞｼｯｸUB" panose="020B0909000000000000" pitchFamily="49" charset="-128"/>
-                <a:cs typeface="+mn-cs"/>
-              </a:rPr>
-              <a:t>.</a:t>
-            </a:r>
-            <a:r>
-              <a:rPr kumimoji="1" lang="ja-JP" altLang="en-US" sz="2200" b="0" i="0" u="none" strike="noStrike" kern="1200" cap="none" spc="0" normalizeH="0" baseline="0" noProof="0" dirty="0">
-                <a:ln>
-                  <a:noFill/>
-                </a:ln>
-                <a:solidFill>
-                  <a:srgbClr val="70AD47">
-                    <a:lumMod val="60000"/>
-                    <a:lumOff val="40000"/>
-                  </a:srgbClr>
-                </a:solidFill>
-                <a:effectLst/>
-                <a:uLnTx/>
-                <a:uFillTx/>
-                <a:latin typeface="HG創英角ｺﾞｼｯｸUB" panose="020B0909000000000000" pitchFamily="49" charset="-128"/>
-                <a:ea typeface="HG創英角ｺﾞｼｯｸUB" panose="020B0909000000000000" pitchFamily="49" charset="-128"/>
-                <a:cs typeface="+mn-cs"/>
-              </a:rPr>
               <a:t>振る舞い①</a:t>
             </a:r>
             <a:endParaRPr kumimoji="1" lang="en-US" altLang="ja-JP" sz="2200" b="0" i="0" u="none" strike="noStrike" kern="1200" cap="none" spc="0" normalizeH="0" baseline="0" noProof="0" dirty="0">
@@ -15555,7 +15247,7 @@
         </p:nvSpPr>
         <p:spPr>
           <a:xfrm>
-            <a:off x="8402087" y="265257"/>
+            <a:off x="8642047" y="255566"/>
             <a:ext cx="1512758" cy="430887"/>
           </a:xfrm>
           <a:prstGeom prst="rect">
@@ -15621,46 +15313,6 @@
                 <a:ea typeface="HG創英角ｺﾞｼｯｸUB" panose="020B0909000000000000" pitchFamily="49" charset="-128"/>
                 <a:cs typeface="+mn-cs"/>
               </a:rPr>
-              <a:t>４</a:t>
-            </a:r>
-            <a:r>
-              <a:rPr kumimoji="1" lang="en-US" altLang="ja-JP" sz="2200" b="1" i="0" u="none" strike="noStrike" kern="1200" cap="none" spc="0" normalizeH="0" baseline="0" noProof="0" dirty="0">
-                <a:ln>
-                  <a:noFill/>
-                </a:ln>
-                <a:solidFill>
-                  <a:srgbClr val="70AD47">
-                    <a:lumMod val="60000"/>
-                    <a:lumOff val="40000"/>
-                  </a:srgbClr>
-                </a:solidFill>
-                <a:effectLst/>
-                <a:uLnTx/>
-                <a:uFillTx/>
-                <a:latin typeface="HG創英角ｺﾞｼｯｸUB" panose="020B0909000000000000" pitchFamily="49" charset="-128"/>
-                <a:ea typeface="HG創英角ｺﾞｼｯｸUB" panose="020B0909000000000000" pitchFamily="49" charset="-128"/>
-                <a:cs typeface="+mn-cs"/>
-              </a:rPr>
-              <a:t>.</a:t>
-            </a:r>
-            <a:r>
-              <a:rPr kumimoji="1" lang="ja-JP" altLang="en-US" sz="2200" b="0" i="0" u="none" strike="noStrike" kern="1200" cap="none" spc="0" normalizeH="0" baseline="0" noProof="0" dirty="0">
-                <a:ln>
-                  <a:noFill/>
-                </a:ln>
-                <a:solidFill>
-                  <a:srgbClr val="70AD47">
-                    <a:lumMod val="60000"/>
-                    <a:lumOff val="40000"/>
-                  </a:srgbClr>
-                </a:solidFill>
-                <a:effectLst/>
-                <a:uLnTx/>
-                <a:uFillTx/>
-                <a:latin typeface="HG創英角ｺﾞｼｯｸUB" panose="020B0909000000000000" pitchFamily="49" charset="-128"/>
-                <a:ea typeface="HG創英角ｺﾞｼｯｸUB" panose="020B0909000000000000" pitchFamily="49" charset="-128"/>
-                <a:cs typeface="+mn-cs"/>
-              </a:rPr>
               <a:t>工夫点</a:t>
             </a:r>
             <a:endParaRPr kumimoji="1" lang="en-US" altLang="ja-JP" sz="2200" b="0" i="0" u="none" strike="noStrike" kern="1200" cap="none" spc="0" normalizeH="0" baseline="0" noProof="0" dirty="0">
@@ -15697,7 +15349,7 @@
         </p:nvSpPr>
         <p:spPr>
           <a:xfrm>
-            <a:off x="96930" y="696144"/>
+            <a:off x="100800" y="696144"/>
             <a:ext cx="12600000" cy="8856984"/>
           </a:xfrm>
           <a:prstGeom prst="rect">
@@ -16623,7 +16275,7 @@
         </p:nvSpPr>
         <p:spPr>
           <a:xfrm>
-            <a:off x="6127471" y="249868"/>
+            <a:off x="6404670" y="266144"/>
             <a:ext cx="2006632" cy="446276"/>
           </a:xfrm>
           <a:prstGeom prst="rect">
@@ -16671,46 +16323,6 @@
               <a:tabLst/>
               <a:defRPr/>
             </a:pPr>
-            <a:r>
-              <a:rPr kumimoji="1" lang="ja-JP" altLang="en-US" sz="2200" b="0" i="0" u="none" strike="noStrike" kern="1200" cap="none" spc="0" normalizeH="0" baseline="0" noProof="0" dirty="0">
-                <a:ln>
-                  <a:noFill/>
-                </a:ln>
-                <a:solidFill>
-                  <a:srgbClr val="70AD47">
-                    <a:lumMod val="60000"/>
-                    <a:lumOff val="40000"/>
-                  </a:srgbClr>
-                </a:solidFill>
-                <a:effectLst/>
-                <a:uLnTx/>
-                <a:uFillTx/>
-                <a:latin typeface="HG創英角ｺﾞｼｯｸUB" panose="020B0909000000000000" pitchFamily="49" charset="-128"/>
-                <a:ea typeface="HG創英角ｺﾞｼｯｸUB" panose="020B0909000000000000" pitchFamily="49" charset="-128"/>
-                <a:cs typeface="+mn-cs"/>
-              </a:rPr>
-              <a:t>３</a:t>
-            </a:r>
-            <a:r>
-              <a:rPr kumimoji="1" lang="en-US" altLang="ja-JP" sz="2200" b="1" i="0" u="none" strike="noStrike" kern="1200" cap="none" spc="0" normalizeH="0" baseline="0" noProof="0" dirty="0">
-                <a:ln>
-                  <a:noFill/>
-                </a:ln>
-                <a:solidFill>
-                  <a:srgbClr val="70AD47">
-                    <a:lumMod val="60000"/>
-                    <a:lumOff val="40000"/>
-                  </a:srgbClr>
-                </a:solidFill>
-                <a:effectLst/>
-                <a:uLnTx/>
-                <a:uFillTx/>
-                <a:latin typeface="HG創英角ｺﾞｼｯｸUB" panose="020B0909000000000000" pitchFamily="49" charset="-128"/>
-                <a:ea typeface="HG創英角ｺﾞｼｯｸUB" panose="020B0909000000000000" pitchFamily="49" charset="-128"/>
-                <a:cs typeface="+mn-cs"/>
-              </a:rPr>
-              <a:t>.</a:t>
-            </a:r>
             <a:r>
               <a:rPr kumimoji="1" lang="ja-JP" altLang="en-US" sz="2200" b="0" i="0" u="none" strike="noStrike" kern="1200" cap="none" spc="0" normalizeH="0" baseline="0" noProof="0" dirty="0">
                 <a:ln>
@@ -19464,7 +19076,7 @@
         </p:nvSpPr>
         <p:spPr>
           <a:xfrm>
-            <a:off x="8449167" y="229211"/>
+            <a:off x="8680986" y="227904"/>
             <a:ext cx="1445666" cy="430887"/>
           </a:xfrm>
           <a:prstGeom prst="rect">
@@ -19530,46 +19142,6 @@
                 <a:ea typeface="HG創英角ｺﾞｼｯｸUB" panose="020B0909000000000000" pitchFamily="49" charset="-128"/>
                 <a:cs typeface="+mn-cs"/>
               </a:rPr>
-              <a:t>４</a:t>
-            </a:r>
-            <a:r>
-              <a:rPr kumimoji="1" lang="en-US" altLang="ja-JP" sz="2200" b="1" i="0" u="none" strike="noStrike" kern="1200" cap="none" spc="0" normalizeH="0" baseline="0" noProof="0" dirty="0">
-                <a:ln>
-                  <a:noFill/>
-                </a:ln>
-                <a:solidFill>
-                  <a:srgbClr val="70AD47">
-                    <a:lumMod val="60000"/>
-                    <a:lumOff val="40000"/>
-                  </a:srgbClr>
-                </a:solidFill>
-                <a:effectLst/>
-                <a:uLnTx/>
-                <a:uFillTx/>
-                <a:latin typeface="HG創英角ｺﾞｼｯｸUB" panose="020B0909000000000000" pitchFamily="49" charset="-128"/>
-                <a:ea typeface="HG創英角ｺﾞｼｯｸUB" panose="020B0909000000000000" pitchFamily="49" charset="-128"/>
-                <a:cs typeface="+mn-cs"/>
-              </a:rPr>
-              <a:t>.</a:t>
-            </a:r>
-            <a:r>
-              <a:rPr kumimoji="1" lang="ja-JP" altLang="en-US" sz="2200" b="0" i="0" u="none" strike="noStrike" kern="1200" cap="none" spc="0" normalizeH="0" baseline="0" noProof="0" dirty="0">
-                <a:ln>
-                  <a:noFill/>
-                </a:ln>
-                <a:solidFill>
-                  <a:srgbClr val="70AD47">
-                    <a:lumMod val="60000"/>
-                    <a:lumOff val="40000"/>
-                  </a:srgbClr>
-                </a:solidFill>
-                <a:effectLst/>
-                <a:uLnTx/>
-                <a:uFillTx/>
-                <a:latin typeface="HG創英角ｺﾞｼｯｸUB" panose="020B0909000000000000" pitchFamily="49" charset="-128"/>
-                <a:ea typeface="HG創英角ｺﾞｼｯｸUB" panose="020B0909000000000000" pitchFamily="49" charset="-128"/>
-                <a:cs typeface="+mn-cs"/>
-              </a:rPr>
               <a:t>工夫点</a:t>
             </a:r>
             <a:endParaRPr kumimoji="1" lang="en-US" altLang="ja-JP" sz="2200" b="0" i="0" u="none" strike="noStrike" kern="1200" cap="none" spc="0" normalizeH="0" baseline="0" noProof="0" dirty="0">
@@ -19606,7 +19178,7 @@
         </p:nvSpPr>
         <p:spPr>
           <a:xfrm>
-            <a:off x="501532" y="274295"/>
+            <a:off x="714673" y="256085"/>
             <a:ext cx="1184003" cy="430887"/>
           </a:xfrm>
           <a:prstGeom prst="rect">
@@ -19672,46 +19244,6 @@
                 <a:ea typeface="HG創英角ｺﾞｼｯｸUB" panose="020B0909000000000000" pitchFamily="49" charset="-128"/>
                 <a:cs typeface="+mn-cs"/>
               </a:rPr>
-              <a:t>１</a:t>
-            </a:r>
-            <a:r>
-              <a:rPr kumimoji="1" lang="en-US" altLang="ja-JP" sz="2200" b="1" i="0" u="none" strike="noStrike" kern="1200" cap="none" spc="0" normalizeH="0" baseline="0" noProof="0" dirty="0">
-                <a:ln>
-                  <a:noFill/>
-                </a:ln>
-                <a:solidFill>
-                  <a:srgbClr val="70AD47">
-                    <a:lumMod val="60000"/>
-                    <a:lumOff val="40000"/>
-                  </a:srgbClr>
-                </a:solidFill>
-                <a:effectLst/>
-                <a:uLnTx/>
-                <a:uFillTx/>
-                <a:latin typeface="HG創英角ｺﾞｼｯｸUB" panose="020B0909000000000000" pitchFamily="49" charset="-128"/>
-                <a:ea typeface="HG創英角ｺﾞｼｯｸUB" panose="020B0909000000000000" pitchFamily="49" charset="-128"/>
-                <a:cs typeface="+mn-cs"/>
-              </a:rPr>
-              <a:t>.</a:t>
-            </a:r>
-            <a:r>
-              <a:rPr kumimoji="1" lang="ja-JP" altLang="en-US" sz="2200" b="0" i="0" u="none" strike="noStrike" kern="1200" cap="none" spc="0" normalizeH="0" baseline="0" noProof="0" dirty="0">
-                <a:ln>
-                  <a:noFill/>
-                </a:ln>
-                <a:solidFill>
-                  <a:srgbClr val="70AD47">
-                    <a:lumMod val="60000"/>
-                    <a:lumOff val="40000"/>
-                  </a:srgbClr>
-                </a:solidFill>
-                <a:effectLst/>
-                <a:uLnTx/>
-                <a:uFillTx/>
-                <a:latin typeface="HG創英角ｺﾞｼｯｸUB" panose="020B0909000000000000" pitchFamily="49" charset="-128"/>
-                <a:ea typeface="HG創英角ｺﾞｼｯｸUB" panose="020B0909000000000000" pitchFamily="49" charset="-128"/>
-                <a:cs typeface="+mn-cs"/>
-              </a:rPr>
               <a:t>機能</a:t>
             </a:r>
             <a:endParaRPr kumimoji="1" lang="en-US" altLang="ja-JP" sz="2200" b="0" i="0" u="none" strike="noStrike" kern="1200" cap="none" spc="0" normalizeH="0" baseline="0" noProof="0" dirty="0">
@@ -19748,7 +19280,7 @@
         </p:nvSpPr>
         <p:spPr>
           <a:xfrm>
-            <a:off x="2513886" y="245479"/>
+            <a:off x="2753382" y="227904"/>
             <a:ext cx="1203919" cy="430887"/>
           </a:xfrm>
           <a:prstGeom prst="rect">
@@ -19796,46 +19328,6 @@
               <a:tabLst/>
               <a:defRPr/>
             </a:pPr>
-            <a:r>
-              <a:rPr kumimoji="1" lang="ja-JP" altLang="en-US" sz="2200" b="0" i="0" u="none" strike="noStrike" kern="1200" cap="none" spc="0" normalizeH="0" baseline="0" noProof="0" dirty="0">
-                <a:ln>
-                  <a:noFill/>
-                </a:ln>
-                <a:solidFill>
-                  <a:srgbClr val="70AD47">
-                    <a:lumMod val="60000"/>
-                    <a:lumOff val="40000"/>
-                  </a:srgbClr>
-                </a:solidFill>
-                <a:effectLst/>
-                <a:uLnTx/>
-                <a:uFillTx/>
-                <a:latin typeface="HG創英角ｺﾞｼｯｸUB" panose="020B0909000000000000" pitchFamily="49" charset="-128"/>
-                <a:ea typeface="HG創英角ｺﾞｼｯｸUB" panose="020B0909000000000000" pitchFamily="49" charset="-128"/>
-                <a:cs typeface="+mn-cs"/>
-              </a:rPr>
-              <a:t>２</a:t>
-            </a:r>
-            <a:r>
-              <a:rPr kumimoji="1" lang="en-US" altLang="ja-JP" sz="2200" b="1" i="0" u="none" strike="noStrike" kern="1200" cap="none" spc="0" normalizeH="0" baseline="0" noProof="0" dirty="0">
-                <a:ln>
-                  <a:noFill/>
-                </a:ln>
-                <a:solidFill>
-                  <a:srgbClr val="70AD47">
-                    <a:lumMod val="60000"/>
-                    <a:lumOff val="40000"/>
-                  </a:srgbClr>
-                </a:solidFill>
-                <a:effectLst/>
-                <a:uLnTx/>
-                <a:uFillTx/>
-                <a:latin typeface="HG創英角ｺﾞｼｯｸUB" panose="020B0909000000000000" pitchFamily="49" charset="-128"/>
-                <a:ea typeface="HG創英角ｺﾞｼｯｸUB" panose="020B0909000000000000" pitchFamily="49" charset="-128"/>
-                <a:cs typeface="+mn-cs"/>
-              </a:rPr>
-              <a:t>.</a:t>
-            </a:r>
             <a:r>
               <a:rPr kumimoji="1" lang="ja-JP" altLang="en-US" sz="2200" b="0" i="0" u="none" strike="noStrike" kern="1200" cap="none" spc="0" normalizeH="0" baseline="0" noProof="0" dirty="0">
                 <a:ln>
@@ -20101,7 +19593,7 @@
         </p:nvSpPr>
         <p:spPr>
           <a:xfrm>
-            <a:off x="6141604" y="221517"/>
+            <a:off x="6443912" y="230828"/>
             <a:ext cx="2022396" cy="446276"/>
           </a:xfrm>
           <a:prstGeom prst="rect">
@@ -20150,7 +19642,7 @@
               <a:defRPr/>
             </a:pPr>
             <a:r>
-              <a:rPr kumimoji="1" lang="ja-JP" altLang="en-US" sz="2200" b="0" i="0" u="none" strike="noStrike" kern="1200" cap="none" spc="0" normalizeH="0" baseline="0" noProof="0">
+              <a:rPr kumimoji="1" lang="ja-JP" altLang="en-US" sz="2200" b="0" i="0" u="none" strike="noStrike" kern="1200" cap="none" spc="0" normalizeH="0" baseline="0" noProof="0" dirty="0">
                 <a:ln>
                   <a:noFill/>
                 </a:ln>
@@ -20167,67 +19659,7 @@
                 <a:ea typeface="HG創英角ｺﾞｼｯｸUB" panose="020B0909000000000000" pitchFamily="49" charset="-128"/>
                 <a:cs typeface="+mn-cs"/>
               </a:rPr>
-              <a:t>３</a:t>
-            </a:r>
-            <a:r>
-              <a:rPr kumimoji="1" lang="en-US" altLang="ja-JP" sz="2200" b="1" i="0" u="none" strike="noStrike" kern="1200" cap="none" spc="0" normalizeH="0" baseline="0" noProof="0" dirty="0">
-                <a:ln>
-                  <a:noFill/>
-                </a:ln>
-                <a:solidFill>
-                  <a:srgbClr val="70AD47">
-                    <a:lumMod val="60000"/>
-                    <a:lumOff val="40000"/>
-                  </a:srgbClr>
-                </a:solidFill>
-                <a:effectLst/>
-                <a:uLnTx/>
-                <a:uFillTx/>
-                <a:latin typeface="HG創英角ｺﾞｼｯｸUB" panose="020B0909000000000000" pitchFamily="49" charset="-128"/>
-                <a:ea typeface="HG創英角ｺﾞｼｯｸUB" panose="020B0909000000000000" pitchFamily="49" charset="-128"/>
-                <a:cs typeface="+mn-cs"/>
-              </a:rPr>
-              <a:t>.</a:t>
-            </a:r>
-            <a:r>
-              <a:rPr kumimoji="1" lang="ja-JP" altLang="en-US" sz="2200" b="0" i="0" u="none" strike="noStrike" kern="1200" cap="none" spc="0" normalizeH="0" baseline="0" noProof="0">
-                <a:ln>
-                  <a:noFill/>
-                </a:ln>
-                <a:solidFill>
-                  <a:srgbClr val="70AD47">
-                    <a:lumMod val="60000"/>
-                    <a:lumOff val="40000"/>
-                  </a:srgbClr>
-                </a:solidFill>
-                <a:effectLst/>
-                <a:uLnTx/>
-                <a:uFillTx/>
-                <a:latin typeface="HG創英角ｺﾞｼｯｸUB" panose="020B0909000000000000" pitchFamily="49" charset="-128"/>
-                <a:ea typeface="HG創英角ｺﾞｼｯｸUB" panose="020B0909000000000000" pitchFamily="49" charset="-128"/>
-                <a:cs typeface="+mn-cs"/>
-              </a:rPr>
-              <a:t>振る舞い</a:t>
-            </a:r>
-            <a:r>
-              <a:rPr kumimoji="1" lang="ja-JP" altLang="en-US" sz="2200" b="0" i="0" u="none" strike="noStrike" kern="1200" cap="none" spc="0" normalizeH="0" baseline="0" noProof="0" dirty="0">
-                <a:ln>
-                  <a:noFill/>
-                </a:ln>
-                <a:solidFill>
-                  <a:srgbClr val="70AD47">
-                    <a:lumMod val="60000"/>
-                    <a:lumOff val="40000"/>
-                  </a:srgbClr>
-                </a:solidFill>
-                <a:effectLst/>
-                <a:uLnTx/>
-                <a:uFillTx/>
-                <a:latin typeface="HG創英角ｺﾞｼｯｸUB" panose="020B0909000000000000" pitchFamily="49" charset="-128"/>
-                <a:ea typeface="HG創英角ｺﾞｼｯｸUB" panose="020B0909000000000000" pitchFamily="49" charset="-128"/>
-                <a:cs typeface="+mn-cs"/>
-              </a:rPr>
-              <a:t>②</a:t>
+              <a:t>振る舞い②</a:t>
             </a:r>
             <a:endParaRPr kumimoji="1" lang="en-US" altLang="ja-JP" sz="2200" b="0" i="0" u="none" strike="noStrike" kern="1200" cap="none" spc="0" normalizeH="0" baseline="0" noProof="0" dirty="0">
               <a:ln>
@@ -20263,7 +19695,7 @@
         </p:nvSpPr>
         <p:spPr>
           <a:xfrm>
-            <a:off x="4130772" y="28672"/>
+            <a:off x="4130772" y="47824"/>
             <a:ext cx="2016000" cy="1224384"/>
           </a:xfrm>
           <a:prstGeom prst="roundRect">
@@ -20342,7 +19774,7 @@
         </p:nvSpPr>
         <p:spPr>
           <a:xfrm>
-            <a:off x="76758" y="733637"/>
+            <a:off x="100800" y="696144"/>
             <a:ext cx="12600000" cy="8856984"/>
           </a:xfrm>
           <a:prstGeom prst="rect">
@@ -20419,8 +19851,8 @@
         </p:nvSpPr>
         <p:spPr>
           <a:xfrm>
-            <a:off x="4113787" y="118872"/>
-            <a:ext cx="2049970" cy="446276"/>
+            <a:off x="4373655" y="134347"/>
+            <a:ext cx="1614110" cy="446276"/>
           </a:xfrm>
           <a:prstGeom prst="rect">
             <a:avLst/>
@@ -20468,7 +19900,7 @@
               <a:defRPr/>
             </a:pPr>
             <a:r>
-              <a:rPr kumimoji="1" lang="ja-JP" altLang="en-US" sz="2200" b="0" i="0" u="none" strike="noStrike" kern="1200" cap="none" spc="0" normalizeH="0" baseline="0" noProof="0">
+              <a:rPr kumimoji="1" lang="ja-JP" altLang="en-US" sz="2200" b="0" i="0" u="none" strike="noStrike" kern="1200" cap="none" spc="0" normalizeH="0" baseline="0" noProof="0" dirty="0">
                 <a:ln>
                   <a:noFill/>
                 </a:ln>
@@ -20482,58 +19914,7 @@
                 <a:ea typeface="HG創英角ｺﾞｼｯｸUB" panose="020B0909000000000000" pitchFamily="49" charset="-128"/>
                 <a:cs typeface="+mn-cs"/>
               </a:rPr>
-              <a:t>３</a:t>
-            </a:r>
-            <a:r>
-              <a:rPr kumimoji="1" lang="en-US" altLang="ja-JP" sz="2200" b="1" i="0" u="none" strike="noStrike" kern="1200" cap="none" spc="0" normalizeH="0" baseline="0" noProof="0" dirty="0">
-                <a:ln>
-                  <a:noFill/>
-                </a:ln>
-                <a:solidFill>
-                  <a:prstClr val="white"/>
-                </a:solidFill>
-                <a:effectLst/>
-                <a:uLnTx/>
-                <a:uFillTx/>
-                <a:latin typeface="HG創英角ｺﾞｼｯｸUB" panose="020B0909000000000000" pitchFamily="49" charset="-128"/>
-                <a:ea typeface="HG創英角ｺﾞｼｯｸUB" panose="020B0909000000000000" pitchFamily="49" charset="-128"/>
-                <a:cs typeface="+mn-cs"/>
-              </a:rPr>
-              <a:t>.</a:t>
-            </a:r>
-            <a:r>
-              <a:rPr kumimoji="1" lang="ja-JP" altLang="en-US" sz="2200" b="0" i="0" u="none" strike="noStrike" kern="1200" cap="none" spc="0" normalizeH="0" baseline="0" noProof="0">
-                <a:ln>
-                  <a:noFill/>
-                </a:ln>
-                <a:solidFill>
-                  <a:prstClr val="white"/>
-                </a:solidFill>
-                <a:effectLst/>
-                <a:uLnTx/>
-                <a:uFillTx/>
-                <a:latin typeface="HG創英角ｺﾞｼｯｸUB" panose="020B0909000000000000" pitchFamily="49" charset="-128"/>
-                <a:ea typeface="HG創英角ｺﾞｼｯｸUB" panose="020B0909000000000000" pitchFamily="49" charset="-128"/>
-                <a:cs typeface="+mn-cs"/>
-              </a:rPr>
-              <a:t>振る舞い</a:t>
-            </a:r>
-            <a:r>
-              <a:rPr kumimoji="1" lang="ja-JP" altLang="en-US" sz="2200" b="0" i="0" u="none" strike="noStrike" kern="1200" cap="none" spc="0" normalizeH="0" baseline="0" noProof="0" dirty="0">
-                <a:ln>
-                  <a:noFill/>
-                </a:ln>
-                <a:solidFill>
-                  <a:prstClr val="white"/>
-                </a:solidFill>
-                <a:effectLst/>
-                <a:uLnTx/>
-                <a:uFillTx/>
-                <a:latin typeface="HG創英角ｺﾞｼｯｸUB" panose="020B0909000000000000" pitchFamily="49" charset="-128"/>
-                <a:ea typeface="HG創英角ｺﾞｼｯｸUB" panose="020B0909000000000000" pitchFamily="49" charset="-128"/>
-                <a:cs typeface="+mn-cs"/>
-              </a:rPr>
-              <a:t>①</a:t>
+              <a:t>振る舞い①</a:t>
             </a:r>
             <a:endParaRPr kumimoji="1" lang="en-US" altLang="ja-JP" sz="2200" b="0" i="0" u="none" strike="noStrike" kern="1200" cap="none" spc="0" normalizeH="0" baseline="0" noProof="0" dirty="0">
               <a:ln>
@@ -20579,7 +19960,7 @@
         </p:blipFill>
         <p:spPr>
           <a:xfrm>
-            <a:off x="143543" y="1384636"/>
+            <a:off x="297512" y="1481521"/>
             <a:ext cx="4320480" cy="2972428"/>
           </a:xfrm>
           <a:prstGeom prst="rect">
@@ -20601,7 +19982,7 @@
         </p:nvSpPr>
         <p:spPr>
           <a:xfrm>
-            <a:off x="84540" y="719853"/>
+            <a:off x="121201" y="755752"/>
             <a:ext cx="2211802" cy="338554"/>
           </a:xfrm>
           <a:prstGeom prst="rect">
@@ -20685,7 +20066,7 @@
         </p:nvCxnSpPr>
         <p:spPr>
           <a:xfrm>
-            <a:off x="151883" y="1015055"/>
+            <a:off x="216656" y="1075921"/>
             <a:ext cx="4232693" cy="0"/>
           </a:xfrm>
           <a:prstGeom prst="line">
@@ -20726,7 +20107,7 @@
         </p:nvSpPr>
         <p:spPr>
           <a:xfrm>
-            <a:off x="76758" y="1103775"/>
+            <a:off x="160429" y="1129289"/>
             <a:ext cx="2768716" cy="253916"/>
           </a:xfrm>
           <a:prstGeom prst="rect">
@@ -24380,7 +23761,7 @@
         </p:nvSpPr>
         <p:spPr>
           <a:xfrm>
-            <a:off x="60353" y="661119"/>
+            <a:off x="100800" y="696144"/>
             <a:ext cx="12600000" cy="8856984"/>
           </a:xfrm>
           <a:prstGeom prst="rect">
@@ -24457,8 +23838,8 @@
         </p:nvSpPr>
         <p:spPr>
           <a:xfrm>
-            <a:off x="501854" y="211298"/>
-            <a:ext cx="1184003" cy="430887"/>
+            <a:off x="751005" y="238522"/>
+            <a:ext cx="754387" cy="430887"/>
           </a:xfrm>
           <a:prstGeom prst="rect">
             <a:avLst/>
@@ -24523,46 +23904,6 @@
                 <a:ea typeface="HG創英角ｺﾞｼｯｸUB" panose="020B0909000000000000" pitchFamily="49" charset="-128"/>
                 <a:cs typeface="+mn-cs"/>
               </a:rPr>
-              <a:t>１</a:t>
-            </a:r>
-            <a:r>
-              <a:rPr kumimoji="1" lang="en-US" altLang="ja-JP" sz="2200" b="1" i="0" u="none" strike="noStrike" kern="1200" cap="none" spc="0" normalizeH="0" baseline="0" noProof="0" dirty="0">
-                <a:ln>
-                  <a:noFill/>
-                </a:ln>
-                <a:solidFill>
-                  <a:srgbClr val="70AD47">
-                    <a:lumMod val="60000"/>
-                    <a:lumOff val="40000"/>
-                  </a:srgbClr>
-                </a:solidFill>
-                <a:effectLst/>
-                <a:uLnTx/>
-                <a:uFillTx/>
-                <a:latin typeface="HG創英角ｺﾞｼｯｸUB" panose="020B0909000000000000" pitchFamily="49" charset="-128"/>
-                <a:ea typeface="HG創英角ｺﾞｼｯｸUB" panose="020B0909000000000000" pitchFamily="49" charset="-128"/>
-                <a:cs typeface="+mn-cs"/>
-              </a:rPr>
-              <a:t>.</a:t>
-            </a:r>
-            <a:r>
-              <a:rPr kumimoji="1" lang="ja-JP" altLang="en-US" sz="2200" b="0" i="0" u="none" strike="noStrike" kern="1200" cap="none" spc="0" normalizeH="0" baseline="0" noProof="0" dirty="0">
-                <a:ln>
-                  <a:noFill/>
-                </a:ln>
-                <a:solidFill>
-                  <a:srgbClr val="70AD47">
-                    <a:lumMod val="60000"/>
-                    <a:lumOff val="40000"/>
-                  </a:srgbClr>
-                </a:solidFill>
-                <a:effectLst/>
-                <a:uLnTx/>
-                <a:uFillTx/>
-                <a:latin typeface="HG創英角ｺﾞｼｯｸUB" panose="020B0909000000000000" pitchFamily="49" charset="-128"/>
-                <a:ea typeface="HG創英角ｺﾞｼｯｸUB" panose="020B0909000000000000" pitchFamily="49" charset="-128"/>
-                <a:cs typeface="+mn-cs"/>
-              </a:rPr>
               <a:t>機能</a:t>
             </a:r>
             <a:endParaRPr kumimoji="1" lang="en-US" altLang="ja-JP" sz="2200" b="0" i="0" u="none" strike="noStrike" kern="1200" cap="none" spc="0" normalizeH="0" baseline="0" noProof="0" dirty="0">
@@ -24599,7 +23940,7 @@
         </p:nvSpPr>
         <p:spPr>
           <a:xfrm>
-            <a:off x="4137578" y="194403"/>
+            <a:off x="4400838" y="247943"/>
             <a:ext cx="2049970" cy="446276"/>
           </a:xfrm>
           <a:prstGeom prst="rect">
@@ -24665,46 +24006,6 @@
                 <a:ea typeface="HG創英角ｺﾞｼｯｸUB" panose="020B0909000000000000" pitchFamily="49" charset="-128"/>
                 <a:cs typeface="+mn-cs"/>
               </a:rPr>
-              <a:t>３</a:t>
-            </a:r>
-            <a:r>
-              <a:rPr kumimoji="1" lang="en-US" altLang="ja-JP" sz="2200" b="1" i="0" u="none" strike="noStrike" kern="1200" cap="none" spc="0" normalizeH="0" baseline="0" noProof="0" dirty="0">
-                <a:ln>
-                  <a:noFill/>
-                </a:ln>
-                <a:solidFill>
-                  <a:srgbClr val="70AD47">
-                    <a:lumMod val="60000"/>
-                    <a:lumOff val="40000"/>
-                  </a:srgbClr>
-                </a:solidFill>
-                <a:effectLst/>
-                <a:uLnTx/>
-                <a:uFillTx/>
-                <a:latin typeface="HG創英角ｺﾞｼｯｸUB" panose="020B0909000000000000" pitchFamily="49" charset="-128"/>
-                <a:ea typeface="HG創英角ｺﾞｼｯｸUB" panose="020B0909000000000000" pitchFamily="49" charset="-128"/>
-                <a:cs typeface="+mn-cs"/>
-              </a:rPr>
-              <a:t>.</a:t>
-            </a:r>
-            <a:r>
-              <a:rPr kumimoji="1" lang="ja-JP" altLang="en-US" sz="2200" b="0" i="0" u="none" strike="noStrike" kern="1200" cap="none" spc="0" normalizeH="0" baseline="0" noProof="0" dirty="0">
-                <a:ln>
-                  <a:noFill/>
-                </a:ln>
-                <a:solidFill>
-                  <a:srgbClr val="70AD47">
-                    <a:lumMod val="60000"/>
-                    <a:lumOff val="40000"/>
-                  </a:srgbClr>
-                </a:solidFill>
-                <a:effectLst/>
-                <a:uLnTx/>
-                <a:uFillTx/>
-                <a:latin typeface="HG創英角ｺﾞｼｯｸUB" panose="020B0909000000000000" pitchFamily="49" charset="-128"/>
-                <a:ea typeface="HG創英角ｺﾞｼｯｸUB" panose="020B0909000000000000" pitchFamily="49" charset="-128"/>
-                <a:cs typeface="+mn-cs"/>
-              </a:rPr>
               <a:t>振る舞い①</a:t>
             </a:r>
             <a:endParaRPr kumimoji="1" lang="en-US" altLang="ja-JP" sz="2200" b="0" i="0" u="none" strike="noStrike" kern="1200" cap="none" spc="0" normalizeH="0" baseline="0" noProof="0" dirty="0">
@@ -24741,7 +24042,7 @@
         </p:nvSpPr>
         <p:spPr>
           <a:xfrm>
-            <a:off x="2513886" y="206093"/>
+            <a:off x="2766118" y="251748"/>
             <a:ext cx="1203919" cy="430887"/>
           </a:xfrm>
           <a:prstGeom prst="rect">
@@ -24807,46 +24108,6 @@
                 <a:ea typeface="HG創英角ｺﾞｼｯｸUB" panose="020B0909000000000000" pitchFamily="49" charset="-128"/>
                 <a:cs typeface="+mn-cs"/>
               </a:rPr>
-              <a:t>２</a:t>
-            </a:r>
-            <a:r>
-              <a:rPr kumimoji="1" lang="en-US" altLang="ja-JP" sz="2200" b="1" i="0" u="none" strike="noStrike" kern="1200" cap="none" spc="0" normalizeH="0" baseline="0" noProof="0" dirty="0">
-                <a:ln>
-                  <a:noFill/>
-                </a:ln>
-                <a:solidFill>
-                  <a:srgbClr val="70AD47">
-                    <a:lumMod val="60000"/>
-                    <a:lumOff val="40000"/>
-                  </a:srgbClr>
-                </a:solidFill>
-                <a:effectLst/>
-                <a:uLnTx/>
-                <a:uFillTx/>
-                <a:latin typeface="HG創英角ｺﾞｼｯｸUB" panose="020B0909000000000000" pitchFamily="49" charset="-128"/>
-                <a:ea typeface="HG創英角ｺﾞｼｯｸUB" panose="020B0909000000000000" pitchFamily="49" charset="-128"/>
-                <a:cs typeface="+mn-cs"/>
-              </a:rPr>
-              <a:t>.</a:t>
-            </a:r>
-            <a:r>
-              <a:rPr kumimoji="1" lang="ja-JP" altLang="en-US" sz="2200" b="0" i="0" u="none" strike="noStrike" kern="1200" cap="none" spc="0" normalizeH="0" baseline="0" noProof="0" dirty="0">
-                <a:ln>
-                  <a:noFill/>
-                </a:ln>
-                <a:solidFill>
-                  <a:srgbClr val="70AD47">
-                    <a:lumMod val="60000"/>
-                    <a:lumOff val="40000"/>
-                  </a:srgbClr>
-                </a:solidFill>
-                <a:effectLst/>
-                <a:uLnTx/>
-                <a:uFillTx/>
-                <a:latin typeface="HG創英角ｺﾞｼｯｸUB" panose="020B0909000000000000" pitchFamily="49" charset="-128"/>
-                <a:ea typeface="HG創英角ｺﾞｼｯｸUB" panose="020B0909000000000000" pitchFamily="49" charset="-128"/>
-                <a:cs typeface="+mn-cs"/>
-              </a:rPr>
               <a:t>構造</a:t>
             </a:r>
             <a:endParaRPr kumimoji="1" lang="en-US" altLang="ja-JP" sz="2200" b="0" i="0" u="none" strike="noStrike" kern="1200" cap="none" spc="0" normalizeH="0" baseline="0" noProof="0" dirty="0">
@@ -24883,7 +24144,7 @@
         </p:nvSpPr>
         <p:spPr>
           <a:xfrm>
-            <a:off x="6185756" y="140469"/>
+            <a:off x="6398969" y="149394"/>
             <a:ext cx="2049970" cy="446276"/>
           </a:xfrm>
           <a:prstGeom prst="rect">
@@ -24946,40 +24207,6 @@
                 <a:ea typeface="HG創英角ｺﾞｼｯｸUB" panose="020B0909000000000000" pitchFamily="49" charset="-128"/>
                 <a:cs typeface="+mn-cs"/>
               </a:rPr>
-              <a:t>３</a:t>
-            </a:r>
-            <a:r>
-              <a:rPr kumimoji="1" lang="en-US" altLang="ja-JP" sz="2200" b="1" i="0" u="none" strike="noStrike" kern="1200" cap="none" spc="0" normalizeH="0" baseline="0" noProof="0" dirty="0">
-                <a:ln>
-                  <a:noFill/>
-                </a:ln>
-                <a:solidFill>
-                  <a:prstClr val="white"/>
-                </a:solidFill>
-                <a:effectLst/>
-                <a:uLnTx/>
-                <a:uFillTx/>
-                <a:latin typeface="HG創英角ｺﾞｼｯｸUB" panose="020B0909000000000000" pitchFamily="49" charset="-128"/>
-                <a:ea typeface="HG創英角ｺﾞｼｯｸUB" panose="020B0909000000000000" pitchFamily="49" charset="-128"/>
-                <a:cs typeface="+mn-cs"/>
-              </a:rPr>
-              <a:t>.</a:t>
-            </a:r>
-            <a:r>
-              <a:rPr kumimoji="1" lang="ja-JP" altLang="en-US" sz="2200" b="0" i="0" u="none" strike="noStrike" kern="1200" cap="none" spc="0" normalizeH="0" baseline="0" noProof="0" dirty="0">
-                <a:ln>
-                  <a:noFill/>
-                </a:ln>
-                <a:solidFill>
-                  <a:prstClr val="white"/>
-                </a:solidFill>
-                <a:effectLst/>
-                <a:uLnTx/>
-                <a:uFillTx/>
-                <a:latin typeface="HG創英角ｺﾞｼｯｸUB" panose="020B0909000000000000" pitchFamily="49" charset="-128"/>
-                <a:ea typeface="HG創英角ｺﾞｼｯｸUB" panose="020B0909000000000000" pitchFamily="49" charset="-128"/>
-                <a:cs typeface="+mn-cs"/>
-              </a:rPr>
               <a:t>振る舞い②</a:t>
             </a:r>
             <a:endParaRPr kumimoji="1" lang="en-US" altLang="ja-JP" sz="2200" b="0" i="0" u="none" strike="noStrike" kern="1200" cap="none" spc="0" normalizeH="0" baseline="0" noProof="0" dirty="0">
@@ -25013,7 +24240,7 @@
         </p:nvSpPr>
         <p:spPr>
           <a:xfrm>
-            <a:off x="8449167" y="203312"/>
+            <a:off x="8673078" y="238916"/>
             <a:ext cx="1445666" cy="430887"/>
           </a:xfrm>
           <a:prstGeom prst="rect">
@@ -25061,46 +24288,6 @@
               <a:tabLst/>
               <a:defRPr/>
             </a:pPr>
-            <a:r>
-              <a:rPr kumimoji="1" lang="ja-JP" altLang="en-US" sz="2200" b="0" i="0" u="none" strike="noStrike" kern="1200" cap="none" spc="0" normalizeH="0" baseline="0" noProof="0" dirty="0">
-                <a:ln>
-                  <a:noFill/>
-                </a:ln>
-                <a:solidFill>
-                  <a:srgbClr val="70AD47">
-                    <a:lumMod val="60000"/>
-                    <a:lumOff val="40000"/>
-                  </a:srgbClr>
-                </a:solidFill>
-                <a:effectLst/>
-                <a:uLnTx/>
-                <a:uFillTx/>
-                <a:latin typeface="HG創英角ｺﾞｼｯｸUB" panose="020B0909000000000000" pitchFamily="49" charset="-128"/>
-                <a:ea typeface="HG創英角ｺﾞｼｯｸUB" panose="020B0909000000000000" pitchFamily="49" charset="-128"/>
-                <a:cs typeface="+mn-cs"/>
-              </a:rPr>
-              <a:t>４</a:t>
-            </a:r>
-            <a:r>
-              <a:rPr kumimoji="1" lang="en-US" altLang="ja-JP" sz="2200" b="1" i="0" u="none" strike="noStrike" kern="1200" cap="none" spc="0" normalizeH="0" baseline="0" noProof="0" dirty="0">
-                <a:ln>
-                  <a:noFill/>
-                </a:ln>
-                <a:solidFill>
-                  <a:srgbClr val="70AD47">
-                    <a:lumMod val="60000"/>
-                    <a:lumOff val="40000"/>
-                  </a:srgbClr>
-                </a:solidFill>
-                <a:effectLst/>
-                <a:uLnTx/>
-                <a:uFillTx/>
-                <a:latin typeface="HG創英角ｺﾞｼｯｸUB" panose="020B0909000000000000" pitchFamily="49" charset="-128"/>
-                <a:ea typeface="HG創英角ｺﾞｼｯｸUB" panose="020B0909000000000000" pitchFamily="49" charset="-128"/>
-                <a:cs typeface="+mn-cs"/>
-              </a:rPr>
-              <a:t>.</a:t>
-            </a:r>
             <a:r>
               <a:rPr kumimoji="1" lang="ja-JP" altLang="en-US" sz="2200" b="0" i="0" u="none" strike="noStrike" kern="1200" cap="none" spc="0" normalizeH="0" baseline="0" noProof="0" dirty="0">
                 <a:ln>
@@ -25396,7 +24583,7 @@
         </p:nvSpPr>
         <p:spPr>
           <a:xfrm>
-            <a:off x="79692" y="679120"/>
+            <a:off x="116211" y="705933"/>
             <a:ext cx="4304884" cy="338554"/>
           </a:xfrm>
           <a:prstGeom prst="rect">
@@ -25514,7 +24701,7 @@
         </p:nvCxnSpPr>
         <p:spPr>
           <a:xfrm>
-            <a:off x="141247" y="1017674"/>
+            <a:off x="187752" y="1044487"/>
             <a:ext cx="12344105" cy="0"/>
           </a:xfrm>
           <a:prstGeom prst="line">
@@ -25555,7 +24742,7 @@
         </p:nvSpPr>
         <p:spPr>
           <a:xfrm>
-            <a:off x="203943" y="1073445"/>
+            <a:off x="126124" y="1100337"/>
             <a:ext cx="5128113" cy="253916"/>
           </a:xfrm>
           <a:prstGeom prst="rect">
@@ -28882,7 +28069,7 @@
         </p:nvSpPr>
         <p:spPr>
           <a:xfrm>
-            <a:off x="97137" y="679076"/>
+            <a:off x="97137" y="696144"/>
             <a:ext cx="12600000" cy="8856984"/>
           </a:xfrm>
           <a:prstGeom prst="rect">
@@ -28959,7 +28146,7 @@
         </p:nvSpPr>
         <p:spPr>
           <a:xfrm>
-            <a:off x="6124666" y="258340"/>
+            <a:off x="6393419" y="258340"/>
             <a:ext cx="2049970" cy="446276"/>
           </a:xfrm>
           <a:prstGeom prst="rect">
@@ -29025,46 +28212,6 @@
                 <a:ea typeface="HG創英角ｺﾞｼｯｸUB" panose="020B0909000000000000" pitchFamily="49" charset="-128"/>
                 <a:cs typeface="+mn-cs"/>
               </a:rPr>
-              <a:t>３</a:t>
-            </a:r>
-            <a:r>
-              <a:rPr kumimoji="1" lang="en-US" altLang="ja-JP" sz="2200" b="1" i="0" u="none" strike="noStrike" kern="1200" cap="none" spc="0" normalizeH="0" baseline="0" noProof="0" dirty="0">
-                <a:ln>
-                  <a:noFill/>
-                </a:ln>
-                <a:solidFill>
-                  <a:srgbClr val="70AD47">
-                    <a:lumMod val="60000"/>
-                    <a:lumOff val="40000"/>
-                  </a:srgbClr>
-                </a:solidFill>
-                <a:effectLst/>
-                <a:uLnTx/>
-                <a:uFillTx/>
-                <a:latin typeface="HG創英角ｺﾞｼｯｸUB" panose="020B0909000000000000" pitchFamily="49" charset="-128"/>
-                <a:ea typeface="HG創英角ｺﾞｼｯｸUB" panose="020B0909000000000000" pitchFamily="49" charset="-128"/>
-                <a:cs typeface="+mn-cs"/>
-              </a:rPr>
-              <a:t>.</a:t>
-            </a:r>
-            <a:r>
-              <a:rPr kumimoji="1" lang="ja-JP" altLang="en-US" sz="2200" b="0" i="0" u="none" strike="noStrike" kern="1200" cap="none" spc="0" normalizeH="0" baseline="0" noProof="0" dirty="0">
-                <a:ln>
-                  <a:noFill/>
-                </a:ln>
-                <a:solidFill>
-                  <a:srgbClr val="70AD47">
-                    <a:lumMod val="60000"/>
-                    <a:lumOff val="40000"/>
-                  </a:srgbClr>
-                </a:solidFill>
-                <a:effectLst/>
-                <a:uLnTx/>
-                <a:uFillTx/>
-                <a:latin typeface="HG創英角ｺﾞｼｯｸUB" panose="020B0909000000000000" pitchFamily="49" charset="-128"/>
-                <a:ea typeface="HG創英角ｺﾞｼｯｸUB" panose="020B0909000000000000" pitchFamily="49" charset="-128"/>
-                <a:cs typeface="+mn-cs"/>
-              </a:rPr>
               <a:t>振る舞い②</a:t>
             </a:r>
             <a:endParaRPr kumimoji="1" lang="en-US" altLang="ja-JP" sz="2200" b="0" i="0" u="none" strike="noStrike" kern="1200" cap="none" spc="0" normalizeH="0" baseline="0" noProof="0" dirty="0">
@@ -29101,7 +28248,7 @@
         </p:nvSpPr>
         <p:spPr>
           <a:xfrm>
-            <a:off x="514769" y="248189"/>
+            <a:off x="695855" y="248019"/>
             <a:ext cx="1186551" cy="430887"/>
           </a:xfrm>
           <a:prstGeom prst="rect">
@@ -29167,46 +28314,6 @@
                 <a:ea typeface="HG創英角ｺﾞｼｯｸUB" panose="020B0909000000000000" pitchFamily="49" charset="-128"/>
                 <a:cs typeface="+mn-cs"/>
               </a:rPr>
-              <a:t>１</a:t>
-            </a:r>
-            <a:r>
-              <a:rPr kumimoji="1" lang="en-US" altLang="ja-JP" sz="2200" b="1" i="0" u="none" strike="noStrike" kern="1200" cap="none" spc="0" normalizeH="0" baseline="0" noProof="0" dirty="0">
-                <a:ln>
-                  <a:noFill/>
-                </a:ln>
-                <a:solidFill>
-                  <a:srgbClr val="70AD47">
-                    <a:lumMod val="60000"/>
-                    <a:lumOff val="40000"/>
-                  </a:srgbClr>
-                </a:solidFill>
-                <a:effectLst/>
-                <a:uLnTx/>
-                <a:uFillTx/>
-                <a:latin typeface="HG創英角ｺﾞｼｯｸUB" panose="020B0909000000000000" pitchFamily="49" charset="-128"/>
-                <a:ea typeface="HG創英角ｺﾞｼｯｸUB" panose="020B0909000000000000" pitchFamily="49" charset="-128"/>
-                <a:cs typeface="+mn-cs"/>
-              </a:rPr>
-              <a:t>.</a:t>
-            </a:r>
-            <a:r>
-              <a:rPr kumimoji="1" lang="ja-JP" altLang="en-US" sz="2200" b="0" i="0" u="none" strike="noStrike" kern="1200" cap="none" spc="0" normalizeH="0" baseline="0" noProof="0" dirty="0">
-                <a:ln>
-                  <a:noFill/>
-                </a:ln>
-                <a:solidFill>
-                  <a:srgbClr val="70AD47">
-                    <a:lumMod val="60000"/>
-                    <a:lumOff val="40000"/>
-                  </a:srgbClr>
-                </a:solidFill>
-                <a:effectLst/>
-                <a:uLnTx/>
-                <a:uFillTx/>
-                <a:latin typeface="HG創英角ｺﾞｼｯｸUB" panose="020B0909000000000000" pitchFamily="49" charset="-128"/>
-                <a:ea typeface="HG創英角ｺﾞｼｯｸUB" panose="020B0909000000000000" pitchFamily="49" charset="-128"/>
-                <a:cs typeface="+mn-cs"/>
-              </a:rPr>
               <a:t>機能</a:t>
             </a:r>
             <a:endParaRPr kumimoji="1" lang="en-US" altLang="ja-JP" sz="2200" b="0" i="0" u="none" strike="noStrike" kern="1200" cap="none" spc="0" normalizeH="0" baseline="0" noProof="0" dirty="0">
@@ -29243,7 +28350,7 @@
         </p:nvSpPr>
         <p:spPr>
           <a:xfrm>
-            <a:off x="4110113" y="258340"/>
+            <a:off x="4392562" y="258340"/>
             <a:ext cx="2049970" cy="446276"/>
           </a:xfrm>
           <a:prstGeom prst="rect">
@@ -29309,46 +28416,6 @@
                 <a:ea typeface="HG創英角ｺﾞｼｯｸUB" panose="020B0909000000000000" pitchFamily="49" charset="-128"/>
                 <a:cs typeface="+mn-cs"/>
               </a:rPr>
-              <a:t>３</a:t>
-            </a:r>
-            <a:r>
-              <a:rPr kumimoji="1" lang="en-US" altLang="ja-JP" sz="2200" b="1" i="0" u="none" strike="noStrike" kern="1200" cap="none" spc="0" normalizeH="0" baseline="0" noProof="0" dirty="0">
-                <a:ln>
-                  <a:noFill/>
-                </a:ln>
-                <a:solidFill>
-                  <a:srgbClr val="70AD47">
-                    <a:lumMod val="60000"/>
-                    <a:lumOff val="40000"/>
-                  </a:srgbClr>
-                </a:solidFill>
-                <a:effectLst/>
-                <a:uLnTx/>
-                <a:uFillTx/>
-                <a:latin typeface="HG創英角ｺﾞｼｯｸUB" panose="020B0909000000000000" pitchFamily="49" charset="-128"/>
-                <a:ea typeface="HG創英角ｺﾞｼｯｸUB" panose="020B0909000000000000" pitchFamily="49" charset="-128"/>
-                <a:cs typeface="+mn-cs"/>
-              </a:rPr>
-              <a:t>.</a:t>
-            </a:r>
-            <a:r>
-              <a:rPr kumimoji="1" lang="ja-JP" altLang="en-US" sz="2200" b="0" i="0" u="none" strike="noStrike" kern="1200" cap="none" spc="0" normalizeH="0" baseline="0" noProof="0" dirty="0">
-                <a:ln>
-                  <a:noFill/>
-                </a:ln>
-                <a:solidFill>
-                  <a:srgbClr val="70AD47">
-                    <a:lumMod val="60000"/>
-                    <a:lumOff val="40000"/>
-                  </a:srgbClr>
-                </a:solidFill>
-                <a:effectLst/>
-                <a:uLnTx/>
-                <a:uFillTx/>
-                <a:latin typeface="HG創英角ｺﾞｼｯｸUB" panose="020B0909000000000000" pitchFamily="49" charset="-128"/>
-                <a:ea typeface="HG創英角ｺﾞｼｯｸUB" panose="020B0909000000000000" pitchFamily="49" charset="-128"/>
-                <a:cs typeface="+mn-cs"/>
-              </a:rPr>
               <a:t>振る舞い①</a:t>
             </a:r>
             <a:endParaRPr kumimoji="1" lang="en-US" altLang="ja-JP" sz="2200" b="0" i="0" u="none" strike="noStrike" kern="1200" cap="none" spc="0" normalizeH="0" baseline="0" noProof="0" dirty="0">
@@ -29385,7 +28452,7 @@
         </p:nvSpPr>
         <p:spPr>
           <a:xfrm>
-            <a:off x="2501900" y="248189"/>
+            <a:off x="2765734" y="256554"/>
             <a:ext cx="1203919" cy="430887"/>
           </a:xfrm>
           <a:prstGeom prst="rect">
@@ -29451,46 +28518,6 @@
                 <a:ea typeface="HG創英角ｺﾞｼｯｸUB" panose="020B0909000000000000" pitchFamily="49" charset="-128"/>
                 <a:cs typeface="+mn-cs"/>
               </a:rPr>
-              <a:t>２</a:t>
-            </a:r>
-            <a:r>
-              <a:rPr kumimoji="1" lang="en-US" altLang="ja-JP" sz="2200" b="1" i="0" u="none" strike="noStrike" kern="1200" cap="none" spc="0" normalizeH="0" baseline="0" noProof="0" dirty="0">
-                <a:ln>
-                  <a:noFill/>
-                </a:ln>
-                <a:solidFill>
-                  <a:srgbClr val="70AD47">
-                    <a:lumMod val="60000"/>
-                    <a:lumOff val="40000"/>
-                  </a:srgbClr>
-                </a:solidFill>
-                <a:effectLst/>
-                <a:uLnTx/>
-                <a:uFillTx/>
-                <a:latin typeface="HG創英角ｺﾞｼｯｸUB" panose="020B0909000000000000" pitchFamily="49" charset="-128"/>
-                <a:ea typeface="HG創英角ｺﾞｼｯｸUB" panose="020B0909000000000000" pitchFamily="49" charset="-128"/>
-                <a:cs typeface="+mn-cs"/>
-              </a:rPr>
-              <a:t>.</a:t>
-            </a:r>
-            <a:r>
-              <a:rPr kumimoji="1" lang="ja-JP" altLang="en-US" sz="2200" b="0" i="0" u="none" strike="noStrike" kern="1200" cap="none" spc="0" normalizeH="0" baseline="0" noProof="0" dirty="0">
-                <a:ln>
-                  <a:noFill/>
-                </a:ln>
-                <a:solidFill>
-                  <a:srgbClr val="70AD47">
-                    <a:lumMod val="60000"/>
-                    <a:lumOff val="40000"/>
-                  </a:srgbClr>
-                </a:solidFill>
-                <a:effectLst/>
-                <a:uLnTx/>
-                <a:uFillTx/>
-                <a:latin typeface="HG創英角ｺﾞｼｯｸUB" panose="020B0909000000000000" pitchFamily="49" charset="-128"/>
-                <a:ea typeface="HG創英角ｺﾞｼｯｸUB" panose="020B0909000000000000" pitchFamily="49" charset="-128"/>
-                <a:cs typeface="+mn-cs"/>
-              </a:rPr>
               <a:t>構造</a:t>
             </a:r>
             <a:endParaRPr kumimoji="1" lang="en-US" altLang="ja-JP" sz="2200" b="0" i="0" u="none" strike="noStrike" kern="1200" cap="none" spc="0" normalizeH="0" baseline="0" noProof="0" dirty="0">
@@ -29527,8 +28554,8 @@
         </p:nvSpPr>
         <p:spPr>
           <a:xfrm>
-            <a:off x="8345016" y="150138"/>
-            <a:ext cx="1445666" cy="430887"/>
+            <a:off x="8668452" y="128955"/>
+            <a:ext cx="1084191" cy="430887"/>
           </a:xfrm>
           <a:prstGeom prst="rect">
             <a:avLst/>
@@ -29575,40 +28602,6 @@
               <a:tabLst/>
               <a:defRPr/>
             </a:pPr>
-            <a:r>
-              <a:rPr kumimoji="1" lang="ja-JP" altLang="en-US" sz="2200" b="0" i="0" u="none" strike="noStrike" kern="1200" cap="none" spc="0" normalizeH="0" baseline="0" noProof="0" dirty="0">
-                <a:ln>
-                  <a:noFill/>
-                </a:ln>
-                <a:solidFill>
-                  <a:prstClr val="white"/>
-                </a:solidFill>
-                <a:effectLst/>
-                <a:uLnTx/>
-                <a:uFillTx/>
-                <a:latin typeface="HG創英角ｺﾞｼｯｸUB" panose="020B0909000000000000" pitchFamily="49" charset="-128"/>
-                <a:ea typeface="HG創英角ｺﾞｼｯｸUB" panose="020B0909000000000000" pitchFamily="49" charset="-128"/>
-                <a:cs typeface="+mn-cs"/>
-              </a:rPr>
-              <a:t>４</a:t>
-            </a:r>
-            <a:r>
-              <a:rPr kumimoji="1" lang="en-US" altLang="ja-JP" sz="2200" b="1" i="0" u="none" strike="noStrike" kern="1200" cap="none" spc="0" normalizeH="0" baseline="0" noProof="0" dirty="0">
-                <a:ln>
-                  <a:noFill/>
-                </a:ln>
-                <a:solidFill>
-                  <a:prstClr val="white"/>
-                </a:solidFill>
-                <a:effectLst/>
-                <a:uLnTx/>
-                <a:uFillTx/>
-                <a:latin typeface="HG創英角ｺﾞｼｯｸUB" panose="020B0909000000000000" pitchFamily="49" charset="-128"/>
-                <a:ea typeface="HG創英角ｺﾞｼｯｸUB" panose="020B0909000000000000" pitchFamily="49" charset="-128"/>
-                <a:cs typeface="+mn-cs"/>
-              </a:rPr>
-              <a:t>.</a:t>
-            </a:r>
             <a:r>
               <a:rPr kumimoji="1" lang="ja-JP" altLang="en-US" sz="2200" b="0" i="0" u="none" strike="noStrike" kern="1200" cap="none" spc="0" normalizeH="0" baseline="0" noProof="0" dirty="0">
                 <a:ln>

--- a/PowerPoint/提出用.pptx
+++ b/PowerPoint/提出用.pptx
@@ -4172,7 +4172,7 @@
                 <a:latin typeface="メイリオ" panose="020B0604030504040204" pitchFamily="50" charset="-128"/>
                 <a:ea typeface="メイリオ" panose="020B0604030504040204" pitchFamily="50" charset="-128"/>
               </a:rPr>
-              <a:t>・提供する機能を課題部分と走行準備に分け、それぞれ定義した。</a:t>
+              <a:t>・提供する機能を課題部分と走行準備に分け、それぞれ定義した</a:t>
             </a:r>
             <a:endParaRPr lang="en-US" altLang="ja-JP" dirty="0">
               <a:solidFill>
@@ -4226,7 +4226,7 @@
                 <a:latin typeface="メイリオ" panose="020B0604030504040204" pitchFamily="50" charset="-128"/>
                 <a:ea typeface="メイリオ" panose="020B0604030504040204" pitchFamily="50" charset="-128"/>
               </a:rPr>
-              <a:t>　行った。</a:t>
+              <a:t>　行った</a:t>
             </a:r>
             <a:endParaRPr lang="en-US" altLang="ja-JP" dirty="0">
               <a:solidFill>
@@ -4253,7 +4253,7 @@
                 <a:latin typeface="メイリオ" panose="020B0604030504040204" pitchFamily="50" charset="-128"/>
                 <a:ea typeface="メイリオ" panose="020B0604030504040204" pitchFamily="50" charset="-128"/>
               </a:rPr>
-              <a:t>・走行体のなかで動作しているタスクについて表に示した。</a:t>
+              <a:t>・走行体のなかで動作しているタスクについて表に示した</a:t>
             </a:r>
             <a:endParaRPr lang="en-US" altLang="ja-JP" dirty="0">
               <a:solidFill>
@@ -4307,7 +4307,7 @@
                 <a:latin typeface="メイリオ" panose="020B0604030504040204" pitchFamily="50" charset="-128"/>
                 <a:ea typeface="メイリオ" panose="020B0604030504040204" pitchFamily="50" charset="-128"/>
               </a:rPr>
-              <a:t>　間の制御量を示した。</a:t>
+              <a:t>　間の制御量を示した</a:t>
             </a:r>
             <a:endParaRPr lang="en-US" altLang="ja-JP" dirty="0">
               <a:solidFill>
@@ -4398,7 +4398,7 @@
                 <a:latin typeface="メイリオ" panose="020B0604030504040204" pitchFamily="50" charset="-128"/>
                 <a:ea typeface="メイリオ" panose="020B0604030504040204" pitchFamily="50" charset="-128"/>
               </a:rPr>
-              <a:t>・役割に応じてパッケージ分けを行った。</a:t>
+              <a:t>・役割に応じてパッケージ分けを行った</a:t>
             </a:r>
             <a:endParaRPr lang="en-US" altLang="ja-JP" dirty="0">
               <a:solidFill>
@@ -4425,7 +4425,7 @@
                 <a:latin typeface="メイリオ" panose="020B0604030504040204" pitchFamily="50" charset="-128"/>
                 <a:ea typeface="メイリオ" panose="020B0604030504040204" pitchFamily="50" charset="-128"/>
               </a:rPr>
-              <a:t>・パッケージ構造の矢印は関連の内容を表している。</a:t>
+              <a:t>・パッケージ構造の矢印は関連の内容を表している</a:t>
             </a:r>
             <a:endParaRPr lang="en-US" altLang="ja-JP" dirty="0">
               <a:solidFill>
@@ -4452,7 +4452,7 @@
                 <a:latin typeface="メイリオ" panose="020B0604030504040204" pitchFamily="50" charset="-128"/>
                 <a:ea typeface="メイリオ" panose="020B0604030504040204" pitchFamily="50" charset="-128"/>
               </a:rPr>
-              <a:t>・各クラスの役割が視認しやすいように色分けをした。</a:t>
+              <a:t>・各クラスの役割が視認しやすいように色分けをした</a:t>
             </a:r>
             <a:endParaRPr lang="en-US" altLang="ja-JP" dirty="0">
               <a:solidFill>
@@ -4479,7 +4479,7 @@
                 <a:latin typeface="メイリオ" panose="020B0604030504040204" pitchFamily="50" charset="-128"/>
                 <a:ea typeface="メイリオ" panose="020B0604030504040204" pitchFamily="50" charset="-128"/>
               </a:rPr>
-              <a:t>・インデックスはクラス図内にノートで定義した。</a:t>
+              <a:t>・インデックスはクラス図内にノートで定義した</a:t>
             </a:r>
             <a:endParaRPr lang="en-US" altLang="ja-JP" dirty="0">
               <a:solidFill>
@@ -4590,7 +4590,7 @@
                 <a:latin typeface="メイリオ" panose="020B0604030504040204" pitchFamily="50" charset="-128"/>
                 <a:ea typeface="メイリオ" panose="020B0604030504040204" pitchFamily="50" charset="-128"/>
               </a:rPr>
-              <a:t>・参照先は枠線に色付けすることで誘導している。</a:t>
+              <a:t>・参照先は枠線に色付けすることで誘導している</a:t>
             </a:r>
             <a:endParaRPr lang="en-US" altLang="ja-JP" dirty="0">
               <a:solidFill>
@@ -4701,7 +4701,7 @@
                 <a:latin typeface="メイリオ" panose="020B0604030504040204" pitchFamily="50" charset="-128"/>
                 <a:ea typeface="メイリオ" panose="020B0604030504040204" pitchFamily="50" charset="-128"/>
               </a:rPr>
-              <a:t>　細を記述した。</a:t>
+              <a:t>　細を記述した</a:t>
             </a:r>
             <a:endParaRPr lang="en-US" altLang="ja-JP" dirty="0">
               <a:solidFill>
@@ -4804,16 +4804,13 @@
               </a:rPr>
               <a:t>関係式を定義し検証した</a:t>
             </a:r>
-            <a:r>
-              <a:rPr lang="ja-JP" altLang="en-US" dirty="0">
-                <a:solidFill>
-                  <a:prstClr val="black"/>
-                </a:solidFill>
-                <a:latin typeface="HG丸ｺﾞｼｯｸM-PRO" panose="020F0600000000000000" pitchFamily="50" charset="-128"/>
-                <a:ea typeface="HG丸ｺﾞｼｯｸM-PRO" panose="020F0600000000000000" pitchFamily="50" charset="-128"/>
-              </a:rPr>
-              <a:t>。</a:t>
-            </a:r>
+            <a:endParaRPr lang="ja-JP" altLang="en-US" dirty="0">
+              <a:solidFill>
+                <a:prstClr val="black"/>
+              </a:solidFill>
+              <a:latin typeface="HG丸ｺﾞｼｯｸM-PRO" panose="020F0600000000000000" pitchFamily="50" charset="-128"/>
+              <a:ea typeface="HG丸ｺﾞｼｯｸM-PRO" panose="020F0600000000000000" pitchFamily="50" charset="-128"/>
+            </a:endParaRPr>
           </a:p>
         </p:txBody>
       </p:sp>
@@ -15551,22 +15548,25 @@
                 <a:ea typeface="メイリオ" panose="020B0604030504040204" pitchFamily="50" charset="-128"/>
                 <a:cs typeface="+mn-cs"/>
               </a:rPr>
-              <a:t>機能を構造によって階層化したものパッケージ構造に、各パッケージの役割を説明したものを表に示す。</a:t>
+              <a:t>機能を構造によって階層化したものパッケージ構造に、各パッケージの役割を説明したものを表に示す</a:t>
             </a:r>
-            <a:endParaRPr kumimoji="1" lang="en-US" altLang="ja-JP" sz="1050" b="0" i="0" u="none" strike="noStrike" kern="1200" cap="none" spc="0" normalizeH="0" baseline="0" noProof="0" dirty="0">
-              <a:ln>
-                <a:noFill/>
-              </a:ln>
-              <a:solidFill>
-                <a:prstClr val="black"/>
-              </a:solidFill>
-              <a:effectLst/>
-              <a:uLnTx/>
-              <a:uFillTx/>
-              <a:latin typeface="メイリオ" panose="020B0604030504040204" pitchFamily="50" charset="-128"/>
-              <a:ea typeface="メイリオ" panose="020B0604030504040204" pitchFamily="50" charset="-128"/>
-              <a:cs typeface="+mn-cs"/>
-            </a:endParaRPr>
+            <a:r>
+              <a:rPr kumimoji="1" lang="en-US" altLang="ja-JP" sz="1050" b="0" i="0" u="none" strike="noStrike" kern="1200" cap="none" spc="0" normalizeH="0" baseline="0" noProof="0" dirty="0">
+                <a:ln>
+                  <a:noFill/>
+                </a:ln>
+                <a:solidFill>
+                  <a:prstClr val="black"/>
+                </a:solidFill>
+                <a:effectLst/>
+                <a:uLnTx/>
+                <a:uFillTx/>
+                <a:latin typeface="メイリオ" panose="020B0604030504040204" pitchFamily="50" charset="-128"/>
+                <a:ea typeface="メイリオ" panose="020B0604030504040204" pitchFamily="50" charset="-128"/>
+                <a:cs typeface="+mn-cs"/>
+              </a:rPr>
+              <a:t>.</a:t>
+            </a:r>
           </a:p>
         </p:txBody>
       </p:sp>
@@ -16023,23 +16023,6 @@
               <a:defRPr/>
             </a:pPr>
             <a:r>
-              <a:rPr kumimoji="1" lang="ja-JP" altLang="en-US" sz="1050" b="0" i="0" u="none" strike="noStrike" kern="1200" cap="none" spc="0" normalizeH="0" baseline="0" noProof="0">
-                <a:ln>
-                  <a:noFill/>
-                </a:ln>
-                <a:solidFill>
-                  <a:prstClr val="black"/>
-                </a:solidFill>
-                <a:effectLst/>
-                <a:uLnTx/>
-                <a:uFillTx/>
-                <a:latin typeface="メイリオ" panose="020B0604030504040204" pitchFamily="50" charset="-128"/>
-                <a:ea typeface="メイリオ" panose="020B0604030504040204" pitchFamily="50" charset="-128"/>
-                <a:cs typeface="+mn-cs"/>
-              </a:rPr>
-              <a:t>クラス</a:t>
-            </a:r>
-            <a:r>
               <a:rPr kumimoji="1" lang="ja-JP" altLang="en-US" sz="1050" b="0" i="0" u="none" strike="noStrike" kern="1200" cap="none" spc="0" normalizeH="0" baseline="0" noProof="0" dirty="0">
                 <a:ln>
                   <a:noFill/>
@@ -16054,10 +16037,10 @@
                 <a:ea typeface="メイリオ" panose="020B0604030504040204" pitchFamily="50" charset="-128"/>
                 <a:cs typeface="+mn-cs"/>
               </a:rPr>
-              <a:t>の構造をクラス図に</a:t>
+              <a:t>クラスの構造をクラス図に示す</a:t>
             </a:r>
             <a:r>
-              <a:rPr kumimoji="1" lang="ja-JP" altLang="en-US" sz="1050" b="0" i="0" u="none" strike="noStrike" kern="1200" cap="none" spc="0" normalizeH="0" baseline="0" noProof="0">
+              <a:rPr kumimoji="1" lang="en-US" altLang="ja-JP" sz="1050" b="0" i="0" u="none" strike="noStrike" kern="1200" cap="none" spc="0" normalizeH="0" baseline="0" noProof="0" dirty="0">
                 <a:ln>
                   <a:noFill/>
                 </a:ln>
@@ -16071,24 +16054,7 @@
                 <a:ea typeface="メイリオ" panose="020B0604030504040204" pitchFamily="50" charset="-128"/>
                 <a:cs typeface="+mn-cs"/>
               </a:rPr>
-              <a:t>示す。</a:t>
-            </a:r>
-            <a:r>
-              <a:rPr kumimoji="1" lang="ja-JP" altLang="en-US" sz="1050" b="1" i="0" u="none" strike="noStrike" kern="1200" cap="none" spc="0" normalizeH="0" baseline="0" noProof="0">
-                <a:ln>
-                  <a:noFill/>
-                </a:ln>
-                <a:solidFill>
-                  <a:srgbClr val="FF0000"/>
-                </a:solidFill>
-                <a:effectLst/>
-                <a:uLnTx/>
-                <a:uFillTx/>
-                <a:latin typeface="メイリオ" panose="020B0604030504040204" pitchFamily="50" charset="-128"/>
-                <a:ea typeface="メイリオ" panose="020B0604030504040204" pitchFamily="50" charset="-128"/>
-                <a:cs typeface="+mn-cs"/>
-              </a:rPr>
-              <a:t>ただし</a:t>
+              <a:t>.</a:t>
             </a:r>
             <a:r>
               <a:rPr kumimoji="1" lang="ja-JP" altLang="en-US" sz="1050" b="1" i="0" u="none" strike="noStrike" kern="1200" cap="none" spc="0" normalizeH="0" baseline="0" noProof="0" dirty="0">
@@ -16105,16 +16071,13 @@
                 <a:ea typeface="メイリオ" panose="020B0604030504040204" pitchFamily="50" charset="-128"/>
                 <a:cs typeface="+mn-cs"/>
               </a:rPr>
-              <a:t>、多重度はすべて１、ロール名はクラス名と対応しているものと</a:t>
+              <a:t>ただし、多重度はすべて１、ロール名はクラス名と対応しているものとする</a:t>
             </a:r>
             <a:r>
-              <a:rPr kumimoji="1" lang="ja-JP" altLang="en-US" sz="1050" b="1" i="0" u="none" strike="noStrike" kern="1200" cap="none" spc="0" normalizeH="0" baseline="0" noProof="0">
+              <a:rPr kumimoji="1" lang="en-US" altLang="ja-JP" sz="1050" b="1" i="0" u="none" strike="noStrike" kern="1200" cap="none" spc="0" normalizeH="0" baseline="0" noProof="0" dirty="0">
                 <a:ln>
                   <a:noFill/>
                 </a:ln>
-                <a:solidFill>
-                  <a:srgbClr val="FF0000"/>
-                </a:solidFill>
                 <a:effectLst/>
                 <a:uLnTx/>
                 <a:uFillTx/>
@@ -16122,15 +16085,12 @@
                 <a:ea typeface="メイリオ" panose="020B0604030504040204" pitchFamily="50" charset="-128"/>
                 <a:cs typeface="+mn-cs"/>
               </a:rPr>
-              <a:t>する。</a:t>
+              <a:t>.</a:t>
             </a:r>
             <a:endParaRPr kumimoji="1" lang="ja-JP" altLang="en-US" sz="1050" b="0" i="0" u="none" strike="noStrike" kern="1200" cap="none" spc="0" normalizeH="0" baseline="0" noProof="0" dirty="0">
               <a:ln>
                 <a:noFill/>
               </a:ln>
-              <a:solidFill>
-                <a:prstClr val="black"/>
-              </a:solidFill>
               <a:effectLst/>
               <a:uLnTx/>
               <a:uFillTx/>
@@ -18330,7 +18290,7 @@
                         <a:defRPr/>
                       </a:pPr>
                       <a:r>
-                        <a:rPr kumimoji="1" lang="ja-JP" altLang="en-US" sz="1050" b="0" i="0" u="none" strike="noStrike" kern="1200" cap="none" spc="0" normalizeH="0" baseline="0" noProof="0">
+                        <a:rPr kumimoji="1" lang="ja-JP" altLang="en-US" sz="1050" b="0" i="0" u="none" strike="noStrike" kern="1200" cap="none" spc="0" normalizeH="0" baseline="0" noProof="0" dirty="0">
                           <a:ln>
                             <a:noFill/>
                           </a:ln>
@@ -18346,20 +18306,6 @@
                         </a:rPr>
                         <a:t>電圧の測定</a:t>
                       </a:r>
-                      <a:endParaRPr kumimoji="1" lang="ja-JP" altLang="en-US" sz="1050" b="0" i="0" u="none" strike="noStrike" kern="1200" cap="none" spc="0" normalizeH="0" baseline="0" noProof="0" dirty="0">
-                        <a:ln>
-                          <a:noFill/>
-                        </a:ln>
-                        <a:solidFill>
-                          <a:prstClr val="black"/>
-                        </a:solidFill>
-                        <a:effectLst/>
-                        <a:uLnTx/>
-                        <a:uFillTx/>
-                        <a:latin typeface="メイリオ" panose="020B0604030504040204" pitchFamily="50" charset="-128"/>
-                        <a:ea typeface="メイリオ" panose="020B0604030504040204" pitchFamily="50" charset="-128"/>
-                        <a:cs typeface="+mn-cs"/>
-                      </a:endParaRPr>
                     </a:p>
                   </a:txBody>
                   <a:tcPr anchor="ctr">

--- a/PowerPoint/提出用.pptx
+++ b/PowerPoint/提出用.pptx
@@ -6658,6 +6658,33 @@
                 <a:defRPr/>
               </a:pPr>
               <a:r>
+                <a:rPr lang="ja-JP" altLang="en-US" b="1" dirty="0">
+                  <a:solidFill>
+                    <a:prstClr val="black"/>
+                  </a:solidFill>
+                  <a:latin typeface="游ゴシック" panose="020B0400000000000000" pitchFamily="50" charset="-128"/>
+                  <a:ea typeface="游ゴシック" panose="020B0400000000000000" pitchFamily="50" charset="-128"/>
+                </a:rPr>
+                <a:t>２</a:t>
+              </a:r>
+              <a:r>
+                <a:rPr kumimoji="1" lang="ja-JP" altLang="en-US" sz="1600" b="1" i="0" u="none" strike="noStrike" kern="1200" cap="none" spc="0" normalizeH="0" baseline="0" noProof="0" dirty="0" err="1">
+                  <a:ln>
+                    <a:noFill/>
+                  </a:ln>
+                  <a:solidFill>
+                    <a:prstClr val="black"/>
+                  </a:solidFill>
+                  <a:effectLst/>
+                  <a:uLnTx/>
+                  <a:uFillTx/>
+                  <a:latin typeface="游ゴシック" panose="020B0400000000000000" pitchFamily="50" charset="-128"/>
+                  <a:ea typeface="游ゴシック" panose="020B0400000000000000" pitchFamily="50" charset="-128"/>
+                  <a:cs typeface="+mn-cs"/>
+                </a:rPr>
+                <a:t>．</a:t>
+              </a:r>
+              <a:r>
                 <a:rPr kumimoji="1" lang="ja-JP" altLang="en-US" sz="1600" b="1" i="0" u="none" strike="noStrike" kern="1200" cap="none" spc="0" normalizeH="0" baseline="0" noProof="0" dirty="0">
                   <a:ln>
                     <a:noFill/>
@@ -6672,7 +6699,7 @@
                   <a:ea typeface="游ゴシック" panose="020B0400000000000000" pitchFamily="50" charset="-128"/>
                   <a:cs typeface="+mn-cs"/>
                 </a:rPr>
-                <a:t>２．機能要件</a:t>
+                <a:t>機能要件</a:t>
               </a:r>
               <a:endParaRPr kumimoji="1" lang="ja-JP" altLang="en-US" sz="1600" b="0" i="0" u="none" strike="noStrike" kern="1200" cap="none" spc="0" normalizeH="0" baseline="0" noProof="0" dirty="0">
                 <a:ln>
@@ -7662,44 +7689,6 @@
           </a:p>
         </p:txBody>
       </p:sp>
-      <p:cxnSp>
-        <p:nvCxnSpPr>
-          <p:cNvPr id="52" name="直線コネクタ 51">
-            <a:extLst>
-              <a:ext uri="{FF2B5EF4-FFF2-40B4-BE49-F238E27FC236}">
-                <a16:creationId xmlns:a16="http://schemas.microsoft.com/office/drawing/2014/main" id="{64E09D1F-E5F0-483A-8945-8DE5F7ABF40E}"/>
-              </a:ext>
-            </a:extLst>
-          </p:cNvPr>
-          <p:cNvCxnSpPr>
-            <a:cxnSpLocks/>
-          </p:cNvCxnSpPr>
-          <p:nvPr/>
-        </p:nvCxnSpPr>
-        <p:spPr>
-          <a:xfrm>
-            <a:off x="145846" y="6507921"/>
-            <a:ext cx="12375634" cy="31807"/>
-          </a:xfrm>
-          <a:prstGeom prst="line">
-            <a:avLst/>
-          </a:prstGeom>
-        </p:spPr>
-        <p:style>
-          <a:lnRef idx="1">
-            <a:schemeClr val="accent6"/>
-          </a:lnRef>
-          <a:fillRef idx="0">
-            <a:schemeClr val="accent6"/>
-          </a:fillRef>
-          <a:effectRef idx="0">
-            <a:schemeClr val="accent6"/>
-          </a:effectRef>
-          <a:fontRef idx="minor">
-            <a:schemeClr val="tx1"/>
-          </a:fontRef>
-        </p:style>
-      </p:cxnSp>
       <p:sp>
         <p:nvSpPr>
           <p:cNvPr id="57" name="テキスト ボックス 56">
@@ -7983,19 +7972,12 @@
               <a:defRPr/>
             </a:pPr>
             <a:r>
-              <a:rPr kumimoji="1" lang="ja-JP" altLang="en-US" sz="1600" b="1" i="0" u="none" strike="noStrike" kern="1200" cap="none" spc="0" normalizeH="0" baseline="0" noProof="0" dirty="0">
-                <a:ln>
-                  <a:noFill/>
-                </a:ln>
+              <a:rPr lang="ja-JP" altLang="en-US" b="1" dirty="0">
                 <a:solidFill>
                   <a:prstClr val="black"/>
                 </a:solidFill>
-                <a:effectLst/>
-                <a:uLnTx/>
-                <a:uFillTx/>
                 <a:latin typeface="游ゴシック" panose="020B0400000000000000" pitchFamily="50" charset="-128"/>
                 <a:ea typeface="游ゴシック" panose="020B0400000000000000" pitchFamily="50" charset="-128"/>
-                <a:cs typeface="+mn-cs"/>
               </a:rPr>
               <a:t>３</a:t>
             </a:r>
@@ -14495,6 +14477,92 @@
           </a:prstGeom>
         </p:spPr>
       </p:pic>
+      <p:cxnSp>
+        <p:nvCxnSpPr>
+          <p:cNvPr id="52" name="直線コネクタ 51">
+            <a:extLst>
+              <a:ext uri="{FF2B5EF4-FFF2-40B4-BE49-F238E27FC236}">
+                <a16:creationId xmlns:a16="http://schemas.microsoft.com/office/drawing/2014/main" id="{64E09D1F-E5F0-483A-8945-8DE5F7ABF40E}"/>
+              </a:ext>
+            </a:extLst>
+          </p:cNvPr>
+          <p:cNvCxnSpPr>
+            <a:cxnSpLocks/>
+          </p:cNvCxnSpPr>
+          <p:nvPr/>
+        </p:nvCxnSpPr>
+        <p:spPr>
+          <a:xfrm>
+            <a:off x="221612" y="6504067"/>
+            <a:ext cx="12407893" cy="0"/>
+          </a:xfrm>
+          <a:prstGeom prst="line">
+            <a:avLst/>
+          </a:prstGeom>
+        </p:spPr>
+        <p:style>
+          <a:lnRef idx="1">
+            <a:schemeClr val="accent6"/>
+          </a:lnRef>
+          <a:fillRef idx="0">
+            <a:schemeClr val="accent6"/>
+          </a:fillRef>
+          <a:effectRef idx="0">
+            <a:schemeClr val="accent6"/>
+          </a:effectRef>
+          <a:fontRef idx="minor">
+            <a:schemeClr val="tx1"/>
+          </a:fontRef>
+        </p:style>
+      </p:cxnSp>
+      <p:sp>
+        <p:nvSpPr>
+          <p:cNvPr id="72" name="テキスト ボックス 71">
+            <a:extLst>
+              <a:ext uri="{FF2B5EF4-FFF2-40B4-BE49-F238E27FC236}">
+                <a16:creationId xmlns:a16="http://schemas.microsoft.com/office/drawing/2014/main" id="{5E71CD23-AC9E-4E93-8427-882B5BA30D17}"/>
+              </a:ext>
+            </a:extLst>
+          </p:cNvPr>
+          <p:cNvSpPr txBox="1"/>
+          <p:nvPr/>
+        </p:nvSpPr>
+        <p:spPr>
+          <a:xfrm>
+            <a:off x="10301946" y="109416"/>
+            <a:ext cx="2392114" cy="584775"/>
+          </a:xfrm>
+          <a:prstGeom prst="rect">
+            <a:avLst/>
+          </a:prstGeom>
+          <a:noFill/>
+        </p:spPr>
+        <p:txBody>
+          <a:bodyPr wrap="square" rtlCol="0">
+            <a:spAutoFit/>
+          </a:bodyPr>
+          <a:lstStyle/>
+          <a:p>
+            <a:r>
+              <a:rPr kumimoji="1" lang="en-US" altLang="ja-JP" sz="3200" b="1" dirty="0" err="1">
+                <a:solidFill>
+                  <a:srgbClr val="F600AA"/>
+                </a:solidFill>
+                <a:latin typeface="+mn-ea"/>
+                <a:ea typeface="+mn-ea"/>
+              </a:rPr>
+              <a:t>teamNITIC</a:t>
+            </a:r>
+            <a:endParaRPr kumimoji="1" lang="ja-JP" altLang="en-US" sz="3200" b="1" dirty="0">
+              <a:solidFill>
+                <a:srgbClr val="F600AA"/>
+              </a:solidFill>
+              <a:latin typeface="+mn-ea"/>
+              <a:ea typeface="+mn-ea"/>
+            </a:endParaRPr>
+          </a:p>
+        </p:txBody>
+      </p:sp>
     </p:spTree>
     <p:extLst>
       <p:ext uri="{BB962C8B-B14F-4D97-AF65-F5344CB8AC3E}">
@@ -15455,7 +15523,17 @@
               <a:defRPr/>
             </a:pPr>
             <a:r>
-              <a:rPr kumimoji="1" lang="ja-JP" altLang="en-US" sz="1600" b="1" i="0" u="none" strike="noStrike" kern="1200" cap="none" spc="0" normalizeH="0" baseline="0" noProof="0" dirty="0">
+              <a:rPr lang="ja-JP" altLang="en-US" b="1" dirty="0">
+                <a:solidFill>
+                  <a:prstClr val="black"/>
+                </a:solidFill>
+                <a:latin typeface="游ゴシック" panose="020B0400000000000000" pitchFamily="50" charset="-128"/>
+                <a:ea typeface="游ゴシック" panose="020B0400000000000000" pitchFamily="50" charset="-128"/>
+              </a:rPr>
+              <a:t>１</a:t>
+            </a:r>
+            <a:r>
+              <a:rPr kumimoji="1" lang="ja-JP" altLang="en-US" sz="1600" b="1" i="0" u="none" strike="noStrike" kern="1200" cap="none" spc="0" normalizeH="0" baseline="0" noProof="0" dirty="0" err="1">
                 <a:ln>
                   <a:noFill/>
                 </a:ln>
@@ -15469,7 +15547,24 @@
                 <a:ea typeface="游ゴシック" panose="020B0400000000000000" pitchFamily="50" charset="-128"/>
                 <a:cs typeface="+mn-cs"/>
               </a:rPr>
-              <a:t>１．パッケージ化</a:t>
+              <a:t>．</a:t>
+            </a:r>
+            <a:r>
+              <a:rPr kumimoji="1" lang="ja-JP" altLang="en-US" sz="1600" b="1" i="0" u="none" strike="noStrike" kern="1200" cap="none" spc="0" normalizeH="0" baseline="0" noProof="0" dirty="0">
+                <a:ln>
+                  <a:noFill/>
+                </a:ln>
+                <a:solidFill>
+                  <a:prstClr val="black"/>
+                </a:solidFill>
+                <a:effectLst/>
+                <a:uLnTx/>
+                <a:uFillTx/>
+                <a:latin typeface="游ゴシック" panose="020B0400000000000000" pitchFamily="50" charset="-128"/>
+                <a:ea typeface="游ゴシック" panose="020B0400000000000000" pitchFamily="50" charset="-128"/>
+                <a:cs typeface="+mn-cs"/>
+              </a:rPr>
+              <a:t>パッケージ化</a:t>
             </a:r>
             <a:endParaRPr kumimoji="1" lang="ja-JP" altLang="en-US" sz="1600" b="0" i="0" u="none" strike="noStrike" kern="1200" cap="none" spc="0" normalizeH="0" baseline="0" noProof="0" dirty="0">
               <a:ln>
@@ -15901,7 +15996,17 @@
               <a:defRPr/>
             </a:pPr>
             <a:r>
-              <a:rPr kumimoji="1" lang="ja-JP" altLang="en-US" sz="1600" b="1" i="0" u="none" strike="noStrike" kern="1200" cap="none" spc="0" normalizeH="0" baseline="0" noProof="0" dirty="0">
+              <a:rPr lang="ja-JP" altLang="en-US" b="1" dirty="0">
+                <a:solidFill>
+                  <a:prstClr val="black"/>
+                </a:solidFill>
+                <a:latin typeface="游ゴシック" panose="020B0400000000000000" pitchFamily="50" charset="-128"/>
+                <a:ea typeface="游ゴシック" panose="020B0400000000000000" pitchFamily="50" charset="-128"/>
+              </a:rPr>
+              <a:t>２</a:t>
+            </a:r>
+            <a:r>
+              <a:rPr kumimoji="1" lang="ja-JP" altLang="en-US" sz="1600" b="1" i="0" u="none" strike="noStrike" kern="1200" cap="none" spc="0" normalizeH="0" baseline="0" noProof="0" dirty="0" err="1">
                 <a:ln>
                   <a:noFill/>
                 </a:ln>
@@ -15915,7 +16020,24 @@
                 <a:ea typeface="游ゴシック" panose="020B0400000000000000" pitchFamily="50" charset="-128"/>
                 <a:cs typeface="+mn-cs"/>
               </a:rPr>
-              <a:t>２．部品の仕様定義</a:t>
+              <a:t>．</a:t>
+            </a:r>
+            <a:r>
+              <a:rPr kumimoji="1" lang="ja-JP" altLang="en-US" sz="1600" b="1" i="0" u="none" strike="noStrike" kern="1200" cap="none" spc="0" normalizeH="0" baseline="0" noProof="0" dirty="0">
+                <a:ln>
+                  <a:noFill/>
+                </a:ln>
+                <a:solidFill>
+                  <a:prstClr val="black"/>
+                </a:solidFill>
+                <a:effectLst/>
+                <a:uLnTx/>
+                <a:uFillTx/>
+                <a:latin typeface="游ゴシック" panose="020B0400000000000000" pitchFamily="50" charset="-128"/>
+                <a:ea typeface="游ゴシック" panose="020B0400000000000000" pitchFamily="50" charset="-128"/>
+                <a:cs typeface="+mn-cs"/>
+              </a:rPr>
+              <a:t>部品の仕様定義</a:t>
             </a:r>
             <a:endParaRPr kumimoji="1" lang="ja-JP" altLang="en-US" sz="1600" b="0" i="0" u="none" strike="noStrike" kern="1200" cap="none" spc="0" normalizeH="0" baseline="0" noProof="0" dirty="0">
               <a:ln>
@@ -18733,6 +18855,54 @@
           </a:p>
         </p:txBody>
       </p:sp>
+      <p:sp>
+        <p:nvSpPr>
+          <p:cNvPr id="48" name="テキスト ボックス 47">
+            <a:extLst>
+              <a:ext uri="{FF2B5EF4-FFF2-40B4-BE49-F238E27FC236}">
+                <a16:creationId xmlns:a16="http://schemas.microsoft.com/office/drawing/2014/main" id="{606F8DF5-340C-48E3-809F-A1138CA23CDE}"/>
+              </a:ext>
+            </a:extLst>
+          </p:cNvPr>
+          <p:cNvSpPr txBox="1"/>
+          <p:nvPr/>
+        </p:nvSpPr>
+        <p:spPr>
+          <a:xfrm>
+            <a:off x="10301946" y="109416"/>
+            <a:ext cx="2392114" cy="584775"/>
+          </a:xfrm>
+          <a:prstGeom prst="rect">
+            <a:avLst/>
+          </a:prstGeom>
+          <a:noFill/>
+        </p:spPr>
+        <p:txBody>
+          <a:bodyPr wrap="square" rtlCol="0">
+            <a:spAutoFit/>
+          </a:bodyPr>
+          <a:lstStyle/>
+          <a:p>
+            <a:r>
+              <a:rPr kumimoji="1" lang="en-US" altLang="ja-JP" sz="3200" b="1" dirty="0" err="1">
+                <a:solidFill>
+                  <a:srgbClr val="F600AA"/>
+                </a:solidFill>
+                <a:latin typeface="+mn-ea"/>
+                <a:ea typeface="+mn-ea"/>
+              </a:rPr>
+              <a:t>teamNITIC</a:t>
+            </a:r>
+            <a:endParaRPr kumimoji="1" lang="ja-JP" altLang="en-US" sz="3200" b="1" dirty="0">
+              <a:solidFill>
+                <a:srgbClr val="F600AA"/>
+              </a:solidFill>
+              <a:latin typeface="+mn-ea"/>
+              <a:ea typeface="+mn-ea"/>
+            </a:endParaRPr>
+          </a:p>
+        </p:txBody>
+      </p:sp>
     </p:spTree>
     <p:extLst>
       <p:ext uri="{BB962C8B-B14F-4D97-AF65-F5344CB8AC3E}">
@@ -19929,7 +20099,7 @@
         <p:spPr>
           <a:xfrm>
             <a:off x="121201" y="755752"/>
-            <a:ext cx="2211802" cy="338554"/>
+            <a:ext cx="2274988" cy="338554"/>
           </a:xfrm>
           <a:prstGeom prst="rect">
             <a:avLst/>
@@ -19960,6 +20130,16 @@
               <a:defRPr/>
             </a:pPr>
             <a:r>
+              <a:rPr lang="ja-JP" altLang="en-US" b="1" dirty="0">
+                <a:solidFill>
+                  <a:prstClr val="black"/>
+                </a:solidFill>
+                <a:latin typeface="游ゴシック" panose="020B0400000000000000" pitchFamily="50" charset="-128"/>
+                <a:ea typeface="游ゴシック" panose="020B0400000000000000" pitchFamily="50" charset="-128"/>
+              </a:rPr>
+              <a:t>１</a:t>
+            </a:r>
+            <a:r>
               <a:rPr kumimoji="1" lang="en-US" altLang="ja-JP" sz="1600" b="1" i="0" u="none" strike="noStrike" kern="1200" cap="none" spc="0" normalizeH="0" baseline="0" noProof="0" dirty="0">
                 <a:ln>
                   <a:noFill/>
@@ -19974,7 +20154,7 @@
                 <a:ea typeface="游ゴシック" panose="020B0400000000000000" pitchFamily="50" charset="-128"/>
                 <a:cs typeface="+mn-cs"/>
               </a:rPr>
-              <a:t>1.</a:t>
+              <a:t>.</a:t>
             </a:r>
             <a:r>
               <a:rPr kumimoji="1" lang="ja-JP" altLang="en-US" sz="1600" b="1" i="0" u="none" strike="noStrike" kern="1200" cap="none" spc="0" normalizeH="0" baseline="0" noProof="0" dirty="0">
@@ -20150,6 +20330,16 @@
               <a:defRPr/>
             </a:pPr>
             <a:r>
+              <a:rPr lang="ja-JP" altLang="en-US" b="1" dirty="0">
+                <a:solidFill>
+                  <a:prstClr val="black"/>
+                </a:solidFill>
+                <a:latin typeface="游ゴシック" panose="020B0400000000000000" pitchFamily="50" charset="-128"/>
+                <a:ea typeface="游ゴシック" panose="020B0400000000000000" pitchFamily="50" charset="-128"/>
+              </a:rPr>
+              <a:t>２</a:t>
+            </a:r>
+            <a:r>
               <a:rPr kumimoji="1" lang="en-US" altLang="ja-JP" sz="1600" b="1" i="0" u="none" strike="noStrike" kern="1200" cap="none" spc="0" normalizeH="0" baseline="0" noProof="0" dirty="0">
                 <a:ln>
                   <a:noFill/>
@@ -20164,7 +20354,7 @@
                 <a:ea typeface="游ゴシック" panose="020B0400000000000000" pitchFamily="50" charset="-128"/>
                 <a:cs typeface="+mn-cs"/>
               </a:rPr>
-              <a:t>2.</a:t>
+              <a:t>.</a:t>
             </a:r>
             <a:r>
               <a:rPr kumimoji="1" lang="ja-JP" altLang="en-US" sz="1600" b="1" i="0" u="none" strike="noStrike" kern="1200" cap="none" spc="0" normalizeH="0" baseline="0" noProof="0" dirty="0">
@@ -20993,6 +21183,16 @@
               <a:defRPr/>
             </a:pPr>
             <a:r>
+              <a:rPr lang="ja-JP" altLang="en-US" b="1" dirty="0">
+                <a:solidFill>
+                  <a:prstClr val="black"/>
+                </a:solidFill>
+                <a:latin typeface="游ゴシック" panose="020B0400000000000000" pitchFamily="50" charset="-128"/>
+                <a:ea typeface="游ゴシック" panose="020B0400000000000000" pitchFamily="50" charset="-128"/>
+              </a:rPr>
+              <a:t>２</a:t>
+            </a:r>
+            <a:r>
               <a:rPr kumimoji="1" lang="en-US" altLang="ja-JP" sz="1600" b="1" i="0" u="none" strike="noStrike" kern="1200" cap="none" spc="0" normalizeH="0" baseline="0" noProof="0" dirty="0">
                 <a:ln>
                   <a:noFill/>
@@ -21007,7 +21207,7 @@
                 <a:ea typeface="游ゴシック" panose="020B0400000000000000" pitchFamily="50" charset="-128"/>
                 <a:cs typeface="+mn-cs"/>
               </a:rPr>
-              <a:t>2-A</a:t>
+              <a:t>-A</a:t>
             </a:r>
             <a:r>
               <a:rPr kumimoji="1" lang="ja-JP" altLang="en-US" sz="1600" b="1" i="0" u="none" strike="noStrike" kern="1200" cap="none" spc="0" normalizeH="0" baseline="0" noProof="0" dirty="0">
@@ -21269,6 +21469,16 @@
               <a:defRPr/>
             </a:pPr>
             <a:r>
+              <a:rPr lang="ja-JP" altLang="en-US" b="1" dirty="0">
+                <a:solidFill>
+                  <a:prstClr val="black"/>
+                </a:solidFill>
+                <a:latin typeface="游ゴシック" panose="020B0400000000000000" pitchFamily="50" charset="-128"/>
+                <a:ea typeface="游ゴシック" panose="020B0400000000000000" pitchFamily="50" charset="-128"/>
+              </a:rPr>
+              <a:t>２</a:t>
+            </a:r>
+            <a:r>
               <a:rPr kumimoji="1" lang="en-US" altLang="ja-JP" sz="1600" b="1" i="0" u="none" strike="noStrike" kern="1200" cap="none" spc="0" normalizeH="0" baseline="0" noProof="0" dirty="0">
                 <a:ln>
                   <a:noFill/>
@@ -21283,7 +21493,7 @@
                 <a:ea typeface="游ゴシック" panose="020B0400000000000000" pitchFamily="50" charset="-128"/>
                 <a:cs typeface="+mn-cs"/>
               </a:rPr>
-              <a:t>2-B</a:t>
+              <a:t>-B</a:t>
             </a:r>
             <a:r>
               <a:rPr kumimoji="1" lang="ja-JP" altLang="en-US" sz="1600" b="1" i="0" u="none" strike="noStrike" kern="1200" cap="none" spc="0" normalizeH="0" baseline="0" noProof="0" dirty="0">
@@ -23258,6 +23468,54 @@
           </p:txBody>
         </p:sp>
       </p:grpSp>
+      <p:sp>
+        <p:nvSpPr>
+          <p:cNvPr id="65" name="テキスト ボックス 64">
+            <a:extLst>
+              <a:ext uri="{FF2B5EF4-FFF2-40B4-BE49-F238E27FC236}">
+                <a16:creationId xmlns:a16="http://schemas.microsoft.com/office/drawing/2014/main" id="{A6DAA2E6-402A-45E8-9769-DF1DC8EBA18A}"/>
+              </a:ext>
+            </a:extLst>
+          </p:cNvPr>
+          <p:cNvSpPr txBox="1"/>
+          <p:nvPr/>
+        </p:nvSpPr>
+        <p:spPr>
+          <a:xfrm>
+            <a:off x="10301946" y="109416"/>
+            <a:ext cx="2392114" cy="584775"/>
+          </a:xfrm>
+          <a:prstGeom prst="rect">
+            <a:avLst/>
+          </a:prstGeom>
+          <a:noFill/>
+        </p:spPr>
+        <p:txBody>
+          <a:bodyPr wrap="square" rtlCol="0">
+            <a:spAutoFit/>
+          </a:bodyPr>
+          <a:lstStyle/>
+          <a:p>
+            <a:r>
+              <a:rPr kumimoji="1" lang="en-US" altLang="ja-JP" sz="3200" b="1" dirty="0" err="1">
+                <a:solidFill>
+                  <a:srgbClr val="F600AA"/>
+                </a:solidFill>
+                <a:latin typeface="+mn-ea"/>
+                <a:ea typeface="+mn-ea"/>
+              </a:rPr>
+              <a:t>teamNITIC</a:t>
+            </a:r>
+            <a:endParaRPr kumimoji="1" lang="ja-JP" altLang="en-US" sz="3200" b="1" dirty="0">
+              <a:solidFill>
+                <a:srgbClr val="F600AA"/>
+              </a:solidFill>
+              <a:latin typeface="+mn-ea"/>
+              <a:ea typeface="+mn-ea"/>
+            </a:endParaRPr>
+          </a:p>
+        </p:txBody>
+      </p:sp>
     </p:spTree>
     <p:extLst>
       <p:ext uri="{BB962C8B-B14F-4D97-AF65-F5344CB8AC3E}">
@@ -24320,21 +24578,14 @@
               <a:defRPr/>
             </a:pPr>
             <a:r>
-              <a:rPr kumimoji="1" lang="en-US" altLang="ja-JP" sz="1600" b="1" i="0" u="none" strike="noStrike" kern="1200" cap="none" spc="0" normalizeH="0" baseline="0" noProof="0" dirty="0">
-                <a:ln>
-                  <a:noFill/>
-                </a:ln>
+              <a:rPr lang="ja-JP" altLang="en-US" b="1" dirty="0">
                 <a:solidFill>
                   <a:prstClr val="black"/>
                 </a:solidFill>
-                <a:effectLst/>
-                <a:uLnTx/>
-                <a:uFillTx/>
                 <a:latin typeface="游ゴシック" panose="020B0400000000000000" pitchFamily="50" charset="-128"/>
                 <a:ea typeface="游ゴシック" panose="020B0400000000000000" pitchFamily="50" charset="-128"/>
-                <a:cs typeface="+mn-cs"/>
               </a:rPr>
-              <a:t>3</a:t>
+              <a:t>３</a:t>
             </a:r>
             <a:r>
               <a:rPr kumimoji="1" lang="ja-JP" altLang="en-US" sz="1600" b="1" i="0" u="none" strike="noStrike" kern="1200" cap="none" spc="0" normalizeH="0" baseline="0" noProof="0" dirty="0" err="1">
@@ -24561,6 +24812,16 @@
               <a:defRPr/>
             </a:pPr>
             <a:r>
+              <a:rPr lang="ja-JP" altLang="en-US" b="1" dirty="0">
+                <a:solidFill>
+                  <a:prstClr val="black"/>
+                </a:solidFill>
+                <a:latin typeface="游ゴシック" panose="020B0400000000000000" pitchFamily="50" charset="-128"/>
+                <a:ea typeface="游ゴシック" panose="020B0400000000000000" pitchFamily="50" charset="-128"/>
+              </a:rPr>
+              <a:t>２</a:t>
+            </a:r>
+            <a:r>
               <a:rPr kumimoji="1" lang="en-US" altLang="ja-JP" sz="1600" b="1" i="0" u="none" strike="noStrike" kern="1200" cap="none" spc="0" normalizeH="0" baseline="0" noProof="0" dirty="0">
                 <a:ln>
                   <a:noFill/>
@@ -24575,7 +24836,7 @@
                 <a:ea typeface="游ゴシック" panose="020B0400000000000000" pitchFamily="50" charset="-128"/>
                 <a:cs typeface="+mn-cs"/>
               </a:rPr>
-              <a:t>2-B.</a:t>
+              <a:t>-B.</a:t>
             </a:r>
             <a:r>
               <a:rPr kumimoji="1" lang="ja-JP" altLang="en-US" sz="1600" b="1" i="0" u="none" strike="noStrike" kern="1200" cap="none" spc="0" normalizeH="0" baseline="0" noProof="0" dirty="0">
@@ -27566,6 +27827,54 @@
           </p:txBody>
         </p:sp>
       </p:grpSp>
+      <p:sp>
+        <p:nvSpPr>
+          <p:cNvPr id="74" name="テキスト ボックス 73">
+            <a:extLst>
+              <a:ext uri="{FF2B5EF4-FFF2-40B4-BE49-F238E27FC236}">
+                <a16:creationId xmlns:a16="http://schemas.microsoft.com/office/drawing/2014/main" id="{A5846C84-42B8-4EE9-A815-729435606A11}"/>
+              </a:ext>
+            </a:extLst>
+          </p:cNvPr>
+          <p:cNvSpPr txBox="1"/>
+          <p:nvPr/>
+        </p:nvSpPr>
+        <p:spPr>
+          <a:xfrm>
+            <a:off x="10301946" y="109416"/>
+            <a:ext cx="2392114" cy="584775"/>
+          </a:xfrm>
+          <a:prstGeom prst="rect">
+            <a:avLst/>
+          </a:prstGeom>
+          <a:noFill/>
+        </p:spPr>
+        <p:txBody>
+          <a:bodyPr wrap="square" rtlCol="0">
+            <a:spAutoFit/>
+          </a:bodyPr>
+          <a:lstStyle/>
+          <a:p>
+            <a:r>
+              <a:rPr kumimoji="1" lang="en-US" altLang="ja-JP" sz="3200" b="1" dirty="0" err="1">
+                <a:solidFill>
+                  <a:srgbClr val="F600AA"/>
+                </a:solidFill>
+                <a:latin typeface="+mn-ea"/>
+                <a:ea typeface="+mn-ea"/>
+              </a:rPr>
+              <a:t>teamNITIC</a:t>
+            </a:r>
+            <a:endParaRPr kumimoji="1" lang="ja-JP" altLang="en-US" sz="3200" b="1" dirty="0">
+              <a:solidFill>
+                <a:srgbClr val="F600AA"/>
+              </a:solidFill>
+              <a:latin typeface="+mn-ea"/>
+              <a:ea typeface="+mn-ea"/>
+            </a:endParaRPr>
+          </a:p>
+        </p:txBody>
+      </p:sp>
     </p:spTree>
     <p:extLst>
       <p:ext uri="{BB962C8B-B14F-4D97-AF65-F5344CB8AC3E}">
@@ -28691,7 +29000,17 @@
                 <a:defRPr/>
               </a:pPr>
               <a:r>
-                <a:rPr kumimoji="1" lang="ja-JP" altLang="en-US" sz="1600" b="1" i="0" u="none" strike="noStrike" kern="1200" cap="none" spc="0" normalizeH="0" baseline="0" noProof="0">
+                <a:rPr lang="ja-JP" altLang="en-US" b="1" dirty="0">
+                  <a:solidFill>
+                    <a:prstClr val="black"/>
+                  </a:solidFill>
+                  <a:latin typeface="Yu Gothic" panose="020B0400000000000000" pitchFamily="34" charset="-128"/>
+                  <a:ea typeface="Yu Gothic" panose="020B0400000000000000" pitchFamily="34" charset="-128"/>
+                </a:rPr>
+                <a:t>１</a:t>
+              </a:r>
+              <a:r>
+                <a:rPr kumimoji="1" lang="ja-JP" altLang="en-US" sz="1600" b="1" i="0" u="none" strike="noStrike" kern="1200" cap="none" spc="0" normalizeH="0" baseline="0" noProof="0" dirty="0" err="1">
                   <a:ln>
                     <a:noFill/>
                   </a:ln>
@@ -28705,7 +29024,24 @@
                   <a:ea typeface="Yu Gothic" panose="020B0400000000000000" pitchFamily="34" charset="-128"/>
                   <a:cs typeface="+mn-cs"/>
                 </a:rPr>
-                <a:t>１．工夫点</a:t>
+                <a:t>．</a:t>
+              </a:r>
+              <a:r>
+                <a:rPr kumimoji="1" lang="ja-JP" altLang="en-US" sz="1600" b="1" i="0" u="none" strike="noStrike" kern="1200" cap="none" spc="0" normalizeH="0" baseline="0" noProof="0" dirty="0">
+                  <a:ln>
+                    <a:noFill/>
+                  </a:ln>
+                  <a:solidFill>
+                    <a:prstClr val="black"/>
+                  </a:solidFill>
+                  <a:effectLst/>
+                  <a:uLnTx/>
+                  <a:uFillTx/>
+                  <a:latin typeface="Yu Gothic" panose="020B0400000000000000" pitchFamily="34" charset="-128"/>
+                  <a:ea typeface="Yu Gothic" panose="020B0400000000000000" pitchFamily="34" charset="-128"/>
+                  <a:cs typeface="+mn-cs"/>
+                </a:rPr>
+                <a:t>工夫点</a:t>
               </a:r>
               <a:endParaRPr kumimoji="1" lang="en-US" altLang="ja-JP" sz="1600" b="1" i="0" u="none" strike="noStrike" kern="1200" cap="none" spc="0" normalizeH="0" baseline="0" noProof="0" dirty="0">
                 <a:ln>
@@ -29069,7 +29405,7 @@
                 <a:defRPr/>
               </a:pPr>
               <a:r>
-                <a:rPr kumimoji="1" lang="ja-JP" altLang="en-US" sz="1600" b="1" i="0" u="none" strike="noStrike" kern="1200" cap="none" spc="0" normalizeH="0" baseline="0" noProof="0">
+                <a:rPr kumimoji="1" lang="ja-JP" altLang="en-US" sz="1600" b="1" i="0" u="none" strike="noStrike" kern="1200" cap="none" spc="0" normalizeH="0" baseline="0" noProof="0" dirty="0">
                   <a:ln>
                     <a:noFill/>
                   </a:ln>
@@ -29212,7 +29548,17 @@
                 <a:defRPr/>
               </a:pPr>
               <a:r>
-                <a:rPr kumimoji="1" lang="ja-JP" altLang="en-US" sz="1600" b="1" i="0" u="none" strike="noStrike" kern="1200" cap="none" spc="0" normalizeH="0" baseline="0" noProof="0">
+                <a:rPr lang="ja-JP" altLang="en-US" b="1" dirty="0">
+                  <a:solidFill>
+                    <a:prstClr val="black"/>
+                  </a:solidFill>
+                  <a:latin typeface="Yu Gothic" panose="020B0400000000000000" pitchFamily="34" charset="-128"/>
+                  <a:ea typeface="Yu Gothic" panose="020B0400000000000000" pitchFamily="34" charset="-128"/>
+                </a:rPr>
+                <a:t>３</a:t>
+              </a:r>
+              <a:r>
+                <a:rPr kumimoji="1" lang="ja-JP" altLang="en-US" sz="1600" b="1" i="0" u="none" strike="noStrike" kern="1200" cap="none" spc="0" normalizeH="0" baseline="0" noProof="0" dirty="0" err="1">
                   <a:ln>
                     <a:noFill/>
                   </a:ln>
@@ -29226,7 +29572,24 @@
                   <a:ea typeface="Yu Gothic" panose="020B0400000000000000" pitchFamily="34" charset="-128"/>
                   <a:cs typeface="+mn-cs"/>
                 </a:rPr>
-                <a:t>３．実装</a:t>
+                <a:t>．</a:t>
+              </a:r>
+              <a:r>
+                <a:rPr kumimoji="1" lang="ja-JP" altLang="en-US" sz="1600" b="1" i="0" u="none" strike="noStrike" kern="1200" cap="none" spc="0" normalizeH="0" baseline="0" noProof="0" dirty="0">
+                  <a:ln>
+                    <a:noFill/>
+                  </a:ln>
+                  <a:solidFill>
+                    <a:prstClr val="black"/>
+                  </a:solidFill>
+                  <a:effectLst/>
+                  <a:uLnTx/>
+                  <a:uFillTx/>
+                  <a:latin typeface="Yu Gothic" panose="020B0400000000000000" pitchFamily="34" charset="-128"/>
+                  <a:ea typeface="Yu Gothic" panose="020B0400000000000000" pitchFamily="34" charset="-128"/>
+                  <a:cs typeface="+mn-cs"/>
+                </a:rPr>
+                <a:t>実装</a:t>
               </a:r>
               <a:endParaRPr kumimoji="1" lang="en-US" altLang="ja-JP" sz="1600" b="1" i="0" u="none" strike="noStrike" kern="1200" cap="none" spc="0" normalizeH="0" baseline="0" noProof="0" dirty="0">
                 <a:ln>
@@ -29292,7 +29655,7 @@
               <a:defRPr/>
             </a:pPr>
             <a:r>
-              <a:rPr kumimoji="1" lang="ja-JP" altLang="en-US" sz="1050" b="0" i="0" u="none" strike="noStrike" kern="1200" cap="none" spc="0" normalizeH="0" baseline="0" noProof="0">
+              <a:rPr kumimoji="1" lang="ja-JP" altLang="en-US" sz="1050" b="0" i="0" u="none" strike="noStrike" kern="1200" cap="none" spc="0" normalizeH="0" baseline="0" noProof="0" dirty="0">
                 <a:ln>
                   <a:noFill/>
                 </a:ln>
@@ -29375,7 +29738,7 @@
               <a:defRPr/>
             </a:pPr>
             <a:r>
-              <a:rPr kumimoji="1" lang="ja-JP" altLang="en-US" sz="1050" b="0" i="0" u="none" strike="noStrike" kern="1200" cap="none" spc="0" normalizeH="0" baseline="0" noProof="0">
+              <a:rPr kumimoji="1" lang="ja-JP" altLang="en-US" sz="1050" b="0" i="0" u="none" strike="noStrike" kern="1200" cap="none" spc="0" normalizeH="0" baseline="0" noProof="0" dirty="0">
                 <a:ln>
                   <a:noFill/>
                 </a:ln>
@@ -29409,7 +29772,7 @@
               <a:t>15</a:t>
             </a:r>
             <a:r>
-              <a:rPr kumimoji="1" lang="ja-JP" altLang="en-US" sz="1050" b="0" i="0" u="none" strike="noStrike" kern="1200" cap="none" spc="0" normalizeH="0" baseline="0" noProof="0">
+              <a:rPr kumimoji="1" lang="ja-JP" altLang="en-US" sz="1050" b="0" i="0" u="none" strike="noStrike" kern="1200" cap="none" spc="0" normalizeH="0" baseline="0" noProof="0" dirty="0">
                 <a:ln>
                   <a:noFill/>
                 </a:ln>
@@ -29492,7 +29855,7 @@
               <a:defRPr/>
             </a:pPr>
             <a:r>
-              <a:rPr kumimoji="1" lang="ja-JP" altLang="en-US" sz="1050" b="0" i="0" u="none" strike="noStrike" kern="1200" cap="none" spc="0" normalizeH="0" baseline="0" noProof="0">
+              <a:rPr kumimoji="1" lang="ja-JP" altLang="en-US" sz="1050" b="0" i="0" u="none" strike="noStrike" kern="1200" cap="none" spc="0" normalizeH="0" baseline="0" noProof="0" dirty="0">
                 <a:ln>
                   <a:noFill/>
                 </a:ln>
@@ -29526,7 +29889,7 @@
               <a:t>PID</a:t>
             </a:r>
             <a:r>
-              <a:rPr kumimoji="1" lang="ja-JP" altLang="en-US" sz="1050" b="0" i="0" u="none" strike="noStrike" kern="1200" cap="none" spc="0" normalizeH="0" baseline="0" noProof="0">
+              <a:rPr kumimoji="1" lang="ja-JP" altLang="en-US" sz="1050" b="0" i="0" u="none" strike="noStrike" kern="1200" cap="none" spc="0" normalizeH="0" baseline="0" noProof="0" dirty="0">
                 <a:ln>
                   <a:noFill/>
                 </a:ln>
@@ -29560,7 +29923,7 @@
               <a:t>15</a:t>
             </a:r>
             <a:r>
-              <a:rPr kumimoji="1" lang="ja-JP" altLang="en-US" sz="1050" b="0" i="0" u="none" strike="noStrike" kern="1200" cap="none" spc="0" normalizeH="0" baseline="0" noProof="0">
+              <a:rPr kumimoji="1" lang="ja-JP" altLang="en-US" sz="1050" b="0" i="0" u="none" strike="noStrike" kern="1200" cap="none" spc="0" normalizeH="0" baseline="0" noProof="0" dirty="0">
                 <a:ln>
                   <a:noFill/>
                 </a:ln>
@@ -29594,7 +29957,7 @@
               <a:t>4</a:t>
             </a:r>
             <a:r>
-              <a:rPr kumimoji="1" lang="ja-JP" altLang="en-US" sz="1050" b="0" i="0" u="none" strike="noStrike" kern="1200" cap="none" spc="0" normalizeH="0" baseline="0" noProof="0">
+              <a:rPr kumimoji="1" lang="ja-JP" altLang="en-US" sz="1050" b="0" i="0" u="none" strike="noStrike" kern="1200" cap="none" spc="0" normalizeH="0" baseline="0" noProof="0" dirty="0">
                 <a:ln>
                   <a:noFill/>
                 </a:ln>
@@ -29628,7 +29991,7 @@
               <a:t>4</a:t>
             </a:r>
             <a:r>
-              <a:rPr kumimoji="1" lang="ja-JP" altLang="en-US" sz="1050" b="0" i="0" u="none" strike="noStrike" kern="1200" cap="none" spc="0" normalizeH="0" baseline="0" noProof="0">
+              <a:rPr kumimoji="1" lang="ja-JP" altLang="en-US" sz="1050" b="0" i="0" u="none" strike="noStrike" kern="1200" cap="none" spc="0" normalizeH="0" baseline="0" noProof="0" dirty="0">
                 <a:ln>
                   <a:noFill/>
                 </a:ln>
@@ -29662,7 +30025,7 @@
               <a:t>PID</a:t>
             </a:r>
             <a:r>
-              <a:rPr kumimoji="1" lang="ja-JP" altLang="en-US" sz="1050" b="0" i="0" u="none" strike="noStrike" kern="1200" cap="none" spc="0" normalizeH="0" baseline="0" noProof="0">
+              <a:rPr kumimoji="1" lang="ja-JP" altLang="en-US" sz="1050" b="0" i="0" u="none" strike="noStrike" kern="1200" cap="none" spc="0" normalizeH="0" baseline="0" noProof="0" dirty="0">
                 <a:ln>
                   <a:noFill/>
                 </a:ln>
@@ -29745,7 +30108,7 @@
               <a:defRPr/>
             </a:pPr>
             <a:r>
-              <a:rPr kumimoji="1" lang="ja-JP" altLang="en-US" sz="1050" b="0" i="0" u="none" strike="noStrike" kern="1200" cap="none" spc="0" normalizeH="0" baseline="0" noProof="0">
+              <a:rPr kumimoji="1" lang="ja-JP" altLang="en-US" sz="1050" b="0" i="0" u="none" strike="noStrike" kern="1200" cap="none" spc="0" normalizeH="0" baseline="0" noProof="0" dirty="0">
                 <a:ln>
                   <a:noFill/>
                 </a:ln>
@@ -29779,7 +30142,7 @@
               <a:t>1</a:t>
             </a:r>
             <a:r>
-              <a:rPr kumimoji="1" lang="ja-JP" altLang="en-US" sz="1050" b="0" i="0" u="none" strike="noStrike" kern="1200" cap="none" spc="0" normalizeH="0" baseline="0" noProof="0">
+              <a:rPr kumimoji="1" lang="ja-JP" altLang="en-US" sz="1050" b="0" i="0" u="none" strike="noStrike" kern="1200" cap="none" spc="0" normalizeH="0" baseline="0" noProof="0" dirty="0">
                 <a:ln>
                   <a:noFill/>
                 </a:ln>
@@ -29813,7 +30176,7 @@
               <a:t>8</a:t>
             </a:r>
             <a:r>
-              <a:rPr kumimoji="1" lang="ja-JP" altLang="en-US" sz="1050" b="0" i="0" u="none" strike="noStrike" kern="1200" cap="none" spc="0" normalizeH="0" baseline="0" noProof="0">
+              <a:rPr kumimoji="1" lang="ja-JP" altLang="en-US" sz="1050" b="0" i="0" u="none" strike="noStrike" kern="1200" cap="none" spc="0" normalizeH="0" baseline="0" noProof="0" dirty="0">
                 <a:ln>
                   <a:noFill/>
                 </a:ln>
@@ -29896,7 +30259,7 @@
               <a:defRPr/>
             </a:pPr>
             <a:r>
-              <a:rPr kumimoji="1" lang="ja-JP" altLang="en-US" sz="1050" b="0" i="0" u="none" strike="noStrike" kern="1200" cap="none" spc="0" normalizeH="0" baseline="0" noProof="0">
+              <a:rPr kumimoji="1" lang="ja-JP" altLang="en-US" sz="1050" b="0" i="0" u="none" strike="noStrike" kern="1200" cap="none" spc="0" normalizeH="0" baseline="0" noProof="0" dirty="0">
                 <a:ln>
                   <a:noFill/>
                 </a:ln>
@@ -29930,7 +30293,7 @@
               <a:t>1</a:t>
             </a:r>
             <a:r>
-              <a:rPr kumimoji="1" lang="ja-JP" altLang="en-US" sz="1050" b="0" i="0" u="none" strike="noStrike" kern="1200" cap="none" spc="0" normalizeH="0" baseline="0" noProof="0">
+              <a:rPr kumimoji="1" lang="ja-JP" altLang="en-US" sz="1050" b="0" i="0" u="none" strike="noStrike" kern="1200" cap="none" spc="0" normalizeH="0" baseline="0" noProof="0" dirty="0">
                 <a:ln>
                   <a:noFill/>
                 </a:ln>
@@ -30030,7 +30393,7 @@
               <a:t>PID</a:t>
             </a:r>
             <a:r>
-              <a:rPr kumimoji="1" lang="ja-JP" altLang="en-US" sz="1050" b="0" i="0" u="none" strike="noStrike" kern="1200" cap="none" spc="0" normalizeH="0" baseline="0" noProof="0">
+              <a:rPr kumimoji="1" lang="ja-JP" altLang="en-US" sz="1050" b="0" i="0" u="none" strike="noStrike" kern="1200" cap="none" spc="0" normalizeH="0" baseline="0" noProof="0" dirty="0">
                 <a:ln>
                   <a:noFill/>
                 </a:ln>
@@ -30064,7 +30427,7 @@
               <a:t>Ki</a:t>
             </a:r>
             <a:r>
-              <a:rPr kumimoji="1" lang="ja-JP" altLang="en-US" sz="1050" b="0" i="0" u="none" strike="noStrike" kern="1200" cap="none" spc="0" normalizeH="0" baseline="0" noProof="0">
+              <a:rPr kumimoji="1" lang="ja-JP" altLang="en-US" sz="1050" b="0" i="0" u="none" strike="noStrike" kern="1200" cap="none" spc="0" normalizeH="0" baseline="0" noProof="0" dirty="0">
                 <a:ln>
                   <a:noFill/>
                 </a:ln>
@@ -37224,6 +37587,16 @@
                 <a:defRPr/>
               </a:pPr>
               <a:r>
+                <a:rPr lang="ja-JP" altLang="en-US" b="1">
+                  <a:solidFill>
+                    <a:prstClr val="black"/>
+                  </a:solidFill>
+                  <a:latin typeface="Yu Gothic" panose="020B0400000000000000" pitchFamily="34" charset="-128"/>
+                  <a:ea typeface="Yu Gothic" panose="020B0400000000000000" pitchFamily="34" charset="-128"/>
+                </a:rPr>
+                <a:t>４</a:t>
+              </a:r>
+              <a:r>
                 <a:rPr kumimoji="1" lang="ja-JP" altLang="en-US" sz="1600" b="1" i="0" u="none" strike="noStrike" kern="1200" cap="none" spc="0" normalizeH="0" baseline="0" noProof="0">
                   <a:ln>
                     <a:noFill/>
@@ -37238,7 +37611,24 @@
                   <a:ea typeface="Yu Gothic" panose="020B0400000000000000" pitchFamily="34" charset="-128"/>
                   <a:cs typeface="+mn-cs"/>
                 </a:rPr>
-                <a:t>４．効果の検証</a:t>
+                <a:t>．</a:t>
+              </a:r>
+              <a:r>
+                <a:rPr kumimoji="1" lang="ja-JP" altLang="en-US" sz="1600" b="1" i="0" u="none" strike="noStrike" kern="1200" cap="none" spc="0" normalizeH="0" baseline="0" noProof="0" dirty="0">
+                  <a:ln>
+                    <a:noFill/>
+                  </a:ln>
+                  <a:solidFill>
+                    <a:prstClr val="black"/>
+                  </a:solidFill>
+                  <a:effectLst/>
+                  <a:uLnTx/>
+                  <a:uFillTx/>
+                  <a:latin typeface="Yu Gothic" panose="020B0400000000000000" pitchFamily="34" charset="-128"/>
+                  <a:ea typeface="Yu Gothic" panose="020B0400000000000000" pitchFamily="34" charset="-128"/>
+                  <a:cs typeface="+mn-cs"/>
+                </a:rPr>
+                <a:t>効果の検証</a:t>
               </a:r>
               <a:endParaRPr kumimoji="1" lang="en-US" altLang="ja-JP" sz="1600" b="1" i="0" u="none" strike="noStrike" kern="1200" cap="none" spc="0" normalizeH="0" baseline="0" noProof="0" dirty="0">
                 <a:ln>
@@ -39253,6 +39643,54 @@
               <a:latin typeface="游ゴシック" panose="020F0502020204030204"/>
               <a:ea typeface="游ゴシック" panose="020B0400000000000000" pitchFamily="50" charset="-128"/>
               <a:cs typeface="+mn-cs"/>
+            </a:endParaRPr>
+          </a:p>
+        </p:txBody>
+      </p:sp>
+      <p:sp>
+        <p:nvSpPr>
+          <p:cNvPr id="5" name="テキスト ボックス 4">
+            <a:extLst>
+              <a:ext uri="{FF2B5EF4-FFF2-40B4-BE49-F238E27FC236}">
+                <a16:creationId xmlns:a16="http://schemas.microsoft.com/office/drawing/2014/main" id="{594B1FEF-0212-4B0E-85FD-D48A10B9DEC1}"/>
+              </a:ext>
+            </a:extLst>
+          </p:cNvPr>
+          <p:cNvSpPr txBox="1"/>
+          <p:nvPr/>
+        </p:nvSpPr>
+        <p:spPr>
+          <a:xfrm>
+            <a:off x="10301946" y="109416"/>
+            <a:ext cx="2392114" cy="584775"/>
+          </a:xfrm>
+          <a:prstGeom prst="rect">
+            <a:avLst/>
+          </a:prstGeom>
+          <a:noFill/>
+        </p:spPr>
+        <p:txBody>
+          <a:bodyPr wrap="square" rtlCol="0">
+            <a:spAutoFit/>
+          </a:bodyPr>
+          <a:lstStyle/>
+          <a:p>
+            <a:r>
+              <a:rPr kumimoji="1" lang="en-US" altLang="ja-JP" sz="3200" b="1" dirty="0" err="1">
+                <a:solidFill>
+                  <a:srgbClr val="F600AA"/>
+                </a:solidFill>
+                <a:latin typeface="+mn-ea"/>
+                <a:ea typeface="+mn-ea"/>
+              </a:rPr>
+              <a:t>teamNITIC</a:t>
+            </a:r>
+            <a:endParaRPr kumimoji="1" lang="ja-JP" altLang="en-US" sz="3200" b="1" dirty="0">
+              <a:solidFill>
+                <a:srgbClr val="F600AA"/>
+              </a:solidFill>
+              <a:latin typeface="+mn-ea"/>
+              <a:ea typeface="+mn-ea"/>
             </a:endParaRPr>
           </a:p>
         </p:txBody>

--- a/PowerPoint/提出用.pptx
+++ b/PowerPoint/提出用.pptx
@@ -6668,21 +6668,24 @@
                 <a:t>２</a:t>
               </a:r>
               <a:r>
-                <a:rPr kumimoji="1" lang="ja-JP" altLang="en-US" sz="1600" b="1" i="0" u="none" strike="noStrike" kern="1200" cap="none" spc="0" normalizeH="0" baseline="0" noProof="0" dirty="0" err="1">
-                  <a:ln>
-                    <a:noFill/>
-                  </a:ln>
+                <a:rPr lang="en-US" altLang="ja-JP" b="1" dirty="0">
                   <a:solidFill>
                     <a:prstClr val="black"/>
                   </a:solidFill>
-                  <a:effectLst/>
-                  <a:uLnTx/>
-                  <a:uFillTx/>
                   <a:latin typeface="游ゴシック" panose="020B0400000000000000" pitchFamily="50" charset="-128"/>
                   <a:ea typeface="游ゴシック" panose="020B0400000000000000" pitchFamily="50" charset="-128"/>
-                  <a:cs typeface="+mn-cs"/>
                 </a:rPr>
-                <a:t>．</a:t>
+                <a:t>.</a:t>
+              </a:r>
+              <a:r>
+                <a:rPr lang="ja-JP" altLang="en-US" b="1" dirty="0">
+                  <a:solidFill>
+                    <a:prstClr val="black"/>
+                  </a:solidFill>
+                  <a:latin typeface="游ゴシック" panose="020B0400000000000000" pitchFamily="50" charset="-128"/>
+                  <a:ea typeface="游ゴシック" panose="020B0400000000000000" pitchFamily="50" charset="-128"/>
+                </a:rPr>
+                <a:t> </a:t>
               </a:r>
               <a:r>
                 <a:rPr kumimoji="1" lang="ja-JP" altLang="en-US" sz="1600" b="1" i="0" u="none" strike="noStrike" kern="1200" cap="none" spc="0" normalizeH="0" baseline="0" noProof="0" dirty="0">
@@ -7193,7 +7196,44 @@
                   <a:ea typeface="游ゴシック" panose="020B0400000000000000" pitchFamily="50" charset="-128"/>
                   <a:cs typeface="+mn-cs"/>
                 </a:rPr>
-                <a:t>１．提供する機能</a:t>
+                <a:t>１</a:t>
+              </a:r>
+              <a:r>
+                <a:rPr lang="en-US" altLang="ja-JP" b="1" dirty="0">
+                  <a:solidFill>
+                    <a:prstClr val="black"/>
+                  </a:solidFill>
+                  <a:latin typeface="游ゴシック" panose="020B0400000000000000" pitchFamily="50" charset="-128"/>
+                  <a:ea typeface="游ゴシック" panose="020B0400000000000000" pitchFamily="50" charset="-128"/>
+                </a:rPr>
+                <a:t>.</a:t>
+              </a:r>
+              <a:r>
+                <a:rPr lang="ja-JP" altLang="en-US" b="1" dirty="0">
+                  <a:solidFill>
+                    <a:prstClr val="black"/>
+                  </a:solidFill>
+                  <a:latin typeface="游ゴシック" panose="020B0400000000000000" pitchFamily="50" charset="-128"/>
+                  <a:ea typeface="游ゴシック" panose="020B0400000000000000" pitchFamily="50" charset="-128"/>
+                </a:rPr>
+                <a:t> </a:t>
+              </a:r>
+              <a:r>
+                <a:rPr kumimoji="1" lang="ja-JP" altLang="en-US" sz="1600" b="1" i="0" u="none" strike="noStrike" kern="1200" cap="none" spc="0" normalizeH="0" baseline="0" noProof="0" dirty="0">
+                  <a:ln>
+                    <a:noFill/>
+                  </a:ln>
+                  <a:solidFill>
+                    <a:prstClr val="black"/>
+                  </a:solidFill>
+                  <a:effectLst/>
+                  <a:uLnTx/>
+                  <a:uFillTx/>
+                  <a:latin typeface="游ゴシック" panose="020B0400000000000000" pitchFamily="50" charset="-128"/>
+                  <a:ea typeface="游ゴシック" panose="020B0400000000000000" pitchFamily="50" charset="-128"/>
+                  <a:cs typeface="+mn-cs"/>
+                </a:rPr>
+                <a:t>提供する機能</a:t>
               </a:r>
             </a:p>
           </p:txBody>
@@ -7358,7 +7398,17 @@
                 <a:ea typeface="游ゴシック" panose="020B0400000000000000" pitchFamily="50" charset="-128"/>
                 <a:cs typeface="+mn-cs"/>
               </a:rPr>
-              <a:t>補足２</a:t>
+              <a:t>補足</a:t>
+            </a:r>
+            <a:r>
+              <a:rPr lang="ja-JP" altLang="en-US" b="1" dirty="0">
+                <a:solidFill>
+                  <a:prstClr val="black"/>
+                </a:solidFill>
+                <a:latin typeface="游ゴシック" panose="020F0502020204030204"/>
+                <a:ea typeface="游ゴシック" panose="020B0400000000000000" pitchFamily="50" charset="-128"/>
+              </a:rPr>
+              <a:t>２</a:t>
             </a:r>
             <a:r>
               <a:rPr kumimoji="1" lang="en-US" altLang="ja-JP" sz="1600" b="1" i="0" u="none" strike="noStrike" kern="1200" cap="none" spc="0" normalizeH="0" baseline="0" noProof="0" dirty="0">
@@ -7375,7 +7425,7 @@
                 <a:ea typeface="游ゴシック" panose="020B0400000000000000" pitchFamily="50" charset="-128"/>
                 <a:cs typeface="+mn-cs"/>
               </a:rPr>
-              <a:t> .</a:t>
+              <a:t>.</a:t>
             </a:r>
             <a:r>
               <a:rPr kumimoji="1" lang="ja-JP" altLang="en-US" sz="1600" b="1" i="0" u="none" strike="noStrike" kern="1200" cap="none" spc="0" normalizeH="0" baseline="0" noProof="0" dirty="0">
@@ -9170,7 +9220,11 @@
             <a:graphicFrameLocks noGrp="1"/>
           </p:cNvGraphicFramePr>
           <p:nvPr>
-            <p:extLst/>
+            <p:extLst>
+              <p:ext uri="{D42A27DB-BD31-4B8C-83A1-F6EECF244321}">
+                <p14:modId xmlns:p14="http://schemas.microsoft.com/office/powerpoint/2010/main" val="2639335689"/>
+              </p:ext>
+            </p:extLst>
           </p:nvPr>
         </p:nvGraphicFramePr>
         <p:xfrm>
@@ -9303,6 +9357,7 @@
                     <a:bodyPr/>
                     <a:lstStyle/>
                     <a:p>
+                      <a:pPr algn="ctr"/>
                       <a:r>
                         <a:rPr kumimoji="1" lang="en-US" altLang="ja-JP" sz="1050" dirty="0">
                           <a:latin typeface="メイリオ" panose="020B0604030504040204" pitchFamily="50" charset="-128"/>
@@ -9375,6 +9430,7 @@
                     <a:bodyPr/>
                     <a:lstStyle/>
                     <a:p>
+                      <a:pPr algn="ctr"/>
                       <a:r>
                         <a:rPr kumimoji="1" lang="en-US" altLang="ja-JP" sz="1050" dirty="0">
                           <a:latin typeface="メイリオ" panose="020B0604030504040204" pitchFamily="50" charset="-128"/>
@@ -9447,6 +9503,7 @@
                     <a:bodyPr/>
                     <a:lstStyle/>
                     <a:p>
+                      <a:pPr algn="ctr"/>
                       <a:r>
                         <a:rPr kumimoji="1" lang="en-US" altLang="ja-JP" sz="1050" dirty="0">
                           <a:latin typeface="メイリオ" panose="020B0604030504040204" pitchFamily="50" charset="-128"/>
@@ -9519,6 +9576,7 @@
                     <a:bodyPr/>
                     <a:lstStyle/>
                     <a:p>
+                      <a:pPr algn="ctr"/>
                       <a:r>
                         <a:rPr kumimoji="1" lang="en-US" altLang="ja-JP" sz="1050" dirty="0">
                           <a:latin typeface="メイリオ" panose="020B0604030504040204" pitchFamily="50" charset="-128"/>
@@ -14187,10 +14245,10 @@
                 <a:ea typeface="游ゴシック" panose="020B0400000000000000" pitchFamily="50" charset="-128"/>
                 <a:cs typeface="+mn-cs"/>
               </a:rPr>
-              <a:t>これらの値を設定した</a:t>
+              <a:t>これらの値を設定した根拠を「４</a:t>
             </a:r>
             <a:r>
-              <a:rPr kumimoji="1" lang="ja-JP" altLang="en-US" sz="1400" b="1" i="0" u="none" strike="noStrike" kern="1200" cap="none" spc="0" normalizeH="0" baseline="0" noProof="0">
+              <a:rPr kumimoji="1" lang="en-US" altLang="ja-JP" sz="1400" b="1" i="0" u="none" strike="noStrike" kern="1200" cap="none" spc="0" normalizeH="0" baseline="0" noProof="0" dirty="0">
                 <a:ln>
                   <a:noFill/>
                 </a:ln>
@@ -14204,22 +14262,25 @@
                 <a:ea typeface="游ゴシック" panose="020B0400000000000000" pitchFamily="50" charset="-128"/>
                 <a:cs typeface="+mn-cs"/>
               </a:rPr>
-              <a:t>根拠を「４．工夫点」で解説する．</a:t>
+              <a:t>. </a:t>
             </a:r>
-            <a:endParaRPr kumimoji="1" lang="ja-JP" altLang="en-US" sz="1400" b="1" i="0" u="none" strike="noStrike" kern="1200" cap="none" spc="0" normalizeH="0" baseline="0" noProof="0" dirty="0">
-              <a:ln>
-                <a:noFill/>
-              </a:ln>
-              <a:solidFill>
-                <a:prstClr val="black"/>
-              </a:solidFill>
-              <a:effectLst/>
-              <a:uLnTx/>
-              <a:uFillTx/>
-              <a:latin typeface="游ゴシック" panose="020F0502020204030204"/>
-              <a:ea typeface="游ゴシック" panose="020B0400000000000000" pitchFamily="50" charset="-128"/>
-              <a:cs typeface="+mn-cs"/>
-            </a:endParaRPr>
+            <a:r>
+              <a:rPr kumimoji="1" lang="ja-JP" altLang="en-US" sz="1400" b="1" i="0" u="none" strike="noStrike" kern="1200" cap="none" spc="0" normalizeH="0" baseline="0" noProof="0" dirty="0">
+                <a:ln>
+                  <a:noFill/>
+                </a:ln>
+                <a:solidFill>
+                  <a:prstClr val="black"/>
+                </a:solidFill>
+                <a:effectLst/>
+                <a:uLnTx/>
+                <a:uFillTx/>
+                <a:latin typeface="游ゴシック" panose="020F0502020204030204"/>
+                <a:ea typeface="游ゴシック" panose="020B0400000000000000" pitchFamily="50" charset="-128"/>
+                <a:cs typeface="+mn-cs"/>
+              </a:rPr>
+              <a:t>工夫点」で解説する．</a:t>
+            </a:r>
           </a:p>
         </p:txBody>
       </p:sp>
@@ -15533,21 +15594,24 @@
               <a:t>１</a:t>
             </a:r>
             <a:r>
-              <a:rPr kumimoji="1" lang="ja-JP" altLang="en-US" sz="1600" b="1" i="0" u="none" strike="noStrike" kern="1200" cap="none" spc="0" normalizeH="0" baseline="0" noProof="0" dirty="0" err="1">
-                <a:ln>
-                  <a:noFill/>
-                </a:ln>
+              <a:rPr lang="en-US" altLang="ja-JP" b="1" dirty="0">
                 <a:solidFill>
                   <a:prstClr val="black"/>
                 </a:solidFill>
-                <a:effectLst/>
-                <a:uLnTx/>
-                <a:uFillTx/>
                 <a:latin typeface="游ゴシック" panose="020B0400000000000000" pitchFamily="50" charset="-128"/>
                 <a:ea typeface="游ゴシック" panose="020B0400000000000000" pitchFamily="50" charset="-128"/>
-                <a:cs typeface="+mn-cs"/>
               </a:rPr>
-              <a:t>．</a:t>
+              <a:t>.</a:t>
+            </a:r>
+            <a:r>
+              <a:rPr lang="ja-JP" altLang="en-US" b="1" dirty="0">
+                <a:solidFill>
+                  <a:prstClr val="black"/>
+                </a:solidFill>
+                <a:latin typeface="游ゴシック" panose="020B0400000000000000" pitchFamily="50" charset="-128"/>
+                <a:ea typeface="游ゴシック" panose="020B0400000000000000" pitchFamily="50" charset="-128"/>
+              </a:rPr>
+              <a:t> </a:t>
             </a:r>
             <a:r>
               <a:rPr kumimoji="1" lang="ja-JP" altLang="en-US" sz="1600" b="1" i="0" u="none" strike="noStrike" kern="1200" cap="none" spc="0" normalizeH="0" baseline="0" noProof="0" dirty="0">
@@ -16006,21 +16070,24 @@
               <a:t>２</a:t>
             </a:r>
             <a:r>
-              <a:rPr kumimoji="1" lang="ja-JP" altLang="en-US" sz="1600" b="1" i="0" u="none" strike="noStrike" kern="1200" cap="none" spc="0" normalizeH="0" baseline="0" noProof="0" dirty="0" err="1">
-                <a:ln>
-                  <a:noFill/>
-                </a:ln>
+              <a:rPr lang="en-US" altLang="ja-JP" b="1" dirty="0">
                 <a:solidFill>
                   <a:prstClr val="black"/>
                 </a:solidFill>
-                <a:effectLst/>
-                <a:uLnTx/>
-                <a:uFillTx/>
                 <a:latin typeface="游ゴシック" panose="020B0400000000000000" pitchFamily="50" charset="-128"/>
                 <a:ea typeface="游ゴシック" panose="020B0400000000000000" pitchFamily="50" charset="-128"/>
-                <a:cs typeface="+mn-cs"/>
               </a:rPr>
-              <a:t>．</a:t>
+              <a:t>.</a:t>
+            </a:r>
+            <a:r>
+              <a:rPr lang="ja-JP" altLang="en-US" b="1" dirty="0">
+                <a:solidFill>
+                  <a:prstClr val="black"/>
+                </a:solidFill>
+                <a:latin typeface="游ゴシック" panose="020B0400000000000000" pitchFamily="50" charset="-128"/>
+                <a:ea typeface="游ゴシック" panose="020B0400000000000000" pitchFamily="50" charset="-128"/>
+              </a:rPr>
+              <a:t> </a:t>
             </a:r>
             <a:r>
               <a:rPr kumimoji="1" lang="ja-JP" altLang="en-US" sz="1600" b="1" i="0" u="none" strike="noStrike" kern="1200" cap="none" spc="0" normalizeH="0" baseline="0" noProof="0" dirty="0">
@@ -16238,9 +16305,9 @@
           <p:nvPr/>
         </p:nvCxnSpPr>
         <p:spPr>
-          <a:xfrm flipV="1">
-            <a:off x="137783" y="1063261"/>
-            <a:ext cx="8676663" cy="1"/>
+          <a:xfrm>
+            <a:off x="171011" y="1063261"/>
+            <a:ext cx="8643435" cy="1"/>
           </a:xfrm>
           <a:prstGeom prst="line">
             <a:avLst/>
@@ -16282,8 +16349,8 @@
         </p:nvCxnSpPr>
         <p:spPr>
           <a:xfrm>
-            <a:off x="8959101" y="740760"/>
-            <a:ext cx="0" cy="2691688"/>
+            <a:off x="8959101" y="768152"/>
+            <a:ext cx="0" cy="2664296"/>
           </a:xfrm>
           <a:prstGeom prst="line">
             <a:avLst/>
@@ -16321,8 +16388,8 @@
         </p:nvCxnSpPr>
         <p:spPr>
           <a:xfrm flipH="1">
-            <a:off x="85176" y="3432448"/>
-            <a:ext cx="8870032" cy="0"/>
+            <a:off x="171011" y="3432448"/>
+            <a:ext cx="8784197" cy="0"/>
           </a:xfrm>
           <a:prstGeom prst="line">
             <a:avLst/>
@@ -18492,7 +18559,7 @@
               <a:defRPr/>
             </a:pPr>
             <a:r>
-              <a:rPr kumimoji="1" lang="ja-JP" altLang="en-US" sz="1100" b="0" i="0" u="none" strike="noStrike" kern="1200" cap="none" spc="0" normalizeH="0" baseline="0" noProof="0">
+              <a:rPr kumimoji="1" lang="ja-JP" altLang="en-US" sz="1100" b="0" i="0" u="none" strike="noStrike" kern="1200" cap="none" spc="0" normalizeH="0" baseline="0" noProof="0" dirty="0">
                 <a:ln>
                   <a:noFill/>
                 </a:ln>
@@ -18542,7 +18609,7 @@
               <a:defRPr/>
             </a:pPr>
             <a:r>
-              <a:rPr kumimoji="1" lang="ja-JP" altLang="en-US" sz="1100" b="0" i="0" u="none" strike="noStrike" kern="1200" cap="none" spc="0" normalizeH="0" baseline="0" noProof="0">
+              <a:rPr kumimoji="1" lang="ja-JP" altLang="en-US" sz="1100" b="0" i="0" u="none" strike="noStrike" kern="1200" cap="none" spc="0" normalizeH="0" baseline="0" noProof="0" dirty="0">
                 <a:ln>
                   <a:noFill/>
                 </a:ln>
@@ -18556,7 +18623,41 @@
                 <a:ea typeface="メイリオ" panose="020B0604030504040204" pitchFamily="50" charset="-128"/>
                 <a:cs typeface="+mn-cs"/>
               </a:rPr>
-              <a:t>「１．機能モデル」</a:t>
+              <a:t>「１</a:t>
+            </a:r>
+            <a:r>
+              <a:rPr kumimoji="1" lang="en-US" altLang="ja-JP" sz="1100" b="0" i="0" u="none" strike="noStrike" kern="1200" cap="none" spc="0" normalizeH="0" baseline="0" noProof="0" dirty="0">
+                <a:ln>
+                  <a:noFill/>
+                </a:ln>
+                <a:solidFill>
+                  <a:prstClr val="black"/>
+                </a:solidFill>
+                <a:effectLst/>
+                <a:uLnTx/>
+                <a:uFillTx/>
+                <a:latin typeface="メイリオ" panose="020B0604030504040204" pitchFamily="50" charset="-128"/>
+                <a:ea typeface="メイリオ" panose="020B0604030504040204" pitchFamily="50" charset="-128"/>
+                <a:cs typeface="+mn-cs"/>
+              </a:rPr>
+              <a:t>. </a:t>
+            </a:r>
+            <a:r>
+              <a:rPr kumimoji="1" lang="ja-JP" altLang="en-US" sz="1100" b="0" i="0" u="none" strike="noStrike" kern="1200" cap="none" spc="0" normalizeH="0" baseline="0" noProof="0" dirty="0">
+                <a:ln>
+                  <a:noFill/>
+                </a:ln>
+                <a:solidFill>
+                  <a:prstClr val="black"/>
+                </a:solidFill>
+                <a:effectLst/>
+                <a:uLnTx/>
+                <a:uFillTx/>
+                <a:latin typeface="メイリオ" panose="020B0604030504040204" pitchFamily="50" charset="-128"/>
+                <a:ea typeface="メイリオ" panose="020B0604030504040204" pitchFamily="50" charset="-128"/>
+                <a:cs typeface="+mn-cs"/>
+              </a:rPr>
+              <a:t>機能モデル」</a:t>
             </a:r>
             <a:r>
               <a:rPr kumimoji="1" lang="en-US" altLang="ja-JP" sz="1100" b="0" i="0" u="none" strike="noStrike" kern="1200" cap="none" spc="0" normalizeH="0" baseline="0" noProof="0" dirty="0">
@@ -18576,7 +18677,7 @@
               <a:t> </a:t>
             </a:r>
             <a:r>
-              <a:rPr kumimoji="1" lang="ja-JP" altLang="en-US" sz="1100" b="0" i="0" u="none" strike="noStrike" kern="1200" cap="none" spc="0" normalizeH="0" baseline="0" noProof="0">
+              <a:rPr kumimoji="1" lang="ja-JP" altLang="en-US" sz="1100" b="0" i="0" u="none" strike="noStrike" kern="1200" cap="none" spc="0" normalizeH="0" baseline="0" noProof="0" dirty="0">
                 <a:ln>
                   <a:noFill/>
                 </a:ln>
@@ -18738,7 +18839,7 @@
               <a:defRPr/>
             </a:pPr>
             <a:r>
-              <a:rPr kumimoji="1" lang="ja-JP" altLang="en-US" sz="1100" b="0" i="0" u="none" strike="noStrike" kern="1200" cap="none" spc="0" normalizeH="0" baseline="0" noProof="0">
+              <a:rPr kumimoji="1" lang="ja-JP" altLang="en-US" sz="1100" b="0" i="0" u="none" strike="noStrike" kern="1200" cap="none" spc="0" normalizeH="0" baseline="0" noProof="0" dirty="0">
                 <a:ln>
                   <a:noFill/>
                 </a:ln>
@@ -18788,7 +18889,7 @@
               <a:defRPr/>
             </a:pPr>
             <a:r>
-              <a:rPr kumimoji="1" lang="ja-JP" altLang="en-US" sz="1100" b="0" i="0" u="none" strike="noStrike" kern="1200" cap="none" spc="0" normalizeH="0" baseline="0" noProof="0">
+              <a:rPr kumimoji="1" lang="ja-JP" altLang="en-US" sz="1100" b="0" i="0" u="none" strike="noStrike" kern="1200" cap="none" spc="0" normalizeH="0" baseline="0" noProof="0" dirty="0">
                 <a:ln>
                   <a:noFill/>
                 </a:ln>
@@ -18802,7 +18903,41 @@
                 <a:ea typeface="メイリオ" panose="020B0604030504040204" pitchFamily="50" charset="-128"/>
                 <a:cs typeface="+mn-cs"/>
               </a:rPr>
-              <a:t>「１．機能モデル」</a:t>
+              <a:t>「１</a:t>
+            </a:r>
+            <a:r>
+              <a:rPr kumimoji="1" lang="en-US" altLang="ja-JP" sz="1100" b="0" i="0" u="none" strike="noStrike" kern="1200" cap="none" spc="0" normalizeH="0" baseline="0" noProof="0" dirty="0">
+                <a:ln>
+                  <a:noFill/>
+                </a:ln>
+                <a:solidFill>
+                  <a:prstClr val="black"/>
+                </a:solidFill>
+                <a:effectLst/>
+                <a:uLnTx/>
+                <a:uFillTx/>
+                <a:latin typeface="メイリオ" panose="020B0604030504040204" pitchFamily="50" charset="-128"/>
+                <a:ea typeface="メイリオ" panose="020B0604030504040204" pitchFamily="50" charset="-128"/>
+                <a:cs typeface="+mn-cs"/>
+              </a:rPr>
+              <a:t>. </a:t>
+            </a:r>
+            <a:r>
+              <a:rPr kumimoji="1" lang="ja-JP" altLang="en-US" sz="1100" b="0" i="0" u="none" strike="noStrike" kern="1200" cap="none" spc="0" normalizeH="0" baseline="0" noProof="0" dirty="0">
+                <a:ln>
+                  <a:noFill/>
+                </a:ln>
+                <a:solidFill>
+                  <a:prstClr val="black"/>
+                </a:solidFill>
+                <a:effectLst/>
+                <a:uLnTx/>
+                <a:uFillTx/>
+                <a:latin typeface="メイリオ" panose="020B0604030504040204" pitchFamily="50" charset="-128"/>
+                <a:ea typeface="メイリオ" panose="020B0604030504040204" pitchFamily="50" charset="-128"/>
+                <a:cs typeface="+mn-cs"/>
+              </a:rPr>
+              <a:t>機能モデル」</a:t>
             </a:r>
             <a:r>
               <a:rPr kumimoji="1" lang="en-US" altLang="ja-JP" sz="1100" b="0" i="0" u="none" strike="noStrike" kern="1200" cap="none" spc="0" normalizeH="0" baseline="0" noProof="0" dirty="0">
@@ -18822,7 +18957,7 @@
               <a:t> </a:t>
             </a:r>
             <a:r>
-              <a:rPr kumimoji="1" lang="ja-JP" altLang="en-US" sz="1100" b="0" i="0" u="none" strike="noStrike" kern="1200" cap="none" spc="0" normalizeH="0" baseline="0" noProof="0">
+              <a:rPr kumimoji="1" lang="ja-JP" altLang="en-US" sz="1100" b="0" i="0" u="none" strike="noStrike" kern="1200" cap="none" spc="0" normalizeH="0" baseline="0" noProof="0" dirty="0">
                 <a:ln>
                   <a:noFill/>
                 </a:ln>
@@ -20098,8 +20233,8 @@
         </p:nvSpPr>
         <p:spPr>
           <a:xfrm>
-            <a:off x="121201" y="755752"/>
-            <a:ext cx="2274988" cy="338554"/>
+            <a:off x="121200" y="755752"/>
+            <a:ext cx="2391167" cy="338554"/>
           </a:xfrm>
           <a:prstGeom prst="rect">
             <a:avLst/>
@@ -20154,7 +20289,7 @@
                 <a:ea typeface="游ゴシック" panose="020B0400000000000000" pitchFamily="50" charset="-128"/>
                 <a:cs typeface="+mn-cs"/>
               </a:rPr>
-              <a:t>.</a:t>
+              <a:t>. </a:t>
             </a:r>
             <a:r>
               <a:rPr kumimoji="1" lang="ja-JP" altLang="en-US" sz="1600" b="1" i="0" u="none" strike="noStrike" kern="1200" cap="none" spc="0" normalizeH="0" baseline="0" noProof="0" dirty="0">
@@ -20281,6 +20416,37 @@
               </a:rPr>
               <a:t>機能の状態をステートマシン図に示す</a:t>
             </a:r>
+            <a:r>
+              <a:rPr kumimoji="1" lang="en-US" altLang="ja-JP" sz="1050" b="0" i="0" u="none" strike="noStrike" kern="1200" cap="none" spc="0" normalizeH="0" baseline="0" noProof="0" dirty="0">
+                <a:ln>
+                  <a:noFill/>
+                </a:ln>
+                <a:solidFill>
+                  <a:prstClr val="black"/>
+                </a:solidFill>
+                <a:effectLst/>
+                <a:uLnTx/>
+                <a:uFillTx/>
+                <a:latin typeface="メイリオ" panose="020B0604030504040204" pitchFamily="50" charset="-128"/>
+                <a:ea typeface="メイリオ" panose="020B0604030504040204" pitchFamily="50" charset="-128"/>
+                <a:cs typeface="+mn-cs"/>
+              </a:rPr>
+              <a:t>.</a:t>
+            </a:r>
+            <a:endParaRPr kumimoji="1" lang="ja-JP" altLang="en-US" sz="1050" b="0" i="0" u="none" strike="noStrike" kern="1200" cap="none" spc="0" normalizeH="0" baseline="0" noProof="0" dirty="0">
+              <a:ln>
+                <a:noFill/>
+              </a:ln>
+              <a:solidFill>
+                <a:prstClr val="black"/>
+              </a:solidFill>
+              <a:effectLst/>
+              <a:uLnTx/>
+              <a:uFillTx/>
+              <a:latin typeface="メイリオ" panose="020B0604030504040204" pitchFamily="50" charset="-128"/>
+              <a:ea typeface="メイリオ" panose="020B0604030504040204" pitchFamily="50" charset="-128"/>
+              <a:cs typeface="+mn-cs"/>
+            </a:endParaRPr>
           </a:p>
         </p:txBody>
       </p:sp>
@@ -20354,7 +20520,7 @@
                 <a:ea typeface="游ゴシック" panose="020B0400000000000000" pitchFamily="50" charset="-128"/>
                 <a:cs typeface="+mn-cs"/>
               </a:rPr>
-              <a:t>.</a:t>
+              <a:t>. </a:t>
             </a:r>
             <a:r>
               <a:rPr kumimoji="1" lang="ja-JP" altLang="en-US" sz="1600" b="1" i="0" u="none" strike="noStrike" kern="1200" cap="none" spc="0" normalizeH="0" baseline="0" noProof="0" dirty="0">
@@ -21207,7 +21373,7 @@
                 <a:ea typeface="游ゴシック" panose="020B0400000000000000" pitchFamily="50" charset="-128"/>
                 <a:cs typeface="+mn-cs"/>
               </a:rPr>
-              <a:t>-A</a:t>
+              <a:t>-</a:t>
             </a:r>
             <a:r>
               <a:rPr kumimoji="1" lang="ja-JP" altLang="en-US" sz="1600" b="1" i="0" u="none" strike="noStrike" kern="1200" cap="none" spc="0" normalizeH="0" baseline="0" noProof="0" dirty="0">
@@ -21224,7 +21390,44 @@
                 <a:ea typeface="游ゴシック" panose="020B0400000000000000" pitchFamily="50" charset="-128"/>
                 <a:cs typeface="+mn-cs"/>
               </a:rPr>
-              <a:t>．区間確認の振る舞い</a:t>
+              <a:t>Ａ</a:t>
+            </a:r>
+            <a:r>
+              <a:rPr lang="en-US" altLang="ja-JP" b="1" dirty="0">
+                <a:solidFill>
+                  <a:prstClr val="black"/>
+                </a:solidFill>
+                <a:latin typeface="游ゴシック" panose="020B0400000000000000" pitchFamily="50" charset="-128"/>
+                <a:ea typeface="游ゴシック" panose="020B0400000000000000" pitchFamily="50" charset="-128"/>
+              </a:rPr>
+              <a:t>.</a:t>
+            </a:r>
+            <a:r>
+              <a:rPr lang="ja-JP" altLang="en-US" b="1" dirty="0">
+                <a:solidFill>
+                  <a:prstClr val="black"/>
+                </a:solidFill>
+                <a:latin typeface="游ゴシック" panose="020B0400000000000000" pitchFamily="50" charset="-128"/>
+                <a:ea typeface="游ゴシック" panose="020B0400000000000000" pitchFamily="50" charset="-128"/>
+              </a:rPr>
+              <a:t> </a:t>
+            </a:r>
+            <a:r>
+              <a:rPr kumimoji="1" lang="ja-JP" altLang="en-US" sz="1600" b="1" i="0" u="none" strike="noStrike" kern="1200" cap="none" spc="0" normalizeH="0" baseline="0" noProof="0" dirty="0">
+                <a:ln>
+                  <a:noFill/>
+                </a:ln>
+                <a:solidFill>
+                  <a:prstClr val="black"/>
+                </a:solidFill>
+                <a:effectLst/>
+                <a:uLnTx/>
+                <a:uFillTx/>
+                <a:latin typeface="游ゴシック" panose="020B0400000000000000" pitchFamily="50" charset="-128"/>
+                <a:ea typeface="游ゴシック" panose="020B0400000000000000" pitchFamily="50" charset="-128"/>
+                <a:cs typeface="+mn-cs"/>
+              </a:rPr>
+              <a:t>区間確認の振る舞い</a:t>
             </a:r>
           </a:p>
         </p:txBody>
@@ -21332,8 +21535,39 @@
                 <a:ea typeface="メイリオ" panose="020B0604030504040204" pitchFamily="50" charset="-128"/>
                 <a:cs typeface="+mn-cs"/>
               </a:rPr>
-              <a:t>区間確認の振る舞いをシーケンス図で表す。全体概要の赤枠の部分に当たる。</a:t>
+              <a:t>区間確認の振る舞いをシーケンス図で表す。全体概要の赤枠の部分に当たる</a:t>
             </a:r>
+            <a:r>
+              <a:rPr kumimoji="1" lang="en-US" altLang="ja-JP" sz="1050" b="0" i="0" u="none" strike="noStrike" kern="1200" cap="none" spc="0" normalizeH="0" baseline="0" noProof="0" dirty="0">
+                <a:ln>
+                  <a:noFill/>
+                </a:ln>
+                <a:solidFill>
+                  <a:prstClr val="black"/>
+                </a:solidFill>
+                <a:effectLst/>
+                <a:uLnTx/>
+                <a:uFillTx/>
+                <a:latin typeface="メイリオ" panose="020B0604030504040204" pitchFamily="50" charset="-128"/>
+                <a:ea typeface="メイリオ" panose="020B0604030504040204" pitchFamily="50" charset="-128"/>
+                <a:cs typeface="+mn-cs"/>
+              </a:rPr>
+              <a:t>.</a:t>
+            </a:r>
+            <a:endParaRPr kumimoji="1" lang="ja-JP" altLang="en-US" sz="1050" b="0" i="0" u="none" strike="noStrike" kern="1200" cap="none" spc="0" normalizeH="0" baseline="0" noProof="0" dirty="0">
+              <a:ln>
+                <a:noFill/>
+              </a:ln>
+              <a:solidFill>
+                <a:prstClr val="black"/>
+              </a:solidFill>
+              <a:effectLst/>
+              <a:uLnTx/>
+              <a:uFillTx/>
+              <a:latin typeface="メイリオ" panose="020B0604030504040204" pitchFamily="50" charset="-128"/>
+              <a:ea typeface="メイリオ" panose="020B0604030504040204" pitchFamily="50" charset="-128"/>
+              <a:cs typeface="+mn-cs"/>
+            </a:endParaRPr>
           </a:p>
         </p:txBody>
       </p:sp>
@@ -21353,8 +21587,8 @@
         </p:nvCxnSpPr>
         <p:spPr>
           <a:xfrm flipH="1">
-            <a:off x="122479" y="4638706"/>
-            <a:ext cx="12456000" cy="0"/>
+            <a:off x="216656" y="4638706"/>
+            <a:ext cx="12361823" cy="0"/>
           </a:xfrm>
           <a:prstGeom prst="line">
             <a:avLst/>
@@ -21437,7 +21671,7 @@
         </p:nvSpPr>
         <p:spPr>
           <a:xfrm>
-            <a:off x="7455110" y="4833869"/>
+            <a:off x="7461006" y="4872056"/>
             <a:ext cx="3770219" cy="338554"/>
           </a:xfrm>
           <a:prstGeom prst="rect">
@@ -21493,7 +21727,7 @@
                 <a:ea typeface="游ゴシック" panose="020B0400000000000000" pitchFamily="50" charset="-128"/>
                 <a:cs typeface="+mn-cs"/>
               </a:rPr>
-              <a:t>-B</a:t>
+              <a:t>-</a:t>
             </a:r>
             <a:r>
               <a:rPr kumimoji="1" lang="ja-JP" altLang="en-US" sz="1600" b="1" i="0" u="none" strike="noStrike" kern="1200" cap="none" spc="0" normalizeH="0" baseline="0" noProof="0" dirty="0">
@@ -21510,7 +21744,34 @@
                 <a:ea typeface="游ゴシック" panose="020B0400000000000000" pitchFamily="50" charset="-128"/>
                 <a:cs typeface="+mn-cs"/>
               </a:rPr>
-              <a:t>．ライントレースの振る舞い</a:t>
+              <a:t>Ｂ</a:t>
+            </a:r>
+            <a:r>
+              <a:rPr lang="en-US" altLang="ja-JP" b="1" dirty="0">
+                <a:solidFill>
+                  <a:prstClr val="black"/>
+                </a:solidFill>
+                <a:latin typeface="游ゴシック" panose="020B0400000000000000" pitchFamily="50" charset="-128"/>
+                <a:ea typeface="游ゴシック" panose="020B0400000000000000" pitchFamily="50" charset="-128"/>
+              </a:rPr>
+              <a:t>. </a:t>
+            </a:r>
+            <a:r>
+              <a:rPr kumimoji="1" lang="ja-JP" altLang="en-US" sz="1600" b="1" i="0" u="none" strike="noStrike" kern="1200" cap="none" spc="0" normalizeH="0" baseline="0" noProof="0" dirty="0">
+                <a:ln>
+                  <a:noFill/>
+                </a:ln>
+                <a:solidFill>
+                  <a:prstClr val="black"/>
+                </a:solidFill>
+                <a:effectLst/>
+                <a:uLnTx/>
+                <a:uFillTx/>
+                <a:latin typeface="游ゴシック" panose="020B0400000000000000" pitchFamily="50" charset="-128"/>
+                <a:ea typeface="游ゴシック" panose="020B0400000000000000" pitchFamily="50" charset="-128"/>
+                <a:cs typeface="+mn-cs"/>
+              </a:rPr>
+              <a:t>ライントレースの振る舞い</a:t>
             </a:r>
           </a:p>
         </p:txBody>
@@ -21664,7 +21925,7 @@
         <p:spPr>
           <a:xfrm>
             <a:off x="7516665" y="5172423"/>
-            <a:ext cx="5061814" cy="30117"/>
+            <a:ext cx="5061813" cy="30117"/>
           </a:xfrm>
           <a:prstGeom prst="line">
             <a:avLst/>
@@ -24588,21 +24849,24 @@
               <a:t>３</a:t>
             </a:r>
             <a:r>
-              <a:rPr kumimoji="1" lang="ja-JP" altLang="en-US" sz="1600" b="1" i="0" u="none" strike="noStrike" kern="1200" cap="none" spc="0" normalizeH="0" baseline="0" noProof="0" dirty="0" err="1">
-                <a:ln>
-                  <a:noFill/>
-                </a:ln>
+              <a:rPr lang="en-US" altLang="ja-JP" b="1" dirty="0">
                 <a:solidFill>
                   <a:prstClr val="black"/>
                 </a:solidFill>
-                <a:effectLst/>
-                <a:uLnTx/>
-                <a:uFillTx/>
                 <a:latin typeface="游ゴシック" panose="020B0400000000000000" pitchFamily="50" charset="-128"/>
                 <a:ea typeface="游ゴシック" panose="020B0400000000000000" pitchFamily="50" charset="-128"/>
-                <a:cs typeface="+mn-cs"/>
               </a:rPr>
-              <a:t>．</a:t>
+              <a:t>.</a:t>
+            </a:r>
+            <a:r>
+              <a:rPr lang="ja-JP" altLang="en-US" b="1" dirty="0">
+                <a:solidFill>
+                  <a:prstClr val="black"/>
+                </a:solidFill>
+                <a:latin typeface="游ゴシック" panose="020B0400000000000000" pitchFamily="50" charset="-128"/>
+                <a:ea typeface="游ゴシック" panose="020B0400000000000000" pitchFamily="50" charset="-128"/>
+              </a:rPr>
+              <a:t> </a:t>
             </a:r>
             <a:r>
               <a:rPr kumimoji="1" lang="ja-JP" altLang="en-US" sz="1600" b="1" i="0" u="none" strike="noStrike" kern="1200" cap="none" spc="0" normalizeH="0" baseline="0" noProof="0" dirty="0">
@@ -24640,7 +24904,7 @@
         </p:nvCxnSpPr>
         <p:spPr>
           <a:xfrm>
-            <a:off x="127756" y="5238703"/>
+            <a:off x="179804" y="5232648"/>
             <a:ext cx="3024000" cy="0"/>
           </a:xfrm>
           <a:prstGeom prst="line">
@@ -24727,7 +24991,60 @@
                 <a:ea typeface="メイリオ" panose="020B0604030504040204" pitchFamily="50" charset="-128"/>
                 <a:cs typeface="+mn-cs"/>
               </a:rPr>
-              <a:t>計器管理タスクの振る舞いをシーケンス図で表す。計器管理タスクは</a:t>
+              <a:t>計器管理タスクの振る舞いをシーケンス図で表す</a:t>
+            </a:r>
+            <a:r>
+              <a:rPr kumimoji="1" lang="en-US" altLang="ja-JP" sz="1050" b="0" i="0" u="none" strike="noStrike" kern="1200" cap="none" spc="0" normalizeH="0" baseline="0" noProof="0" dirty="0">
+                <a:ln>
+                  <a:noFill/>
+                </a:ln>
+                <a:solidFill>
+                  <a:prstClr val="black"/>
+                </a:solidFill>
+                <a:effectLst/>
+                <a:uLnTx/>
+                <a:uFillTx/>
+                <a:latin typeface="メイリオ" panose="020B0604030504040204" pitchFamily="50" charset="-128"/>
+                <a:ea typeface="メイリオ" panose="020B0604030504040204" pitchFamily="50" charset="-128"/>
+                <a:cs typeface="+mn-cs"/>
+              </a:rPr>
+              <a:t>.</a:t>
+            </a:r>
+          </a:p>
+          <a:p>
+            <a:pPr marL="0" marR="0" lvl="0" indent="0" algn="l" defTabSz="914400" rtl="0" eaLnBrk="1" fontAlgn="base" latinLnBrk="0" hangingPunct="1">
+              <a:lnSpc>
+                <a:spcPct val="100000"/>
+              </a:lnSpc>
+              <a:spcBef>
+                <a:spcPct val="0"/>
+              </a:spcBef>
+              <a:spcAft>
+                <a:spcPct val="0"/>
+              </a:spcAft>
+              <a:buClrTx/>
+              <a:buSzTx/>
+              <a:buFontTx/>
+              <a:buNone/>
+              <a:tabLst/>
+              <a:defRPr/>
+            </a:pPr>
+            <a:r>
+              <a:rPr kumimoji="1" lang="ja-JP" altLang="en-US" sz="1050" b="0" i="0" u="none" strike="noStrike" kern="1200" cap="none" spc="0" normalizeH="0" baseline="0" noProof="0" dirty="0">
+                <a:ln>
+                  <a:noFill/>
+                </a:ln>
+                <a:solidFill>
+                  <a:prstClr val="black"/>
+                </a:solidFill>
+                <a:effectLst/>
+                <a:uLnTx/>
+                <a:uFillTx/>
+                <a:latin typeface="メイリオ" panose="020B0604030504040204" pitchFamily="50" charset="-128"/>
+                <a:ea typeface="メイリオ" panose="020B0604030504040204" pitchFamily="50" charset="-128"/>
+                <a:cs typeface="+mn-cs"/>
+              </a:rPr>
+              <a:t>計器管理タスクは</a:t>
             </a:r>
             <a:r>
               <a:rPr kumimoji="1" lang="en-US" altLang="ja-JP" sz="1050" b="0" i="0" u="none" strike="noStrike" kern="1200" cap="none" spc="0" normalizeH="0" baseline="0" noProof="0" dirty="0">
@@ -24780,7 +25097,7 @@
         </p:nvSpPr>
         <p:spPr>
           <a:xfrm>
-            <a:off x="116211" y="705933"/>
+            <a:off x="125825" y="753199"/>
             <a:ext cx="4304884" cy="338554"/>
           </a:xfrm>
           <a:prstGeom prst="rect">
@@ -24836,7 +25153,34 @@
                 <a:ea typeface="游ゴシック" panose="020B0400000000000000" pitchFamily="50" charset="-128"/>
                 <a:cs typeface="+mn-cs"/>
               </a:rPr>
-              <a:t>-B.</a:t>
+              <a:t>-</a:t>
+            </a:r>
+            <a:r>
+              <a:rPr kumimoji="1" lang="ja-JP" altLang="en-US" sz="1600" b="1" i="0" u="none" strike="noStrike" kern="1200" cap="none" spc="0" normalizeH="0" baseline="0" noProof="0" dirty="0">
+                <a:ln>
+                  <a:noFill/>
+                </a:ln>
+                <a:solidFill>
+                  <a:prstClr val="black"/>
+                </a:solidFill>
+                <a:effectLst/>
+                <a:uLnTx/>
+                <a:uFillTx/>
+                <a:latin typeface="游ゴシック" panose="020B0400000000000000" pitchFamily="50" charset="-128"/>
+                <a:ea typeface="游ゴシック" panose="020B0400000000000000" pitchFamily="50" charset="-128"/>
+                <a:cs typeface="+mn-cs"/>
+              </a:rPr>
+              <a:t>Ｂ</a:t>
+            </a:r>
+            <a:r>
+              <a:rPr lang="en-US" altLang="ja-JP" b="1" dirty="0">
+                <a:solidFill>
+                  <a:prstClr val="black"/>
+                </a:solidFill>
+                <a:latin typeface="游ゴシック" panose="020B0400000000000000" pitchFamily="50" charset="-128"/>
+                <a:ea typeface="游ゴシック" panose="020B0400000000000000" pitchFamily="50" charset="-128"/>
+              </a:rPr>
+              <a:t>. </a:t>
             </a:r>
             <a:r>
               <a:rPr kumimoji="1" lang="ja-JP" altLang="en-US" sz="1600" b="1" i="0" u="none" strike="noStrike" kern="1200" cap="none" spc="0" normalizeH="0" baseline="0" noProof="0" dirty="0">
@@ -28905,10 +29249,10 @@
         </p:nvGrpSpPr>
         <p:grpSpPr>
           <a:xfrm>
-            <a:off x="104463" y="766991"/>
-            <a:ext cx="6252559" cy="347516"/>
-            <a:chOff x="131524" y="868527"/>
-            <a:chExt cx="3963392" cy="347516"/>
+            <a:off x="123411" y="804529"/>
+            <a:ext cx="6233611" cy="338554"/>
+            <a:chOff x="143535" y="906065"/>
+            <a:chExt cx="3951381" cy="338554"/>
           </a:xfrm>
         </p:grpSpPr>
         <p:cxnSp>
@@ -28968,7 +29312,7 @@
           </p:nvSpPr>
           <p:spPr>
             <a:xfrm>
-              <a:off x="131524" y="868527"/>
+              <a:off x="143535" y="906065"/>
               <a:ext cx="2816996" cy="338554"/>
             </a:xfrm>
             <a:prstGeom prst="rect">
@@ -29010,21 +29354,24 @@
                 <a:t>１</a:t>
               </a:r>
               <a:r>
-                <a:rPr kumimoji="1" lang="ja-JP" altLang="en-US" sz="1600" b="1" i="0" u="none" strike="noStrike" kern="1200" cap="none" spc="0" normalizeH="0" baseline="0" noProof="0" dirty="0" err="1">
-                  <a:ln>
-                    <a:noFill/>
-                  </a:ln>
+                <a:rPr lang="en-US" altLang="ja-JP" b="1" dirty="0">
                   <a:solidFill>
                     <a:prstClr val="black"/>
                   </a:solidFill>
-                  <a:effectLst/>
-                  <a:uLnTx/>
-                  <a:uFillTx/>
                   <a:latin typeface="Yu Gothic" panose="020B0400000000000000" pitchFamily="34" charset="-128"/>
                   <a:ea typeface="Yu Gothic" panose="020B0400000000000000" pitchFamily="34" charset="-128"/>
-                  <a:cs typeface="+mn-cs"/>
                 </a:rPr>
-                <a:t>．</a:t>
+                <a:t>.</a:t>
+              </a:r>
+              <a:r>
+                <a:rPr lang="ja-JP" altLang="en-US" b="1" dirty="0">
+                  <a:solidFill>
+                    <a:prstClr val="black"/>
+                  </a:solidFill>
+                  <a:latin typeface="Yu Gothic" panose="020B0400000000000000" pitchFamily="34" charset="-128"/>
+                  <a:ea typeface="Yu Gothic" panose="020B0400000000000000" pitchFamily="34" charset="-128"/>
+                </a:rPr>
+                <a:t> </a:t>
               </a:r>
               <a:r>
                 <a:rPr kumimoji="1" lang="ja-JP" altLang="en-US" sz="1600" b="1" i="0" u="none" strike="noStrike" kern="1200" cap="none" spc="0" normalizeH="0" baseline="0" noProof="0" dirty="0">
@@ -29310,10 +29657,10 @@
         </p:nvGrpSpPr>
         <p:grpSpPr>
           <a:xfrm>
-            <a:off x="108793" y="1484351"/>
-            <a:ext cx="6252559" cy="347516"/>
-            <a:chOff x="131524" y="868527"/>
-            <a:chExt cx="3963392" cy="347516"/>
+            <a:off x="135429" y="1509887"/>
+            <a:ext cx="6225923" cy="338554"/>
+            <a:chOff x="148408" y="894063"/>
+            <a:chExt cx="3946508" cy="338554"/>
           </a:xfrm>
         </p:grpSpPr>
         <p:cxnSp>
@@ -29373,7 +29720,7 @@
           </p:nvSpPr>
           <p:spPr>
             <a:xfrm>
-              <a:off x="131524" y="868527"/>
+              <a:off x="148408" y="894063"/>
               <a:ext cx="2816996" cy="338554"/>
             </a:xfrm>
             <a:prstGeom prst="rect">
@@ -29419,7 +29766,41 @@
                   <a:ea typeface="Yu Gothic" panose="020B0400000000000000" pitchFamily="34" charset="-128"/>
                   <a:cs typeface="+mn-cs"/>
                 </a:rPr>
-                <a:t>２．背景</a:t>
+                <a:t>２</a:t>
+              </a:r>
+              <a:r>
+                <a:rPr kumimoji="1" lang="en-US" altLang="ja-JP" sz="1600" b="1" i="0" u="none" strike="noStrike" kern="1200" cap="none" spc="0" normalizeH="0" baseline="0" noProof="0" dirty="0">
+                  <a:ln>
+                    <a:noFill/>
+                  </a:ln>
+                  <a:solidFill>
+                    <a:prstClr val="black"/>
+                  </a:solidFill>
+                  <a:effectLst/>
+                  <a:uLnTx/>
+                  <a:uFillTx/>
+                  <a:latin typeface="Yu Gothic" panose="020B0400000000000000" pitchFamily="34" charset="-128"/>
+                  <a:ea typeface="Yu Gothic" panose="020B0400000000000000" pitchFamily="34" charset="-128"/>
+                  <a:cs typeface="+mn-cs"/>
+                </a:rPr>
+                <a:t>. </a:t>
+              </a:r>
+              <a:r>
+                <a:rPr kumimoji="1" lang="ja-JP" altLang="en-US" sz="1600" b="1" i="0" u="none" strike="noStrike" kern="1200" cap="none" spc="0" normalizeH="0" baseline="0" noProof="0" dirty="0">
+                  <a:ln>
+                    <a:noFill/>
+                  </a:ln>
+                  <a:solidFill>
+                    <a:prstClr val="black"/>
+                  </a:solidFill>
+                  <a:effectLst/>
+                  <a:uLnTx/>
+                  <a:uFillTx/>
+                  <a:latin typeface="Yu Gothic" panose="020B0400000000000000" pitchFamily="34" charset="-128"/>
+                  <a:ea typeface="Yu Gothic" panose="020B0400000000000000" pitchFamily="34" charset="-128"/>
+                  <a:cs typeface="+mn-cs"/>
+                </a:rPr>
+                <a:t>背景</a:t>
               </a:r>
               <a:endParaRPr kumimoji="1" lang="en-US" altLang="ja-JP" sz="1600" b="1" i="0" u="none" strike="noStrike" kern="1200" cap="none" spc="0" normalizeH="0" baseline="0" noProof="0" dirty="0">
                 <a:ln>
@@ -29453,10 +29834,10 @@
         </p:nvGrpSpPr>
         <p:grpSpPr>
           <a:xfrm>
-            <a:off x="114499" y="2703706"/>
-            <a:ext cx="6252559" cy="347516"/>
-            <a:chOff x="131524" y="868527"/>
-            <a:chExt cx="3963392" cy="347516"/>
+            <a:off x="113149" y="2742107"/>
+            <a:ext cx="6253909" cy="338554"/>
+            <a:chOff x="130668" y="906928"/>
+            <a:chExt cx="3964248" cy="338554"/>
           </a:xfrm>
         </p:grpSpPr>
         <p:cxnSp>
@@ -29516,7 +29897,7 @@
           </p:nvSpPr>
           <p:spPr>
             <a:xfrm>
-              <a:off x="131524" y="868527"/>
+              <a:off x="130668" y="906928"/>
               <a:ext cx="2816996" cy="338554"/>
             </a:xfrm>
             <a:prstGeom prst="rect">
@@ -29558,21 +29939,24 @@
                 <a:t>３</a:t>
               </a:r>
               <a:r>
-                <a:rPr kumimoji="1" lang="ja-JP" altLang="en-US" sz="1600" b="1" i="0" u="none" strike="noStrike" kern="1200" cap="none" spc="0" normalizeH="0" baseline="0" noProof="0" dirty="0" err="1">
-                  <a:ln>
-                    <a:noFill/>
-                  </a:ln>
+                <a:rPr lang="en-US" altLang="ja-JP" b="1" dirty="0">
                   <a:solidFill>
                     <a:prstClr val="black"/>
                   </a:solidFill>
-                  <a:effectLst/>
-                  <a:uLnTx/>
-                  <a:uFillTx/>
                   <a:latin typeface="Yu Gothic" panose="020B0400000000000000" pitchFamily="34" charset="-128"/>
                   <a:ea typeface="Yu Gothic" panose="020B0400000000000000" pitchFamily="34" charset="-128"/>
-                  <a:cs typeface="+mn-cs"/>
                 </a:rPr>
-                <a:t>．</a:t>
+                <a:t>.</a:t>
+              </a:r>
+              <a:r>
+                <a:rPr lang="ja-JP" altLang="en-US" b="1" dirty="0">
+                  <a:solidFill>
+                    <a:prstClr val="black"/>
+                  </a:solidFill>
+                  <a:latin typeface="Yu Gothic" panose="020B0400000000000000" pitchFamily="34" charset="-128"/>
+                  <a:ea typeface="Yu Gothic" panose="020B0400000000000000" pitchFamily="34" charset="-128"/>
+                </a:rPr>
+                <a:t> </a:t>
               </a:r>
               <a:r>
                 <a:rPr kumimoji="1" lang="ja-JP" altLang="en-US" sz="1600" b="1" i="0" u="none" strike="noStrike" kern="1200" cap="none" spc="0" normalizeH="0" baseline="0" noProof="0" dirty="0">
@@ -37492,10 +37876,10 @@
         </p:nvGrpSpPr>
         <p:grpSpPr>
           <a:xfrm>
-            <a:off x="6446437" y="6733371"/>
-            <a:ext cx="6252559" cy="347516"/>
-            <a:chOff x="131524" y="868527"/>
-            <a:chExt cx="3963392" cy="347516"/>
+            <a:off x="6413466" y="6772102"/>
+            <a:ext cx="6285530" cy="338554"/>
+            <a:chOff x="110624" y="907258"/>
+            <a:chExt cx="3984292" cy="338554"/>
           </a:xfrm>
         </p:grpSpPr>
         <p:cxnSp>
@@ -37555,7 +37939,7 @@
           </p:nvSpPr>
           <p:spPr>
             <a:xfrm>
-              <a:off x="131524" y="868527"/>
+              <a:off x="110624" y="907258"/>
               <a:ext cx="2816996" cy="338554"/>
             </a:xfrm>
             <a:prstGeom prst="rect">
@@ -37587,7 +37971,7 @@
                 <a:defRPr/>
               </a:pPr>
               <a:r>
-                <a:rPr lang="ja-JP" altLang="en-US" b="1">
+                <a:rPr lang="ja-JP" altLang="en-US" b="1" dirty="0">
                   <a:solidFill>
                     <a:prstClr val="black"/>
                   </a:solidFill>
@@ -37597,21 +37981,24 @@
                 <a:t>４</a:t>
               </a:r>
               <a:r>
-                <a:rPr kumimoji="1" lang="ja-JP" altLang="en-US" sz="1600" b="1" i="0" u="none" strike="noStrike" kern="1200" cap="none" spc="0" normalizeH="0" baseline="0" noProof="0">
-                  <a:ln>
-                    <a:noFill/>
-                  </a:ln>
+                <a:rPr lang="en-US" altLang="ja-JP" b="1" dirty="0">
                   <a:solidFill>
                     <a:prstClr val="black"/>
                   </a:solidFill>
-                  <a:effectLst/>
-                  <a:uLnTx/>
-                  <a:uFillTx/>
                   <a:latin typeface="Yu Gothic" panose="020B0400000000000000" pitchFamily="34" charset="-128"/>
                   <a:ea typeface="Yu Gothic" panose="020B0400000000000000" pitchFamily="34" charset="-128"/>
-                  <a:cs typeface="+mn-cs"/>
                 </a:rPr>
-                <a:t>．</a:t>
+                <a:t>.</a:t>
+              </a:r>
+              <a:r>
+                <a:rPr lang="ja-JP" altLang="en-US" b="1" dirty="0">
+                  <a:solidFill>
+                    <a:prstClr val="black"/>
+                  </a:solidFill>
+                  <a:latin typeface="Yu Gothic" panose="020B0400000000000000" pitchFamily="34" charset="-128"/>
+                  <a:ea typeface="Yu Gothic" panose="020B0400000000000000" pitchFamily="34" charset="-128"/>
+                </a:rPr>
+                <a:t> </a:t>
               </a:r>
               <a:r>
                 <a:rPr kumimoji="1" lang="ja-JP" altLang="en-US" sz="1600" b="1" i="0" u="none" strike="noStrike" kern="1200" cap="none" spc="0" normalizeH="0" baseline="0" noProof="0" dirty="0">
@@ -38046,7 +38433,11 @@
             <a:graphicFrameLocks noGrp="1"/>
           </p:cNvGraphicFramePr>
           <p:nvPr>
-            <p:extLst/>
+            <p:extLst>
+              <p:ext uri="{D42A27DB-BD31-4B8C-83A1-F6EECF244321}">
+                <p14:modId xmlns:p14="http://schemas.microsoft.com/office/powerpoint/2010/main" val="313492615"/>
+              </p:ext>
+            </p:extLst>
           </p:nvPr>
         </p:nvGraphicFramePr>
         <p:xfrm>
@@ -38279,7 +38670,7 @@
                     <a:bodyPr/>
                     <a:lstStyle/>
                     <a:p>
-                      <a:pPr algn="r"/>
+                      <a:pPr algn="ctr"/>
                       <a:r>
                         <a:rPr kumimoji="1" lang="en-US" altLang="ja-JP" sz="1050" dirty="0">
                           <a:latin typeface="Meiryo" panose="020B0604030504040204" pitchFamily="34" charset="-128"/>
@@ -38287,7 +38678,7 @@
                         </a:rPr>
                         <a:t>22</a:t>
                       </a:r>
-                      <a:endParaRPr kumimoji="1" lang="ja-JP" altLang="en-US" sz="1050">
+                      <a:endParaRPr kumimoji="1" lang="ja-JP" altLang="en-US" sz="1050" dirty="0">
                         <a:latin typeface="Meiryo" panose="020B0604030504040204" pitchFamily="34" charset="-128"/>
                         <a:ea typeface="Meiryo" panose="020B0604030504040204" pitchFamily="34" charset="-128"/>
                       </a:endParaRPr>
@@ -38310,7 +38701,7 @@
                     <a:bodyPr/>
                     <a:lstStyle/>
                     <a:p>
-                      <a:pPr algn="r"/>
+                      <a:pPr algn="ctr"/>
                       <a:r>
                         <a:rPr kumimoji="1" lang="en-US" altLang="ja-JP" sz="1050" dirty="0">
                           <a:latin typeface="Meiryo" panose="020B0604030504040204" pitchFamily="34" charset="-128"/>
@@ -38331,7 +38722,7 @@
                     <a:bodyPr/>
                     <a:lstStyle/>
                     <a:p>
-                      <a:pPr algn="r"/>
+                      <a:pPr algn="ctr"/>
                       <a:r>
                         <a:rPr kumimoji="1" lang="en-US" altLang="ja-JP" sz="1050" dirty="0">
                           <a:latin typeface="Meiryo" panose="020B0604030504040204" pitchFamily="34" charset="-128"/>
@@ -38398,7 +38789,7 @@
                     <a:bodyPr/>
                     <a:lstStyle/>
                     <a:p>
-                      <a:pPr algn="r"/>
+                      <a:pPr algn="ctr"/>
                       <a:r>
                         <a:rPr kumimoji="1" lang="en-US" altLang="ja-JP" sz="1050" dirty="0">
                           <a:latin typeface="Meiryo" panose="020B0604030504040204" pitchFamily="34" charset="-128"/>
@@ -38429,7 +38820,7 @@
                     <a:bodyPr/>
                     <a:lstStyle/>
                     <a:p>
-                      <a:pPr algn="r"/>
+                      <a:pPr algn="ctr"/>
                       <a:r>
                         <a:rPr kumimoji="1" lang="en-US" altLang="ja-JP" sz="1050" dirty="0">
                           <a:latin typeface="Meiryo" panose="020B0604030504040204" pitchFamily="34" charset="-128"/>
@@ -38437,7 +38828,7 @@
                         </a:rPr>
                         <a:t>93%</a:t>
                       </a:r>
-                      <a:endParaRPr kumimoji="1" lang="ja-JP" altLang="en-US" sz="1050">
+                      <a:endParaRPr kumimoji="1" lang="ja-JP" altLang="en-US" sz="1050" dirty="0">
                         <a:latin typeface="Meiryo" panose="020B0604030504040204" pitchFamily="34" charset="-128"/>
                         <a:ea typeface="Meiryo" panose="020B0604030504040204" pitchFamily="34" charset="-128"/>
                       </a:endParaRPr>
@@ -38450,7 +38841,7 @@
                     <a:bodyPr/>
                     <a:lstStyle/>
                     <a:p>
-                      <a:pPr algn="r"/>
+                      <a:pPr algn="ctr"/>
                       <a:r>
                         <a:rPr kumimoji="1" lang="en-US" altLang="ja-JP" sz="1050" dirty="0">
                           <a:latin typeface="Meiryo" panose="020B0604030504040204" pitchFamily="34" charset="-128"/>
@@ -38458,7 +38849,7 @@
                         </a:rPr>
                         <a:t>93%</a:t>
                       </a:r>
-                      <a:endParaRPr kumimoji="1" lang="ja-JP" altLang="en-US" sz="1050">
+                      <a:endParaRPr kumimoji="1" lang="ja-JP" altLang="en-US" sz="1050" dirty="0">
                         <a:latin typeface="Meiryo" panose="020B0604030504040204" pitchFamily="34" charset="-128"/>
                         <a:ea typeface="Meiryo" panose="020B0604030504040204" pitchFamily="34" charset="-128"/>
                       </a:endParaRPr>
@@ -38510,7 +38901,7 @@
                     <a:bodyPr/>
                     <a:lstStyle/>
                     <a:p>
-                      <a:pPr algn="r"/>
+                      <a:pPr algn="ctr"/>
                       <a:r>
                         <a:rPr kumimoji="1" lang="en-US" altLang="ja-JP" sz="1050" dirty="0">
                           <a:latin typeface="Meiryo" panose="020B0604030504040204" pitchFamily="34" charset="-128"/>
@@ -38541,7 +38932,7 @@
                     <a:bodyPr/>
                     <a:lstStyle/>
                     <a:p>
-                      <a:pPr algn="r"/>
+                      <a:pPr algn="ctr"/>
                       <a:r>
                         <a:rPr kumimoji="1" lang="en-US" altLang="ja-JP" sz="1050" dirty="0">
                           <a:latin typeface="Meiryo" panose="020B0604030504040204" pitchFamily="34" charset="-128"/>
@@ -38562,7 +38953,7 @@
                     <a:bodyPr/>
                     <a:lstStyle/>
                     <a:p>
-                      <a:pPr algn="r"/>
+                      <a:pPr algn="ctr"/>
                       <a:r>
                         <a:rPr kumimoji="1" lang="en-US" altLang="ja-JP" sz="1050" dirty="0">
                           <a:latin typeface="Meiryo" panose="020B0604030504040204" pitchFamily="34" charset="-128"/>
@@ -38570,7 +38961,7 @@
                         </a:rPr>
                         <a:t>29.8</a:t>
                       </a:r>
-                      <a:endParaRPr kumimoji="1" lang="ja-JP" altLang="en-US" sz="1050">
+                      <a:endParaRPr kumimoji="1" lang="ja-JP" altLang="en-US" sz="1050" dirty="0">
                         <a:latin typeface="Meiryo" panose="020B0604030504040204" pitchFamily="34" charset="-128"/>
                         <a:ea typeface="Meiryo" panose="020B0604030504040204" pitchFamily="34" charset="-128"/>
                       </a:endParaRPr>
@@ -38622,7 +39013,7 @@
                     <a:bodyPr/>
                     <a:lstStyle/>
                     <a:p>
-                      <a:pPr algn="r"/>
+                      <a:pPr algn="ctr"/>
                       <a:r>
                         <a:rPr kumimoji="1" lang="en-US" altLang="ja-JP" sz="1050" dirty="0">
                           <a:latin typeface="Meiryo" panose="020B0604030504040204" pitchFamily="34" charset="-128"/>
@@ -38653,7 +39044,7 @@
                     <a:bodyPr/>
                     <a:lstStyle/>
                     <a:p>
-                      <a:pPr algn="r"/>
+                      <a:pPr algn="ctr"/>
                       <a:r>
                         <a:rPr kumimoji="1" lang="en-US" altLang="ja-JP" sz="1050" dirty="0">
                           <a:latin typeface="Meiryo" panose="020B0604030504040204" pitchFamily="34" charset="-128"/>
@@ -38674,7 +39065,7 @@
                     <a:bodyPr/>
                     <a:lstStyle/>
                     <a:p>
-                      <a:pPr algn="r"/>
+                      <a:pPr algn="ctr"/>
                       <a:r>
                         <a:rPr kumimoji="1" lang="en-US" altLang="ja-JP" sz="1050" dirty="0">
                           <a:latin typeface="Meiryo" panose="020B0604030504040204" pitchFamily="34" charset="-128"/>
@@ -38682,7 +39073,7 @@
                         </a:rPr>
                         <a:t>2.7</a:t>
                       </a:r>
-                      <a:endParaRPr kumimoji="1" lang="ja-JP" altLang="en-US" sz="1050">
+                      <a:endParaRPr kumimoji="1" lang="ja-JP" altLang="en-US" sz="1050" dirty="0">
                         <a:latin typeface="Meiryo" panose="020B0604030504040204" pitchFamily="34" charset="-128"/>
                         <a:ea typeface="Meiryo" panose="020B0604030504040204" pitchFamily="34" charset="-128"/>
                       </a:endParaRPr>

--- a/PowerPoint/提出用.pptx
+++ b/PowerPoint/提出用.pptx
@@ -15,8 +15,8 @@
     <p:sldId id="274" r:id="rId3"/>
     <p:sldId id="281" r:id="rId4"/>
     <p:sldId id="284" r:id="rId5"/>
-    <p:sldId id="278" r:id="rId6"/>
-    <p:sldId id="280" r:id="rId7"/>
+    <p:sldId id="285" r:id="rId6"/>
+    <p:sldId id="282" r:id="rId7"/>
     <p:sldId id="283" r:id="rId8"/>
   </p:sldIdLst>
   <p:sldSz cx="12801600" cy="9601200" type="A3"/>
@@ -158,8 +158,8 @@
           <p14:sldIdLst>
             <p14:sldId id="281"/>
             <p14:sldId id="284"/>
-            <p14:sldId id="278"/>
-            <p14:sldId id="280"/>
+            <p14:sldId id="285"/>
+            <p14:sldId id="282"/>
             <p14:sldId id="283"/>
           </p14:sldIdLst>
         </p14:section>
@@ -4086,8 +4086,8 @@
         </p:nvSpPr>
         <p:spPr>
           <a:xfrm>
-            <a:off x="6405285" y="2144813"/>
-            <a:ext cx="6189062" cy="7072705"/>
+            <a:off x="6393940" y="1962871"/>
+            <a:ext cx="6152049" cy="7346627"/>
           </a:xfrm>
           <a:prstGeom prst="rect">
             <a:avLst/>
@@ -4199,7 +4199,7 @@
                 <a:latin typeface="メイリオ" panose="020B0604030504040204" pitchFamily="50" charset="-128"/>
                 <a:ea typeface="メイリオ" panose="020B0604030504040204" pitchFamily="50" charset="-128"/>
               </a:rPr>
-              <a:t>・昨年のモデルを参考に、提供する機能から部品までの定義を　</a:t>
+              <a:t>・昨年のモデルを参考に、提供する機能から部品の候補までの定</a:t>
             </a:r>
             <a:endParaRPr lang="en-US" altLang="ja-JP" dirty="0">
               <a:solidFill>
@@ -4226,7 +4226,7 @@
                 <a:latin typeface="メイリオ" panose="020B0604030504040204" pitchFamily="50" charset="-128"/>
                 <a:ea typeface="メイリオ" panose="020B0604030504040204" pitchFamily="50" charset="-128"/>
               </a:rPr>
-              <a:t>　行った</a:t>
+              <a:t>　義を行った</a:t>
             </a:r>
             <a:endParaRPr lang="en-US" altLang="ja-JP" dirty="0">
               <a:solidFill>
@@ -4398,7 +4398,34 @@
                 <a:latin typeface="メイリオ" panose="020B0604030504040204" pitchFamily="50" charset="-128"/>
                 <a:ea typeface="メイリオ" panose="020B0604030504040204" pitchFamily="50" charset="-128"/>
               </a:rPr>
-              <a:t>・役割に応じてパッケージ分けを行った</a:t>
+              <a:t>・機能モデルで定義した部品の候補をもとにパッケージ分けを　</a:t>
+            </a:r>
+            <a:endParaRPr lang="en-US" altLang="ja-JP" dirty="0">
+              <a:solidFill>
+                <a:prstClr val="black"/>
+              </a:solidFill>
+              <a:latin typeface="メイリオ" panose="020B0604030504040204" pitchFamily="50" charset="-128"/>
+              <a:ea typeface="メイリオ" panose="020B0604030504040204" pitchFamily="50" charset="-128"/>
+            </a:endParaRPr>
+          </a:p>
+          <a:p>
+            <a:pPr lvl="0">
+              <a:lnSpc>
+                <a:spcPct val="80000"/>
+              </a:lnSpc>
+              <a:spcBef>
+                <a:spcPts val="600"/>
+              </a:spcBef>
+            </a:pPr>
+            <a:r>
+              <a:rPr lang="ja-JP" altLang="en-US" dirty="0">
+                <a:solidFill>
+                  <a:prstClr val="black"/>
+                </a:solidFill>
+                <a:latin typeface="メイリオ" panose="020B0604030504040204" pitchFamily="50" charset="-128"/>
+                <a:ea typeface="メイリオ" panose="020B0604030504040204" pitchFamily="50" charset="-128"/>
+              </a:rPr>
+              <a:t>　行った</a:t>
             </a:r>
             <a:endParaRPr lang="en-US" altLang="ja-JP" dirty="0">
               <a:solidFill>
@@ -14120,6 +14147,16 @@
               <a:t>これから示す値は区間パラメータリストという構造体に格納する</a:t>
             </a:r>
             <a:r>
+              <a:rPr lang="en-US" altLang="ja-JP" sz="1050" dirty="0">
+                <a:solidFill>
+                  <a:prstClr val="black"/>
+                </a:solidFill>
+                <a:latin typeface="メイリオ" panose="020B0604030504040204" pitchFamily="50" charset="-128"/>
+                <a:ea typeface="メイリオ" panose="020B0604030504040204" pitchFamily="50" charset="-128"/>
+              </a:rPr>
+              <a:t>.</a:t>
+            </a:r>
+            <a:r>
               <a:rPr kumimoji="1" lang="ja-JP" altLang="en-US" sz="1050" b="0" i="0" u="none" strike="noStrike" kern="1200" cap="none" spc="0" normalizeH="0" baseline="0" noProof="0" dirty="0">
                 <a:ln>
                   <a:noFill/>
@@ -14134,7 +14171,7 @@
                 <a:ea typeface="メイリオ" panose="020B0604030504040204" pitchFamily="50" charset="-128"/>
                 <a:cs typeface="+mn-cs"/>
               </a:rPr>
-              <a:t>。各曲率分類における前進量と制御で用いる旋回量，ライントレースの</a:t>
+              <a:t>各曲率分類における前進量と制御で用いる旋回量，ライントレースの</a:t>
             </a:r>
             <a:r>
               <a:rPr kumimoji="1" lang="en-US" altLang="ja-JP" sz="1050" b="0" i="0" u="none" strike="noStrike" kern="1200" cap="none" spc="0" normalizeH="0" baseline="0" noProof="0" dirty="0">
@@ -15711,7 +15748,41 @@
                 <a:ea typeface="メイリオ" panose="020B0604030504040204" pitchFamily="50" charset="-128"/>
                 <a:cs typeface="+mn-cs"/>
               </a:rPr>
-              <a:t>機能モデルで定義した部品を役割ごとにパッケージ化した．パッケージ間の関係をパッケージ図に，各パッケージの役割を表に示す．なお，パッケージ図内に</a:t>
+              <a:t>機能モデルで定義した部品を役割ごとにパッケージ化した．パッケージ間の関係をパッケージ図に</a:t>
+            </a:r>
+            <a:r>
+              <a:rPr kumimoji="1" lang="en-US" altLang="ja-JP" sz="1050" b="0" i="0" u="none" strike="noStrike" kern="1200" cap="none" spc="0" normalizeH="0" baseline="0" noProof="0" dirty="0">
+                <a:ln>
+                  <a:noFill/>
+                </a:ln>
+                <a:solidFill>
+                  <a:prstClr val="black"/>
+                </a:solidFill>
+                <a:effectLst/>
+                <a:uLnTx/>
+                <a:uFillTx/>
+                <a:latin typeface="メイリオ" panose="020B0604030504040204" pitchFamily="50" charset="-128"/>
+                <a:ea typeface="メイリオ" panose="020B0604030504040204" pitchFamily="50" charset="-128"/>
+                <a:cs typeface="+mn-cs"/>
+              </a:rPr>
+              <a:t>, </a:t>
+            </a:r>
+            <a:r>
+              <a:rPr kumimoji="1" lang="ja-JP" altLang="en-US" sz="1050" b="0" i="0" u="none" strike="noStrike" kern="1200" cap="none" spc="0" normalizeH="0" baseline="0" noProof="0" dirty="0">
+                <a:ln>
+                  <a:noFill/>
+                </a:ln>
+                <a:solidFill>
+                  <a:prstClr val="black"/>
+                </a:solidFill>
+                <a:effectLst/>
+                <a:uLnTx/>
+                <a:uFillTx/>
+                <a:latin typeface="メイリオ" panose="020B0604030504040204" pitchFamily="50" charset="-128"/>
+                <a:ea typeface="メイリオ" panose="020B0604030504040204" pitchFamily="50" charset="-128"/>
+                <a:cs typeface="+mn-cs"/>
+              </a:rPr>
+              <a:t>各パッケージの役割を表に示す．なお，パッケージ図内に</a:t>
             </a:r>
             <a:r>
               <a:rPr kumimoji="1" lang="ja-JP" altLang="en-US" sz="1050" b="1" i="0" u="none" strike="noStrike" kern="1200" cap="none" spc="0" normalizeH="0" baseline="0" noProof="0" dirty="0">
@@ -16417,7 +16488,75 @@
                 <a:ea typeface="メイリオ" panose="020B0604030504040204" pitchFamily="50" charset="-128"/>
                 <a:cs typeface="+mn-cs"/>
               </a:rPr>
-              <a:t>ただし、多重度はすべて１、ロール名はクラス名と対応しているものとする</a:t>
+              <a:t>ただし</a:t>
+            </a:r>
+            <a:r>
+              <a:rPr kumimoji="1" lang="en-US" altLang="ja-JP" sz="1050" b="1" i="0" u="none" strike="noStrike" kern="1200" cap="none" spc="0" normalizeH="0" baseline="0" noProof="0" dirty="0">
+                <a:ln>
+                  <a:noFill/>
+                </a:ln>
+                <a:solidFill>
+                  <a:srgbClr val="FF0000"/>
+                </a:solidFill>
+                <a:effectLst/>
+                <a:uLnTx/>
+                <a:uFillTx/>
+                <a:latin typeface="メイリオ" panose="020B0604030504040204" pitchFamily="50" charset="-128"/>
+                <a:ea typeface="メイリオ" panose="020B0604030504040204" pitchFamily="50" charset="-128"/>
+                <a:cs typeface="+mn-cs"/>
+              </a:rPr>
+              <a:t>, </a:t>
+            </a:r>
+            <a:r>
+              <a:rPr kumimoji="1" lang="ja-JP" altLang="en-US" sz="1050" b="1" i="0" u="none" strike="noStrike" kern="1200" cap="none" spc="0" normalizeH="0" baseline="0" noProof="0" dirty="0">
+                <a:ln>
+                  <a:noFill/>
+                </a:ln>
+                <a:solidFill>
+                  <a:srgbClr val="FF0000"/>
+                </a:solidFill>
+                <a:effectLst/>
+                <a:uLnTx/>
+                <a:uFillTx/>
+                <a:latin typeface="メイリオ" panose="020B0604030504040204" pitchFamily="50" charset="-128"/>
+                <a:ea typeface="メイリオ" panose="020B0604030504040204" pitchFamily="50" charset="-128"/>
+                <a:cs typeface="+mn-cs"/>
+              </a:rPr>
+              <a:t>多重度はすべて１</a:t>
+            </a:r>
+            <a:r>
+              <a:rPr kumimoji="1" lang="en-US" altLang="ja-JP" sz="1050" b="1" i="0" u="none" strike="noStrike" kern="1200" cap="none" spc="0" normalizeH="0" baseline="0" noProof="0" dirty="0">
+                <a:ln>
+                  <a:noFill/>
+                </a:ln>
+                <a:solidFill>
+                  <a:srgbClr val="FF0000"/>
+                </a:solidFill>
+                <a:effectLst/>
+                <a:uLnTx/>
+                <a:uFillTx/>
+                <a:latin typeface="メイリオ" panose="020B0604030504040204" pitchFamily="50" charset="-128"/>
+                <a:ea typeface="メイリオ" panose="020B0604030504040204" pitchFamily="50" charset="-128"/>
+                <a:cs typeface="+mn-cs"/>
+              </a:rPr>
+              <a:t>, </a:t>
+            </a:r>
+            <a:r>
+              <a:rPr kumimoji="1" lang="ja-JP" altLang="en-US" sz="1050" b="1" i="0" u="none" strike="noStrike" kern="1200" cap="none" spc="0" normalizeH="0" baseline="0" noProof="0" dirty="0">
+                <a:ln>
+                  <a:noFill/>
+                </a:ln>
+                <a:solidFill>
+                  <a:srgbClr val="FF0000"/>
+                </a:solidFill>
+                <a:effectLst/>
+                <a:uLnTx/>
+                <a:uFillTx/>
+                <a:latin typeface="メイリオ" panose="020B0604030504040204" pitchFamily="50" charset="-128"/>
+                <a:ea typeface="メイリオ" panose="020B0604030504040204" pitchFamily="50" charset="-128"/>
+                <a:cs typeface="+mn-cs"/>
+              </a:rPr>
+              <a:t>ロール名はクラス名と対応しているものとする</a:t>
             </a:r>
             <a:r>
               <a:rPr kumimoji="1" lang="en-US" altLang="ja-JP" sz="1050" i="0" u="none" strike="noStrike" kern="1200" cap="none" spc="0" normalizeH="0" baseline="0" noProof="0" dirty="0">
@@ -16551,8 +16690,8 @@
         </p:nvCxnSpPr>
         <p:spPr>
           <a:xfrm flipH="1">
-            <a:off x="85176" y="3432448"/>
-            <a:ext cx="8870032" cy="0"/>
+            <a:off x="171011" y="3432448"/>
+            <a:ext cx="8784197" cy="0"/>
           </a:xfrm>
           <a:prstGeom prst="line">
             <a:avLst/>
@@ -20063,12 +20202,91 @@
           </a:p>
         </p:txBody>
       </p:sp>
+      <p:sp>
+        <p:nvSpPr>
+          <p:cNvPr id="65" name="テキスト ボックス 64">
+            <a:extLst>
+              <a:ext uri="{FF2B5EF4-FFF2-40B4-BE49-F238E27FC236}">
+                <a16:creationId xmlns:a16="http://schemas.microsoft.com/office/drawing/2014/main" id="{A6DAA2E6-402A-45E8-9769-DF1DC8EBA18A}"/>
+              </a:ext>
+            </a:extLst>
+          </p:cNvPr>
+          <p:cNvSpPr txBox="1"/>
+          <p:nvPr/>
+        </p:nvSpPr>
+        <p:spPr>
+          <a:xfrm>
+            <a:off x="10301946" y="109416"/>
+            <a:ext cx="2392114" cy="584775"/>
+          </a:xfrm>
+          <a:prstGeom prst="rect">
+            <a:avLst/>
+          </a:prstGeom>
+          <a:noFill/>
+        </p:spPr>
+        <p:txBody>
+          <a:bodyPr wrap="square" rtlCol="0">
+            <a:spAutoFit/>
+          </a:bodyPr>
+          <a:lstStyle/>
+          <a:p>
+            <a:pPr marL="0" marR="0" lvl="0" indent="0" algn="l" defTabSz="914400" rtl="0" eaLnBrk="1" fontAlgn="base" latinLnBrk="0" hangingPunct="1">
+              <a:lnSpc>
+                <a:spcPct val="100000"/>
+              </a:lnSpc>
+              <a:spcBef>
+                <a:spcPct val="0"/>
+              </a:spcBef>
+              <a:spcAft>
+                <a:spcPct val="0"/>
+              </a:spcAft>
+              <a:buClrTx/>
+              <a:buSzTx/>
+              <a:buFontTx/>
+              <a:buNone/>
+              <a:tabLst/>
+              <a:defRPr/>
+            </a:pPr>
+            <a:r>
+              <a:rPr kumimoji="1" lang="en-US" altLang="ja-JP" sz="3200" b="1" i="0" u="none" strike="noStrike" kern="1200" cap="none" spc="0" normalizeH="0" baseline="0" noProof="0" dirty="0" err="1">
+                <a:ln>
+                  <a:noFill/>
+                </a:ln>
+                <a:solidFill>
+                  <a:srgbClr val="F600AA"/>
+                </a:solidFill>
+                <a:effectLst/>
+                <a:uLnTx/>
+                <a:uFillTx/>
+                <a:latin typeface="游ゴシック" panose="020B0400000000000000" pitchFamily="50" charset="-128"/>
+                <a:ea typeface="游ゴシック" panose="020B0400000000000000" pitchFamily="50" charset="-128"/>
+                <a:cs typeface="+mn-cs"/>
+              </a:rPr>
+              <a:t>teamNITIC</a:t>
+            </a:r>
+            <a:endParaRPr kumimoji="1" lang="ja-JP" altLang="en-US" sz="3200" b="1" i="0" u="none" strike="noStrike" kern="1200" cap="none" spc="0" normalizeH="0" baseline="0" noProof="0" dirty="0">
+              <a:ln>
+                <a:noFill/>
+              </a:ln>
+              <a:solidFill>
+                <a:srgbClr val="F600AA"/>
+              </a:solidFill>
+              <a:effectLst/>
+              <a:uLnTx/>
+              <a:uFillTx/>
+              <a:latin typeface="游ゴシック" panose="020B0400000000000000" pitchFamily="50" charset="-128"/>
+              <a:ea typeface="游ゴシック" panose="020B0400000000000000" pitchFamily="50" charset="-128"/>
+              <a:cs typeface="+mn-cs"/>
+            </a:endParaRPr>
+          </a:p>
+        </p:txBody>
+      </p:sp>
       <p:pic>
         <p:nvPicPr>
-          <p:cNvPr id="17" name="図 16" descr="スクリーンショット が含まれている画像&#10;&#10;自動的に生成された説明">
+          <p:cNvPr id="67" name="図 66" descr="スクリーンショット が含まれている画像&#10;&#10;自動的に生成された説明">
             <a:extLst>
               <a:ext uri="{FF2B5EF4-FFF2-40B4-BE49-F238E27FC236}">
-                <a16:creationId xmlns:a16="http://schemas.microsoft.com/office/drawing/2014/main" id="{4C44B92B-AD6B-8843-8AED-47545E826AB8}"/>
+                <a16:creationId xmlns:a16="http://schemas.microsoft.com/office/drawing/2014/main" id="{67D32CAB-F163-4271-B706-427491352635}"/>
               </a:ext>
             </a:extLst>
           </p:cNvPr>
@@ -20090,7 +20308,7 @@
         </p:blipFill>
         <p:spPr>
           <a:xfrm>
-            <a:off x="297512" y="1481521"/>
+            <a:off x="225504" y="1492596"/>
             <a:ext cx="4320480" cy="2972428"/>
           </a:xfrm>
           <a:prstGeom prst="rect">
@@ -20100,10 +20318,10 @@
       </p:pic>
       <p:sp>
         <p:nvSpPr>
-          <p:cNvPr id="41" name="テキスト ボックス 40">
+          <p:cNvPr id="68" name="テキスト ボックス 67">
             <a:extLst>
               <a:ext uri="{FF2B5EF4-FFF2-40B4-BE49-F238E27FC236}">
-                <a16:creationId xmlns:a16="http://schemas.microsoft.com/office/drawing/2014/main" id="{84164602-304F-2D4C-9FC2-03244B73CC4A}"/>
+                <a16:creationId xmlns:a16="http://schemas.microsoft.com/office/drawing/2014/main" id="{DFFACABC-4DA0-4856-BE2C-FBAD7D4B7D2A}"/>
               </a:ext>
             </a:extLst>
           </p:cNvPr>
@@ -20112,8 +20330,8 @@
         </p:nvSpPr>
         <p:spPr>
           <a:xfrm>
-            <a:off x="121200" y="755752"/>
-            <a:ext cx="2391167" cy="338554"/>
+            <a:off x="159529" y="733120"/>
+            <a:ext cx="2572069" cy="338554"/>
           </a:xfrm>
           <a:prstGeom prst="rect">
             <a:avLst/>
@@ -20154,7 +20372,7 @@
               <a:t>１</a:t>
             </a:r>
             <a:r>
-              <a:rPr kumimoji="1" lang="en-US" altLang="ja-JP" sz="1600" b="1" i="0" u="none" strike="noStrike" kern="1200" cap="none" spc="0" normalizeH="0" baseline="0" noProof="0" dirty="0">
+              <a:rPr kumimoji="1" lang="en-US" altLang="ja-JP" sz="1600" b="1" i="0" u="none" strike="noStrike" kern="1200" cap="none" spc="0" normalizeH="0" baseline="0" noProof="0">
                 <a:ln>
                   <a:noFill/>
                 </a:ln>
@@ -20192,10 +20410,10 @@
       </p:sp>
       <p:cxnSp>
         <p:nvCxnSpPr>
-          <p:cNvPr id="50" name="直線コネクタ 49">
+          <p:cNvPr id="69" name="直線コネクタ 68">
             <a:extLst>
               <a:ext uri="{FF2B5EF4-FFF2-40B4-BE49-F238E27FC236}">
-                <a16:creationId xmlns:a16="http://schemas.microsoft.com/office/drawing/2014/main" id="{D23FE191-4727-8040-A83B-5C3B05BC557D}"/>
+                <a16:creationId xmlns:a16="http://schemas.microsoft.com/office/drawing/2014/main" id="{08A2710D-888B-4C4C-82D1-576EDFA86BA4}"/>
               </a:ext>
             </a:extLst>
           </p:cNvPr>
@@ -20206,7 +20424,7 @@
         </p:nvCxnSpPr>
         <p:spPr>
           <a:xfrm>
-            <a:off x="216656" y="1075921"/>
+            <a:off x="225504" y="1026279"/>
             <a:ext cx="4232693" cy="0"/>
           </a:xfrm>
           <a:prstGeom prst="line">
@@ -20235,10 +20453,10 @@
       </p:cxnSp>
       <p:sp>
         <p:nvSpPr>
-          <p:cNvPr id="51" name="テキスト ボックス 50">
+          <p:cNvPr id="70" name="テキスト ボックス 69">
             <a:extLst>
               <a:ext uri="{FF2B5EF4-FFF2-40B4-BE49-F238E27FC236}">
-                <a16:creationId xmlns:a16="http://schemas.microsoft.com/office/drawing/2014/main" id="{0E208EF2-3DC9-8842-85F1-016BCC69C7FD}"/>
+                <a16:creationId xmlns:a16="http://schemas.microsoft.com/office/drawing/2014/main" id="{B67CFD2D-EC78-43DA-885E-9479E2B899F5}"/>
               </a:ext>
             </a:extLst>
           </p:cNvPr>
@@ -20247,7 +20465,7 @@
         </p:nvSpPr>
         <p:spPr>
           <a:xfrm>
-            <a:off x="160429" y="1129289"/>
+            <a:off x="178077" y="1102202"/>
             <a:ext cx="2768716" cy="253916"/>
           </a:xfrm>
           <a:prstGeom prst="rect">
@@ -20293,26 +20511,9 @@
                 <a:ea typeface="メイリオ" panose="020B0604030504040204" pitchFamily="50" charset="-128"/>
                 <a:cs typeface="+mn-cs"/>
               </a:rPr>
-              <a:t>機能の状態をステートマシン図に示す</a:t>
+              <a:t>機能の状態をステートマシン図に示す．</a:t>
             </a:r>
-            <a:r>
-              <a:rPr kumimoji="1" lang="en-US" altLang="ja-JP" sz="1050" b="0" i="0" u="none" strike="noStrike" kern="1200" cap="none" spc="0" normalizeH="0" baseline="0" noProof="0" dirty="0">
-                <a:ln>
-                  <a:noFill/>
-                </a:ln>
-                <a:solidFill>
-                  <a:prstClr val="black"/>
-                </a:solidFill>
-                <a:effectLst/>
-                <a:uLnTx/>
-                <a:uFillTx/>
-                <a:latin typeface="メイリオ" panose="020B0604030504040204" pitchFamily="50" charset="-128"/>
-                <a:ea typeface="メイリオ" panose="020B0604030504040204" pitchFamily="50" charset="-128"/>
-                <a:cs typeface="+mn-cs"/>
-              </a:rPr>
-              <a:t>.</a:t>
-            </a:r>
-            <a:endParaRPr kumimoji="1" lang="ja-JP" altLang="en-US" sz="1050" b="0" i="0" u="none" strike="noStrike" kern="1200" cap="none" spc="0" normalizeH="0" baseline="0" noProof="0" dirty="0">
+            <a:endParaRPr kumimoji="1" lang="en-US" altLang="ja-JP" sz="1050" b="0" i="0" u="none" strike="noStrike" kern="1200" cap="none" spc="0" normalizeH="0" baseline="0" noProof="0" dirty="0">
               <a:ln>
                 <a:noFill/>
               </a:ln>
@@ -20331,10 +20532,10 @@
       </p:sp>
       <p:sp>
         <p:nvSpPr>
-          <p:cNvPr id="52" name="テキスト ボックス 51">
+          <p:cNvPr id="71" name="テキスト ボックス 70">
             <a:extLst>
               <a:ext uri="{FF2B5EF4-FFF2-40B4-BE49-F238E27FC236}">
-                <a16:creationId xmlns:a16="http://schemas.microsoft.com/office/drawing/2014/main" id="{A9FF27DF-B6F0-ED45-963E-793ABB41C8FF}"/>
+                <a16:creationId xmlns:a16="http://schemas.microsoft.com/office/drawing/2014/main" id="{D142AA33-9B77-4C0B-BFD6-A4DFE92CDCC3}"/>
               </a:ext>
             </a:extLst>
           </p:cNvPr>
@@ -20423,10 +20624,10 @@
       </p:sp>
       <p:cxnSp>
         <p:nvCxnSpPr>
-          <p:cNvPr id="23" name="直線コネクタ 22">
+          <p:cNvPr id="72" name="直線コネクタ 71">
             <a:extLst>
               <a:ext uri="{FF2B5EF4-FFF2-40B4-BE49-F238E27FC236}">
-                <a16:creationId xmlns:a16="http://schemas.microsoft.com/office/drawing/2014/main" id="{8135B6D7-17FA-3A41-89A8-F49243F404AF}"/>
+                <a16:creationId xmlns:a16="http://schemas.microsoft.com/office/drawing/2014/main" id="{41382414-EEDE-495A-BC9B-E101D44247C4}"/>
               </a:ext>
             </a:extLst>
           </p:cNvPr>
@@ -20466,10 +20667,10 @@
       </p:cxnSp>
       <p:sp>
         <p:nvSpPr>
-          <p:cNvPr id="57" name="テキスト ボックス 56">
+          <p:cNvPr id="73" name="テキスト ボックス 72">
             <a:extLst>
               <a:ext uri="{FF2B5EF4-FFF2-40B4-BE49-F238E27FC236}">
-                <a16:creationId xmlns:a16="http://schemas.microsoft.com/office/drawing/2014/main" id="{A2597920-B22A-F04A-9FB9-2017C5133FA4}"/>
+                <a16:creationId xmlns:a16="http://schemas.microsoft.com/office/drawing/2014/main" id="{FFF2B231-3701-4174-9531-695426865060}"/>
               </a:ext>
             </a:extLst>
           </p:cNvPr>
@@ -20894,10 +21095,10 @@
       </p:sp>
       <p:cxnSp>
         <p:nvCxnSpPr>
-          <p:cNvPr id="34" name="直線コネクタ 33">
+          <p:cNvPr id="74" name="直線コネクタ 73">
             <a:extLst>
               <a:ext uri="{FF2B5EF4-FFF2-40B4-BE49-F238E27FC236}">
-                <a16:creationId xmlns:a16="http://schemas.microsoft.com/office/drawing/2014/main" id="{C7A7514A-1822-4240-8DA5-A3D8F7193F72}"/>
+                <a16:creationId xmlns:a16="http://schemas.microsoft.com/office/drawing/2014/main" id="{222A91B4-8DE5-4D2B-9621-40E233F07C4E}"/>
               </a:ext>
             </a:extLst>
           </p:cNvPr>
@@ -20937,10 +21138,10 @@
       </p:cxnSp>
       <p:graphicFrame>
         <p:nvGraphicFramePr>
-          <p:cNvPr id="9" name="表 8">
+          <p:cNvPr id="75" name="表 74">
             <a:extLst>
               <a:ext uri="{FF2B5EF4-FFF2-40B4-BE49-F238E27FC236}">
-                <a16:creationId xmlns:a16="http://schemas.microsoft.com/office/drawing/2014/main" id="{3B36A374-E9E9-4D99-848E-D464006BC4E8}"/>
+                <a16:creationId xmlns:a16="http://schemas.microsoft.com/office/drawing/2014/main" id="{B6073636-7D71-45CE-9DDB-8F26711CEFC0}"/>
               </a:ext>
             </a:extLst>
           </p:cNvPr>
@@ -21184,10 +21385,10 @@
       </p:graphicFrame>
       <p:sp>
         <p:nvSpPr>
-          <p:cNvPr id="38" name="テキスト ボックス 37">
+          <p:cNvPr id="76" name="テキスト ボックス 75">
             <a:extLst>
               <a:ext uri="{FF2B5EF4-FFF2-40B4-BE49-F238E27FC236}">
-                <a16:creationId xmlns:a16="http://schemas.microsoft.com/office/drawing/2014/main" id="{C071F6AA-EE94-475F-8472-8448F87EF85C}"/>
+                <a16:creationId xmlns:a16="http://schemas.microsoft.com/office/drawing/2014/main" id="{07A786D4-336E-44ED-A4CA-B219FECFD13E}"/>
               </a:ext>
             </a:extLst>
           </p:cNvPr>
@@ -21272,27 +21473,7 @@
               <a:t>Ａ</a:t>
             </a:r>
             <a:r>
-              <a:rPr lang="en-US" altLang="ja-JP" b="1" dirty="0">
-                <a:solidFill>
-                  <a:prstClr val="black"/>
-                </a:solidFill>
-                <a:latin typeface="游ゴシック" panose="020B0400000000000000" pitchFamily="50" charset="-128"/>
-                <a:ea typeface="游ゴシック" panose="020B0400000000000000" pitchFamily="50" charset="-128"/>
-              </a:rPr>
-              <a:t>.</a:t>
-            </a:r>
-            <a:r>
-              <a:rPr lang="ja-JP" altLang="en-US" b="1" dirty="0">
-                <a:solidFill>
-                  <a:prstClr val="black"/>
-                </a:solidFill>
-                <a:latin typeface="游ゴシック" panose="020B0400000000000000" pitchFamily="50" charset="-128"/>
-                <a:ea typeface="游ゴシック" panose="020B0400000000000000" pitchFamily="50" charset="-128"/>
-              </a:rPr>
-              <a:t> </a:t>
-            </a:r>
-            <a:r>
-              <a:rPr kumimoji="1" lang="ja-JP" altLang="en-US" sz="1600" b="1" i="0" u="none" strike="noStrike" kern="1200" cap="none" spc="0" normalizeH="0" baseline="0" noProof="0" dirty="0">
+              <a:rPr kumimoji="1" lang="en-US" altLang="ja-JP" sz="1600" b="1" i="0" u="none" strike="noStrike" kern="1200" cap="none" spc="0" normalizeH="0" baseline="0" noProof="0" dirty="0">
                 <a:ln>
                   <a:noFill/>
                 </a:ln>
@@ -21306,17 +21487,34 @@
                 <a:ea typeface="游ゴシック" panose="020B0400000000000000" pitchFamily="50" charset="-128"/>
                 <a:cs typeface="+mn-cs"/>
               </a:rPr>
-              <a:t>区間確認の振る舞い</a:t>
+              <a:t>.</a:t>
+            </a:r>
+            <a:r>
+              <a:rPr kumimoji="1" lang="ja-JP" altLang="en-US" sz="1600" b="1" i="0" u="none" strike="noStrike" kern="1200" cap="none" spc="0" normalizeH="0" baseline="0" noProof="0" dirty="0">
+                <a:ln>
+                  <a:noFill/>
+                </a:ln>
+                <a:solidFill>
+                  <a:prstClr val="black"/>
+                </a:solidFill>
+                <a:effectLst/>
+                <a:uLnTx/>
+                <a:uFillTx/>
+                <a:latin typeface="游ゴシック" panose="020B0400000000000000" pitchFamily="50" charset="-128"/>
+                <a:ea typeface="游ゴシック" panose="020B0400000000000000" pitchFamily="50" charset="-128"/>
+                <a:cs typeface="+mn-cs"/>
+              </a:rPr>
+              <a:t> 区間確認の振る舞い</a:t>
             </a:r>
           </a:p>
         </p:txBody>
       </p:sp>
       <p:cxnSp>
         <p:nvCxnSpPr>
-          <p:cNvPr id="40" name="直線コネクタ 39">
+          <p:cNvPr id="77" name="直線コネクタ 76">
             <a:extLst>
               <a:ext uri="{FF2B5EF4-FFF2-40B4-BE49-F238E27FC236}">
-                <a16:creationId xmlns:a16="http://schemas.microsoft.com/office/drawing/2014/main" id="{B2CCCAC5-1F58-4DE3-A25B-2787A184B964}"/>
+                <a16:creationId xmlns:a16="http://schemas.microsoft.com/office/drawing/2014/main" id="{D54DBDB6-7DF8-4A11-B2B7-1C4EEFBC2675}"/>
               </a:ext>
             </a:extLst>
           </p:cNvPr>
@@ -21356,10 +21554,10 @@
       </p:cxnSp>
       <p:sp>
         <p:nvSpPr>
-          <p:cNvPr id="53" name="テキスト ボックス 52">
+          <p:cNvPr id="78" name="テキスト ボックス 77">
             <a:extLst>
               <a:ext uri="{FF2B5EF4-FFF2-40B4-BE49-F238E27FC236}">
-                <a16:creationId xmlns:a16="http://schemas.microsoft.com/office/drawing/2014/main" id="{3559B331-1A1F-41A1-94C9-67B78B725D83}"/>
+                <a16:creationId xmlns:a16="http://schemas.microsoft.com/office/drawing/2014/main" id="{D30BA5CC-FADD-496A-8CB2-3732A1497CE5}"/>
               </a:ext>
             </a:extLst>
           </p:cNvPr>
@@ -21414,48 +21612,17 @@
                 <a:ea typeface="メイリオ" panose="020B0604030504040204" pitchFamily="50" charset="-128"/>
                 <a:cs typeface="+mn-cs"/>
               </a:rPr>
-              <a:t>区間確認の振る舞いをシーケンス図で表す。全体概要の赤枠の部分に当たる</a:t>
+              <a:t>区間確認の振る舞いをシーケンス図で表す。全体概要の赤枠の部分に当たる。</a:t>
             </a:r>
-            <a:r>
-              <a:rPr kumimoji="1" lang="en-US" altLang="ja-JP" sz="1050" b="0" i="0" u="none" strike="noStrike" kern="1200" cap="none" spc="0" normalizeH="0" baseline="0" noProof="0" dirty="0">
-                <a:ln>
-                  <a:noFill/>
-                </a:ln>
-                <a:solidFill>
-                  <a:prstClr val="black"/>
-                </a:solidFill>
-                <a:effectLst/>
-                <a:uLnTx/>
-                <a:uFillTx/>
-                <a:latin typeface="メイリオ" panose="020B0604030504040204" pitchFamily="50" charset="-128"/>
-                <a:ea typeface="メイリオ" panose="020B0604030504040204" pitchFamily="50" charset="-128"/>
-                <a:cs typeface="+mn-cs"/>
-              </a:rPr>
-              <a:t>.</a:t>
-            </a:r>
-            <a:endParaRPr kumimoji="1" lang="ja-JP" altLang="en-US" sz="1050" b="0" i="0" u="none" strike="noStrike" kern="1200" cap="none" spc="0" normalizeH="0" baseline="0" noProof="0" dirty="0">
-              <a:ln>
-                <a:noFill/>
-              </a:ln>
-              <a:solidFill>
-                <a:prstClr val="black"/>
-              </a:solidFill>
-              <a:effectLst/>
-              <a:uLnTx/>
-              <a:uFillTx/>
-              <a:latin typeface="メイリオ" panose="020B0604030504040204" pitchFamily="50" charset="-128"/>
-              <a:ea typeface="メイリオ" panose="020B0604030504040204" pitchFamily="50" charset="-128"/>
-              <a:cs typeface="+mn-cs"/>
-            </a:endParaRPr>
           </a:p>
         </p:txBody>
       </p:sp>
       <p:cxnSp>
         <p:nvCxnSpPr>
-          <p:cNvPr id="55" name="直線コネクタ 54">
+          <p:cNvPr id="79" name="直線コネクタ 78">
             <a:extLst>
               <a:ext uri="{FF2B5EF4-FFF2-40B4-BE49-F238E27FC236}">
-                <a16:creationId xmlns:a16="http://schemas.microsoft.com/office/drawing/2014/main" id="{583C2C92-38F3-4EEA-B139-0161BD03A342}"/>
+                <a16:creationId xmlns:a16="http://schemas.microsoft.com/office/drawing/2014/main" id="{AA292FA2-8EF1-481D-A4A4-FD2DCFDA81C1}"/>
               </a:ext>
             </a:extLst>
           </p:cNvPr>
@@ -21466,8 +21633,8 @@
         </p:nvCxnSpPr>
         <p:spPr>
           <a:xfrm flipH="1">
-            <a:off x="216656" y="4638706"/>
-            <a:ext cx="12361823" cy="0"/>
+            <a:off x="122479" y="4638706"/>
+            <a:ext cx="12456000" cy="0"/>
           </a:xfrm>
           <a:prstGeom prst="line">
             <a:avLst/>
@@ -21495,10 +21662,10 @@
       </p:cxnSp>
       <p:cxnSp>
         <p:nvCxnSpPr>
-          <p:cNvPr id="56" name="直線コネクタ 55">
+          <p:cNvPr id="80" name="直線コネクタ 79">
             <a:extLst>
               <a:ext uri="{FF2B5EF4-FFF2-40B4-BE49-F238E27FC236}">
-                <a16:creationId xmlns:a16="http://schemas.microsoft.com/office/drawing/2014/main" id="{7A04B749-9600-4C21-87DA-E530504471A5}"/>
+                <a16:creationId xmlns:a16="http://schemas.microsoft.com/office/drawing/2014/main" id="{9753F1D3-1207-4095-A6AF-F783B1F40C82}"/>
               </a:ext>
             </a:extLst>
           </p:cNvPr>
@@ -21538,10 +21705,10 @@
       </p:cxnSp>
       <p:sp>
         <p:nvSpPr>
-          <p:cNvPr id="62" name="テキスト ボックス 61">
+          <p:cNvPr id="81" name="テキスト ボックス 80">
             <a:extLst>
               <a:ext uri="{FF2B5EF4-FFF2-40B4-BE49-F238E27FC236}">
-                <a16:creationId xmlns:a16="http://schemas.microsoft.com/office/drawing/2014/main" id="{FB0B7157-0CC0-47DF-8AE0-3BB4D14B8768}"/>
+                <a16:creationId xmlns:a16="http://schemas.microsoft.com/office/drawing/2014/main" id="{8632D72F-12BB-4B4E-A2D2-72AFDB888BD9}"/>
               </a:ext>
             </a:extLst>
           </p:cNvPr>
@@ -21550,7 +21717,7 @@
         </p:nvSpPr>
         <p:spPr>
           <a:xfrm>
-            <a:off x="7461006" y="4872056"/>
+            <a:off x="7455110" y="4833869"/>
             <a:ext cx="3770219" cy="338554"/>
           </a:xfrm>
           <a:prstGeom prst="rect">
@@ -21626,17 +21793,7 @@
               <a:t>Ｂ</a:t>
             </a:r>
             <a:r>
-              <a:rPr lang="en-US" altLang="ja-JP" b="1" dirty="0">
-                <a:solidFill>
-                  <a:prstClr val="black"/>
-                </a:solidFill>
-                <a:latin typeface="游ゴシック" panose="020B0400000000000000" pitchFamily="50" charset="-128"/>
-                <a:ea typeface="游ゴシック" panose="020B0400000000000000" pitchFamily="50" charset="-128"/>
-              </a:rPr>
-              <a:t>. </a:t>
-            </a:r>
-            <a:r>
-              <a:rPr kumimoji="1" lang="ja-JP" altLang="en-US" sz="1600" b="1" i="0" u="none" strike="noStrike" kern="1200" cap="none" spc="0" normalizeH="0" baseline="0" noProof="0" dirty="0">
+              <a:rPr kumimoji="1" lang="en-US" altLang="ja-JP" sz="1600" b="1" i="0" u="none" strike="noStrike" kern="1200" cap="none" spc="0" normalizeH="0" baseline="0" noProof="0" dirty="0">
                 <a:ln>
                   <a:noFill/>
                 </a:ln>
@@ -21650,17 +21807,34 @@
                 <a:ea typeface="游ゴシック" panose="020B0400000000000000" pitchFamily="50" charset="-128"/>
                 <a:cs typeface="+mn-cs"/>
               </a:rPr>
-              <a:t>ライントレースの振る舞い</a:t>
+              <a:t>.</a:t>
+            </a:r>
+            <a:r>
+              <a:rPr kumimoji="1" lang="ja-JP" altLang="en-US" sz="1600" b="1" i="0" u="none" strike="noStrike" kern="1200" cap="none" spc="0" normalizeH="0" baseline="0" noProof="0" dirty="0">
+                <a:ln>
+                  <a:noFill/>
+                </a:ln>
+                <a:solidFill>
+                  <a:prstClr val="black"/>
+                </a:solidFill>
+                <a:effectLst/>
+                <a:uLnTx/>
+                <a:uFillTx/>
+                <a:latin typeface="游ゴシック" panose="020B0400000000000000" pitchFamily="50" charset="-128"/>
+                <a:ea typeface="游ゴシック" panose="020B0400000000000000" pitchFamily="50" charset="-128"/>
+                <a:cs typeface="+mn-cs"/>
+              </a:rPr>
+              <a:t> ライントレースの振る舞い</a:t>
             </a:r>
           </a:p>
         </p:txBody>
       </p:sp>
       <p:sp>
         <p:nvSpPr>
-          <p:cNvPr id="63" name="テキスト ボックス 62">
+          <p:cNvPr id="82" name="テキスト ボックス 81">
             <a:extLst>
               <a:ext uri="{FF2B5EF4-FFF2-40B4-BE49-F238E27FC236}">
-                <a16:creationId xmlns:a16="http://schemas.microsoft.com/office/drawing/2014/main" id="{3B907795-F804-445B-82AE-D4780DC00EE1}"/>
+                <a16:creationId xmlns:a16="http://schemas.microsoft.com/office/drawing/2014/main" id="{3386EA29-018C-4678-86B1-E8067B67020A}"/>
               </a:ext>
             </a:extLst>
           </p:cNvPr>
@@ -21789,10 +21963,10 @@
       </p:sp>
       <p:cxnSp>
         <p:nvCxnSpPr>
-          <p:cNvPr id="64" name="直線コネクタ 63">
+          <p:cNvPr id="83" name="直線コネクタ 82">
             <a:extLst>
               <a:ext uri="{FF2B5EF4-FFF2-40B4-BE49-F238E27FC236}">
-                <a16:creationId xmlns:a16="http://schemas.microsoft.com/office/drawing/2014/main" id="{8D142B72-19E9-4EAC-8501-6CDE18909052}"/>
+                <a16:creationId xmlns:a16="http://schemas.microsoft.com/office/drawing/2014/main" id="{4E204DF8-820E-4F9E-9F28-799F16E8729F}"/>
               </a:ext>
             </a:extLst>
           </p:cNvPr>
@@ -21804,7 +21978,7 @@
         <p:spPr>
           <a:xfrm>
             <a:off x="7516665" y="5172423"/>
-            <a:ext cx="5061813" cy="30117"/>
+            <a:ext cx="5061814" cy="30117"/>
           </a:xfrm>
           <a:prstGeom prst="line">
             <a:avLst/>
@@ -21832,10 +22006,10 @@
       </p:cxnSp>
       <p:pic>
         <p:nvPicPr>
-          <p:cNvPr id="100" name="図 99">
+          <p:cNvPr id="84" name="図 83">
             <a:extLst>
               <a:ext uri="{FF2B5EF4-FFF2-40B4-BE49-F238E27FC236}">
-                <a16:creationId xmlns:a16="http://schemas.microsoft.com/office/drawing/2014/main" id="{ABCA3FFB-A439-4C9E-826D-6BA869E82294}"/>
+                <a16:creationId xmlns:a16="http://schemas.microsoft.com/office/drawing/2014/main" id="{EFDD1FDE-9909-4708-B87F-B703C42B9C2C}"/>
               </a:ext>
             </a:extLst>
           </p:cNvPr>
@@ -21868,10 +22042,10 @@
       </p:pic>
       <p:grpSp>
         <p:nvGrpSpPr>
-          <p:cNvPr id="103" name="グループ化 102">
+          <p:cNvPr id="85" name="グループ化 84">
             <a:extLst>
               <a:ext uri="{FF2B5EF4-FFF2-40B4-BE49-F238E27FC236}">
-                <a16:creationId xmlns:a16="http://schemas.microsoft.com/office/drawing/2014/main" id="{865736AE-5109-4572-A4A8-9056142AFB3F}"/>
+                <a16:creationId xmlns:a16="http://schemas.microsoft.com/office/drawing/2014/main" id="{5F8921EF-EBF4-4188-BAF2-4FC62AE66413}"/>
               </a:ext>
             </a:extLst>
           </p:cNvPr>
@@ -21880,7 +22054,7 @@
         </p:nvGrpSpPr>
         <p:grpSpPr>
           <a:xfrm>
-            <a:off x="1050344" y="2220386"/>
+            <a:off x="1152827" y="2332583"/>
             <a:ext cx="279421" cy="307777"/>
             <a:chOff x="2540906" y="1209974"/>
             <a:chExt cx="279421" cy="307777"/>
@@ -21888,10 +22062,10 @@
         </p:grpSpPr>
         <p:sp>
           <p:nvSpPr>
-            <p:cNvPr id="104" name="楕円 103">
+            <p:cNvPr id="86" name="楕円 85">
               <a:extLst>
                 <a:ext uri="{FF2B5EF4-FFF2-40B4-BE49-F238E27FC236}">
-                  <a16:creationId xmlns:a16="http://schemas.microsoft.com/office/drawing/2014/main" id="{E2E59DAA-A540-4774-AA95-703B2ABF1B00}"/>
+                  <a16:creationId xmlns:a16="http://schemas.microsoft.com/office/drawing/2014/main" id="{169BADFD-B5C7-40BD-AADF-2C5F2579F4CB}"/>
                 </a:ext>
               </a:extLst>
             </p:cNvPr>
@@ -21969,10 +22143,10 @@
         </p:sp>
         <p:sp>
           <p:nvSpPr>
-            <p:cNvPr id="105" name="テキスト ボックス 104">
+            <p:cNvPr id="87" name="テキスト ボックス 86">
               <a:extLst>
                 <a:ext uri="{FF2B5EF4-FFF2-40B4-BE49-F238E27FC236}">
-                  <a16:creationId xmlns:a16="http://schemas.microsoft.com/office/drawing/2014/main" id="{A9D0D471-2831-4376-ABB6-3EB113E7B326}"/>
+                  <a16:creationId xmlns:a16="http://schemas.microsoft.com/office/drawing/2014/main" id="{D61155B5-104E-4E8B-9FCC-52418A6FDD94}"/>
                 </a:ext>
               </a:extLst>
             </p:cNvPr>
@@ -22035,10 +22209,10 @@
       </p:grpSp>
       <p:grpSp>
         <p:nvGrpSpPr>
-          <p:cNvPr id="115" name="グループ化 114">
+          <p:cNvPr id="88" name="グループ化 87">
             <a:extLst>
               <a:ext uri="{FF2B5EF4-FFF2-40B4-BE49-F238E27FC236}">
-                <a16:creationId xmlns:a16="http://schemas.microsoft.com/office/drawing/2014/main" id="{B59C63CD-B149-41B0-A5A8-09C164F21A5E}"/>
+                <a16:creationId xmlns:a16="http://schemas.microsoft.com/office/drawing/2014/main" id="{C308EB8A-BC7E-4019-A2CC-A00CE793F8C5}"/>
               </a:ext>
             </a:extLst>
           </p:cNvPr>
@@ -22055,10 +22229,10 @@
         </p:grpSpPr>
         <p:sp>
           <p:nvSpPr>
-            <p:cNvPr id="116" name="楕円 115">
+            <p:cNvPr id="89" name="楕円 88">
               <a:extLst>
                 <a:ext uri="{FF2B5EF4-FFF2-40B4-BE49-F238E27FC236}">
-                  <a16:creationId xmlns:a16="http://schemas.microsoft.com/office/drawing/2014/main" id="{9E68958A-9D32-4D83-90A9-D2B558E7E866}"/>
+                  <a16:creationId xmlns:a16="http://schemas.microsoft.com/office/drawing/2014/main" id="{D37A8231-1ED9-4907-AD2F-0DED30EFBDD2}"/>
                 </a:ext>
               </a:extLst>
             </p:cNvPr>
@@ -22136,10 +22310,10 @@
         </p:sp>
         <p:sp>
           <p:nvSpPr>
-            <p:cNvPr id="117" name="テキスト ボックス 116">
+            <p:cNvPr id="90" name="テキスト ボックス 89">
               <a:extLst>
                 <a:ext uri="{FF2B5EF4-FFF2-40B4-BE49-F238E27FC236}">
-                  <a16:creationId xmlns:a16="http://schemas.microsoft.com/office/drawing/2014/main" id="{7E8B28CB-D2C6-49E8-819E-39AE3A56B515}"/>
+                  <a16:creationId xmlns:a16="http://schemas.microsoft.com/office/drawing/2014/main" id="{A0F22D09-0D0C-4329-8CF1-35C6B7B08242}"/>
                 </a:ext>
               </a:extLst>
             </p:cNvPr>
@@ -22202,10 +22376,10 @@
       </p:grpSp>
       <p:pic>
         <p:nvPicPr>
-          <p:cNvPr id="125" name="図 124">
+          <p:cNvPr id="91" name="図 90">
             <a:extLst>
               <a:ext uri="{FF2B5EF4-FFF2-40B4-BE49-F238E27FC236}">
-                <a16:creationId xmlns:a16="http://schemas.microsoft.com/office/drawing/2014/main" id="{A128CB75-59AA-4FB8-B586-AF38FB73152D}"/>
+                <a16:creationId xmlns:a16="http://schemas.microsoft.com/office/drawing/2014/main" id="{2F3CF6F7-8954-4B32-8FAE-5EE0051CC28F}"/>
               </a:ext>
             </a:extLst>
           </p:cNvPr>
@@ -22238,10 +22412,10 @@
       </p:pic>
       <p:grpSp>
         <p:nvGrpSpPr>
-          <p:cNvPr id="121" name="グループ化 120">
+          <p:cNvPr id="92" name="グループ化 91">
             <a:extLst>
               <a:ext uri="{FF2B5EF4-FFF2-40B4-BE49-F238E27FC236}">
-                <a16:creationId xmlns:a16="http://schemas.microsoft.com/office/drawing/2014/main" id="{FEB872D1-0F51-410C-938F-D3425420D32A}"/>
+                <a16:creationId xmlns:a16="http://schemas.microsoft.com/office/drawing/2014/main" id="{0AAA6C39-FFA6-4426-BA3A-4C0E3C0AA2D4}"/>
               </a:ext>
             </a:extLst>
           </p:cNvPr>
@@ -22250,7 +22424,7 @@
         </p:nvGrpSpPr>
         <p:grpSpPr>
           <a:xfrm>
-            <a:off x="897152" y="3106044"/>
+            <a:off x="1008811" y="3196679"/>
             <a:ext cx="279421" cy="307777"/>
             <a:chOff x="2540906" y="1209974"/>
             <a:chExt cx="279421" cy="307777"/>
@@ -22258,10 +22432,10 @@
         </p:grpSpPr>
         <p:sp>
           <p:nvSpPr>
-            <p:cNvPr id="122" name="楕円 121">
+            <p:cNvPr id="93" name="楕円 92">
               <a:extLst>
                 <a:ext uri="{FF2B5EF4-FFF2-40B4-BE49-F238E27FC236}">
-                  <a16:creationId xmlns:a16="http://schemas.microsoft.com/office/drawing/2014/main" id="{2E701D4B-50D0-46F4-B0F6-07B9F106E9C7}"/>
+                  <a16:creationId xmlns:a16="http://schemas.microsoft.com/office/drawing/2014/main" id="{BACE689D-8B7D-48C0-82A7-E353A7AFC925}"/>
                 </a:ext>
               </a:extLst>
             </p:cNvPr>
@@ -22339,10 +22513,10 @@
         </p:sp>
         <p:sp>
           <p:nvSpPr>
-            <p:cNvPr id="123" name="テキスト ボックス 122">
+            <p:cNvPr id="94" name="テキスト ボックス 93">
               <a:extLst>
                 <a:ext uri="{FF2B5EF4-FFF2-40B4-BE49-F238E27FC236}">
-                  <a16:creationId xmlns:a16="http://schemas.microsoft.com/office/drawing/2014/main" id="{30CEBC36-9D6D-47C6-BAE6-EBB8DE8FA8EC}"/>
+                  <a16:creationId xmlns:a16="http://schemas.microsoft.com/office/drawing/2014/main" id="{88DB7DF2-0B85-4FB6-A2E0-60C63575CED8}"/>
                 </a:ext>
               </a:extLst>
             </p:cNvPr>
@@ -22405,10 +22579,10 @@
       </p:grpSp>
       <p:grpSp>
         <p:nvGrpSpPr>
-          <p:cNvPr id="118" name="グループ化 117">
+          <p:cNvPr id="95" name="グループ化 94">
             <a:extLst>
               <a:ext uri="{FF2B5EF4-FFF2-40B4-BE49-F238E27FC236}">
-                <a16:creationId xmlns:a16="http://schemas.microsoft.com/office/drawing/2014/main" id="{DFA176CA-29F9-4E93-83C9-2B00A57E2A10}"/>
+                <a16:creationId xmlns:a16="http://schemas.microsoft.com/office/drawing/2014/main" id="{981099FE-E70B-42EA-AFD6-C700F0F84496}"/>
               </a:ext>
             </a:extLst>
           </p:cNvPr>
@@ -22425,10 +22599,10 @@
         </p:grpSpPr>
         <p:sp>
           <p:nvSpPr>
-            <p:cNvPr id="119" name="楕円 118">
+            <p:cNvPr id="96" name="楕円 95">
               <a:extLst>
                 <a:ext uri="{FF2B5EF4-FFF2-40B4-BE49-F238E27FC236}">
-                  <a16:creationId xmlns:a16="http://schemas.microsoft.com/office/drawing/2014/main" id="{088B0B21-1CD7-4EC8-BF74-177DC02119F1}"/>
+                  <a16:creationId xmlns:a16="http://schemas.microsoft.com/office/drawing/2014/main" id="{CF30B01F-DEC9-4B7C-BA9D-B485D3C6C0FC}"/>
                 </a:ext>
               </a:extLst>
             </p:cNvPr>
@@ -22506,10 +22680,10 @@
         </p:sp>
         <p:sp>
           <p:nvSpPr>
-            <p:cNvPr id="120" name="テキスト ボックス 119">
+            <p:cNvPr id="97" name="テキスト ボックス 96">
               <a:extLst>
                 <a:ext uri="{FF2B5EF4-FFF2-40B4-BE49-F238E27FC236}">
-                  <a16:creationId xmlns:a16="http://schemas.microsoft.com/office/drawing/2014/main" id="{888E893F-FB12-4B91-8FA2-5C09E27CB4B5}"/>
+                  <a16:creationId xmlns:a16="http://schemas.microsoft.com/office/drawing/2014/main" id="{ABD065AB-74D2-4A6E-AED2-690C99F568B8}"/>
                 </a:ext>
               </a:extLst>
             </p:cNvPr>
@@ -22572,10 +22746,10 @@
       </p:grpSp>
       <p:grpSp>
         <p:nvGrpSpPr>
-          <p:cNvPr id="126" name="グループ化 125">
+          <p:cNvPr id="98" name="グループ化 97">
             <a:extLst>
               <a:ext uri="{FF2B5EF4-FFF2-40B4-BE49-F238E27FC236}">
-                <a16:creationId xmlns:a16="http://schemas.microsoft.com/office/drawing/2014/main" id="{FFED28F1-AE87-463E-9778-6DCD41FCBCF1}"/>
+                <a16:creationId xmlns:a16="http://schemas.microsoft.com/office/drawing/2014/main" id="{EFBE7098-6FCE-4D26-860A-F6332BED812E}"/>
               </a:ext>
             </a:extLst>
           </p:cNvPr>
@@ -22592,10 +22766,10 @@
         </p:grpSpPr>
         <p:sp>
           <p:nvSpPr>
-            <p:cNvPr id="127" name="楕円 126">
+            <p:cNvPr id="99" name="楕円 98">
               <a:extLst>
                 <a:ext uri="{FF2B5EF4-FFF2-40B4-BE49-F238E27FC236}">
-                  <a16:creationId xmlns:a16="http://schemas.microsoft.com/office/drawing/2014/main" id="{35E21869-3634-433F-9DD3-DD524D2970EF}"/>
+                  <a16:creationId xmlns:a16="http://schemas.microsoft.com/office/drawing/2014/main" id="{271071C3-976A-48B9-9AF7-2C4CCBB7C72F}"/>
                 </a:ext>
               </a:extLst>
             </p:cNvPr>
@@ -22673,10 +22847,10 @@
         </p:sp>
         <p:sp>
           <p:nvSpPr>
-            <p:cNvPr id="128" name="テキスト ボックス 127">
+            <p:cNvPr id="101" name="テキスト ボックス 100">
               <a:extLst>
                 <a:ext uri="{FF2B5EF4-FFF2-40B4-BE49-F238E27FC236}">
-                  <a16:creationId xmlns:a16="http://schemas.microsoft.com/office/drawing/2014/main" id="{9615FAE7-C40F-4FA8-A938-5B65126D2461}"/>
+                  <a16:creationId xmlns:a16="http://schemas.microsoft.com/office/drawing/2014/main" id="{20437890-A551-4E6C-A56E-2F1EF679851A}"/>
                 </a:ext>
               </a:extLst>
             </p:cNvPr>
@@ -22739,10 +22913,10 @@
       </p:grpSp>
       <p:pic>
         <p:nvPicPr>
-          <p:cNvPr id="131" name="図 130">
+          <p:cNvPr id="102" name="図 101">
             <a:extLst>
               <a:ext uri="{FF2B5EF4-FFF2-40B4-BE49-F238E27FC236}">
-                <a16:creationId xmlns:a16="http://schemas.microsoft.com/office/drawing/2014/main" id="{B5C9338D-F804-49FC-95F7-7C63D1AB9B99}"/>
+                <a16:creationId xmlns:a16="http://schemas.microsoft.com/office/drawing/2014/main" id="{5F87F8EE-7898-43DA-99DE-56C5B0D4AD4A}"/>
               </a:ext>
             </a:extLst>
           </p:cNvPr>
@@ -22775,10 +22949,10 @@
       </p:pic>
       <p:grpSp>
         <p:nvGrpSpPr>
-          <p:cNvPr id="112" name="グループ化 111">
+          <p:cNvPr id="106" name="グループ化 105">
             <a:extLst>
               <a:ext uri="{FF2B5EF4-FFF2-40B4-BE49-F238E27FC236}">
-                <a16:creationId xmlns:a16="http://schemas.microsoft.com/office/drawing/2014/main" id="{7C1B58E5-D63F-4411-B636-9A85C4A6926E}"/>
+                <a16:creationId xmlns:a16="http://schemas.microsoft.com/office/drawing/2014/main" id="{6464957B-2D38-424B-97F6-D6DE37D9228E}"/>
               </a:ext>
             </a:extLst>
           </p:cNvPr>
@@ -22795,10 +22969,10 @@
         </p:grpSpPr>
         <p:sp>
           <p:nvSpPr>
-            <p:cNvPr id="113" name="楕円 112">
+            <p:cNvPr id="107" name="楕円 106">
               <a:extLst>
                 <a:ext uri="{FF2B5EF4-FFF2-40B4-BE49-F238E27FC236}">
-                  <a16:creationId xmlns:a16="http://schemas.microsoft.com/office/drawing/2014/main" id="{886C2D32-43AB-4190-93EF-B6CB26A8E414}"/>
+                  <a16:creationId xmlns:a16="http://schemas.microsoft.com/office/drawing/2014/main" id="{196FCD8E-6A90-448D-8F67-0966031801C4}"/>
                 </a:ext>
               </a:extLst>
             </p:cNvPr>
@@ -22876,10 +23050,10 @@
         </p:sp>
         <p:sp>
           <p:nvSpPr>
-            <p:cNvPr id="114" name="テキスト ボックス 113">
+            <p:cNvPr id="108" name="テキスト ボックス 107">
               <a:extLst>
                 <a:ext uri="{FF2B5EF4-FFF2-40B4-BE49-F238E27FC236}">
-                  <a16:creationId xmlns:a16="http://schemas.microsoft.com/office/drawing/2014/main" id="{414C097F-830B-4086-8E3E-E85D28619BD7}"/>
+                  <a16:creationId xmlns:a16="http://schemas.microsoft.com/office/drawing/2014/main" id="{D56F02C8-C912-4004-9A4C-A94A572E372C}"/>
                 </a:ext>
               </a:extLst>
             </p:cNvPr>
@@ -22942,10 +23116,10 @@
       </p:grpSp>
       <p:grpSp>
         <p:nvGrpSpPr>
-          <p:cNvPr id="132" name="グループ化 131">
+          <p:cNvPr id="109" name="グループ化 108">
             <a:extLst>
               <a:ext uri="{FF2B5EF4-FFF2-40B4-BE49-F238E27FC236}">
-                <a16:creationId xmlns:a16="http://schemas.microsoft.com/office/drawing/2014/main" id="{FED087E6-B5DC-4EB8-936B-39F601E4DAD5}"/>
+                <a16:creationId xmlns:a16="http://schemas.microsoft.com/office/drawing/2014/main" id="{E9BAFEF8-63AA-427F-9D79-6546EEBA8B87}"/>
               </a:ext>
             </a:extLst>
           </p:cNvPr>
@@ -22962,10 +23136,10 @@
         </p:grpSpPr>
         <p:sp>
           <p:nvSpPr>
-            <p:cNvPr id="133" name="楕円 132">
+            <p:cNvPr id="110" name="楕円 109">
               <a:extLst>
                 <a:ext uri="{FF2B5EF4-FFF2-40B4-BE49-F238E27FC236}">
-                  <a16:creationId xmlns:a16="http://schemas.microsoft.com/office/drawing/2014/main" id="{DB28BDA8-144E-4343-9C67-F9E76C4A1FEC}"/>
+                  <a16:creationId xmlns:a16="http://schemas.microsoft.com/office/drawing/2014/main" id="{44E3D27C-8348-4042-BC7E-EBDF6851523B}"/>
                 </a:ext>
               </a:extLst>
             </p:cNvPr>
@@ -23043,10 +23217,10 @@
         </p:sp>
         <p:sp>
           <p:nvSpPr>
-            <p:cNvPr id="134" name="テキスト ボックス 133">
+            <p:cNvPr id="111" name="テキスト ボックス 110">
               <a:extLst>
                 <a:ext uri="{FF2B5EF4-FFF2-40B4-BE49-F238E27FC236}">
-                  <a16:creationId xmlns:a16="http://schemas.microsoft.com/office/drawing/2014/main" id="{E3E885CE-EBFC-44AB-81A2-283C386CBED5}"/>
+                  <a16:creationId xmlns:a16="http://schemas.microsoft.com/office/drawing/2014/main" id="{82EB8736-2FC6-4457-A524-00D8684E84B7}"/>
                 </a:ext>
               </a:extLst>
             </p:cNvPr>
@@ -23109,10 +23283,10 @@
       </p:grpSp>
       <p:grpSp>
         <p:nvGrpSpPr>
-          <p:cNvPr id="135" name="グループ化 134">
+          <p:cNvPr id="124" name="グループ化 123">
             <a:extLst>
               <a:ext uri="{FF2B5EF4-FFF2-40B4-BE49-F238E27FC236}">
-                <a16:creationId xmlns:a16="http://schemas.microsoft.com/office/drawing/2014/main" id="{1C529E4E-75CD-48A8-A101-E852C7CEDFC6}"/>
+                <a16:creationId xmlns:a16="http://schemas.microsoft.com/office/drawing/2014/main" id="{402AB6D0-54A3-484C-B437-E22FA57FFD4C}"/>
               </a:ext>
             </a:extLst>
           </p:cNvPr>
@@ -23129,10 +23303,10 @@
         </p:grpSpPr>
         <p:sp>
           <p:nvSpPr>
-            <p:cNvPr id="136" name="楕円 135">
+            <p:cNvPr id="129" name="楕円 128">
               <a:extLst>
                 <a:ext uri="{FF2B5EF4-FFF2-40B4-BE49-F238E27FC236}">
-                  <a16:creationId xmlns:a16="http://schemas.microsoft.com/office/drawing/2014/main" id="{16D58360-0757-4C8B-AE0E-2B43B18E3140}"/>
+                  <a16:creationId xmlns:a16="http://schemas.microsoft.com/office/drawing/2014/main" id="{CB89DDDF-77F1-45A3-92ED-5A8A574F83E3}"/>
                 </a:ext>
               </a:extLst>
             </p:cNvPr>
@@ -23210,10 +23384,10 @@
         </p:sp>
         <p:sp>
           <p:nvSpPr>
-            <p:cNvPr id="137" name="テキスト ボックス 136">
+            <p:cNvPr id="130" name="テキスト ボックス 129">
               <a:extLst>
                 <a:ext uri="{FF2B5EF4-FFF2-40B4-BE49-F238E27FC236}">
-                  <a16:creationId xmlns:a16="http://schemas.microsoft.com/office/drawing/2014/main" id="{C27D1098-9224-49A1-9653-8448733F31E3}"/>
+                  <a16:creationId xmlns:a16="http://schemas.microsoft.com/office/drawing/2014/main" id="{E876A982-E999-4898-B175-B937A38A1152}"/>
                 </a:ext>
               </a:extLst>
             </p:cNvPr>
@@ -23276,10 +23450,10 @@
       </p:grpSp>
       <p:grpSp>
         <p:nvGrpSpPr>
-          <p:cNvPr id="138" name="グループ化 137">
+          <p:cNvPr id="144" name="グループ化 143">
             <a:extLst>
               <a:ext uri="{FF2B5EF4-FFF2-40B4-BE49-F238E27FC236}">
-                <a16:creationId xmlns:a16="http://schemas.microsoft.com/office/drawing/2014/main" id="{878EECAD-7C7A-47D3-8B17-3D2C18BD4349}"/>
+                <a16:creationId xmlns:a16="http://schemas.microsoft.com/office/drawing/2014/main" id="{4F73A694-B9CF-42C2-8E09-4FACCC7740BF}"/>
               </a:ext>
             </a:extLst>
           </p:cNvPr>
@@ -23296,10 +23470,10 @@
         </p:grpSpPr>
         <p:sp>
           <p:nvSpPr>
-            <p:cNvPr id="139" name="楕円 138">
+            <p:cNvPr id="145" name="楕円 144">
               <a:extLst>
                 <a:ext uri="{FF2B5EF4-FFF2-40B4-BE49-F238E27FC236}">
-                  <a16:creationId xmlns:a16="http://schemas.microsoft.com/office/drawing/2014/main" id="{7D381DF5-570E-49E9-B054-66782BC97766}"/>
+                  <a16:creationId xmlns:a16="http://schemas.microsoft.com/office/drawing/2014/main" id="{4AA347D2-A2E0-42C7-AC69-F3D3B238A393}"/>
                 </a:ext>
               </a:extLst>
             </p:cNvPr>
@@ -23377,10 +23551,10 @@
         </p:sp>
         <p:sp>
           <p:nvSpPr>
-            <p:cNvPr id="140" name="テキスト ボックス 139">
+            <p:cNvPr id="146" name="テキスト ボックス 145">
               <a:extLst>
                 <a:ext uri="{FF2B5EF4-FFF2-40B4-BE49-F238E27FC236}">
-                  <a16:creationId xmlns:a16="http://schemas.microsoft.com/office/drawing/2014/main" id="{7BC58B64-58BE-45B5-A9F1-9DCCF7905B9B}"/>
+                  <a16:creationId xmlns:a16="http://schemas.microsoft.com/office/drawing/2014/main" id="{9D8970C7-B8EC-450E-8907-3023AE9D2BEE}"/>
                 </a:ext>
               </a:extLst>
             </p:cNvPr>
@@ -23443,10 +23617,10 @@
       </p:grpSp>
       <p:grpSp>
         <p:nvGrpSpPr>
-          <p:cNvPr id="141" name="グループ化 140">
+          <p:cNvPr id="147" name="グループ化 146">
             <a:extLst>
               <a:ext uri="{FF2B5EF4-FFF2-40B4-BE49-F238E27FC236}">
-                <a16:creationId xmlns:a16="http://schemas.microsoft.com/office/drawing/2014/main" id="{66F899AF-0974-4215-B918-E45C0EB102B9}"/>
+                <a16:creationId xmlns:a16="http://schemas.microsoft.com/office/drawing/2014/main" id="{8E11DA43-5C7A-4D4A-9E46-71E5B959DB9D}"/>
               </a:ext>
             </a:extLst>
           </p:cNvPr>
@@ -23463,10 +23637,10 @@
         </p:grpSpPr>
         <p:sp>
           <p:nvSpPr>
-            <p:cNvPr id="142" name="楕円 141">
+            <p:cNvPr id="148" name="楕円 147">
               <a:extLst>
                 <a:ext uri="{FF2B5EF4-FFF2-40B4-BE49-F238E27FC236}">
-                  <a16:creationId xmlns:a16="http://schemas.microsoft.com/office/drawing/2014/main" id="{9DAB725B-381A-4C25-9BA5-0BC7BB6A0936}"/>
+                  <a16:creationId xmlns:a16="http://schemas.microsoft.com/office/drawing/2014/main" id="{C98FA539-CF71-4B91-8F5A-A35C67302F8F}"/>
                 </a:ext>
               </a:extLst>
             </p:cNvPr>
@@ -23544,10 +23718,10 @@
         </p:sp>
         <p:sp>
           <p:nvSpPr>
-            <p:cNvPr id="143" name="テキスト ボックス 142">
+            <p:cNvPr id="149" name="テキスト ボックス 148">
               <a:extLst>
                 <a:ext uri="{FF2B5EF4-FFF2-40B4-BE49-F238E27FC236}">
-                  <a16:creationId xmlns:a16="http://schemas.microsoft.com/office/drawing/2014/main" id="{CB6173FB-B61E-4C85-842C-711C6AF3E796}"/>
+                  <a16:creationId xmlns:a16="http://schemas.microsoft.com/office/drawing/2014/main" id="{D7139D1F-5141-4E4B-97D7-FD660D0D5FC8}"/>
                 </a:ext>
               </a:extLst>
             </p:cNvPr>
@@ -23608,58 +23782,10 @@
           </p:txBody>
         </p:sp>
       </p:grpSp>
-      <p:sp>
-        <p:nvSpPr>
-          <p:cNvPr id="65" name="テキスト ボックス 64">
-            <a:extLst>
-              <a:ext uri="{FF2B5EF4-FFF2-40B4-BE49-F238E27FC236}">
-                <a16:creationId xmlns:a16="http://schemas.microsoft.com/office/drawing/2014/main" id="{A6DAA2E6-402A-45E8-9769-DF1DC8EBA18A}"/>
-              </a:ext>
-            </a:extLst>
-          </p:cNvPr>
-          <p:cNvSpPr txBox="1"/>
-          <p:nvPr/>
-        </p:nvSpPr>
-        <p:spPr>
-          <a:xfrm>
-            <a:off x="10301946" y="109416"/>
-            <a:ext cx="2392114" cy="584775"/>
-          </a:xfrm>
-          <a:prstGeom prst="rect">
-            <a:avLst/>
-          </a:prstGeom>
-          <a:noFill/>
-        </p:spPr>
-        <p:txBody>
-          <a:bodyPr wrap="square" rtlCol="0">
-            <a:spAutoFit/>
-          </a:bodyPr>
-          <a:lstStyle/>
-          <a:p>
-            <a:r>
-              <a:rPr kumimoji="1" lang="en-US" altLang="ja-JP" sz="3200" b="1" dirty="0" err="1">
-                <a:solidFill>
-                  <a:srgbClr val="F600AA"/>
-                </a:solidFill>
-                <a:latin typeface="+mn-ea"/>
-                <a:ea typeface="+mn-ea"/>
-              </a:rPr>
-              <a:t>teamNITIC</a:t>
-            </a:r>
-            <a:endParaRPr kumimoji="1" lang="ja-JP" altLang="en-US" sz="3200" b="1" dirty="0">
-              <a:solidFill>
-                <a:srgbClr val="F600AA"/>
-              </a:solidFill>
-              <a:latin typeface="+mn-ea"/>
-              <a:ea typeface="+mn-ea"/>
-            </a:endParaRPr>
-          </a:p>
-        </p:txBody>
-      </p:sp>
     </p:spTree>
     <p:extLst>
       <p:ext uri="{BB962C8B-B14F-4D97-AF65-F5344CB8AC3E}">
-        <p14:creationId xmlns:p14="http://schemas.microsoft.com/office/powerpoint/2010/main" val="2695025840"/>
+        <p14:creationId xmlns:p14="http://schemas.microsoft.com/office/powerpoint/2010/main" val="1903147661"/>
       </p:ext>
     </p:extLst>
   </p:cSld>
@@ -24105,7 +24231,7 @@
         </p:nvSpPr>
         <p:spPr>
           <a:xfrm>
-            <a:off x="100800" y="696144"/>
+            <a:off x="100609" y="689395"/>
             <a:ext cx="12600000" cy="8856984"/>
           </a:xfrm>
           <a:prstGeom prst="rect">
@@ -24674,10 +24800,10 @@
       </p:sp>
       <p:sp>
         <p:nvSpPr>
-          <p:cNvPr id="27" name="テキスト ボックス 26">
+          <p:cNvPr id="74" name="テキスト ボックス 73">
             <a:extLst>
               <a:ext uri="{FF2B5EF4-FFF2-40B4-BE49-F238E27FC236}">
-                <a16:creationId xmlns:a16="http://schemas.microsoft.com/office/drawing/2014/main" id="{4F8FCDEB-DE14-466C-B8CA-72CB08C76129}"/>
+                <a16:creationId xmlns:a16="http://schemas.microsoft.com/office/drawing/2014/main" id="{A5846C84-42B8-4EE9-A815-729435606A11}"/>
               </a:ext>
             </a:extLst>
           </p:cNvPr>
@@ -24686,7 +24812,86 @@
         </p:nvSpPr>
         <p:spPr>
           <a:xfrm>
-            <a:off x="95025" y="4919517"/>
+            <a:off x="10301946" y="109416"/>
+            <a:ext cx="2392114" cy="584775"/>
+          </a:xfrm>
+          <a:prstGeom prst="rect">
+            <a:avLst/>
+          </a:prstGeom>
+          <a:noFill/>
+        </p:spPr>
+        <p:txBody>
+          <a:bodyPr wrap="square" rtlCol="0">
+            <a:spAutoFit/>
+          </a:bodyPr>
+          <a:lstStyle/>
+          <a:p>
+            <a:pPr marL="0" marR="0" lvl="0" indent="0" algn="l" defTabSz="914400" rtl="0" eaLnBrk="1" fontAlgn="base" latinLnBrk="0" hangingPunct="1">
+              <a:lnSpc>
+                <a:spcPct val="100000"/>
+              </a:lnSpc>
+              <a:spcBef>
+                <a:spcPct val="0"/>
+              </a:spcBef>
+              <a:spcAft>
+                <a:spcPct val="0"/>
+              </a:spcAft>
+              <a:buClrTx/>
+              <a:buSzTx/>
+              <a:buFontTx/>
+              <a:buNone/>
+              <a:tabLst/>
+              <a:defRPr/>
+            </a:pPr>
+            <a:r>
+              <a:rPr kumimoji="1" lang="en-US" altLang="ja-JP" sz="3200" b="1" i="0" u="none" strike="noStrike" kern="1200" cap="none" spc="0" normalizeH="0" baseline="0" noProof="0" dirty="0" err="1">
+                <a:ln>
+                  <a:noFill/>
+                </a:ln>
+                <a:solidFill>
+                  <a:srgbClr val="F600AA"/>
+                </a:solidFill>
+                <a:effectLst/>
+                <a:uLnTx/>
+                <a:uFillTx/>
+                <a:latin typeface="游ゴシック" panose="020B0400000000000000" pitchFamily="50" charset="-128"/>
+                <a:ea typeface="游ゴシック" panose="020B0400000000000000" pitchFamily="50" charset="-128"/>
+                <a:cs typeface="+mn-cs"/>
+              </a:rPr>
+              <a:t>teamNITIC</a:t>
+            </a:r>
+            <a:endParaRPr kumimoji="1" lang="ja-JP" altLang="en-US" sz="3200" b="1" i="0" u="none" strike="noStrike" kern="1200" cap="none" spc="0" normalizeH="0" baseline="0" noProof="0" dirty="0">
+              <a:ln>
+                <a:noFill/>
+              </a:ln>
+              <a:solidFill>
+                <a:srgbClr val="F600AA"/>
+              </a:solidFill>
+              <a:effectLst/>
+              <a:uLnTx/>
+              <a:uFillTx/>
+              <a:latin typeface="游ゴシック" panose="020B0400000000000000" pitchFamily="50" charset="-128"/>
+              <a:ea typeface="游ゴシック" panose="020B0400000000000000" pitchFamily="50" charset="-128"/>
+              <a:cs typeface="+mn-cs"/>
+            </a:endParaRPr>
+          </a:p>
+        </p:txBody>
+      </p:sp>
+      <p:sp>
+        <p:nvSpPr>
+          <p:cNvPr id="81" name="テキスト ボックス 80">
+            <a:extLst>
+              <a:ext uri="{FF2B5EF4-FFF2-40B4-BE49-F238E27FC236}">
+                <a16:creationId xmlns:a16="http://schemas.microsoft.com/office/drawing/2014/main" id="{6CEE9D11-B58D-4C36-96E8-A6FA665F5B6D}"/>
+              </a:ext>
+            </a:extLst>
+          </p:cNvPr>
+          <p:cNvSpPr txBox="1"/>
+          <p:nvPr/>
+        </p:nvSpPr>
+        <p:spPr>
+          <a:xfrm>
+            <a:off x="158881" y="4945324"/>
             <a:ext cx="3158616" cy="338554"/>
           </a:xfrm>
           <a:prstGeom prst="rect">
@@ -24728,27 +24933,7 @@
               <a:t>３</a:t>
             </a:r>
             <a:r>
-              <a:rPr lang="en-US" altLang="ja-JP" b="1" dirty="0">
-                <a:solidFill>
-                  <a:prstClr val="black"/>
-                </a:solidFill>
-                <a:latin typeface="游ゴシック" panose="020B0400000000000000" pitchFamily="50" charset="-128"/>
-                <a:ea typeface="游ゴシック" panose="020B0400000000000000" pitchFamily="50" charset="-128"/>
-              </a:rPr>
-              <a:t>.</a:t>
-            </a:r>
-            <a:r>
-              <a:rPr lang="ja-JP" altLang="en-US" b="1" dirty="0">
-                <a:solidFill>
-                  <a:prstClr val="black"/>
-                </a:solidFill>
-                <a:latin typeface="游ゴシック" panose="020B0400000000000000" pitchFamily="50" charset="-128"/>
-                <a:ea typeface="游ゴシック" panose="020B0400000000000000" pitchFamily="50" charset="-128"/>
-              </a:rPr>
-              <a:t> </a:t>
-            </a:r>
-            <a:r>
-              <a:rPr kumimoji="1" lang="ja-JP" altLang="en-US" sz="1600" b="1" i="0" u="none" strike="noStrike" kern="1200" cap="none" spc="0" normalizeH="0" baseline="0" noProof="0" dirty="0">
+              <a:rPr kumimoji="1" lang="en-US" altLang="ja-JP" sz="1600" b="1" i="0" u="none" strike="noStrike" kern="1200" cap="none" spc="0" normalizeH="0" baseline="0" noProof="0" dirty="0">
                 <a:ln>
                   <a:noFill/>
                 </a:ln>
@@ -24762,17 +24947,34 @@
                 <a:ea typeface="游ゴシック" panose="020B0400000000000000" pitchFamily="50" charset="-128"/>
                 <a:cs typeface="+mn-cs"/>
               </a:rPr>
-              <a:t>計器管理タスクの振る舞い</a:t>
+              <a:t>.</a:t>
+            </a:r>
+            <a:r>
+              <a:rPr kumimoji="1" lang="ja-JP" altLang="en-US" sz="1600" b="1" i="0" u="none" strike="noStrike" kern="1200" cap="none" spc="0" normalizeH="0" baseline="0" noProof="0" dirty="0">
+                <a:ln>
+                  <a:noFill/>
+                </a:ln>
+                <a:solidFill>
+                  <a:prstClr val="black"/>
+                </a:solidFill>
+                <a:effectLst/>
+                <a:uLnTx/>
+                <a:uFillTx/>
+                <a:latin typeface="游ゴシック" panose="020B0400000000000000" pitchFamily="50" charset="-128"/>
+                <a:ea typeface="游ゴシック" panose="020B0400000000000000" pitchFamily="50" charset="-128"/>
+                <a:cs typeface="+mn-cs"/>
+              </a:rPr>
+              <a:t> 計器管理タスクの振る舞い</a:t>
             </a:r>
           </a:p>
         </p:txBody>
       </p:sp>
       <p:cxnSp>
         <p:nvCxnSpPr>
-          <p:cNvPr id="32" name="直線コネクタ 31">
+          <p:cNvPr id="82" name="直線コネクタ 81">
             <a:extLst>
               <a:ext uri="{FF2B5EF4-FFF2-40B4-BE49-F238E27FC236}">
-                <a16:creationId xmlns:a16="http://schemas.microsoft.com/office/drawing/2014/main" id="{EE21FE0F-A9FC-4745-BA74-086C285B4945}"/>
+                <a16:creationId xmlns:a16="http://schemas.microsoft.com/office/drawing/2014/main" id="{2A1861DB-C664-45C4-8BA5-937FBB4EBEAA}"/>
               </a:ext>
             </a:extLst>
           </p:cNvPr>
@@ -24783,7 +24985,7 @@
         </p:nvCxnSpPr>
         <p:spPr>
           <a:xfrm>
-            <a:off x="179804" y="5232648"/>
+            <a:off x="208448" y="5238703"/>
             <a:ext cx="3024000" cy="0"/>
           </a:xfrm>
           <a:prstGeom prst="line">
@@ -24812,10 +25014,10 @@
       </p:cxnSp>
       <p:sp>
         <p:nvSpPr>
-          <p:cNvPr id="35" name="テキスト ボックス 34">
+          <p:cNvPr id="83" name="テキスト ボックス 82">
             <a:extLst>
               <a:ext uri="{FF2B5EF4-FFF2-40B4-BE49-F238E27FC236}">
-                <a16:creationId xmlns:a16="http://schemas.microsoft.com/office/drawing/2014/main" id="{6E65926F-8A60-4F01-920C-3BF36488C19E}"/>
+                <a16:creationId xmlns:a16="http://schemas.microsoft.com/office/drawing/2014/main" id="{27E182B6-269C-403F-AD20-2397AA2D222A}"/>
               </a:ext>
             </a:extLst>
           </p:cNvPr>
@@ -24824,7 +25026,7 @@
         </p:nvSpPr>
         <p:spPr>
           <a:xfrm>
-            <a:off x="95770" y="5255606"/>
+            <a:off x="141247" y="5255734"/>
             <a:ext cx="3363456" cy="415498"/>
           </a:xfrm>
           <a:prstGeom prst="rect">
@@ -24870,60 +25072,7 @@
                 <a:ea typeface="メイリオ" panose="020B0604030504040204" pitchFamily="50" charset="-128"/>
                 <a:cs typeface="+mn-cs"/>
               </a:rPr>
-              <a:t>計器管理タスクの振る舞いをシーケンス図で表す</a:t>
-            </a:r>
-            <a:r>
-              <a:rPr kumimoji="1" lang="en-US" altLang="ja-JP" sz="1050" b="0" i="0" u="none" strike="noStrike" kern="1200" cap="none" spc="0" normalizeH="0" baseline="0" noProof="0" dirty="0">
-                <a:ln>
-                  <a:noFill/>
-                </a:ln>
-                <a:solidFill>
-                  <a:prstClr val="black"/>
-                </a:solidFill>
-                <a:effectLst/>
-                <a:uLnTx/>
-                <a:uFillTx/>
-                <a:latin typeface="メイリオ" panose="020B0604030504040204" pitchFamily="50" charset="-128"/>
-                <a:ea typeface="メイリオ" panose="020B0604030504040204" pitchFamily="50" charset="-128"/>
-                <a:cs typeface="+mn-cs"/>
-              </a:rPr>
-              <a:t>.</a:t>
-            </a:r>
-          </a:p>
-          <a:p>
-            <a:pPr marL="0" marR="0" lvl="0" indent="0" algn="l" defTabSz="914400" rtl="0" eaLnBrk="1" fontAlgn="base" latinLnBrk="0" hangingPunct="1">
-              <a:lnSpc>
-                <a:spcPct val="100000"/>
-              </a:lnSpc>
-              <a:spcBef>
-                <a:spcPct val="0"/>
-              </a:spcBef>
-              <a:spcAft>
-                <a:spcPct val="0"/>
-              </a:spcAft>
-              <a:buClrTx/>
-              <a:buSzTx/>
-              <a:buFontTx/>
-              <a:buNone/>
-              <a:tabLst/>
-              <a:defRPr/>
-            </a:pPr>
-            <a:r>
-              <a:rPr kumimoji="1" lang="ja-JP" altLang="en-US" sz="1050" b="0" i="0" u="none" strike="noStrike" kern="1200" cap="none" spc="0" normalizeH="0" baseline="0" noProof="0" dirty="0">
-                <a:ln>
-                  <a:noFill/>
-                </a:ln>
-                <a:solidFill>
-                  <a:prstClr val="black"/>
-                </a:solidFill>
-                <a:effectLst/>
-                <a:uLnTx/>
-                <a:uFillTx/>
-                <a:latin typeface="メイリオ" panose="020B0604030504040204" pitchFamily="50" charset="-128"/>
-                <a:ea typeface="メイリオ" panose="020B0604030504040204" pitchFamily="50" charset="-128"/>
-                <a:cs typeface="+mn-cs"/>
-              </a:rPr>
-              <a:t>計器管理タスクは</a:t>
+              <a:t>計器管理タスクの振る舞いをシーケンス図で表す。計器管理タスクは</a:t>
             </a:r>
             <a:r>
               <a:rPr kumimoji="1" lang="en-US" altLang="ja-JP" sz="1050" b="0" i="0" u="none" strike="noStrike" kern="1200" cap="none" spc="0" normalizeH="0" baseline="0" noProof="0" dirty="0">
@@ -24964,10 +25113,10 @@
       </p:sp>
       <p:sp>
         <p:nvSpPr>
-          <p:cNvPr id="42" name="テキスト ボックス 41">
+          <p:cNvPr id="84" name="テキスト ボックス 83">
             <a:extLst>
               <a:ext uri="{FF2B5EF4-FFF2-40B4-BE49-F238E27FC236}">
-                <a16:creationId xmlns:a16="http://schemas.microsoft.com/office/drawing/2014/main" id="{053432A5-F690-4A2F-8E5D-BB7CBDAFB068}"/>
+                <a16:creationId xmlns:a16="http://schemas.microsoft.com/office/drawing/2014/main" id="{FEB8C322-B447-42FE-B2CC-181BC74F9165}"/>
               </a:ext>
             </a:extLst>
           </p:cNvPr>
@@ -24976,7 +25125,7 @@
         </p:nvSpPr>
         <p:spPr>
           <a:xfrm>
-            <a:off x="125825" y="753199"/>
+            <a:off x="91762" y="718595"/>
             <a:ext cx="4304884" cy="338554"/>
           </a:xfrm>
           <a:prstGeom prst="rect">
@@ -25052,17 +25201,7 @@
               <a:t>Ｂ</a:t>
             </a:r>
             <a:r>
-              <a:rPr lang="en-US" altLang="ja-JP" b="1" dirty="0">
-                <a:solidFill>
-                  <a:prstClr val="black"/>
-                </a:solidFill>
-                <a:latin typeface="游ゴシック" panose="020B0400000000000000" pitchFamily="50" charset="-128"/>
-                <a:ea typeface="游ゴシック" panose="020B0400000000000000" pitchFamily="50" charset="-128"/>
-              </a:rPr>
-              <a:t>. </a:t>
-            </a:r>
-            <a:r>
-              <a:rPr kumimoji="1" lang="ja-JP" altLang="en-US" sz="1600" b="1" i="0" u="none" strike="noStrike" kern="1200" cap="none" spc="0" normalizeH="0" baseline="0" noProof="0" dirty="0">
+              <a:rPr kumimoji="1" lang="en-US" altLang="ja-JP" sz="1600" b="1" i="0" u="none" strike="noStrike" kern="1200" cap="none" spc="0" normalizeH="0" baseline="0" noProof="0" dirty="0">
                 <a:ln>
                   <a:noFill/>
                 </a:ln>
@@ -25076,10 +25215,10 @@
                 <a:ea typeface="游ゴシック" panose="020B0400000000000000" pitchFamily="50" charset="-128"/>
                 <a:cs typeface="+mn-cs"/>
               </a:rPr>
-              <a:t>ライントレース内の振る舞い（</a:t>
+              <a:t>.</a:t>
             </a:r>
             <a:r>
-              <a:rPr kumimoji="1" lang="en-US" altLang="ja-JP" sz="1600" b="1" i="0" u="none" strike="noStrike" kern="1200" cap="none" spc="0" normalizeH="0" baseline="0" noProof="0" dirty="0">
+              <a:rPr kumimoji="1" lang="ja-JP" altLang="en-US" sz="1600" b="1" i="0" u="none" strike="noStrike" kern="1200" cap="none" spc="0" normalizeH="0" baseline="0" noProof="0" dirty="0">
                 <a:ln>
                   <a:noFill/>
                 </a:ln>
@@ -25093,34 +25232,17 @@
                 <a:ea typeface="游ゴシック" panose="020B0400000000000000" pitchFamily="50" charset="-128"/>
                 <a:cs typeface="+mn-cs"/>
               </a:rPr>
-              <a:t>2</a:t>
-            </a:r>
-            <a:r>
-              <a:rPr kumimoji="1" lang="ja-JP" altLang="en-US" sz="1600" b="1" i="0" u="none" strike="noStrike" kern="1200" cap="none" spc="0" normalizeH="0" baseline="0" noProof="0" dirty="0">
-                <a:ln>
-                  <a:noFill/>
-                </a:ln>
-                <a:solidFill>
-                  <a:prstClr val="black"/>
-                </a:solidFill>
-                <a:effectLst/>
-                <a:uLnTx/>
-                <a:uFillTx/>
-                <a:latin typeface="游ゴシック" panose="020B0400000000000000" pitchFamily="50" charset="-128"/>
-                <a:ea typeface="游ゴシック" panose="020B0400000000000000" pitchFamily="50" charset="-128"/>
-                <a:cs typeface="+mn-cs"/>
-              </a:rPr>
-              <a:t>）</a:t>
+              <a:t> ライントレース内の振る舞い</a:t>
             </a:r>
           </a:p>
         </p:txBody>
       </p:sp>
       <p:cxnSp>
         <p:nvCxnSpPr>
-          <p:cNvPr id="43" name="直線コネクタ 42">
+          <p:cNvPr id="85" name="直線コネクタ 84">
             <a:extLst>
               <a:ext uri="{FF2B5EF4-FFF2-40B4-BE49-F238E27FC236}">
-                <a16:creationId xmlns:a16="http://schemas.microsoft.com/office/drawing/2014/main" id="{0FAFC74B-454D-40DE-BBD8-BF602499CE90}"/>
+                <a16:creationId xmlns:a16="http://schemas.microsoft.com/office/drawing/2014/main" id="{46B556DE-B37A-4CC3-8A5A-785FB5B33991}"/>
               </a:ext>
             </a:extLst>
           </p:cNvPr>
@@ -25131,7 +25253,7 @@
         </p:nvCxnSpPr>
         <p:spPr>
           <a:xfrm>
-            <a:off x="187752" y="1044487"/>
+            <a:off x="177375" y="1017674"/>
             <a:ext cx="12344105" cy="0"/>
           </a:xfrm>
           <a:prstGeom prst="line">
@@ -25160,10 +25282,10 @@
       </p:cxnSp>
       <p:sp>
         <p:nvSpPr>
-          <p:cNvPr id="71" name="テキスト ボックス 70">
+          <p:cNvPr id="87" name="テキスト ボックス 86">
             <a:extLst>
               <a:ext uri="{FF2B5EF4-FFF2-40B4-BE49-F238E27FC236}">
-                <a16:creationId xmlns:a16="http://schemas.microsoft.com/office/drawing/2014/main" id="{3155BCF5-C2CC-4FFC-BB77-1B83CD2869D6}"/>
+                <a16:creationId xmlns:a16="http://schemas.microsoft.com/office/drawing/2014/main" id="{A935D2EA-80A8-4DA9-AAD9-29890452F6AC}"/>
               </a:ext>
             </a:extLst>
           </p:cNvPr>
@@ -25172,7 +25294,7 @@
         </p:nvSpPr>
         <p:spPr>
           <a:xfrm>
-            <a:off x="126124" y="1100337"/>
+            <a:off x="202061" y="1068623"/>
             <a:ext cx="5128113" cy="253916"/>
           </a:xfrm>
           <a:prstGeom prst="rect">
@@ -25225,10 +25347,10 @@
       </p:sp>
       <p:cxnSp>
         <p:nvCxnSpPr>
-          <p:cNvPr id="86" name="直線コネクタ 85">
+          <p:cNvPr id="89" name="直線コネクタ 88">
             <a:extLst>
               <a:ext uri="{FF2B5EF4-FFF2-40B4-BE49-F238E27FC236}">
-                <a16:creationId xmlns:a16="http://schemas.microsoft.com/office/drawing/2014/main" id="{B7FAB1F9-12EB-4C0D-AD1C-9F9E22641976}"/>
+                <a16:creationId xmlns:a16="http://schemas.microsoft.com/office/drawing/2014/main" id="{BAF3AE11-5BAC-4B61-A6B5-371D43B42EA4}"/>
               </a:ext>
             </a:extLst>
           </p:cNvPr>
@@ -25268,10 +25390,10 @@
       </p:cxnSp>
       <p:cxnSp>
         <p:nvCxnSpPr>
-          <p:cNvPr id="88" name="直線コネクタ 87">
+          <p:cNvPr id="90" name="直線コネクタ 89">
             <a:extLst>
               <a:ext uri="{FF2B5EF4-FFF2-40B4-BE49-F238E27FC236}">
-                <a16:creationId xmlns:a16="http://schemas.microsoft.com/office/drawing/2014/main" id="{931E9C8B-C4F2-4619-99AE-84B8E706FE29}"/>
+                <a16:creationId xmlns:a16="http://schemas.microsoft.com/office/drawing/2014/main" id="{68008875-5440-494E-8D92-04A1D98933EB}"/>
               </a:ext>
             </a:extLst>
           </p:cNvPr>
@@ -25311,10 +25433,10 @@
       </p:cxnSp>
       <p:pic>
         <p:nvPicPr>
-          <p:cNvPr id="93" name="図 92">
+          <p:cNvPr id="92" name="図 91">
             <a:extLst>
               <a:ext uri="{FF2B5EF4-FFF2-40B4-BE49-F238E27FC236}">
-                <a16:creationId xmlns:a16="http://schemas.microsoft.com/office/drawing/2014/main" id="{A7A9DBB4-2D4A-4F1F-B6F4-53F71041F61B}"/>
+                <a16:creationId xmlns:a16="http://schemas.microsoft.com/office/drawing/2014/main" id="{7C387816-BFAE-48F8-8DA1-86E0C0289894}"/>
               </a:ext>
             </a:extLst>
           </p:cNvPr>
@@ -25337,8 +25459,8 @@
         </p:blipFill>
         <p:spPr>
           <a:xfrm>
-            <a:off x="187752" y="1455585"/>
-            <a:ext cx="2436016" cy="3447010"/>
+            <a:off x="2852234" y="1470531"/>
+            <a:ext cx="3463498" cy="3421969"/>
           </a:xfrm>
           <a:prstGeom prst="rect">
             <a:avLst/>
@@ -25347,10 +25469,10 @@
       </p:pic>
       <p:pic>
         <p:nvPicPr>
-          <p:cNvPr id="95" name="図 94">
+          <p:cNvPr id="94" name="図 93">
             <a:extLst>
               <a:ext uri="{FF2B5EF4-FFF2-40B4-BE49-F238E27FC236}">
-                <a16:creationId xmlns:a16="http://schemas.microsoft.com/office/drawing/2014/main" id="{C0DEA4E1-D354-4213-BBD2-C1786D270277}"/>
+                <a16:creationId xmlns:a16="http://schemas.microsoft.com/office/drawing/2014/main" id="{C277F206-AFDE-4462-A5C2-60FC0FBE33E3}"/>
               </a:ext>
             </a:extLst>
           </p:cNvPr>
@@ -25373,8 +25495,8 @@
         </p:blipFill>
         <p:spPr>
           <a:xfrm>
-            <a:off x="2852234" y="1470531"/>
-            <a:ext cx="3463498" cy="3421969"/>
+            <a:off x="6509626" y="1456417"/>
+            <a:ext cx="2999874" cy="2484000"/>
           </a:xfrm>
           <a:prstGeom prst="rect">
             <a:avLst/>
@@ -25383,10 +25505,10 @@
       </p:pic>
       <p:pic>
         <p:nvPicPr>
-          <p:cNvPr id="97" name="図 96">
+          <p:cNvPr id="96" name="図 95">
             <a:extLst>
               <a:ext uri="{FF2B5EF4-FFF2-40B4-BE49-F238E27FC236}">
-                <a16:creationId xmlns:a16="http://schemas.microsoft.com/office/drawing/2014/main" id="{C0C59732-B808-4644-B8F4-9C385915C98B}"/>
+                <a16:creationId xmlns:a16="http://schemas.microsoft.com/office/drawing/2014/main" id="{0497AF96-105E-4C08-AB26-A96635FC12B0}"/>
               </a:ext>
             </a:extLst>
           </p:cNvPr>
@@ -25409,8 +25531,8 @@
         </p:blipFill>
         <p:spPr>
           <a:xfrm>
-            <a:off x="6509626" y="1456417"/>
-            <a:ext cx="2999874" cy="2484000"/>
+            <a:off x="9725042" y="1458273"/>
+            <a:ext cx="2784522" cy="2484000"/>
           </a:xfrm>
           <a:prstGeom prst="rect">
             <a:avLst/>
@@ -25419,10 +25541,10 @@
       </p:pic>
       <p:pic>
         <p:nvPicPr>
-          <p:cNvPr id="99" name="図 98">
+          <p:cNvPr id="100" name="図 99">
             <a:extLst>
               <a:ext uri="{FF2B5EF4-FFF2-40B4-BE49-F238E27FC236}">
-                <a16:creationId xmlns:a16="http://schemas.microsoft.com/office/drawing/2014/main" id="{645705C4-9846-4CBE-9670-0BE0AC3772DF}"/>
+                <a16:creationId xmlns:a16="http://schemas.microsoft.com/office/drawing/2014/main" id="{2758E672-9FDF-40C5-B4A5-646B49213A19}"/>
               </a:ext>
             </a:extLst>
           </p:cNvPr>
@@ -25445,63 +25567,20 @@
         </p:blipFill>
         <p:spPr>
           <a:xfrm>
-            <a:off x="9725042" y="1458273"/>
-            <a:ext cx="2784522" cy="2484000"/>
+            <a:off x="4104715" y="4969830"/>
+            <a:ext cx="3561344" cy="2465184"/>
           </a:xfrm>
           <a:prstGeom prst="rect">
             <a:avLst/>
           </a:prstGeom>
         </p:spPr>
       </p:pic>
-      <p:cxnSp>
-        <p:nvCxnSpPr>
-          <p:cNvPr id="47" name="直線コネクタ 46">
+      <p:pic>
+        <p:nvPicPr>
+          <p:cNvPr id="101" name="図 100">
             <a:extLst>
               <a:ext uri="{FF2B5EF4-FFF2-40B4-BE49-F238E27FC236}">
-                <a16:creationId xmlns:a16="http://schemas.microsoft.com/office/drawing/2014/main" id="{58F3FC48-19FE-460C-BFF9-23BBB6199CF8}"/>
-              </a:ext>
-            </a:extLst>
-          </p:cNvPr>
-          <p:cNvCxnSpPr>
-            <a:cxnSpLocks/>
-          </p:cNvCxnSpPr>
-          <p:nvPr/>
-        </p:nvCxnSpPr>
-        <p:spPr>
-          <a:xfrm flipH="1" flipV="1">
-            <a:off x="127622" y="4885673"/>
-            <a:ext cx="7538437" cy="0"/>
-          </a:xfrm>
-          <a:prstGeom prst="line">
-            <a:avLst/>
-          </a:prstGeom>
-          <a:ln>
-            <a:solidFill>
-              <a:schemeClr val="accent6"/>
-            </a:solidFill>
-          </a:ln>
-        </p:spPr>
-        <p:style>
-          <a:lnRef idx="1">
-            <a:schemeClr val="accent1"/>
-          </a:lnRef>
-          <a:fillRef idx="0">
-            <a:schemeClr val="accent1"/>
-          </a:fillRef>
-          <a:effectRef idx="0">
-            <a:schemeClr val="accent1"/>
-          </a:effectRef>
-          <a:fontRef idx="minor">
-            <a:schemeClr val="tx1"/>
-          </a:fontRef>
-        </p:style>
-      </p:cxnSp>
-      <p:pic>
-        <p:nvPicPr>
-          <p:cNvPr id="104" name="図 103">
-            <a:extLst>
-              <a:ext uri="{FF2B5EF4-FFF2-40B4-BE49-F238E27FC236}">
-                <a16:creationId xmlns:a16="http://schemas.microsoft.com/office/drawing/2014/main" id="{60F4CFA2-96B6-4988-BA60-51F651BB2AE3}"/>
+                <a16:creationId xmlns:a16="http://schemas.microsoft.com/office/drawing/2014/main" id="{EC52D144-4C2E-49B1-9441-EE979AC9E3EB}"/>
               </a:ext>
             </a:extLst>
           </p:cNvPr>
@@ -25524,8 +25603,8 @@
         </p:blipFill>
         <p:spPr>
           <a:xfrm>
-            <a:off x="4104715" y="4969830"/>
-            <a:ext cx="3561344" cy="2465184"/>
+            <a:off x="4104715" y="7467267"/>
+            <a:ext cx="3561344" cy="1868390"/>
           </a:xfrm>
           <a:prstGeom prst="rect">
             <a:avLst/>
@@ -25534,10 +25613,10 @@
       </p:pic>
       <p:pic>
         <p:nvPicPr>
-          <p:cNvPr id="106" name="図 105">
+          <p:cNvPr id="102" name="図 101">
             <a:extLst>
               <a:ext uri="{FF2B5EF4-FFF2-40B4-BE49-F238E27FC236}">
-                <a16:creationId xmlns:a16="http://schemas.microsoft.com/office/drawing/2014/main" id="{2EBD0A75-5C4F-4E1D-9EB1-01E65E53B4FE}"/>
+                <a16:creationId xmlns:a16="http://schemas.microsoft.com/office/drawing/2014/main" id="{B5399F3B-B528-4833-A324-3901156CA275}"/>
               </a:ext>
             </a:extLst>
           </p:cNvPr>
@@ -25560,8 +25639,8 @@
         </p:blipFill>
         <p:spPr>
           <a:xfrm>
-            <a:off x="4104715" y="7467267"/>
-            <a:ext cx="3561344" cy="1868390"/>
+            <a:off x="8566781" y="4106742"/>
+            <a:ext cx="3436873" cy="1986577"/>
           </a:xfrm>
           <a:prstGeom prst="rect">
             <a:avLst/>
@@ -25570,10 +25649,10 @@
       </p:pic>
       <p:pic>
         <p:nvPicPr>
-          <p:cNvPr id="108" name="図 107">
+          <p:cNvPr id="103" name="図 102">
             <a:extLst>
               <a:ext uri="{FF2B5EF4-FFF2-40B4-BE49-F238E27FC236}">
-                <a16:creationId xmlns:a16="http://schemas.microsoft.com/office/drawing/2014/main" id="{B5302395-21A2-4A72-A5FF-AB77063B6505}"/>
+                <a16:creationId xmlns:a16="http://schemas.microsoft.com/office/drawing/2014/main" id="{AA369BE6-91CC-4C51-9C81-EF6C67CE1F9B}"/>
               </a:ext>
             </a:extLst>
           </p:cNvPr>
@@ -25596,8 +25675,8 @@
         </p:blipFill>
         <p:spPr>
           <a:xfrm>
-            <a:off x="8585834" y="5746324"/>
-            <a:ext cx="3436873" cy="1986577"/>
+            <a:off x="8563646" y="6129682"/>
+            <a:ext cx="3464796" cy="1611316"/>
           </a:xfrm>
           <a:prstGeom prst="rect">
             <a:avLst/>
@@ -25606,10 +25685,10 @@
       </p:pic>
       <p:pic>
         <p:nvPicPr>
-          <p:cNvPr id="110" name="図 109">
+          <p:cNvPr id="105" name="図 104">
             <a:extLst>
               <a:ext uri="{FF2B5EF4-FFF2-40B4-BE49-F238E27FC236}">
-                <a16:creationId xmlns:a16="http://schemas.microsoft.com/office/drawing/2014/main" id="{68BD8BD6-E377-4977-AD31-362F7790A6C9}"/>
+                <a16:creationId xmlns:a16="http://schemas.microsoft.com/office/drawing/2014/main" id="{34CCD61B-116C-4232-8B2B-FBEA7559624A}"/>
               </a:ext>
             </a:extLst>
           </p:cNvPr>
@@ -25632,42 +25711,6 @@
         </p:blipFill>
         <p:spPr>
           <a:xfrm>
-            <a:off x="8580552" y="4090548"/>
-            <a:ext cx="3464796" cy="1611316"/>
-          </a:xfrm>
-          <a:prstGeom prst="rect">
-            <a:avLst/>
-          </a:prstGeom>
-        </p:spPr>
-      </p:pic>
-      <p:pic>
-        <p:nvPicPr>
-          <p:cNvPr id="112" name="図 111">
-            <a:extLst>
-              <a:ext uri="{FF2B5EF4-FFF2-40B4-BE49-F238E27FC236}">
-                <a16:creationId xmlns:a16="http://schemas.microsoft.com/office/drawing/2014/main" id="{13146E4E-8880-417A-9341-679D206FA7A7}"/>
-              </a:ext>
-            </a:extLst>
-          </p:cNvPr>
-          <p:cNvPicPr>
-            <a:picLocks noChangeAspect="1"/>
-          </p:cNvPicPr>
-          <p:nvPr/>
-        </p:nvPicPr>
-        <p:blipFill>
-          <a:blip r:embed="rId10">
-            <a:extLst>
-              <a:ext uri="{28A0092B-C50C-407E-A947-70E740481C1C}">
-                <a14:useLocalDpi xmlns:a14="http://schemas.microsoft.com/office/drawing/2010/main" val="0"/>
-              </a:ext>
-            </a:extLst>
-          </a:blip>
-          <a:stretch>
-            <a:fillRect/>
-          </a:stretch>
-        </p:blipFill>
-        <p:spPr>
-          <a:xfrm>
             <a:off x="8580551" y="7777361"/>
             <a:ext cx="3409335" cy="1558296"/>
           </a:xfrm>
@@ -25678,10 +25721,10 @@
       </p:pic>
       <p:grpSp>
         <p:nvGrpSpPr>
-          <p:cNvPr id="65" name="グループ化 64">
+          <p:cNvPr id="107" name="グループ化 106">
             <a:extLst>
               <a:ext uri="{FF2B5EF4-FFF2-40B4-BE49-F238E27FC236}">
-                <a16:creationId xmlns:a16="http://schemas.microsoft.com/office/drawing/2014/main" id="{AE2A1EC6-6961-4203-BEA9-E057A90A7CDB}"/>
+                <a16:creationId xmlns:a16="http://schemas.microsoft.com/office/drawing/2014/main" id="{E0A17CB8-DD56-4EE1-A643-581FF14713AB}"/>
               </a:ext>
             </a:extLst>
           </p:cNvPr>
@@ -25698,10 +25741,10 @@
         </p:grpSpPr>
         <p:sp>
           <p:nvSpPr>
-            <p:cNvPr id="66" name="楕円 65">
+            <p:cNvPr id="109" name="楕円 108">
               <a:extLst>
                 <a:ext uri="{FF2B5EF4-FFF2-40B4-BE49-F238E27FC236}">
-                  <a16:creationId xmlns:a16="http://schemas.microsoft.com/office/drawing/2014/main" id="{42C703C7-AF88-424C-91E8-02BF3F47A986}"/>
+                  <a16:creationId xmlns:a16="http://schemas.microsoft.com/office/drawing/2014/main" id="{29771A06-FB57-4EC5-AE82-53E88DFE81A9}"/>
                 </a:ext>
               </a:extLst>
             </p:cNvPr>
@@ -25779,10 +25822,10 @@
         </p:sp>
         <p:sp>
           <p:nvSpPr>
-            <p:cNvPr id="67" name="テキスト ボックス 66">
+            <p:cNvPr id="111" name="テキスト ボックス 110">
               <a:extLst>
                 <a:ext uri="{FF2B5EF4-FFF2-40B4-BE49-F238E27FC236}">
-                  <a16:creationId xmlns:a16="http://schemas.microsoft.com/office/drawing/2014/main" id="{DE27C7E1-3BFD-4495-8F25-31ABA9FE3514}"/>
+                  <a16:creationId xmlns:a16="http://schemas.microsoft.com/office/drawing/2014/main" id="{43CDDEEE-7F20-41C9-97BB-227D3FC2DD36}"/>
                 </a:ext>
               </a:extLst>
             </p:cNvPr>
@@ -25845,10 +25888,10 @@
       </p:grpSp>
       <p:grpSp>
         <p:nvGrpSpPr>
-          <p:cNvPr id="68" name="グループ化 67">
+          <p:cNvPr id="113" name="グループ化 112">
             <a:extLst>
               <a:ext uri="{FF2B5EF4-FFF2-40B4-BE49-F238E27FC236}">
-                <a16:creationId xmlns:a16="http://schemas.microsoft.com/office/drawing/2014/main" id="{DDA0C9C6-FC2B-455F-8753-3196710A8E92}"/>
+                <a16:creationId xmlns:a16="http://schemas.microsoft.com/office/drawing/2014/main" id="{4AAA3D28-5860-4C07-A3F4-B6B1805B99CE}"/>
               </a:ext>
             </a:extLst>
           </p:cNvPr>
@@ -25865,10 +25908,10 @@
         </p:grpSpPr>
         <p:sp>
           <p:nvSpPr>
-            <p:cNvPr id="69" name="楕円 68">
+            <p:cNvPr id="114" name="楕円 113">
               <a:extLst>
                 <a:ext uri="{FF2B5EF4-FFF2-40B4-BE49-F238E27FC236}">
-                  <a16:creationId xmlns:a16="http://schemas.microsoft.com/office/drawing/2014/main" id="{D930EBC5-4550-47DD-ABF9-4304D8318893}"/>
+                  <a16:creationId xmlns:a16="http://schemas.microsoft.com/office/drawing/2014/main" id="{5E92B625-3544-43D8-9DE7-3ADA28D9FB21}"/>
                 </a:ext>
               </a:extLst>
             </p:cNvPr>
@@ -25946,10 +25989,10 @@
         </p:sp>
         <p:sp>
           <p:nvSpPr>
-            <p:cNvPr id="70" name="テキスト ボックス 69">
+            <p:cNvPr id="115" name="テキスト ボックス 114">
               <a:extLst>
                 <a:ext uri="{FF2B5EF4-FFF2-40B4-BE49-F238E27FC236}">
-                  <a16:creationId xmlns:a16="http://schemas.microsoft.com/office/drawing/2014/main" id="{35CAE0FD-26D0-4678-83A1-81D8FA2A3702}"/>
+                  <a16:creationId xmlns:a16="http://schemas.microsoft.com/office/drawing/2014/main" id="{C4EF2C99-304C-4740-A2F5-706D1114BFD5}"/>
                 </a:ext>
               </a:extLst>
             </p:cNvPr>
@@ -26012,10 +26055,10 @@
       </p:grpSp>
       <p:grpSp>
         <p:nvGrpSpPr>
-          <p:cNvPr id="75" name="グループ化 74">
+          <p:cNvPr id="116" name="グループ化 115">
             <a:extLst>
               <a:ext uri="{FF2B5EF4-FFF2-40B4-BE49-F238E27FC236}">
-                <a16:creationId xmlns:a16="http://schemas.microsoft.com/office/drawing/2014/main" id="{458CF5D2-9636-4BBE-910F-DB49C9535B58}"/>
+                <a16:creationId xmlns:a16="http://schemas.microsoft.com/office/drawing/2014/main" id="{5AFB2491-F85A-4EB5-967E-D08EA9964956}"/>
               </a:ext>
             </a:extLst>
           </p:cNvPr>
@@ -26032,10 +26075,10 @@
         </p:grpSpPr>
         <p:sp>
           <p:nvSpPr>
-            <p:cNvPr id="76" name="楕円 75">
+            <p:cNvPr id="117" name="楕円 116">
               <a:extLst>
                 <a:ext uri="{FF2B5EF4-FFF2-40B4-BE49-F238E27FC236}">
-                  <a16:creationId xmlns:a16="http://schemas.microsoft.com/office/drawing/2014/main" id="{5124E9B2-99A7-4E97-87D8-C12B7D8F41B3}"/>
+                  <a16:creationId xmlns:a16="http://schemas.microsoft.com/office/drawing/2014/main" id="{B6C03EAC-2FCD-475B-BF93-39883C0D7E8C}"/>
                 </a:ext>
               </a:extLst>
             </p:cNvPr>
@@ -26113,10 +26156,10 @@
         </p:sp>
         <p:sp>
           <p:nvSpPr>
-            <p:cNvPr id="77" name="テキスト ボックス 76">
+            <p:cNvPr id="133" name="テキスト ボックス 132">
               <a:extLst>
                 <a:ext uri="{FF2B5EF4-FFF2-40B4-BE49-F238E27FC236}">
-                  <a16:creationId xmlns:a16="http://schemas.microsoft.com/office/drawing/2014/main" id="{4831E1DB-6329-4D91-9C08-12D4F88E49BE}"/>
+                  <a16:creationId xmlns:a16="http://schemas.microsoft.com/office/drawing/2014/main" id="{A15D03E2-DBB3-42E8-8E9A-09E0196165EE}"/>
                 </a:ext>
               </a:extLst>
             </p:cNvPr>
@@ -26179,10 +26222,10 @@
       </p:grpSp>
       <p:grpSp>
         <p:nvGrpSpPr>
-          <p:cNvPr id="78" name="グループ化 77">
+          <p:cNvPr id="153" name="グループ化 152">
             <a:extLst>
               <a:ext uri="{FF2B5EF4-FFF2-40B4-BE49-F238E27FC236}">
-                <a16:creationId xmlns:a16="http://schemas.microsoft.com/office/drawing/2014/main" id="{F410D1DA-ECC4-46F0-BF6C-5EEB2AB9E41C}"/>
+                <a16:creationId xmlns:a16="http://schemas.microsoft.com/office/drawing/2014/main" id="{FEADF5FF-4C4C-42B6-8DA2-B475E62E0232}"/>
               </a:ext>
             </a:extLst>
           </p:cNvPr>
@@ -26191,7 +26234,1792 @@
         </p:nvGrpSpPr>
         <p:grpSpPr>
           <a:xfrm>
-            <a:off x="84538" y="1357262"/>
+            <a:off x="3965003" y="4881781"/>
+            <a:ext cx="279421" cy="307777"/>
+            <a:chOff x="2540906" y="1219634"/>
+            <a:chExt cx="279421" cy="307777"/>
+          </a:xfrm>
+        </p:grpSpPr>
+        <p:sp>
+          <p:nvSpPr>
+            <p:cNvPr id="154" name="楕円 153">
+              <a:extLst>
+                <a:ext uri="{FF2B5EF4-FFF2-40B4-BE49-F238E27FC236}">
+                  <a16:creationId xmlns:a16="http://schemas.microsoft.com/office/drawing/2014/main" id="{18DF337C-AB3E-4838-A64B-6E143ED0318C}"/>
+                </a:ext>
+              </a:extLst>
+            </p:cNvPr>
+            <p:cNvSpPr/>
+            <p:nvPr/>
+          </p:nvSpPr>
+          <p:spPr>
+            <a:xfrm>
+              <a:off x="2563617" y="1246863"/>
+              <a:ext cx="234000" cy="234000"/>
+            </a:xfrm>
+            <a:prstGeom prst="ellipse">
+              <a:avLst/>
+            </a:prstGeom>
+            <a:solidFill>
+              <a:schemeClr val="accent2"/>
+            </a:solidFill>
+            <a:ln>
+              <a:noFill/>
+            </a:ln>
+          </p:spPr>
+          <p:style>
+            <a:lnRef idx="2">
+              <a:schemeClr val="accent1">
+                <a:shade val="50000"/>
+              </a:schemeClr>
+            </a:lnRef>
+            <a:fillRef idx="1">
+              <a:schemeClr val="accent1"/>
+            </a:fillRef>
+            <a:effectRef idx="0">
+              <a:schemeClr val="accent1"/>
+            </a:effectRef>
+            <a:fontRef idx="minor">
+              <a:schemeClr val="lt1"/>
+            </a:fontRef>
+          </p:style>
+          <p:txBody>
+            <a:bodyPr rtlCol="0" anchor="ctr"/>
+            <a:lstStyle/>
+            <a:p>
+              <a:pPr marL="0" marR="0" lvl="0" indent="0" algn="ctr" defTabSz="914400" rtl="0" eaLnBrk="1" fontAlgn="base" latinLnBrk="0" hangingPunct="1">
+                <a:lnSpc>
+                  <a:spcPct val="100000"/>
+                </a:lnSpc>
+                <a:spcBef>
+                  <a:spcPct val="0"/>
+                </a:spcBef>
+                <a:spcAft>
+                  <a:spcPct val="0"/>
+                </a:spcAft>
+                <a:buClrTx/>
+                <a:buSzTx/>
+                <a:buFontTx/>
+                <a:buNone/>
+                <a:tabLst/>
+                <a:defRPr/>
+              </a:pPr>
+              <a:endParaRPr kumimoji="1" lang="ja-JP" altLang="en-US" sz="1600" b="0" i="0" u="none" strike="noStrike" kern="1200" cap="none" spc="0" normalizeH="0" baseline="0" noProof="0">
+                <a:ln>
+                  <a:noFill/>
+                </a:ln>
+                <a:solidFill>
+                  <a:prstClr val="white"/>
+                </a:solidFill>
+                <a:effectLst/>
+                <a:uLnTx/>
+                <a:uFillTx/>
+                <a:latin typeface="游ゴシック" panose="020F0502020204030204"/>
+                <a:ea typeface="游ゴシック" panose="020B0400000000000000" pitchFamily="50" charset="-128"/>
+                <a:cs typeface="+mn-cs"/>
+              </a:endParaRPr>
+            </a:p>
+          </p:txBody>
+        </p:sp>
+        <p:sp>
+          <p:nvSpPr>
+            <p:cNvPr id="155" name="テキスト ボックス 154">
+              <a:extLst>
+                <a:ext uri="{FF2B5EF4-FFF2-40B4-BE49-F238E27FC236}">
+                  <a16:creationId xmlns:a16="http://schemas.microsoft.com/office/drawing/2014/main" id="{1149CE16-D68C-4867-ADB2-F3260DA784A5}"/>
+                </a:ext>
+              </a:extLst>
+            </p:cNvPr>
+            <p:cNvSpPr txBox="1"/>
+            <p:nvPr/>
+          </p:nvSpPr>
+          <p:spPr>
+            <a:xfrm>
+              <a:off x="2540906" y="1219634"/>
+              <a:ext cx="279421" cy="307777"/>
+            </a:xfrm>
+            <a:prstGeom prst="rect">
+              <a:avLst/>
+            </a:prstGeom>
+            <a:noFill/>
+          </p:spPr>
+          <p:txBody>
+            <a:bodyPr wrap="square" rtlCol="0">
+              <a:spAutoFit/>
+            </a:bodyPr>
+            <a:lstStyle/>
+            <a:p>
+              <a:pPr marL="0" marR="0" lvl="0" indent="0" algn="ctr" defTabSz="914400" rtl="0" eaLnBrk="1" fontAlgn="base" latinLnBrk="0" hangingPunct="1">
+                <a:lnSpc>
+                  <a:spcPct val="100000"/>
+                </a:lnSpc>
+                <a:spcBef>
+                  <a:spcPct val="0"/>
+                </a:spcBef>
+                <a:spcAft>
+                  <a:spcPct val="0"/>
+                </a:spcAft>
+                <a:buClrTx/>
+                <a:buSzTx/>
+                <a:buFontTx/>
+                <a:buNone/>
+                <a:tabLst/>
+                <a:defRPr/>
+              </a:pPr>
+              <a:r>
+                <a:rPr kumimoji="1" lang="en-US" altLang="ja-JP" sz="1400" b="1" i="0" u="none" strike="noStrike" kern="1200" cap="none" spc="0" normalizeH="0" baseline="0" noProof="0" dirty="0">
+                  <a:ln>
+                    <a:noFill/>
+                  </a:ln>
+                  <a:solidFill>
+                    <a:prstClr val="white"/>
+                  </a:solidFill>
+                  <a:effectLst/>
+                  <a:uLnTx/>
+                  <a:uFillTx/>
+                  <a:latin typeface="游ゴシック" panose="020F0502020204030204"/>
+                  <a:ea typeface="メイリオ" panose="020B0604030504040204" pitchFamily="50" charset="-128"/>
+                  <a:cs typeface="+mn-cs"/>
+                </a:rPr>
+                <a:t>1</a:t>
+              </a:r>
+            </a:p>
+          </p:txBody>
+        </p:sp>
+      </p:grpSp>
+      <p:grpSp>
+        <p:nvGrpSpPr>
+          <p:cNvPr id="156" name="グループ化 155">
+            <a:extLst>
+              <a:ext uri="{FF2B5EF4-FFF2-40B4-BE49-F238E27FC236}">
+                <a16:creationId xmlns:a16="http://schemas.microsoft.com/office/drawing/2014/main" id="{55C391DE-4650-4976-86C5-85F312A73422}"/>
+              </a:ext>
+            </a:extLst>
+          </p:cNvPr>
+          <p:cNvGrpSpPr/>
+          <p:nvPr/>
+        </p:nvGrpSpPr>
+        <p:grpSpPr>
+          <a:xfrm>
+            <a:off x="8444530" y="7692619"/>
+            <a:ext cx="279421" cy="307777"/>
+            <a:chOff x="2540906" y="1219634"/>
+            <a:chExt cx="279421" cy="307777"/>
+          </a:xfrm>
+        </p:grpSpPr>
+        <p:sp>
+          <p:nvSpPr>
+            <p:cNvPr id="157" name="楕円 156">
+              <a:extLst>
+                <a:ext uri="{FF2B5EF4-FFF2-40B4-BE49-F238E27FC236}">
+                  <a16:creationId xmlns:a16="http://schemas.microsoft.com/office/drawing/2014/main" id="{9D40CE3F-2CE0-429B-9043-7DCA244BF1D4}"/>
+                </a:ext>
+              </a:extLst>
+            </p:cNvPr>
+            <p:cNvSpPr/>
+            <p:nvPr/>
+          </p:nvSpPr>
+          <p:spPr>
+            <a:xfrm>
+              <a:off x="2563617" y="1246863"/>
+              <a:ext cx="234000" cy="234000"/>
+            </a:xfrm>
+            <a:prstGeom prst="ellipse">
+              <a:avLst/>
+            </a:prstGeom>
+            <a:solidFill>
+              <a:schemeClr val="accent2"/>
+            </a:solidFill>
+            <a:ln>
+              <a:noFill/>
+            </a:ln>
+          </p:spPr>
+          <p:style>
+            <a:lnRef idx="2">
+              <a:schemeClr val="accent1">
+                <a:shade val="50000"/>
+              </a:schemeClr>
+            </a:lnRef>
+            <a:fillRef idx="1">
+              <a:schemeClr val="accent1"/>
+            </a:fillRef>
+            <a:effectRef idx="0">
+              <a:schemeClr val="accent1"/>
+            </a:effectRef>
+            <a:fontRef idx="minor">
+              <a:schemeClr val="lt1"/>
+            </a:fontRef>
+          </p:style>
+          <p:txBody>
+            <a:bodyPr rtlCol="0" anchor="ctr"/>
+            <a:lstStyle/>
+            <a:p>
+              <a:pPr marL="0" marR="0" lvl="0" indent="0" algn="ctr" defTabSz="914400" rtl="0" eaLnBrk="1" fontAlgn="base" latinLnBrk="0" hangingPunct="1">
+                <a:lnSpc>
+                  <a:spcPct val="100000"/>
+                </a:lnSpc>
+                <a:spcBef>
+                  <a:spcPct val="0"/>
+                </a:spcBef>
+                <a:spcAft>
+                  <a:spcPct val="0"/>
+                </a:spcAft>
+                <a:buClrTx/>
+                <a:buSzTx/>
+                <a:buFontTx/>
+                <a:buNone/>
+                <a:tabLst/>
+                <a:defRPr/>
+              </a:pPr>
+              <a:endParaRPr kumimoji="1" lang="ja-JP" altLang="en-US" sz="1600" b="0" i="0" u="none" strike="noStrike" kern="1200" cap="none" spc="0" normalizeH="0" baseline="0" noProof="0">
+                <a:ln>
+                  <a:noFill/>
+                </a:ln>
+                <a:solidFill>
+                  <a:prstClr val="white"/>
+                </a:solidFill>
+                <a:effectLst/>
+                <a:uLnTx/>
+                <a:uFillTx/>
+                <a:latin typeface="游ゴシック" panose="020F0502020204030204"/>
+                <a:ea typeface="游ゴシック" panose="020B0400000000000000" pitchFamily="50" charset="-128"/>
+                <a:cs typeface="+mn-cs"/>
+              </a:endParaRPr>
+            </a:p>
+          </p:txBody>
+        </p:sp>
+        <p:sp>
+          <p:nvSpPr>
+            <p:cNvPr id="158" name="テキスト ボックス 157">
+              <a:extLst>
+                <a:ext uri="{FF2B5EF4-FFF2-40B4-BE49-F238E27FC236}">
+                  <a16:creationId xmlns:a16="http://schemas.microsoft.com/office/drawing/2014/main" id="{4F0CA97C-9731-4763-B099-EB9BDD74C23D}"/>
+                </a:ext>
+              </a:extLst>
+            </p:cNvPr>
+            <p:cNvSpPr txBox="1"/>
+            <p:nvPr/>
+          </p:nvSpPr>
+          <p:spPr>
+            <a:xfrm>
+              <a:off x="2540906" y="1219634"/>
+              <a:ext cx="279421" cy="307777"/>
+            </a:xfrm>
+            <a:prstGeom prst="rect">
+              <a:avLst/>
+            </a:prstGeom>
+            <a:noFill/>
+          </p:spPr>
+          <p:txBody>
+            <a:bodyPr wrap="square" rtlCol="0">
+              <a:spAutoFit/>
+            </a:bodyPr>
+            <a:lstStyle/>
+            <a:p>
+              <a:pPr marL="0" marR="0" lvl="0" indent="0" algn="ctr" defTabSz="914400" rtl="0" eaLnBrk="1" fontAlgn="base" latinLnBrk="0" hangingPunct="1">
+                <a:lnSpc>
+                  <a:spcPct val="100000"/>
+                </a:lnSpc>
+                <a:spcBef>
+                  <a:spcPct val="0"/>
+                </a:spcBef>
+                <a:spcAft>
+                  <a:spcPct val="0"/>
+                </a:spcAft>
+                <a:buClrTx/>
+                <a:buSzTx/>
+                <a:buFontTx/>
+                <a:buNone/>
+                <a:tabLst/>
+                <a:defRPr/>
+              </a:pPr>
+              <a:r>
+                <a:rPr kumimoji="1" lang="en-US" altLang="ja-JP" sz="1400" b="1" i="0" u="none" strike="noStrike" kern="1200" cap="none" spc="0" normalizeH="0" baseline="0" noProof="0" dirty="0">
+                  <a:ln>
+                    <a:noFill/>
+                  </a:ln>
+                  <a:solidFill>
+                    <a:prstClr val="white"/>
+                  </a:solidFill>
+                  <a:effectLst/>
+                  <a:uLnTx/>
+                  <a:uFillTx/>
+                  <a:latin typeface="游ゴシック" panose="020F0502020204030204"/>
+                  <a:ea typeface="メイリオ" panose="020B0604030504040204" pitchFamily="50" charset="-128"/>
+                  <a:cs typeface="+mn-cs"/>
+                </a:rPr>
+                <a:t>5</a:t>
+              </a:r>
+            </a:p>
+          </p:txBody>
+        </p:sp>
+      </p:grpSp>
+      <p:grpSp>
+        <p:nvGrpSpPr>
+          <p:cNvPr id="159" name="グループ化 158">
+            <a:extLst>
+              <a:ext uri="{FF2B5EF4-FFF2-40B4-BE49-F238E27FC236}">
+                <a16:creationId xmlns:a16="http://schemas.microsoft.com/office/drawing/2014/main" id="{9C572C03-B8FB-47BB-9D9C-41B68637D44E}"/>
+              </a:ext>
+            </a:extLst>
+          </p:cNvPr>
+          <p:cNvGrpSpPr/>
+          <p:nvPr/>
+        </p:nvGrpSpPr>
+        <p:grpSpPr>
+          <a:xfrm>
+            <a:off x="8438403" y="6028470"/>
+            <a:ext cx="279421" cy="307777"/>
+            <a:chOff x="2540906" y="1219634"/>
+            <a:chExt cx="279421" cy="307777"/>
+          </a:xfrm>
+        </p:grpSpPr>
+        <p:sp>
+          <p:nvSpPr>
+            <p:cNvPr id="160" name="楕円 159">
+              <a:extLst>
+                <a:ext uri="{FF2B5EF4-FFF2-40B4-BE49-F238E27FC236}">
+                  <a16:creationId xmlns:a16="http://schemas.microsoft.com/office/drawing/2014/main" id="{A923A1E7-6124-4905-AA92-4AA3E99BBFE7}"/>
+                </a:ext>
+              </a:extLst>
+            </p:cNvPr>
+            <p:cNvSpPr/>
+            <p:nvPr/>
+          </p:nvSpPr>
+          <p:spPr>
+            <a:xfrm>
+              <a:off x="2563617" y="1246863"/>
+              <a:ext cx="234000" cy="234000"/>
+            </a:xfrm>
+            <a:prstGeom prst="ellipse">
+              <a:avLst/>
+            </a:prstGeom>
+            <a:solidFill>
+              <a:schemeClr val="accent2"/>
+            </a:solidFill>
+            <a:ln>
+              <a:noFill/>
+            </a:ln>
+          </p:spPr>
+          <p:style>
+            <a:lnRef idx="2">
+              <a:schemeClr val="accent1">
+                <a:shade val="50000"/>
+              </a:schemeClr>
+            </a:lnRef>
+            <a:fillRef idx="1">
+              <a:schemeClr val="accent1"/>
+            </a:fillRef>
+            <a:effectRef idx="0">
+              <a:schemeClr val="accent1"/>
+            </a:effectRef>
+            <a:fontRef idx="minor">
+              <a:schemeClr val="lt1"/>
+            </a:fontRef>
+          </p:style>
+          <p:txBody>
+            <a:bodyPr rtlCol="0" anchor="ctr"/>
+            <a:lstStyle/>
+            <a:p>
+              <a:pPr marL="0" marR="0" lvl="0" indent="0" algn="ctr" defTabSz="914400" rtl="0" eaLnBrk="1" fontAlgn="base" latinLnBrk="0" hangingPunct="1">
+                <a:lnSpc>
+                  <a:spcPct val="100000"/>
+                </a:lnSpc>
+                <a:spcBef>
+                  <a:spcPct val="0"/>
+                </a:spcBef>
+                <a:spcAft>
+                  <a:spcPct val="0"/>
+                </a:spcAft>
+                <a:buClrTx/>
+                <a:buSzTx/>
+                <a:buFontTx/>
+                <a:buNone/>
+                <a:tabLst/>
+                <a:defRPr/>
+              </a:pPr>
+              <a:endParaRPr kumimoji="1" lang="ja-JP" altLang="en-US" sz="1600" b="0" i="0" u="none" strike="noStrike" kern="1200" cap="none" spc="0" normalizeH="0" baseline="0" noProof="0">
+                <a:ln>
+                  <a:noFill/>
+                </a:ln>
+                <a:solidFill>
+                  <a:prstClr val="white"/>
+                </a:solidFill>
+                <a:effectLst/>
+                <a:uLnTx/>
+                <a:uFillTx/>
+                <a:latin typeface="游ゴシック" panose="020F0502020204030204"/>
+                <a:ea typeface="游ゴシック" panose="020B0400000000000000" pitchFamily="50" charset="-128"/>
+                <a:cs typeface="+mn-cs"/>
+              </a:endParaRPr>
+            </a:p>
+          </p:txBody>
+        </p:sp>
+        <p:sp>
+          <p:nvSpPr>
+            <p:cNvPr id="161" name="テキスト ボックス 160">
+              <a:extLst>
+                <a:ext uri="{FF2B5EF4-FFF2-40B4-BE49-F238E27FC236}">
+                  <a16:creationId xmlns:a16="http://schemas.microsoft.com/office/drawing/2014/main" id="{5243440B-52E6-49D1-A703-0C60079644E3}"/>
+                </a:ext>
+              </a:extLst>
+            </p:cNvPr>
+            <p:cNvSpPr txBox="1"/>
+            <p:nvPr/>
+          </p:nvSpPr>
+          <p:spPr>
+            <a:xfrm>
+              <a:off x="2540906" y="1219634"/>
+              <a:ext cx="279421" cy="307777"/>
+            </a:xfrm>
+            <a:prstGeom prst="rect">
+              <a:avLst/>
+            </a:prstGeom>
+            <a:noFill/>
+          </p:spPr>
+          <p:txBody>
+            <a:bodyPr wrap="square" rtlCol="0">
+              <a:spAutoFit/>
+            </a:bodyPr>
+            <a:lstStyle/>
+            <a:p>
+              <a:pPr marL="0" marR="0" lvl="0" indent="0" algn="ctr" defTabSz="914400" rtl="0" eaLnBrk="1" fontAlgn="base" latinLnBrk="0" hangingPunct="1">
+                <a:lnSpc>
+                  <a:spcPct val="100000"/>
+                </a:lnSpc>
+                <a:spcBef>
+                  <a:spcPct val="0"/>
+                </a:spcBef>
+                <a:spcAft>
+                  <a:spcPct val="0"/>
+                </a:spcAft>
+                <a:buClrTx/>
+                <a:buSzTx/>
+                <a:buFontTx/>
+                <a:buNone/>
+                <a:tabLst/>
+                <a:defRPr/>
+              </a:pPr>
+              <a:r>
+                <a:rPr kumimoji="1" lang="en-US" altLang="ja-JP" sz="1400" b="1" i="0" u="none" strike="noStrike" kern="1200" cap="none" spc="0" normalizeH="0" baseline="0" noProof="0" dirty="0">
+                  <a:ln>
+                    <a:noFill/>
+                  </a:ln>
+                  <a:solidFill>
+                    <a:prstClr val="white"/>
+                  </a:solidFill>
+                  <a:effectLst/>
+                  <a:uLnTx/>
+                  <a:uFillTx/>
+                  <a:latin typeface="游ゴシック" panose="020F0502020204030204"/>
+                  <a:ea typeface="メイリオ" panose="020B0604030504040204" pitchFamily="50" charset="-128"/>
+                  <a:cs typeface="+mn-cs"/>
+                </a:rPr>
+                <a:t>4</a:t>
+              </a:r>
+            </a:p>
+          </p:txBody>
+        </p:sp>
+      </p:grpSp>
+      <p:grpSp>
+        <p:nvGrpSpPr>
+          <p:cNvPr id="162" name="グループ化 161">
+            <a:extLst>
+              <a:ext uri="{FF2B5EF4-FFF2-40B4-BE49-F238E27FC236}">
+                <a16:creationId xmlns:a16="http://schemas.microsoft.com/office/drawing/2014/main" id="{34E204A4-25B8-412F-AE5B-87B6F9115404}"/>
+              </a:ext>
+            </a:extLst>
+          </p:cNvPr>
+          <p:cNvGrpSpPr/>
+          <p:nvPr/>
+        </p:nvGrpSpPr>
+        <p:grpSpPr>
+          <a:xfrm>
+            <a:off x="8445704" y="3997863"/>
+            <a:ext cx="279421" cy="307777"/>
+            <a:chOff x="2540906" y="1219634"/>
+            <a:chExt cx="279421" cy="307777"/>
+          </a:xfrm>
+        </p:grpSpPr>
+        <p:sp>
+          <p:nvSpPr>
+            <p:cNvPr id="163" name="楕円 162">
+              <a:extLst>
+                <a:ext uri="{FF2B5EF4-FFF2-40B4-BE49-F238E27FC236}">
+                  <a16:creationId xmlns:a16="http://schemas.microsoft.com/office/drawing/2014/main" id="{026C3131-035F-4CF5-BF81-30A65931E679}"/>
+                </a:ext>
+              </a:extLst>
+            </p:cNvPr>
+            <p:cNvSpPr/>
+            <p:nvPr/>
+          </p:nvSpPr>
+          <p:spPr>
+            <a:xfrm>
+              <a:off x="2563617" y="1246863"/>
+              <a:ext cx="234000" cy="234000"/>
+            </a:xfrm>
+            <a:prstGeom prst="ellipse">
+              <a:avLst/>
+            </a:prstGeom>
+            <a:solidFill>
+              <a:schemeClr val="accent2"/>
+            </a:solidFill>
+            <a:ln>
+              <a:noFill/>
+            </a:ln>
+          </p:spPr>
+          <p:style>
+            <a:lnRef idx="2">
+              <a:schemeClr val="accent1">
+                <a:shade val="50000"/>
+              </a:schemeClr>
+            </a:lnRef>
+            <a:fillRef idx="1">
+              <a:schemeClr val="accent1"/>
+            </a:fillRef>
+            <a:effectRef idx="0">
+              <a:schemeClr val="accent1"/>
+            </a:effectRef>
+            <a:fontRef idx="minor">
+              <a:schemeClr val="lt1"/>
+            </a:fontRef>
+          </p:style>
+          <p:txBody>
+            <a:bodyPr rtlCol="0" anchor="ctr"/>
+            <a:lstStyle/>
+            <a:p>
+              <a:pPr marL="0" marR="0" lvl="0" indent="0" algn="ctr" defTabSz="914400" rtl="0" eaLnBrk="1" fontAlgn="base" latinLnBrk="0" hangingPunct="1">
+                <a:lnSpc>
+                  <a:spcPct val="100000"/>
+                </a:lnSpc>
+                <a:spcBef>
+                  <a:spcPct val="0"/>
+                </a:spcBef>
+                <a:spcAft>
+                  <a:spcPct val="0"/>
+                </a:spcAft>
+                <a:buClrTx/>
+                <a:buSzTx/>
+                <a:buFontTx/>
+                <a:buNone/>
+                <a:tabLst/>
+                <a:defRPr/>
+              </a:pPr>
+              <a:endParaRPr kumimoji="1" lang="ja-JP" altLang="en-US" sz="1600" b="0" i="0" u="none" strike="noStrike" kern="1200" cap="none" spc="0" normalizeH="0" baseline="0" noProof="0">
+                <a:ln>
+                  <a:noFill/>
+                </a:ln>
+                <a:solidFill>
+                  <a:prstClr val="white"/>
+                </a:solidFill>
+                <a:effectLst/>
+                <a:uLnTx/>
+                <a:uFillTx/>
+                <a:latin typeface="游ゴシック" panose="020F0502020204030204"/>
+                <a:ea typeface="游ゴシック" panose="020B0400000000000000" pitchFamily="50" charset="-128"/>
+                <a:cs typeface="+mn-cs"/>
+              </a:endParaRPr>
+            </a:p>
+          </p:txBody>
+        </p:sp>
+        <p:sp>
+          <p:nvSpPr>
+            <p:cNvPr id="164" name="テキスト ボックス 163">
+              <a:extLst>
+                <a:ext uri="{FF2B5EF4-FFF2-40B4-BE49-F238E27FC236}">
+                  <a16:creationId xmlns:a16="http://schemas.microsoft.com/office/drawing/2014/main" id="{AE5FE40D-C5B2-45CC-832F-9A98B16E4AC3}"/>
+                </a:ext>
+              </a:extLst>
+            </p:cNvPr>
+            <p:cNvSpPr txBox="1"/>
+            <p:nvPr/>
+          </p:nvSpPr>
+          <p:spPr>
+            <a:xfrm>
+              <a:off x="2540906" y="1219634"/>
+              <a:ext cx="279421" cy="307777"/>
+            </a:xfrm>
+            <a:prstGeom prst="rect">
+              <a:avLst/>
+            </a:prstGeom>
+            <a:noFill/>
+          </p:spPr>
+          <p:txBody>
+            <a:bodyPr wrap="square" rtlCol="0">
+              <a:spAutoFit/>
+            </a:bodyPr>
+            <a:lstStyle/>
+            <a:p>
+              <a:pPr marL="0" marR="0" lvl="0" indent="0" algn="ctr" defTabSz="914400" rtl="0" eaLnBrk="1" fontAlgn="base" latinLnBrk="0" hangingPunct="1">
+                <a:lnSpc>
+                  <a:spcPct val="100000"/>
+                </a:lnSpc>
+                <a:spcBef>
+                  <a:spcPct val="0"/>
+                </a:spcBef>
+                <a:spcAft>
+                  <a:spcPct val="0"/>
+                </a:spcAft>
+                <a:buClrTx/>
+                <a:buSzTx/>
+                <a:buFontTx/>
+                <a:buNone/>
+                <a:tabLst/>
+                <a:defRPr/>
+              </a:pPr>
+              <a:r>
+                <a:rPr kumimoji="1" lang="en-US" altLang="ja-JP" sz="1400" b="1" i="0" u="none" strike="noStrike" kern="1200" cap="none" spc="0" normalizeH="0" baseline="0" noProof="0" dirty="0">
+                  <a:ln>
+                    <a:noFill/>
+                  </a:ln>
+                  <a:solidFill>
+                    <a:prstClr val="white"/>
+                  </a:solidFill>
+                  <a:effectLst/>
+                  <a:uLnTx/>
+                  <a:uFillTx/>
+                  <a:latin typeface="游ゴシック" panose="020F0502020204030204"/>
+                  <a:ea typeface="メイリオ" panose="020B0604030504040204" pitchFamily="50" charset="-128"/>
+                  <a:cs typeface="+mn-cs"/>
+                </a:rPr>
+                <a:t>3</a:t>
+              </a:r>
+            </a:p>
+          </p:txBody>
+        </p:sp>
+      </p:grpSp>
+      <p:grpSp>
+        <p:nvGrpSpPr>
+          <p:cNvPr id="165" name="グループ化 164">
+            <a:extLst>
+              <a:ext uri="{FF2B5EF4-FFF2-40B4-BE49-F238E27FC236}">
+                <a16:creationId xmlns:a16="http://schemas.microsoft.com/office/drawing/2014/main" id="{8868DF66-334A-4009-A128-182B38E10527}"/>
+              </a:ext>
+            </a:extLst>
+          </p:cNvPr>
+          <p:cNvGrpSpPr/>
+          <p:nvPr/>
+        </p:nvGrpSpPr>
+        <p:grpSpPr>
+          <a:xfrm>
+            <a:off x="3965004" y="7358455"/>
+            <a:ext cx="279421" cy="307777"/>
+            <a:chOff x="2540906" y="1219634"/>
+            <a:chExt cx="279421" cy="307777"/>
+          </a:xfrm>
+        </p:grpSpPr>
+        <p:sp>
+          <p:nvSpPr>
+            <p:cNvPr id="166" name="楕円 165">
+              <a:extLst>
+                <a:ext uri="{FF2B5EF4-FFF2-40B4-BE49-F238E27FC236}">
+                  <a16:creationId xmlns:a16="http://schemas.microsoft.com/office/drawing/2014/main" id="{18DB12C3-A02A-4BB0-B8CB-1EA1E6D4AE49}"/>
+                </a:ext>
+              </a:extLst>
+            </p:cNvPr>
+            <p:cNvSpPr/>
+            <p:nvPr/>
+          </p:nvSpPr>
+          <p:spPr>
+            <a:xfrm>
+              <a:off x="2563617" y="1246863"/>
+              <a:ext cx="234000" cy="234000"/>
+            </a:xfrm>
+            <a:prstGeom prst="ellipse">
+              <a:avLst/>
+            </a:prstGeom>
+            <a:solidFill>
+              <a:schemeClr val="accent2"/>
+            </a:solidFill>
+            <a:ln>
+              <a:noFill/>
+            </a:ln>
+          </p:spPr>
+          <p:style>
+            <a:lnRef idx="2">
+              <a:schemeClr val="accent1">
+                <a:shade val="50000"/>
+              </a:schemeClr>
+            </a:lnRef>
+            <a:fillRef idx="1">
+              <a:schemeClr val="accent1"/>
+            </a:fillRef>
+            <a:effectRef idx="0">
+              <a:schemeClr val="accent1"/>
+            </a:effectRef>
+            <a:fontRef idx="minor">
+              <a:schemeClr val="lt1"/>
+            </a:fontRef>
+          </p:style>
+          <p:txBody>
+            <a:bodyPr rtlCol="0" anchor="ctr"/>
+            <a:lstStyle/>
+            <a:p>
+              <a:pPr marL="0" marR="0" lvl="0" indent="0" algn="ctr" defTabSz="914400" rtl="0" eaLnBrk="1" fontAlgn="base" latinLnBrk="0" hangingPunct="1">
+                <a:lnSpc>
+                  <a:spcPct val="100000"/>
+                </a:lnSpc>
+                <a:spcBef>
+                  <a:spcPct val="0"/>
+                </a:spcBef>
+                <a:spcAft>
+                  <a:spcPct val="0"/>
+                </a:spcAft>
+                <a:buClrTx/>
+                <a:buSzTx/>
+                <a:buFontTx/>
+                <a:buNone/>
+                <a:tabLst/>
+                <a:defRPr/>
+              </a:pPr>
+              <a:endParaRPr kumimoji="1" lang="ja-JP" altLang="en-US" sz="1600" b="0" i="0" u="none" strike="noStrike" kern="1200" cap="none" spc="0" normalizeH="0" baseline="0" noProof="0">
+                <a:ln>
+                  <a:noFill/>
+                </a:ln>
+                <a:solidFill>
+                  <a:prstClr val="white"/>
+                </a:solidFill>
+                <a:effectLst/>
+                <a:uLnTx/>
+                <a:uFillTx/>
+                <a:latin typeface="游ゴシック" panose="020F0502020204030204"/>
+                <a:ea typeface="游ゴシック" panose="020B0400000000000000" pitchFamily="50" charset="-128"/>
+                <a:cs typeface="+mn-cs"/>
+              </a:endParaRPr>
+            </a:p>
+          </p:txBody>
+        </p:sp>
+        <p:sp>
+          <p:nvSpPr>
+            <p:cNvPr id="167" name="テキスト ボックス 166">
+              <a:extLst>
+                <a:ext uri="{FF2B5EF4-FFF2-40B4-BE49-F238E27FC236}">
+                  <a16:creationId xmlns:a16="http://schemas.microsoft.com/office/drawing/2014/main" id="{8A5FC48D-9CDD-400A-8303-065C8CBA6FAA}"/>
+                </a:ext>
+              </a:extLst>
+            </p:cNvPr>
+            <p:cNvSpPr txBox="1"/>
+            <p:nvPr/>
+          </p:nvSpPr>
+          <p:spPr>
+            <a:xfrm>
+              <a:off x="2540906" y="1219634"/>
+              <a:ext cx="279421" cy="307777"/>
+            </a:xfrm>
+            <a:prstGeom prst="rect">
+              <a:avLst/>
+            </a:prstGeom>
+            <a:noFill/>
+          </p:spPr>
+          <p:txBody>
+            <a:bodyPr wrap="square" rtlCol="0">
+              <a:spAutoFit/>
+            </a:bodyPr>
+            <a:lstStyle/>
+            <a:p>
+              <a:pPr marL="0" marR="0" lvl="0" indent="0" algn="ctr" defTabSz="914400" rtl="0" eaLnBrk="1" fontAlgn="base" latinLnBrk="0" hangingPunct="1">
+                <a:lnSpc>
+                  <a:spcPct val="100000"/>
+                </a:lnSpc>
+                <a:spcBef>
+                  <a:spcPct val="0"/>
+                </a:spcBef>
+                <a:spcAft>
+                  <a:spcPct val="0"/>
+                </a:spcAft>
+                <a:buClrTx/>
+                <a:buSzTx/>
+                <a:buFontTx/>
+                <a:buNone/>
+                <a:tabLst/>
+                <a:defRPr/>
+              </a:pPr>
+              <a:r>
+                <a:rPr kumimoji="1" lang="en-US" altLang="ja-JP" sz="1400" b="1" i="0" u="none" strike="noStrike" kern="1200" cap="none" spc="0" normalizeH="0" baseline="0" noProof="0" dirty="0">
+                  <a:ln>
+                    <a:noFill/>
+                  </a:ln>
+                  <a:solidFill>
+                    <a:prstClr val="white"/>
+                  </a:solidFill>
+                  <a:effectLst/>
+                  <a:uLnTx/>
+                  <a:uFillTx/>
+                  <a:latin typeface="游ゴシック" panose="020F0502020204030204"/>
+                  <a:ea typeface="メイリオ" panose="020B0604030504040204" pitchFamily="50" charset="-128"/>
+                  <a:cs typeface="+mn-cs"/>
+                </a:rPr>
+                <a:t>2</a:t>
+              </a:r>
+            </a:p>
+          </p:txBody>
+        </p:sp>
+      </p:grpSp>
+      <p:pic>
+        <p:nvPicPr>
+          <p:cNvPr id="168" name="図 167">
+            <a:extLst>
+              <a:ext uri="{FF2B5EF4-FFF2-40B4-BE49-F238E27FC236}">
+                <a16:creationId xmlns:a16="http://schemas.microsoft.com/office/drawing/2014/main" id="{0F3B3B56-5967-46AD-B327-792D4C8358F8}"/>
+              </a:ext>
+            </a:extLst>
+          </p:cNvPr>
+          <p:cNvPicPr>
+            <a:picLocks noChangeAspect="1"/>
+          </p:cNvPicPr>
+          <p:nvPr/>
+        </p:nvPicPr>
+        <p:blipFill>
+          <a:blip r:embed="rId10">
+            <a:extLst>
+              <a:ext uri="{28A0092B-C50C-407E-A947-70E740481C1C}">
+                <a14:useLocalDpi xmlns:a14="http://schemas.microsoft.com/office/drawing/2010/main" val="0"/>
+              </a:ext>
+            </a:extLst>
+          </a:blip>
+          <a:stretch>
+            <a:fillRect/>
+          </a:stretch>
+        </p:blipFill>
+        <p:spPr>
+          <a:xfrm>
+            <a:off x="143801" y="5701864"/>
+            <a:ext cx="3323268" cy="3645821"/>
+          </a:xfrm>
+          <a:prstGeom prst="rect">
+            <a:avLst/>
+          </a:prstGeom>
+        </p:spPr>
+      </p:pic>
+      <p:grpSp>
+        <p:nvGrpSpPr>
+          <p:cNvPr id="169" name="グループ化 168">
+            <a:extLst>
+              <a:ext uri="{FF2B5EF4-FFF2-40B4-BE49-F238E27FC236}">
+                <a16:creationId xmlns:a16="http://schemas.microsoft.com/office/drawing/2014/main" id="{259151F7-8CD9-45D4-801E-BC6B754E8D58}"/>
+              </a:ext>
+            </a:extLst>
+          </p:cNvPr>
+          <p:cNvGrpSpPr/>
+          <p:nvPr/>
+        </p:nvGrpSpPr>
+        <p:grpSpPr>
+          <a:xfrm>
+            <a:off x="1216224" y="6480596"/>
+            <a:ext cx="279421" cy="307777"/>
+            <a:chOff x="2540906" y="1219634"/>
+            <a:chExt cx="279421" cy="307777"/>
+          </a:xfrm>
+        </p:grpSpPr>
+        <p:sp>
+          <p:nvSpPr>
+            <p:cNvPr id="170" name="楕円 169">
+              <a:extLst>
+                <a:ext uri="{FF2B5EF4-FFF2-40B4-BE49-F238E27FC236}">
+                  <a16:creationId xmlns:a16="http://schemas.microsoft.com/office/drawing/2014/main" id="{9C3EDB82-9EDC-44BE-AAAC-5DE42942031E}"/>
+                </a:ext>
+              </a:extLst>
+            </p:cNvPr>
+            <p:cNvSpPr/>
+            <p:nvPr/>
+          </p:nvSpPr>
+          <p:spPr>
+            <a:xfrm>
+              <a:off x="2563617" y="1246863"/>
+              <a:ext cx="234000" cy="234000"/>
+            </a:xfrm>
+            <a:prstGeom prst="ellipse">
+              <a:avLst/>
+            </a:prstGeom>
+            <a:solidFill>
+              <a:schemeClr val="accent2"/>
+            </a:solidFill>
+            <a:ln>
+              <a:noFill/>
+            </a:ln>
+          </p:spPr>
+          <p:style>
+            <a:lnRef idx="2">
+              <a:schemeClr val="accent1">
+                <a:shade val="50000"/>
+              </a:schemeClr>
+            </a:lnRef>
+            <a:fillRef idx="1">
+              <a:schemeClr val="accent1"/>
+            </a:fillRef>
+            <a:effectRef idx="0">
+              <a:schemeClr val="accent1"/>
+            </a:effectRef>
+            <a:fontRef idx="minor">
+              <a:schemeClr val="lt1"/>
+            </a:fontRef>
+          </p:style>
+          <p:txBody>
+            <a:bodyPr rtlCol="0" anchor="ctr"/>
+            <a:lstStyle/>
+            <a:p>
+              <a:pPr marL="0" marR="0" lvl="0" indent="0" algn="ctr" defTabSz="914400" rtl="0" eaLnBrk="1" fontAlgn="base" latinLnBrk="0" hangingPunct="1">
+                <a:lnSpc>
+                  <a:spcPct val="100000"/>
+                </a:lnSpc>
+                <a:spcBef>
+                  <a:spcPct val="0"/>
+                </a:spcBef>
+                <a:spcAft>
+                  <a:spcPct val="0"/>
+                </a:spcAft>
+                <a:buClrTx/>
+                <a:buSzTx/>
+                <a:buFontTx/>
+                <a:buNone/>
+                <a:tabLst/>
+                <a:defRPr/>
+              </a:pPr>
+              <a:endParaRPr kumimoji="1" lang="ja-JP" altLang="en-US" sz="1600" b="0" i="0" u="none" strike="noStrike" kern="1200" cap="none" spc="0" normalizeH="0" baseline="0" noProof="0">
+                <a:ln>
+                  <a:noFill/>
+                </a:ln>
+                <a:solidFill>
+                  <a:prstClr val="white"/>
+                </a:solidFill>
+                <a:effectLst/>
+                <a:uLnTx/>
+                <a:uFillTx/>
+                <a:latin typeface="游ゴシック" panose="020F0502020204030204"/>
+                <a:ea typeface="游ゴシック" panose="020B0400000000000000" pitchFamily="50" charset="-128"/>
+                <a:cs typeface="+mn-cs"/>
+              </a:endParaRPr>
+            </a:p>
+          </p:txBody>
+        </p:sp>
+        <p:sp>
+          <p:nvSpPr>
+            <p:cNvPr id="171" name="テキスト ボックス 170">
+              <a:extLst>
+                <a:ext uri="{FF2B5EF4-FFF2-40B4-BE49-F238E27FC236}">
+                  <a16:creationId xmlns:a16="http://schemas.microsoft.com/office/drawing/2014/main" id="{843CBAC0-9CED-4D63-ADCE-C77536FC20E7}"/>
+                </a:ext>
+              </a:extLst>
+            </p:cNvPr>
+            <p:cNvSpPr txBox="1"/>
+            <p:nvPr/>
+          </p:nvSpPr>
+          <p:spPr>
+            <a:xfrm>
+              <a:off x="2540906" y="1219634"/>
+              <a:ext cx="279421" cy="307777"/>
+            </a:xfrm>
+            <a:prstGeom prst="rect">
+              <a:avLst/>
+            </a:prstGeom>
+            <a:noFill/>
+          </p:spPr>
+          <p:txBody>
+            <a:bodyPr wrap="square" rtlCol="0">
+              <a:spAutoFit/>
+            </a:bodyPr>
+            <a:lstStyle/>
+            <a:p>
+              <a:pPr marL="0" marR="0" lvl="0" indent="0" algn="ctr" defTabSz="914400" rtl="0" eaLnBrk="1" fontAlgn="base" latinLnBrk="0" hangingPunct="1">
+                <a:lnSpc>
+                  <a:spcPct val="100000"/>
+                </a:lnSpc>
+                <a:spcBef>
+                  <a:spcPct val="0"/>
+                </a:spcBef>
+                <a:spcAft>
+                  <a:spcPct val="0"/>
+                </a:spcAft>
+                <a:buClrTx/>
+                <a:buSzTx/>
+                <a:buFontTx/>
+                <a:buNone/>
+                <a:tabLst/>
+                <a:defRPr/>
+              </a:pPr>
+              <a:r>
+                <a:rPr kumimoji="1" lang="en-US" altLang="ja-JP" sz="1400" b="1" i="0" u="none" strike="noStrike" kern="1200" cap="none" spc="0" normalizeH="0" baseline="0" noProof="0" dirty="0">
+                  <a:ln>
+                    <a:noFill/>
+                  </a:ln>
+                  <a:solidFill>
+                    <a:prstClr val="white"/>
+                  </a:solidFill>
+                  <a:effectLst/>
+                  <a:uLnTx/>
+                  <a:uFillTx/>
+                  <a:latin typeface="游ゴシック" panose="020F0502020204030204"/>
+                  <a:ea typeface="メイリオ" panose="020B0604030504040204" pitchFamily="50" charset="-128"/>
+                  <a:cs typeface="+mn-cs"/>
+                </a:rPr>
+                <a:t>1</a:t>
+              </a:r>
+            </a:p>
+          </p:txBody>
+        </p:sp>
+      </p:grpSp>
+      <p:grpSp>
+        <p:nvGrpSpPr>
+          <p:cNvPr id="172" name="グループ化 171">
+            <a:extLst>
+              <a:ext uri="{FF2B5EF4-FFF2-40B4-BE49-F238E27FC236}">
+                <a16:creationId xmlns:a16="http://schemas.microsoft.com/office/drawing/2014/main" id="{55015CBC-F958-4F79-BCF5-47DF252FBBE7}"/>
+              </a:ext>
+            </a:extLst>
+          </p:cNvPr>
+          <p:cNvGrpSpPr/>
+          <p:nvPr/>
+        </p:nvGrpSpPr>
+        <p:grpSpPr>
+          <a:xfrm>
+            <a:off x="2164240" y="7014967"/>
+            <a:ext cx="279421" cy="307777"/>
+            <a:chOff x="2540906" y="1219634"/>
+            <a:chExt cx="279421" cy="307777"/>
+          </a:xfrm>
+        </p:grpSpPr>
+        <p:sp>
+          <p:nvSpPr>
+            <p:cNvPr id="173" name="楕円 172">
+              <a:extLst>
+                <a:ext uri="{FF2B5EF4-FFF2-40B4-BE49-F238E27FC236}">
+                  <a16:creationId xmlns:a16="http://schemas.microsoft.com/office/drawing/2014/main" id="{70DCC0AE-1964-45DE-990D-813F3FF3C164}"/>
+                </a:ext>
+              </a:extLst>
+            </p:cNvPr>
+            <p:cNvSpPr/>
+            <p:nvPr/>
+          </p:nvSpPr>
+          <p:spPr>
+            <a:xfrm>
+              <a:off x="2563617" y="1246863"/>
+              <a:ext cx="234000" cy="234000"/>
+            </a:xfrm>
+            <a:prstGeom prst="ellipse">
+              <a:avLst/>
+            </a:prstGeom>
+            <a:solidFill>
+              <a:schemeClr val="accent2"/>
+            </a:solidFill>
+            <a:ln>
+              <a:noFill/>
+            </a:ln>
+          </p:spPr>
+          <p:style>
+            <a:lnRef idx="2">
+              <a:schemeClr val="accent1">
+                <a:shade val="50000"/>
+              </a:schemeClr>
+            </a:lnRef>
+            <a:fillRef idx="1">
+              <a:schemeClr val="accent1"/>
+            </a:fillRef>
+            <a:effectRef idx="0">
+              <a:schemeClr val="accent1"/>
+            </a:effectRef>
+            <a:fontRef idx="minor">
+              <a:schemeClr val="lt1"/>
+            </a:fontRef>
+          </p:style>
+          <p:txBody>
+            <a:bodyPr rtlCol="0" anchor="ctr"/>
+            <a:lstStyle/>
+            <a:p>
+              <a:pPr marL="0" marR="0" lvl="0" indent="0" algn="ctr" defTabSz="914400" rtl="0" eaLnBrk="1" fontAlgn="base" latinLnBrk="0" hangingPunct="1">
+                <a:lnSpc>
+                  <a:spcPct val="100000"/>
+                </a:lnSpc>
+                <a:spcBef>
+                  <a:spcPct val="0"/>
+                </a:spcBef>
+                <a:spcAft>
+                  <a:spcPct val="0"/>
+                </a:spcAft>
+                <a:buClrTx/>
+                <a:buSzTx/>
+                <a:buFontTx/>
+                <a:buNone/>
+                <a:tabLst/>
+                <a:defRPr/>
+              </a:pPr>
+              <a:endParaRPr kumimoji="1" lang="ja-JP" altLang="en-US" sz="1600" b="0" i="0" u="none" strike="noStrike" kern="1200" cap="none" spc="0" normalizeH="0" baseline="0" noProof="0">
+                <a:ln>
+                  <a:noFill/>
+                </a:ln>
+                <a:solidFill>
+                  <a:prstClr val="white"/>
+                </a:solidFill>
+                <a:effectLst/>
+                <a:uLnTx/>
+                <a:uFillTx/>
+                <a:latin typeface="游ゴシック" panose="020F0502020204030204"/>
+                <a:ea typeface="游ゴシック" panose="020B0400000000000000" pitchFamily="50" charset="-128"/>
+                <a:cs typeface="+mn-cs"/>
+              </a:endParaRPr>
+            </a:p>
+          </p:txBody>
+        </p:sp>
+        <p:sp>
+          <p:nvSpPr>
+            <p:cNvPr id="174" name="テキスト ボックス 173">
+              <a:extLst>
+                <a:ext uri="{FF2B5EF4-FFF2-40B4-BE49-F238E27FC236}">
+                  <a16:creationId xmlns:a16="http://schemas.microsoft.com/office/drawing/2014/main" id="{8692ED1B-5ECB-4552-B1C0-D9F1B26075DD}"/>
+                </a:ext>
+              </a:extLst>
+            </p:cNvPr>
+            <p:cNvSpPr txBox="1"/>
+            <p:nvPr/>
+          </p:nvSpPr>
+          <p:spPr>
+            <a:xfrm>
+              <a:off x="2540906" y="1219634"/>
+              <a:ext cx="279421" cy="307777"/>
+            </a:xfrm>
+            <a:prstGeom prst="rect">
+              <a:avLst/>
+            </a:prstGeom>
+            <a:noFill/>
+          </p:spPr>
+          <p:txBody>
+            <a:bodyPr wrap="square" rtlCol="0">
+              <a:spAutoFit/>
+            </a:bodyPr>
+            <a:lstStyle/>
+            <a:p>
+              <a:pPr marL="0" marR="0" lvl="0" indent="0" algn="ctr" defTabSz="914400" rtl="0" eaLnBrk="1" fontAlgn="base" latinLnBrk="0" hangingPunct="1">
+                <a:lnSpc>
+                  <a:spcPct val="100000"/>
+                </a:lnSpc>
+                <a:spcBef>
+                  <a:spcPct val="0"/>
+                </a:spcBef>
+                <a:spcAft>
+                  <a:spcPct val="0"/>
+                </a:spcAft>
+                <a:buClrTx/>
+                <a:buSzTx/>
+                <a:buFontTx/>
+                <a:buNone/>
+                <a:tabLst/>
+                <a:defRPr/>
+              </a:pPr>
+              <a:r>
+                <a:rPr kumimoji="1" lang="en-US" altLang="ja-JP" sz="1400" b="1" i="0" u="none" strike="noStrike" kern="1200" cap="none" spc="0" normalizeH="0" baseline="0" noProof="0" dirty="0">
+                  <a:ln>
+                    <a:noFill/>
+                  </a:ln>
+                  <a:solidFill>
+                    <a:prstClr val="white"/>
+                  </a:solidFill>
+                  <a:effectLst/>
+                  <a:uLnTx/>
+                  <a:uFillTx/>
+                  <a:latin typeface="游ゴシック" panose="020F0502020204030204"/>
+                  <a:ea typeface="メイリオ" panose="020B0604030504040204" pitchFamily="50" charset="-128"/>
+                  <a:cs typeface="+mn-cs"/>
+                </a:rPr>
+                <a:t>2</a:t>
+              </a:r>
+            </a:p>
+          </p:txBody>
+        </p:sp>
+      </p:grpSp>
+      <p:grpSp>
+        <p:nvGrpSpPr>
+          <p:cNvPr id="175" name="グループ化 174">
+            <a:extLst>
+              <a:ext uri="{FF2B5EF4-FFF2-40B4-BE49-F238E27FC236}">
+                <a16:creationId xmlns:a16="http://schemas.microsoft.com/office/drawing/2014/main" id="{5E4D8BDF-E1D7-4D35-8C31-5A9A7862DA5C}"/>
+              </a:ext>
+            </a:extLst>
+          </p:cNvPr>
+          <p:cNvGrpSpPr/>
+          <p:nvPr/>
+        </p:nvGrpSpPr>
+        <p:grpSpPr>
+          <a:xfrm>
+            <a:off x="2162141" y="7508215"/>
+            <a:ext cx="279421" cy="307777"/>
+            <a:chOff x="2540906" y="1219634"/>
+            <a:chExt cx="279421" cy="307777"/>
+          </a:xfrm>
+        </p:grpSpPr>
+        <p:sp>
+          <p:nvSpPr>
+            <p:cNvPr id="176" name="楕円 175">
+              <a:extLst>
+                <a:ext uri="{FF2B5EF4-FFF2-40B4-BE49-F238E27FC236}">
+                  <a16:creationId xmlns:a16="http://schemas.microsoft.com/office/drawing/2014/main" id="{3A1936B7-F646-4C5D-A1E2-7C7EED7D8535}"/>
+                </a:ext>
+              </a:extLst>
+            </p:cNvPr>
+            <p:cNvSpPr/>
+            <p:nvPr/>
+          </p:nvSpPr>
+          <p:spPr>
+            <a:xfrm>
+              <a:off x="2563617" y="1246863"/>
+              <a:ext cx="234000" cy="234000"/>
+            </a:xfrm>
+            <a:prstGeom prst="ellipse">
+              <a:avLst/>
+            </a:prstGeom>
+            <a:solidFill>
+              <a:schemeClr val="accent2"/>
+            </a:solidFill>
+            <a:ln>
+              <a:noFill/>
+            </a:ln>
+          </p:spPr>
+          <p:style>
+            <a:lnRef idx="2">
+              <a:schemeClr val="accent1">
+                <a:shade val="50000"/>
+              </a:schemeClr>
+            </a:lnRef>
+            <a:fillRef idx="1">
+              <a:schemeClr val="accent1"/>
+            </a:fillRef>
+            <a:effectRef idx="0">
+              <a:schemeClr val="accent1"/>
+            </a:effectRef>
+            <a:fontRef idx="minor">
+              <a:schemeClr val="lt1"/>
+            </a:fontRef>
+          </p:style>
+          <p:txBody>
+            <a:bodyPr rtlCol="0" anchor="ctr"/>
+            <a:lstStyle/>
+            <a:p>
+              <a:pPr marL="0" marR="0" lvl="0" indent="0" algn="ctr" defTabSz="914400" rtl="0" eaLnBrk="1" fontAlgn="base" latinLnBrk="0" hangingPunct="1">
+                <a:lnSpc>
+                  <a:spcPct val="100000"/>
+                </a:lnSpc>
+                <a:spcBef>
+                  <a:spcPct val="0"/>
+                </a:spcBef>
+                <a:spcAft>
+                  <a:spcPct val="0"/>
+                </a:spcAft>
+                <a:buClrTx/>
+                <a:buSzTx/>
+                <a:buFontTx/>
+                <a:buNone/>
+                <a:tabLst/>
+                <a:defRPr/>
+              </a:pPr>
+              <a:endParaRPr kumimoji="1" lang="ja-JP" altLang="en-US" sz="1600" b="0" i="0" u="none" strike="noStrike" kern="1200" cap="none" spc="0" normalizeH="0" baseline="0" noProof="0">
+                <a:ln>
+                  <a:noFill/>
+                </a:ln>
+                <a:solidFill>
+                  <a:prstClr val="white"/>
+                </a:solidFill>
+                <a:effectLst/>
+                <a:uLnTx/>
+                <a:uFillTx/>
+                <a:latin typeface="游ゴシック" panose="020F0502020204030204"/>
+                <a:ea typeface="游ゴシック" panose="020B0400000000000000" pitchFamily="50" charset="-128"/>
+                <a:cs typeface="+mn-cs"/>
+              </a:endParaRPr>
+            </a:p>
+          </p:txBody>
+        </p:sp>
+        <p:sp>
+          <p:nvSpPr>
+            <p:cNvPr id="177" name="テキスト ボックス 176">
+              <a:extLst>
+                <a:ext uri="{FF2B5EF4-FFF2-40B4-BE49-F238E27FC236}">
+                  <a16:creationId xmlns:a16="http://schemas.microsoft.com/office/drawing/2014/main" id="{24B58DDE-2AF3-4ACD-81FB-3E237020FFFC}"/>
+                </a:ext>
+              </a:extLst>
+            </p:cNvPr>
+            <p:cNvSpPr txBox="1"/>
+            <p:nvPr/>
+          </p:nvSpPr>
+          <p:spPr>
+            <a:xfrm>
+              <a:off x="2540906" y="1219634"/>
+              <a:ext cx="279421" cy="307777"/>
+            </a:xfrm>
+            <a:prstGeom prst="rect">
+              <a:avLst/>
+            </a:prstGeom>
+            <a:noFill/>
+          </p:spPr>
+          <p:txBody>
+            <a:bodyPr wrap="square" rtlCol="0">
+              <a:spAutoFit/>
+            </a:bodyPr>
+            <a:lstStyle/>
+            <a:p>
+              <a:pPr marL="0" marR="0" lvl="0" indent="0" algn="ctr" defTabSz="914400" rtl="0" eaLnBrk="1" fontAlgn="base" latinLnBrk="0" hangingPunct="1">
+                <a:lnSpc>
+                  <a:spcPct val="100000"/>
+                </a:lnSpc>
+                <a:spcBef>
+                  <a:spcPct val="0"/>
+                </a:spcBef>
+                <a:spcAft>
+                  <a:spcPct val="0"/>
+                </a:spcAft>
+                <a:buClrTx/>
+                <a:buSzTx/>
+                <a:buFontTx/>
+                <a:buNone/>
+                <a:tabLst/>
+                <a:defRPr/>
+              </a:pPr>
+              <a:r>
+                <a:rPr kumimoji="1" lang="en-US" altLang="ja-JP" sz="1400" b="1" i="0" u="none" strike="noStrike" kern="1200" cap="none" spc="0" normalizeH="0" baseline="0" noProof="0" dirty="0">
+                  <a:ln>
+                    <a:noFill/>
+                  </a:ln>
+                  <a:solidFill>
+                    <a:prstClr val="white"/>
+                  </a:solidFill>
+                  <a:effectLst/>
+                  <a:uLnTx/>
+                  <a:uFillTx/>
+                  <a:latin typeface="游ゴシック" panose="020F0502020204030204"/>
+                  <a:ea typeface="メイリオ" panose="020B0604030504040204" pitchFamily="50" charset="-128"/>
+                  <a:cs typeface="+mn-cs"/>
+                </a:rPr>
+                <a:t>3</a:t>
+              </a:r>
+            </a:p>
+          </p:txBody>
+        </p:sp>
+      </p:grpSp>
+      <p:grpSp>
+        <p:nvGrpSpPr>
+          <p:cNvPr id="178" name="グループ化 177">
+            <a:extLst>
+              <a:ext uri="{FF2B5EF4-FFF2-40B4-BE49-F238E27FC236}">
+                <a16:creationId xmlns:a16="http://schemas.microsoft.com/office/drawing/2014/main" id="{1C298519-9F75-423A-B3A0-CE17D0B6FF8F}"/>
+              </a:ext>
+            </a:extLst>
+          </p:cNvPr>
+          <p:cNvGrpSpPr/>
+          <p:nvPr/>
+        </p:nvGrpSpPr>
+        <p:grpSpPr>
+          <a:xfrm>
+            <a:off x="2162141" y="8013731"/>
+            <a:ext cx="279421" cy="307777"/>
+            <a:chOff x="2540906" y="1219634"/>
+            <a:chExt cx="279421" cy="307777"/>
+          </a:xfrm>
+        </p:grpSpPr>
+        <p:sp>
+          <p:nvSpPr>
+            <p:cNvPr id="179" name="楕円 178">
+              <a:extLst>
+                <a:ext uri="{FF2B5EF4-FFF2-40B4-BE49-F238E27FC236}">
+                  <a16:creationId xmlns:a16="http://schemas.microsoft.com/office/drawing/2014/main" id="{152E6900-D631-4D34-96EA-70DE8577D247}"/>
+                </a:ext>
+              </a:extLst>
+            </p:cNvPr>
+            <p:cNvSpPr/>
+            <p:nvPr/>
+          </p:nvSpPr>
+          <p:spPr>
+            <a:xfrm>
+              <a:off x="2563617" y="1246863"/>
+              <a:ext cx="234000" cy="234000"/>
+            </a:xfrm>
+            <a:prstGeom prst="ellipse">
+              <a:avLst/>
+            </a:prstGeom>
+            <a:solidFill>
+              <a:schemeClr val="accent2"/>
+            </a:solidFill>
+            <a:ln>
+              <a:noFill/>
+            </a:ln>
+          </p:spPr>
+          <p:style>
+            <a:lnRef idx="2">
+              <a:schemeClr val="accent1">
+                <a:shade val="50000"/>
+              </a:schemeClr>
+            </a:lnRef>
+            <a:fillRef idx="1">
+              <a:schemeClr val="accent1"/>
+            </a:fillRef>
+            <a:effectRef idx="0">
+              <a:schemeClr val="accent1"/>
+            </a:effectRef>
+            <a:fontRef idx="minor">
+              <a:schemeClr val="lt1"/>
+            </a:fontRef>
+          </p:style>
+          <p:txBody>
+            <a:bodyPr rtlCol="0" anchor="ctr"/>
+            <a:lstStyle/>
+            <a:p>
+              <a:pPr marL="0" marR="0" lvl="0" indent="0" algn="ctr" defTabSz="914400" rtl="0" eaLnBrk="1" fontAlgn="base" latinLnBrk="0" hangingPunct="1">
+                <a:lnSpc>
+                  <a:spcPct val="100000"/>
+                </a:lnSpc>
+                <a:spcBef>
+                  <a:spcPct val="0"/>
+                </a:spcBef>
+                <a:spcAft>
+                  <a:spcPct val="0"/>
+                </a:spcAft>
+                <a:buClrTx/>
+                <a:buSzTx/>
+                <a:buFontTx/>
+                <a:buNone/>
+                <a:tabLst/>
+                <a:defRPr/>
+              </a:pPr>
+              <a:endParaRPr kumimoji="1" lang="ja-JP" altLang="en-US" sz="1600" b="0" i="0" u="none" strike="noStrike" kern="1200" cap="none" spc="0" normalizeH="0" baseline="0" noProof="0">
+                <a:ln>
+                  <a:noFill/>
+                </a:ln>
+                <a:solidFill>
+                  <a:prstClr val="white"/>
+                </a:solidFill>
+                <a:effectLst/>
+                <a:uLnTx/>
+                <a:uFillTx/>
+                <a:latin typeface="游ゴシック" panose="020F0502020204030204"/>
+                <a:ea typeface="游ゴシック" panose="020B0400000000000000" pitchFamily="50" charset="-128"/>
+                <a:cs typeface="+mn-cs"/>
+              </a:endParaRPr>
+            </a:p>
+          </p:txBody>
+        </p:sp>
+        <p:sp>
+          <p:nvSpPr>
+            <p:cNvPr id="180" name="テキスト ボックス 179">
+              <a:extLst>
+                <a:ext uri="{FF2B5EF4-FFF2-40B4-BE49-F238E27FC236}">
+                  <a16:creationId xmlns:a16="http://schemas.microsoft.com/office/drawing/2014/main" id="{12C9764A-B6A8-41F8-86A3-E7051115373C}"/>
+                </a:ext>
+              </a:extLst>
+            </p:cNvPr>
+            <p:cNvSpPr txBox="1"/>
+            <p:nvPr/>
+          </p:nvSpPr>
+          <p:spPr>
+            <a:xfrm>
+              <a:off x="2540906" y="1219634"/>
+              <a:ext cx="279421" cy="307777"/>
+            </a:xfrm>
+            <a:prstGeom prst="rect">
+              <a:avLst/>
+            </a:prstGeom>
+            <a:noFill/>
+          </p:spPr>
+          <p:txBody>
+            <a:bodyPr wrap="square" rtlCol="0">
+              <a:spAutoFit/>
+            </a:bodyPr>
+            <a:lstStyle/>
+            <a:p>
+              <a:pPr marL="0" marR="0" lvl="0" indent="0" algn="ctr" defTabSz="914400" rtl="0" eaLnBrk="1" fontAlgn="base" latinLnBrk="0" hangingPunct="1">
+                <a:lnSpc>
+                  <a:spcPct val="100000"/>
+                </a:lnSpc>
+                <a:spcBef>
+                  <a:spcPct val="0"/>
+                </a:spcBef>
+                <a:spcAft>
+                  <a:spcPct val="0"/>
+                </a:spcAft>
+                <a:buClrTx/>
+                <a:buSzTx/>
+                <a:buFontTx/>
+                <a:buNone/>
+                <a:tabLst/>
+                <a:defRPr/>
+              </a:pPr>
+              <a:r>
+                <a:rPr kumimoji="1" lang="en-US" altLang="ja-JP" sz="1400" b="1" i="0" u="none" strike="noStrike" kern="1200" cap="none" spc="0" normalizeH="0" baseline="0" noProof="0" dirty="0">
+                  <a:ln>
+                    <a:noFill/>
+                  </a:ln>
+                  <a:solidFill>
+                    <a:prstClr val="white"/>
+                  </a:solidFill>
+                  <a:effectLst/>
+                  <a:uLnTx/>
+                  <a:uFillTx/>
+                  <a:latin typeface="游ゴシック" panose="020F0502020204030204"/>
+                  <a:ea typeface="メイリオ" panose="020B0604030504040204" pitchFamily="50" charset="-128"/>
+                  <a:cs typeface="+mn-cs"/>
+                </a:rPr>
+                <a:t>4</a:t>
+              </a:r>
+            </a:p>
+          </p:txBody>
+        </p:sp>
+      </p:grpSp>
+      <p:grpSp>
+        <p:nvGrpSpPr>
+          <p:cNvPr id="181" name="グループ化 180">
+            <a:extLst>
+              <a:ext uri="{FF2B5EF4-FFF2-40B4-BE49-F238E27FC236}">
+                <a16:creationId xmlns:a16="http://schemas.microsoft.com/office/drawing/2014/main" id="{655CCC69-A7C7-4D45-9BB0-7C2D258F8676}"/>
+              </a:ext>
+            </a:extLst>
+          </p:cNvPr>
+          <p:cNvGrpSpPr/>
+          <p:nvPr/>
+        </p:nvGrpSpPr>
+        <p:grpSpPr>
+          <a:xfrm>
+            <a:off x="2162141" y="8513979"/>
+            <a:ext cx="279421" cy="307777"/>
+            <a:chOff x="2540906" y="1219634"/>
+            <a:chExt cx="279421" cy="307777"/>
+          </a:xfrm>
+        </p:grpSpPr>
+        <p:sp>
+          <p:nvSpPr>
+            <p:cNvPr id="182" name="楕円 181">
+              <a:extLst>
+                <a:ext uri="{FF2B5EF4-FFF2-40B4-BE49-F238E27FC236}">
+                  <a16:creationId xmlns:a16="http://schemas.microsoft.com/office/drawing/2014/main" id="{DC3AAD65-A937-4A37-863A-02D1F648DE26}"/>
+                </a:ext>
+              </a:extLst>
+            </p:cNvPr>
+            <p:cNvSpPr/>
+            <p:nvPr/>
+          </p:nvSpPr>
+          <p:spPr>
+            <a:xfrm>
+              <a:off x="2563617" y="1246863"/>
+              <a:ext cx="234000" cy="234000"/>
+            </a:xfrm>
+            <a:prstGeom prst="ellipse">
+              <a:avLst/>
+            </a:prstGeom>
+            <a:solidFill>
+              <a:schemeClr val="accent2"/>
+            </a:solidFill>
+            <a:ln>
+              <a:noFill/>
+            </a:ln>
+          </p:spPr>
+          <p:style>
+            <a:lnRef idx="2">
+              <a:schemeClr val="accent1">
+                <a:shade val="50000"/>
+              </a:schemeClr>
+            </a:lnRef>
+            <a:fillRef idx="1">
+              <a:schemeClr val="accent1"/>
+            </a:fillRef>
+            <a:effectRef idx="0">
+              <a:schemeClr val="accent1"/>
+            </a:effectRef>
+            <a:fontRef idx="minor">
+              <a:schemeClr val="lt1"/>
+            </a:fontRef>
+          </p:style>
+          <p:txBody>
+            <a:bodyPr rtlCol="0" anchor="ctr"/>
+            <a:lstStyle/>
+            <a:p>
+              <a:pPr marL="0" marR="0" lvl="0" indent="0" algn="ctr" defTabSz="914400" rtl="0" eaLnBrk="1" fontAlgn="base" latinLnBrk="0" hangingPunct="1">
+                <a:lnSpc>
+                  <a:spcPct val="100000"/>
+                </a:lnSpc>
+                <a:spcBef>
+                  <a:spcPct val="0"/>
+                </a:spcBef>
+                <a:spcAft>
+                  <a:spcPct val="0"/>
+                </a:spcAft>
+                <a:buClrTx/>
+                <a:buSzTx/>
+                <a:buFontTx/>
+                <a:buNone/>
+                <a:tabLst/>
+                <a:defRPr/>
+              </a:pPr>
+              <a:endParaRPr kumimoji="1" lang="ja-JP" altLang="en-US" sz="1600" b="0" i="0" u="none" strike="noStrike" kern="1200" cap="none" spc="0" normalizeH="0" baseline="0" noProof="0">
+                <a:ln>
+                  <a:noFill/>
+                </a:ln>
+                <a:solidFill>
+                  <a:prstClr val="white"/>
+                </a:solidFill>
+                <a:effectLst/>
+                <a:uLnTx/>
+                <a:uFillTx/>
+                <a:latin typeface="游ゴシック" panose="020F0502020204030204"/>
+                <a:ea typeface="游ゴシック" panose="020B0400000000000000" pitchFamily="50" charset="-128"/>
+                <a:cs typeface="+mn-cs"/>
+              </a:endParaRPr>
+            </a:p>
+          </p:txBody>
+        </p:sp>
+        <p:sp>
+          <p:nvSpPr>
+            <p:cNvPr id="183" name="テキスト ボックス 182">
+              <a:extLst>
+                <a:ext uri="{FF2B5EF4-FFF2-40B4-BE49-F238E27FC236}">
+                  <a16:creationId xmlns:a16="http://schemas.microsoft.com/office/drawing/2014/main" id="{199C67B7-19B1-4050-8E2F-7B80C04805E6}"/>
+                </a:ext>
+              </a:extLst>
+            </p:cNvPr>
+            <p:cNvSpPr txBox="1"/>
+            <p:nvPr/>
+          </p:nvSpPr>
+          <p:spPr>
+            <a:xfrm>
+              <a:off x="2540906" y="1219634"/>
+              <a:ext cx="279421" cy="307777"/>
+            </a:xfrm>
+            <a:prstGeom prst="rect">
+              <a:avLst/>
+            </a:prstGeom>
+            <a:noFill/>
+          </p:spPr>
+          <p:txBody>
+            <a:bodyPr wrap="square" rtlCol="0">
+              <a:spAutoFit/>
+            </a:bodyPr>
+            <a:lstStyle/>
+            <a:p>
+              <a:pPr marL="0" marR="0" lvl="0" indent="0" algn="ctr" defTabSz="914400" rtl="0" eaLnBrk="1" fontAlgn="base" latinLnBrk="0" hangingPunct="1">
+                <a:lnSpc>
+                  <a:spcPct val="100000"/>
+                </a:lnSpc>
+                <a:spcBef>
+                  <a:spcPct val="0"/>
+                </a:spcBef>
+                <a:spcAft>
+                  <a:spcPct val="0"/>
+                </a:spcAft>
+                <a:buClrTx/>
+                <a:buSzTx/>
+                <a:buFontTx/>
+                <a:buNone/>
+                <a:tabLst/>
+                <a:defRPr/>
+              </a:pPr>
+              <a:r>
+                <a:rPr kumimoji="1" lang="en-US" altLang="ja-JP" sz="1400" b="1" i="0" u="none" strike="noStrike" kern="1200" cap="none" spc="0" normalizeH="0" baseline="0" noProof="0" dirty="0">
+                  <a:ln>
+                    <a:noFill/>
+                  </a:ln>
+                  <a:solidFill>
+                    <a:prstClr val="white"/>
+                  </a:solidFill>
+                  <a:effectLst/>
+                  <a:uLnTx/>
+                  <a:uFillTx/>
+                  <a:latin typeface="游ゴシック" panose="020F0502020204030204"/>
+                  <a:ea typeface="メイリオ" panose="020B0604030504040204" pitchFamily="50" charset="-128"/>
+                  <a:cs typeface="+mn-cs"/>
+                </a:rPr>
+                <a:t>5</a:t>
+              </a:r>
+            </a:p>
+          </p:txBody>
+        </p:sp>
+      </p:grpSp>
+      <p:pic>
+        <p:nvPicPr>
+          <p:cNvPr id="4" name="図 3">
+            <a:extLst>
+              <a:ext uri="{FF2B5EF4-FFF2-40B4-BE49-F238E27FC236}">
+                <a16:creationId xmlns:a16="http://schemas.microsoft.com/office/drawing/2014/main" id="{FF259A7B-3FD1-4EA9-9B91-3188A4855FAC}"/>
+              </a:ext>
+            </a:extLst>
+          </p:cNvPr>
+          <p:cNvPicPr>
+            <a:picLocks noChangeAspect="1"/>
+          </p:cNvPicPr>
+          <p:nvPr/>
+        </p:nvPicPr>
+        <p:blipFill>
+          <a:blip r:embed="rId11">
+            <a:extLst>
+              <a:ext uri="{28A0092B-C50C-407E-A947-70E740481C1C}">
+                <a14:useLocalDpi xmlns:a14="http://schemas.microsoft.com/office/drawing/2010/main" val="0"/>
+              </a:ext>
+            </a:extLst>
+          </a:blip>
+          <a:stretch>
+            <a:fillRect/>
+          </a:stretch>
+        </p:blipFill>
+        <p:spPr>
+          <a:xfrm>
+            <a:off x="238191" y="1455254"/>
+            <a:ext cx="2438333" cy="3450290"/>
+          </a:xfrm>
+          <a:prstGeom prst="rect">
+            <a:avLst/>
+          </a:prstGeom>
+        </p:spPr>
+      </p:pic>
+      <p:cxnSp>
+        <p:nvCxnSpPr>
+          <p:cNvPr id="98" name="直線コネクタ 97">
+            <a:extLst>
+              <a:ext uri="{FF2B5EF4-FFF2-40B4-BE49-F238E27FC236}">
+                <a16:creationId xmlns:a16="http://schemas.microsoft.com/office/drawing/2014/main" id="{084D28CE-8DC2-43C6-AEE0-41BB249CB4B5}"/>
+              </a:ext>
+            </a:extLst>
+          </p:cNvPr>
+          <p:cNvCxnSpPr>
+            <a:cxnSpLocks/>
+          </p:cNvCxnSpPr>
+          <p:nvPr/>
+        </p:nvCxnSpPr>
+        <p:spPr>
+          <a:xfrm flipH="1">
+            <a:off x="187752" y="4885673"/>
+            <a:ext cx="7478308" cy="0"/>
+          </a:xfrm>
+          <a:prstGeom prst="line">
+            <a:avLst/>
+          </a:prstGeom>
+          <a:ln>
+            <a:solidFill>
+              <a:schemeClr val="accent6"/>
+            </a:solidFill>
+          </a:ln>
+        </p:spPr>
+        <p:style>
+          <a:lnRef idx="1">
+            <a:schemeClr val="accent1"/>
+          </a:lnRef>
+          <a:fillRef idx="0">
+            <a:schemeClr val="accent1"/>
+          </a:fillRef>
+          <a:effectRef idx="0">
+            <a:schemeClr val="accent1"/>
+          </a:effectRef>
+          <a:fontRef idx="minor">
+            <a:schemeClr val="tx1"/>
+          </a:fontRef>
+        </p:style>
+      </p:cxnSp>
+      <p:grpSp>
+        <p:nvGrpSpPr>
+          <p:cNvPr id="138" name="グループ化 137">
+            <a:extLst>
+              <a:ext uri="{FF2B5EF4-FFF2-40B4-BE49-F238E27FC236}">
+                <a16:creationId xmlns:a16="http://schemas.microsoft.com/office/drawing/2014/main" id="{59E56DA1-4E3C-4EA8-9DD8-BA7EE72922F3}"/>
+              </a:ext>
+            </a:extLst>
+          </p:cNvPr>
+          <p:cNvGrpSpPr/>
+          <p:nvPr/>
+        </p:nvGrpSpPr>
+        <p:grpSpPr>
+          <a:xfrm>
+            <a:off x="149436" y="1368331"/>
             <a:ext cx="279421" cy="307777"/>
             <a:chOff x="2540906" y="1226436"/>
             <a:chExt cx="279421" cy="307777"/>
@@ -26199,10 +28027,10 @@
         </p:grpSpPr>
         <p:sp>
           <p:nvSpPr>
-            <p:cNvPr id="79" name="楕円 78">
+            <p:cNvPr id="139" name="楕円 138">
               <a:extLst>
                 <a:ext uri="{FF2B5EF4-FFF2-40B4-BE49-F238E27FC236}">
-                  <a16:creationId xmlns:a16="http://schemas.microsoft.com/office/drawing/2014/main" id="{EE8B6AD9-20F7-465E-8E6B-B14BEF9F9086}"/>
+                  <a16:creationId xmlns:a16="http://schemas.microsoft.com/office/drawing/2014/main" id="{D9B16308-F02A-4995-895D-6C3CFF3B7896}"/>
                 </a:ext>
               </a:extLst>
             </p:cNvPr>
@@ -26280,10 +28108,10 @@
         </p:sp>
         <p:sp>
           <p:nvSpPr>
-            <p:cNvPr id="80" name="テキスト ボックス 79">
+            <p:cNvPr id="140" name="テキスト ボックス 139">
               <a:extLst>
                 <a:ext uri="{FF2B5EF4-FFF2-40B4-BE49-F238E27FC236}">
-                  <a16:creationId xmlns:a16="http://schemas.microsoft.com/office/drawing/2014/main" id="{2B0FE2B7-DC3D-4E78-846C-29FCB685506B}"/>
+                  <a16:creationId xmlns:a16="http://schemas.microsoft.com/office/drawing/2014/main" id="{15853356-BB64-4CD0-90D1-4CEAE329933C}"/>
                 </a:ext>
               </a:extLst>
             </p:cNvPr>
@@ -26344,1764 +28172,10 @@
           </p:txBody>
         </p:sp>
       </p:grpSp>
-      <p:grpSp>
-        <p:nvGrpSpPr>
-          <p:cNvPr id="118" name="グループ化 117">
-            <a:extLst>
-              <a:ext uri="{FF2B5EF4-FFF2-40B4-BE49-F238E27FC236}">
-                <a16:creationId xmlns:a16="http://schemas.microsoft.com/office/drawing/2014/main" id="{456703DF-4264-437E-B792-6C89BCF1F7F0}"/>
-              </a:ext>
-            </a:extLst>
-          </p:cNvPr>
-          <p:cNvGrpSpPr/>
-          <p:nvPr/>
-        </p:nvGrpSpPr>
-        <p:grpSpPr>
-          <a:xfrm>
-            <a:off x="3965003" y="4881781"/>
-            <a:ext cx="279421" cy="307777"/>
-            <a:chOff x="2540906" y="1219634"/>
-            <a:chExt cx="279421" cy="307777"/>
-          </a:xfrm>
-        </p:grpSpPr>
-        <p:sp>
-          <p:nvSpPr>
-            <p:cNvPr id="119" name="楕円 118">
-              <a:extLst>
-                <a:ext uri="{FF2B5EF4-FFF2-40B4-BE49-F238E27FC236}">
-                  <a16:creationId xmlns:a16="http://schemas.microsoft.com/office/drawing/2014/main" id="{6A54C88A-8379-453B-85A8-BF1879033B4B}"/>
-                </a:ext>
-              </a:extLst>
-            </p:cNvPr>
-            <p:cNvSpPr/>
-            <p:nvPr/>
-          </p:nvSpPr>
-          <p:spPr>
-            <a:xfrm>
-              <a:off x="2563617" y="1246863"/>
-              <a:ext cx="234000" cy="234000"/>
-            </a:xfrm>
-            <a:prstGeom prst="ellipse">
-              <a:avLst/>
-            </a:prstGeom>
-            <a:solidFill>
-              <a:schemeClr val="accent2"/>
-            </a:solidFill>
-            <a:ln>
-              <a:noFill/>
-            </a:ln>
-          </p:spPr>
-          <p:style>
-            <a:lnRef idx="2">
-              <a:schemeClr val="accent1">
-                <a:shade val="50000"/>
-              </a:schemeClr>
-            </a:lnRef>
-            <a:fillRef idx="1">
-              <a:schemeClr val="accent1"/>
-            </a:fillRef>
-            <a:effectRef idx="0">
-              <a:schemeClr val="accent1"/>
-            </a:effectRef>
-            <a:fontRef idx="minor">
-              <a:schemeClr val="lt1"/>
-            </a:fontRef>
-          </p:style>
-          <p:txBody>
-            <a:bodyPr rtlCol="0" anchor="ctr"/>
-            <a:lstStyle/>
-            <a:p>
-              <a:pPr marL="0" marR="0" lvl="0" indent="0" algn="ctr" defTabSz="914400" rtl="0" eaLnBrk="1" fontAlgn="base" latinLnBrk="0" hangingPunct="1">
-                <a:lnSpc>
-                  <a:spcPct val="100000"/>
-                </a:lnSpc>
-                <a:spcBef>
-                  <a:spcPct val="0"/>
-                </a:spcBef>
-                <a:spcAft>
-                  <a:spcPct val="0"/>
-                </a:spcAft>
-                <a:buClrTx/>
-                <a:buSzTx/>
-                <a:buFontTx/>
-                <a:buNone/>
-                <a:tabLst/>
-                <a:defRPr/>
-              </a:pPr>
-              <a:endParaRPr kumimoji="1" lang="ja-JP" altLang="en-US" sz="1600" b="0" i="0" u="none" strike="noStrike" kern="1200" cap="none" spc="0" normalizeH="0" baseline="0" noProof="0">
-                <a:ln>
-                  <a:noFill/>
-                </a:ln>
-                <a:solidFill>
-                  <a:prstClr val="white"/>
-                </a:solidFill>
-                <a:effectLst/>
-                <a:uLnTx/>
-                <a:uFillTx/>
-                <a:latin typeface="游ゴシック" panose="020F0502020204030204"/>
-                <a:ea typeface="游ゴシック" panose="020B0400000000000000" pitchFamily="50" charset="-128"/>
-                <a:cs typeface="+mn-cs"/>
-              </a:endParaRPr>
-            </a:p>
-          </p:txBody>
-        </p:sp>
-        <p:sp>
-          <p:nvSpPr>
-            <p:cNvPr id="120" name="テキスト ボックス 119">
-              <a:extLst>
-                <a:ext uri="{FF2B5EF4-FFF2-40B4-BE49-F238E27FC236}">
-                  <a16:creationId xmlns:a16="http://schemas.microsoft.com/office/drawing/2014/main" id="{9707B891-BC5E-4A85-BF2A-706518B8ABED}"/>
-                </a:ext>
-              </a:extLst>
-            </p:cNvPr>
-            <p:cNvSpPr txBox="1"/>
-            <p:nvPr/>
-          </p:nvSpPr>
-          <p:spPr>
-            <a:xfrm>
-              <a:off x="2540906" y="1219634"/>
-              <a:ext cx="279421" cy="307777"/>
-            </a:xfrm>
-            <a:prstGeom prst="rect">
-              <a:avLst/>
-            </a:prstGeom>
-            <a:noFill/>
-          </p:spPr>
-          <p:txBody>
-            <a:bodyPr wrap="square" rtlCol="0">
-              <a:spAutoFit/>
-            </a:bodyPr>
-            <a:lstStyle/>
-            <a:p>
-              <a:pPr marL="0" marR="0" lvl="0" indent="0" algn="ctr" defTabSz="914400" rtl="0" eaLnBrk="1" fontAlgn="base" latinLnBrk="0" hangingPunct="1">
-                <a:lnSpc>
-                  <a:spcPct val="100000"/>
-                </a:lnSpc>
-                <a:spcBef>
-                  <a:spcPct val="0"/>
-                </a:spcBef>
-                <a:spcAft>
-                  <a:spcPct val="0"/>
-                </a:spcAft>
-                <a:buClrTx/>
-                <a:buSzTx/>
-                <a:buFontTx/>
-                <a:buNone/>
-                <a:tabLst/>
-                <a:defRPr/>
-              </a:pPr>
-              <a:r>
-                <a:rPr kumimoji="1" lang="en-US" altLang="ja-JP" sz="1400" b="1" i="0" u="none" strike="noStrike" kern="1200" cap="none" spc="0" normalizeH="0" baseline="0" noProof="0" dirty="0">
-                  <a:ln>
-                    <a:noFill/>
-                  </a:ln>
-                  <a:solidFill>
-                    <a:prstClr val="white"/>
-                  </a:solidFill>
-                  <a:effectLst/>
-                  <a:uLnTx/>
-                  <a:uFillTx/>
-                  <a:latin typeface="游ゴシック" panose="020F0502020204030204"/>
-                  <a:ea typeface="メイリオ" panose="020B0604030504040204" pitchFamily="50" charset="-128"/>
-                  <a:cs typeface="+mn-cs"/>
-                </a:rPr>
-                <a:t>1</a:t>
-              </a:r>
-            </a:p>
-          </p:txBody>
-        </p:sp>
-      </p:grpSp>
-      <p:grpSp>
-        <p:nvGrpSpPr>
-          <p:cNvPr id="121" name="グループ化 120">
-            <a:extLst>
-              <a:ext uri="{FF2B5EF4-FFF2-40B4-BE49-F238E27FC236}">
-                <a16:creationId xmlns:a16="http://schemas.microsoft.com/office/drawing/2014/main" id="{5B5955CC-1550-4159-9E04-75CC77F65BB7}"/>
-              </a:ext>
-            </a:extLst>
-          </p:cNvPr>
-          <p:cNvGrpSpPr/>
-          <p:nvPr/>
-        </p:nvGrpSpPr>
-        <p:grpSpPr>
-          <a:xfrm>
-            <a:off x="8444530" y="7692619"/>
-            <a:ext cx="279421" cy="307777"/>
-            <a:chOff x="2540906" y="1219634"/>
-            <a:chExt cx="279421" cy="307777"/>
-          </a:xfrm>
-        </p:grpSpPr>
-        <p:sp>
-          <p:nvSpPr>
-            <p:cNvPr id="122" name="楕円 121">
-              <a:extLst>
-                <a:ext uri="{FF2B5EF4-FFF2-40B4-BE49-F238E27FC236}">
-                  <a16:creationId xmlns:a16="http://schemas.microsoft.com/office/drawing/2014/main" id="{8A55F474-B39A-4455-8436-5BD0C9686377}"/>
-                </a:ext>
-              </a:extLst>
-            </p:cNvPr>
-            <p:cNvSpPr/>
-            <p:nvPr/>
-          </p:nvSpPr>
-          <p:spPr>
-            <a:xfrm>
-              <a:off x="2563617" y="1246863"/>
-              <a:ext cx="234000" cy="234000"/>
-            </a:xfrm>
-            <a:prstGeom prst="ellipse">
-              <a:avLst/>
-            </a:prstGeom>
-            <a:solidFill>
-              <a:schemeClr val="accent2"/>
-            </a:solidFill>
-            <a:ln>
-              <a:noFill/>
-            </a:ln>
-          </p:spPr>
-          <p:style>
-            <a:lnRef idx="2">
-              <a:schemeClr val="accent1">
-                <a:shade val="50000"/>
-              </a:schemeClr>
-            </a:lnRef>
-            <a:fillRef idx="1">
-              <a:schemeClr val="accent1"/>
-            </a:fillRef>
-            <a:effectRef idx="0">
-              <a:schemeClr val="accent1"/>
-            </a:effectRef>
-            <a:fontRef idx="minor">
-              <a:schemeClr val="lt1"/>
-            </a:fontRef>
-          </p:style>
-          <p:txBody>
-            <a:bodyPr rtlCol="0" anchor="ctr"/>
-            <a:lstStyle/>
-            <a:p>
-              <a:pPr marL="0" marR="0" lvl="0" indent="0" algn="ctr" defTabSz="914400" rtl="0" eaLnBrk="1" fontAlgn="base" latinLnBrk="0" hangingPunct="1">
-                <a:lnSpc>
-                  <a:spcPct val="100000"/>
-                </a:lnSpc>
-                <a:spcBef>
-                  <a:spcPct val="0"/>
-                </a:spcBef>
-                <a:spcAft>
-                  <a:spcPct val="0"/>
-                </a:spcAft>
-                <a:buClrTx/>
-                <a:buSzTx/>
-                <a:buFontTx/>
-                <a:buNone/>
-                <a:tabLst/>
-                <a:defRPr/>
-              </a:pPr>
-              <a:endParaRPr kumimoji="1" lang="ja-JP" altLang="en-US" sz="1600" b="0" i="0" u="none" strike="noStrike" kern="1200" cap="none" spc="0" normalizeH="0" baseline="0" noProof="0">
-                <a:ln>
-                  <a:noFill/>
-                </a:ln>
-                <a:solidFill>
-                  <a:prstClr val="white"/>
-                </a:solidFill>
-                <a:effectLst/>
-                <a:uLnTx/>
-                <a:uFillTx/>
-                <a:latin typeface="游ゴシック" panose="020F0502020204030204"/>
-                <a:ea typeface="游ゴシック" panose="020B0400000000000000" pitchFamily="50" charset="-128"/>
-                <a:cs typeface="+mn-cs"/>
-              </a:endParaRPr>
-            </a:p>
-          </p:txBody>
-        </p:sp>
-        <p:sp>
-          <p:nvSpPr>
-            <p:cNvPr id="123" name="テキスト ボックス 122">
-              <a:extLst>
-                <a:ext uri="{FF2B5EF4-FFF2-40B4-BE49-F238E27FC236}">
-                  <a16:creationId xmlns:a16="http://schemas.microsoft.com/office/drawing/2014/main" id="{3BF259CB-3D1D-4EE2-9CC4-E6F3526D00BB}"/>
-                </a:ext>
-              </a:extLst>
-            </p:cNvPr>
-            <p:cNvSpPr txBox="1"/>
-            <p:nvPr/>
-          </p:nvSpPr>
-          <p:spPr>
-            <a:xfrm>
-              <a:off x="2540906" y="1219634"/>
-              <a:ext cx="279421" cy="307777"/>
-            </a:xfrm>
-            <a:prstGeom prst="rect">
-              <a:avLst/>
-            </a:prstGeom>
-            <a:noFill/>
-          </p:spPr>
-          <p:txBody>
-            <a:bodyPr wrap="square" rtlCol="0">
-              <a:spAutoFit/>
-            </a:bodyPr>
-            <a:lstStyle/>
-            <a:p>
-              <a:pPr marL="0" marR="0" lvl="0" indent="0" algn="ctr" defTabSz="914400" rtl="0" eaLnBrk="1" fontAlgn="base" latinLnBrk="0" hangingPunct="1">
-                <a:lnSpc>
-                  <a:spcPct val="100000"/>
-                </a:lnSpc>
-                <a:spcBef>
-                  <a:spcPct val="0"/>
-                </a:spcBef>
-                <a:spcAft>
-                  <a:spcPct val="0"/>
-                </a:spcAft>
-                <a:buClrTx/>
-                <a:buSzTx/>
-                <a:buFontTx/>
-                <a:buNone/>
-                <a:tabLst/>
-                <a:defRPr/>
-              </a:pPr>
-              <a:r>
-                <a:rPr kumimoji="1" lang="en-US" altLang="ja-JP" sz="1400" b="1" i="0" u="none" strike="noStrike" kern="1200" cap="none" spc="0" normalizeH="0" baseline="0" noProof="0" dirty="0">
-                  <a:ln>
-                    <a:noFill/>
-                  </a:ln>
-                  <a:solidFill>
-                    <a:prstClr val="white"/>
-                  </a:solidFill>
-                  <a:effectLst/>
-                  <a:uLnTx/>
-                  <a:uFillTx/>
-                  <a:latin typeface="游ゴシック" panose="020F0502020204030204"/>
-                  <a:ea typeface="メイリオ" panose="020B0604030504040204" pitchFamily="50" charset="-128"/>
-                  <a:cs typeface="+mn-cs"/>
-                </a:rPr>
-                <a:t>5</a:t>
-              </a:r>
-            </a:p>
-          </p:txBody>
-        </p:sp>
-      </p:grpSp>
-      <p:grpSp>
-        <p:nvGrpSpPr>
-          <p:cNvPr id="124" name="グループ化 123">
-            <a:extLst>
-              <a:ext uri="{FF2B5EF4-FFF2-40B4-BE49-F238E27FC236}">
-                <a16:creationId xmlns:a16="http://schemas.microsoft.com/office/drawing/2014/main" id="{B12E5E76-5339-431A-AD74-3320309819B6}"/>
-              </a:ext>
-            </a:extLst>
-          </p:cNvPr>
-          <p:cNvGrpSpPr/>
-          <p:nvPr/>
-        </p:nvGrpSpPr>
-        <p:grpSpPr>
-          <a:xfrm>
-            <a:off x="8453342" y="5663252"/>
-            <a:ext cx="279421" cy="307777"/>
-            <a:chOff x="2540906" y="1219634"/>
-            <a:chExt cx="279421" cy="307777"/>
-          </a:xfrm>
-        </p:grpSpPr>
-        <p:sp>
-          <p:nvSpPr>
-            <p:cNvPr id="125" name="楕円 124">
-              <a:extLst>
-                <a:ext uri="{FF2B5EF4-FFF2-40B4-BE49-F238E27FC236}">
-                  <a16:creationId xmlns:a16="http://schemas.microsoft.com/office/drawing/2014/main" id="{EAA417AE-B9C0-4C26-A3DC-9285A27224DB}"/>
-                </a:ext>
-              </a:extLst>
-            </p:cNvPr>
-            <p:cNvSpPr/>
-            <p:nvPr/>
-          </p:nvSpPr>
-          <p:spPr>
-            <a:xfrm>
-              <a:off x="2563617" y="1246863"/>
-              <a:ext cx="234000" cy="234000"/>
-            </a:xfrm>
-            <a:prstGeom prst="ellipse">
-              <a:avLst/>
-            </a:prstGeom>
-            <a:solidFill>
-              <a:schemeClr val="accent2"/>
-            </a:solidFill>
-            <a:ln>
-              <a:noFill/>
-            </a:ln>
-          </p:spPr>
-          <p:style>
-            <a:lnRef idx="2">
-              <a:schemeClr val="accent1">
-                <a:shade val="50000"/>
-              </a:schemeClr>
-            </a:lnRef>
-            <a:fillRef idx="1">
-              <a:schemeClr val="accent1"/>
-            </a:fillRef>
-            <a:effectRef idx="0">
-              <a:schemeClr val="accent1"/>
-            </a:effectRef>
-            <a:fontRef idx="minor">
-              <a:schemeClr val="lt1"/>
-            </a:fontRef>
-          </p:style>
-          <p:txBody>
-            <a:bodyPr rtlCol="0" anchor="ctr"/>
-            <a:lstStyle/>
-            <a:p>
-              <a:pPr marL="0" marR="0" lvl="0" indent="0" algn="ctr" defTabSz="914400" rtl="0" eaLnBrk="1" fontAlgn="base" latinLnBrk="0" hangingPunct="1">
-                <a:lnSpc>
-                  <a:spcPct val="100000"/>
-                </a:lnSpc>
-                <a:spcBef>
-                  <a:spcPct val="0"/>
-                </a:spcBef>
-                <a:spcAft>
-                  <a:spcPct val="0"/>
-                </a:spcAft>
-                <a:buClrTx/>
-                <a:buSzTx/>
-                <a:buFontTx/>
-                <a:buNone/>
-                <a:tabLst/>
-                <a:defRPr/>
-              </a:pPr>
-              <a:endParaRPr kumimoji="1" lang="ja-JP" altLang="en-US" sz="1600" b="0" i="0" u="none" strike="noStrike" kern="1200" cap="none" spc="0" normalizeH="0" baseline="0" noProof="0">
-                <a:ln>
-                  <a:noFill/>
-                </a:ln>
-                <a:solidFill>
-                  <a:prstClr val="white"/>
-                </a:solidFill>
-                <a:effectLst/>
-                <a:uLnTx/>
-                <a:uFillTx/>
-                <a:latin typeface="游ゴシック" panose="020F0502020204030204"/>
-                <a:ea typeface="游ゴシック" panose="020B0400000000000000" pitchFamily="50" charset="-128"/>
-                <a:cs typeface="+mn-cs"/>
-              </a:endParaRPr>
-            </a:p>
-          </p:txBody>
-        </p:sp>
-        <p:sp>
-          <p:nvSpPr>
-            <p:cNvPr id="126" name="テキスト ボックス 125">
-              <a:extLst>
-                <a:ext uri="{FF2B5EF4-FFF2-40B4-BE49-F238E27FC236}">
-                  <a16:creationId xmlns:a16="http://schemas.microsoft.com/office/drawing/2014/main" id="{B27FDB59-5BCB-4DEB-9BFE-E5A263BDC802}"/>
-                </a:ext>
-              </a:extLst>
-            </p:cNvPr>
-            <p:cNvSpPr txBox="1"/>
-            <p:nvPr/>
-          </p:nvSpPr>
-          <p:spPr>
-            <a:xfrm>
-              <a:off x="2540906" y="1219634"/>
-              <a:ext cx="279421" cy="307777"/>
-            </a:xfrm>
-            <a:prstGeom prst="rect">
-              <a:avLst/>
-            </a:prstGeom>
-            <a:noFill/>
-          </p:spPr>
-          <p:txBody>
-            <a:bodyPr wrap="square" rtlCol="0">
-              <a:spAutoFit/>
-            </a:bodyPr>
-            <a:lstStyle/>
-            <a:p>
-              <a:pPr marL="0" marR="0" lvl="0" indent="0" algn="ctr" defTabSz="914400" rtl="0" eaLnBrk="1" fontAlgn="base" latinLnBrk="0" hangingPunct="1">
-                <a:lnSpc>
-                  <a:spcPct val="100000"/>
-                </a:lnSpc>
-                <a:spcBef>
-                  <a:spcPct val="0"/>
-                </a:spcBef>
-                <a:spcAft>
-                  <a:spcPct val="0"/>
-                </a:spcAft>
-                <a:buClrTx/>
-                <a:buSzTx/>
-                <a:buFontTx/>
-                <a:buNone/>
-                <a:tabLst/>
-                <a:defRPr/>
-              </a:pPr>
-              <a:r>
-                <a:rPr kumimoji="1" lang="en-US" altLang="ja-JP" sz="1400" b="1" i="0" u="none" strike="noStrike" kern="1200" cap="none" spc="0" normalizeH="0" baseline="0" noProof="0" dirty="0">
-                  <a:ln>
-                    <a:noFill/>
-                  </a:ln>
-                  <a:solidFill>
-                    <a:prstClr val="white"/>
-                  </a:solidFill>
-                  <a:effectLst/>
-                  <a:uLnTx/>
-                  <a:uFillTx/>
-                  <a:latin typeface="游ゴシック" panose="020F0502020204030204"/>
-                  <a:ea typeface="メイリオ" panose="020B0604030504040204" pitchFamily="50" charset="-128"/>
-                  <a:cs typeface="+mn-cs"/>
-                </a:rPr>
-                <a:t>4</a:t>
-              </a:r>
-            </a:p>
-          </p:txBody>
-        </p:sp>
-      </p:grpSp>
-      <p:grpSp>
-        <p:nvGrpSpPr>
-          <p:cNvPr id="127" name="グループ化 126">
-            <a:extLst>
-              <a:ext uri="{FF2B5EF4-FFF2-40B4-BE49-F238E27FC236}">
-                <a16:creationId xmlns:a16="http://schemas.microsoft.com/office/drawing/2014/main" id="{D67CC32B-855C-4B9A-833F-4E3D68696DE5}"/>
-              </a:ext>
-            </a:extLst>
-          </p:cNvPr>
-          <p:cNvGrpSpPr/>
-          <p:nvPr/>
-        </p:nvGrpSpPr>
-        <p:grpSpPr>
-          <a:xfrm>
-            <a:off x="8445704" y="3997863"/>
-            <a:ext cx="279421" cy="307777"/>
-            <a:chOff x="2540906" y="1219634"/>
-            <a:chExt cx="279421" cy="307777"/>
-          </a:xfrm>
-        </p:grpSpPr>
-        <p:sp>
-          <p:nvSpPr>
-            <p:cNvPr id="128" name="楕円 127">
-              <a:extLst>
-                <a:ext uri="{FF2B5EF4-FFF2-40B4-BE49-F238E27FC236}">
-                  <a16:creationId xmlns:a16="http://schemas.microsoft.com/office/drawing/2014/main" id="{C8368B26-F45B-491F-935A-04D409B8E43C}"/>
-                </a:ext>
-              </a:extLst>
-            </p:cNvPr>
-            <p:cNvSpPr/>
-            <p:nvPr/>
-          </p:nvSpPr>
-          <p:spPr>
-            <a:xfrm>
-              <a:off x="2563617" y="1246863"/>
-              <a:ext cx="234000" cy="234000"/>
-            </a:xfrm>
-            <a:prstGeom prst="ellipse">
-              <a:avLst/>
-            </a:prstGeom>
-            <a:solidFill>
-              <a:schemeClr val="accent2"/>
-            </a:solidFill>
-            <a:ln>
-              <a:noFill/>
-            </a:ln>
-          </p:spPr>
-          <p:style>
-            <a:lnRef idx="2">
-              <a:schemeClr val="accent1">
-                <a:shade val="50000"/>
-              </a:schemeClr>
-            </a:lnRef>
-            <a:fillRef idx="1">
-              <a:schemeClr val="accent1"/>
-            </a:fillRef>
-            <a:effectRef idx="0">
-              <a:schemeClr val="accent1"/>
-            </a:effectRef>
-            <a:fontRef idx="minor">
-              <a:schemeClr val="lt1"/>
-            </a:fontRef>
-          </p:style>
-          <p:txBody>
-            <a:bodyPr rtlCol="0" anchor="ctr"/>
-            <a:lstStyle/>
-            <a:p>
-              <a:pPr marL="0" marR="0" lvl="0" indent="0" algn="ctr" defTabSz="914400" rtl="0" eaLnBrk="1" fontAlgn="base" latinLnBrk="0" hangingPunct="1">
-                <a:lnSpc>
-                  <a:spcPct val="100000"/>
-                </a:lnSpc>
-                <a:spcBef>
-                  <a:spcPct val="0"/>
-                </a:spcBef>
-                <a:spcAft>
-                  <a:spcPct val="0"/>
-                </a:spcAft>
-                <a:buClrTx/>
-                <a:buSzTx/>
-                <a:buFontTx/>
-                <a:buNone/>
-                <a:tabLst/>
-                <a:defRPr/>
-              </a:pPr>
-              <a:endParaRPr kumimoji="1" lang="ja-JP" altLang="en-US" sz="1600" b="0" i="0" u="none" strike="noStrike" kern="1200" cap="none" spc="0" normalizeH="0" baseline="0" noProof="0">
-                <a:ln>
-                  <a:noFill/>
-                </a:ln>
-                <a:solidFill>
-                  <a:prstClr val="white"/>
-                </a:solidFill>
-                <a:effectLst/>
-                <a:uLnTx/>
-                <a:uFillTx/>
-                <a:latin typeface="游ゴシック" panose="020F0502020204030204"/>
-                <a:ea typeface="游ゴシック" panose="020B0400000000000000" pitchFamily="50" charset="-128"/>
-                <a:cs typeface="+mn-cs"/>
-              </a:endParaRPr>
-            </a:p>
-          </p:txBody>
-        </p:sp>
-        <p:sp>
-          <p:nvSpPr>
-            <p:cNvPr id="129" name="テキスト ボックス 128">
-              <a:extLst>
-                <a:ext uri="{FF2B5EF4-FFF2-40B4-BE49-F238E27FC236}">
-                  <a16:creationId xmlns:a16="http://schemas.microsoft.com/office/drawing/2014/main" id="{6DA12BC1-E506-4AEE-946B-E06052BCB4B0}"/>
-                </a:ext>
-              </a:extLst>
-            </p:cNvPr>
-            <p:cNvSpPr txBox="1"/>
-            <p:nvPr/>
-          </p:nvSpPr>
-          <p:spPr>
-            <a:xfrm>
-              <a:off x="2540906" y="1219634"/>
-              <a:ext cx="279421" cy="307777"/>
-            </a:xfrm>
-            <a:prstGeom prst="rect">
-              <a:avLst/>
-            </a:prstGeom>
-            <a:noFill/>
-          </p:spPr>
-          <p:txBody>
-            <a:bodyPr wrap="square" rtlCol="0">
-              <a:spAutoFit/>
-            </a:bodyPr>
-            <a:lstStyle/>
-            <a:p>
-              <a:pPr marL="0" marR="0" lvl="0" indent="0" algn="ctr" defTabSz="914400" rtl="0" eaLnBrk="1" fontAlgn="base" latinLnBrk="0" hangingPunct="1">
-                <a:lnSpc>
-                  <a:spcPct val="100000"/>
-                </a:lnSpc>
-                <a:spcBef>
-                  <a:spcPct val="0"/>
-                </a:spcBef>
-                <a:spcAft>
-                  <a:spcPct val="0"/>
-                </a:spcAft>
-                <a:buClrTx/>
-                <a:buSzTx/>
-                <a:buFontTx/>
-                <a:buNone/>
-                <a:tabLst/>
-                <a:defRPr/>
-              </a:pPr>
-              <a:r>
-                <a:rPr kumimoji="1" lang="en-US" altLang="ja-JP" sz="1400" b="1" i="0" u="none" strike="noStrike" kern="1200" cap="none" spc="0" normalizeH="0" baseline="0" noProof="0" dirty="0">
-                  <a:ln>
-                    <a:noFill/>
-                  </a:ln>
-                  <a:solidFill>
-                    <a:prstClr val="white"/>
-                  </a:solidFill>
-                  <a:effectLst/>
-                  <a:uLnTx/>
-                  <a:uFillTx/>
-                  <a:latin typeface="游ゴシック" panose="020F0502020204030204"/>
-                  <a:ea typeface="メイリオ" panose="020B0604030504040204" pitchFamily="50" charset="-128"/>
-                  <a:cs typeface="+mn-cs"/>
-                </a:rPr>
-                <a:t>3</a:t>
-              </a:r>
-            </a:p>
-          </p:txBody>
-        </p:sp>
-      </p:grpSp>
-      <p:grpSp>
-        <p:nvGrpSpPr>
-          <p:cNvPr id="130" name="グループ化 129">
-            <a:extLst>
-              <a:ext uri="{FF2B5EF4-FFF2-40B4-BE49-F238E27FC236}">
-                <a16:creationId xmlns:a16="http://schemas.microsoft.com/office/drawing/2014/main" id="{0E8AADB3-C4EC-4ECB-B36B-A58A8478AE66}"/>
-              </a:ext>
-            </a:extLst>
-          </p:cNvPr>
-          <p:cNvGrpSpPr/>
-          <p:nvPr/>
-        </p:nvGrpSpPr>
-        <p:grpSpPr>
-          <a:xfrm>
-            <a:off x="3965004" y="7358455"/>
-            <a:ext cx="279421" cy="307777"/>
-            <a:chOff x="2540906" y="1219634"/>
-            <a:chExt cx="279421" cy="307777"/>
-          </a:xfrm>
-        </p:grpSpPr>
-        <p:sp>
-          <p:nvSpPr>
-            <p:cNvPr id="131" name="楕円 130">
-              <a:extLst>
-                <a:ext uri="{FF2B5EF4-FFF2-40B4-BE49-F238E27FC236}">
-                  <a16:creationId xmlns:a16="http://schemas.microsoft.com/office/drawing/2014/main" id="{D104CA14-6E76-4619-ADE3-968C09E74A22}"/>
-                </a:ext>
-              </a:extLst>
-            </p:cNvPr>
-            <p:cNvSpPr/>
-            <p:nvPr/>
-          </p:nvSpPr>
-          <p:spPr>
-            <a:xfrm>
-              <a:off x="2563617" y="1246863"/>
-              <a:ext cx="234000" cy="234000"/>
-            </a:xfrm>
-            <a:prstGeom prst="ellipse">
-              <a:avLst/>
-            </a:prstGeom>
-            <a:solidFill>
-              <a:schemeClr val="accent2"/>
-            </a:solidFill>
-            <a:ln>
-              <a:noFill/>
-            </a:ln>
-          </p:spPr>
-          <p:style>
-            <a:lnRef idx="2">
-              <a:schemeClr val="accent1">
-                <a:shade val="50000"/>
-              </a:schemeClr>
-            </a:lnRef>
-            <a:fillRef idx="1">
-              <a:schemeClr val="accent1"/>
-            </a:fillRef>
-            <a:effectRef idx="0">
-              <a:schemeClr val="accent1"/>
-            </a:effectRef>
-            <a:fontRef idx="minor">
-              <a:schemeClr val="lt1"/>
-            </a:fontRef>
-          </p:style>
-          <p:txBody>
-            <a:bodyPr rtlCol="0" anchor="ctr"/>
-            <a:lstStyle/>
-            <a:p>
-              <a:pPr marL="0" marR="0" lvl="0" indent="0" algn="ctr" defTabSz="914400" rtl="0" eaLnBrk="1" fontAlgn="base" latinLnBrk="0" hangingPunct="1">
-                <a:lnSpc>
-                  <a:spcPct val="100000"/>
-                </a:lnSpc>
-                <a:spcBef>
-                  <a:spcPct val="0"/>
-                </a:spcBef>
-                <a:spcAft>
-                  <a:spcPct val="0"/>
-                </a:spcAft>
-                <a:buClrTx/>
-                <a:buSzTx/>
-                <a:buFontTx/>
-                <a:buNone/>
-                <a:tabLst/>
-                <a:defRPr/>
-              </a:pPr>
-              <a:endParaRPr kumimoji="1" lang="ja-JP" altLang="en-US" sz="1600" b="0" i="0" u="none" strike="noStrike" kern="1200" cap="none" spc="0" normalizeH="0" baseline="0" noProof="0">
-                <a:ln>
-                  <a:noFill/>
-                </a:ln>
-                <a:solidFill>
-                  <a:prstClr val="white"/>
-                </a:solidFill>
-                <a:effectLst/>
-                <a:uLnTx/>
-                <a:uFillTx/>
-                <a:latin typeface="游ゴシック" panose="020F0502020204030204"/>
-                <a:ea typeface="游ゴシック" panose="020B0400000000000000" pitchFamily="50" charset="-128"/>
-                <a:cs typeface="+mn-cs"/>
-              </a:endParaRPr>
-            </a:p>
-          </p:txBody>
-        </p:sp>
-        <p:sp>
-          <p:nvSpPr>
-            <p:cNvPr id="132" name="テキスト ボックス 131">
-              <a:extLst>
-                <a:ext uri="{FF2B5EF4-FFF2-40B4-BE49-F238E27FC236}">
-                  <a16:creationId xmlns:a16="http://schemas.microsoft.com/office/drawing/2014/main" id="{17B5F3F8-0352-4511-B805-B150FA9FE547}"/>
-                </a:ext>
-              </a:extLst>
-            </p:cNvPr>
-            <p:cNvSpPr txBox="1"/>
-            <p:nvPr/>
-          </p:nvSpPr>
-          <p:spPr>
-            <a:xfrm>
-              <a:off x="2540906" y="1219634"/>
-              <a:ext cx="279421" cy="307777"/>
-            </a:xfrm>
-            <a:prstGeom prst="rect">
-              <a:avLst/>
-            </a:prstGeom>
-            <a:noFill/>
-          </p:spPr>
-          <p:txBody>
-            <a:bodyPr wrap="square" rtlCol="0">
-              <a:spAutoFit/>
-            </a:bodyPr>
-            <a:lstStyle/>
-            <a:p>
-              <a:pPr marL="0" marR="0" lvl="0" indent="0" algn="ctr" defTabSz="914400" rtl="0" eaLnBrk="1" fontAlgn="base" latinLnBrk="0" hangingPunct="1">
-                <a:lnSpc>
-                  <a:spcPct val="100000"/>
-                </a:lnSpc>
-                <a:spcBef>
-                  <a:spcPct val="0"/>
-                </a:spcBef>
-                <a:spcAft>
-                  <a:spcPct val="0"/>
-                </a:spcAft>
-                <a:buClrTx/>
-                <a:buSzTx/>
-                <a:buFontTx/>
-                <a:buNone/>
-                <a:tabLst/>
-                <a:defRPr/>
-              </a:pPr>
-              <a:r>
-                <a:rPr kumimoji="1" lang="en-US" altLang="ja-JP" sz="1400" b="1" i="0" u="none" strike="noStrike" kern="1200" cap="none" spc="0" normalizeH="0" baseline="0" noProof="0" dirty="0">
-                  <a:ln>
-                    <a:noFill/>
-                  </a:ln>
-                  <a:solidFill>
-                    <a:prstClr val="white"/>
-                  </a:solidFill>
-                  <a:effectLst/>
-                  <a:uLnTx/>
-                  <a:uFillTx/>
-                  <a:latin typeface="游ゴシック" panose="020F0502020204030204"/>
-                  <a:ea typeface="メイリオ" panose="020B0604030504040204" pitchFamily="50" charset="-128"/>
-                  <a:cs typeface="+mn-cs"/>
-                </a:rPr>
-                <a:t>2</a:t>
-              </a:r>
-            </a:p>
-          </p:txBody>
-        </p:sp>
-      </p:grpSp>
-      <p:pic>
-        <p:nvPicPr>
-          <p:cNvPr id="134" name="図 133">
-            <a:extLst>
-              <a:ext uri="{FF2B5EF4-FFF2-40B4-BE49-F238E27FC236}">
-                <a16:creationId xmlns:a16="http://schemas.microsoft.com/office/drawing/2014/main" id="{6F32AEE7-9891-47CA-9933-56DC3E636F92}"/>
-              </a:ext>
-            </a:extLst>
-          </p:cNvPr>
-          <p:cNvPicPr>
-            <a:picLocks noChangeAspect="1"/>
-          </p:cNvPicPr>
-          <p:nvPr/>
-        </p:nvPicPr>
-        <p:blipFill>
-          <a:blip r:embed="rId11">
-            <a:extLst>
-              <a:ext uri="{28A0092B-C50C-407E-A947-70E740481C1C}">
-                <a14:useLocalDpi xmlns:a14="http://schemas.microsoft.com/office/drawing/2010/main" val="0"/>
-              </a:ext>
-            </a:extLst>
-          </a:blip>
-          <a:stretch>
-            <a:fillRect/>
-          </a:stretch>
-        </p:blipFill>
-        <p:spPr>
-          <a:xfrm>
-            <a:off x="127622" y="5678672"/>
-            <a:ext cx="3326107" cy="3659699"/>
-          </a:xfrm>
-          <a:prstGeom prst="rect">
-            <a:avLst/>
-          </a:prstGeom>
-        </p:spPr>
-      </p:pic>
-      <p:grpSp>
-        <p:nvGrpSpPr>
-          <p:cNvPr id="135" name="グループ化 134">
-            <a:extLst>
-              <a:ext uri="{FF2B5EF4-FFF2-40B4-BE49-F238E27FC236}">
-                <a16:creationId xmlns:a16="http://schemas.microsoft.com/office/drawing/2014/main" id="{B7F264D4-1007-4CDA-BD0D-AAA0C5FF8A6B}"/>
-              </a:ext>
-            </a:extLst>
-          </p:cNvPr>
-          <p:cNvGrpSpPr/>
-          <p:nvPr/>
-        </p:nvGrpSpPr>
-        <p:grpSpPr>
-          <a:xfrm>
-            <a:off x="1216224" y="6480596"/>
-            <a:ext cx="279421" cy="307777"/>
-            <a:chOff x="2540906" y="1219634"/>
-            <a:chExt cx="279421" cy="307777"/>
-          </a:xfrm>
-        </p:grpSpPr>
-        <p:sp>
-          <p:nvSpPr>
-            <p:cNvPr id="136" name="楕円 135">
-              <a:extLst>
-                <a:ext uri="{FF2B5EF4-FFF2-40B4-BE49-F238E27FC236}">
-                  <a16:creationId xmlns:a16="http://schemas.microsoft.com/office/drawing/2014/main" id="{4311A83A-2040-4C3A-915C-9CEF9E0BFCF5}"/>
-                </a:ext>
-              </a:extLst>
-            </p:cNvPr>
-            <p:cNvSpPr/>
-            <p:nvPr/>
-          </p:nvSpPr>
-          <p:spPr>
-            <a:xfrm>
-              <a:off x="2563617" y="1246863"/>
-              <a:ext cx="234000" cy="234000"/>
-            </a:xfrm>
-            <a:prstGeom prst="ellipse">
-              <a:avLst/>
-            </a:prstGeom>
-            <a:solidFill>
-              <a:schemeClr val="accent2"/>
-            </a:solidFill>
-            <a:ln>
-              <a:noFill/>
-            </a:ln>
-          </p:spPr>
-          <p:style>
-            <a:lnRef idx="2">
-              <a:schemeClr val="accent1">
-                <a:shade val="50000"/>
-              </a:schemeClr>
-            </a:lnRef>
-            <a:fillRef idx="1">
-              <a:schemeClr val="accent1"/>
-            </a:fillRef>
-            <a:effectRef idx="0">
-              <a:schemeClr val="accent1"/>
-            </a:effectRef>
-            <a:fontRef idx="minor">
-              <a:schemeClr val="lt1"/>
-            </a:fontRef>
-          </p:style>
-          <p:txBody>
-            <a:bodyPr rtlCol="0" anchor="ctr"/>
-            <a:lstStyle/>
-            <a:p>
-              <a:pPr marL="0" marR="0" lvl="0" indent="0" algn="ctr" defTabSz="914400" rtl="0" eaLnBrk="1" fontAlgn="base" latinLnBrk="0" hangingPunct="1">
-                <a:lnSpc>
-                  <a:spcPct val="100000"/>
-                </a:lnSpc>
-                <a:spcBef>
-                  <a:spcPct val="0"/>
-                </a:spcBef>
-                <a:spcAft>
-                  <a:spcPct val="0"/>
-                </a:spcAft>
-                <a:buClrTx/>
-                <a:buSzTx/>
-                <a:buFontTx/>
-                <a:buNone/>
-                <a:tabLst/>
-                <a:defRPr/>
-              </a:pPr>
-              <a:endParaRPr kumimoji="1" lang="ja-JP" altLang="en-US" sz="1600" b="0" i="0" u="none" strike="noStrike" kern="1200" cap="none" spc="0" normalizeH="0" baseline="0" noProof="0">
-                <a:ln>
-                  <a:noFill/>
-                </a:ln>
-                <a:solidFill>
-                  <a:prstClr val="white"/>
-                </a:solidFill>
-                <a:effectLst/>
-                <a:uLnTx/>
-                <a:uFillTx/>
-                <a:latin typeface="游ゴシック" panose="020F0502020204030204"/>
-                <a:ea typeface="游ゴシック" panose="020B0400000000000000" pitchFamily="50" charset="-128"/>
-                <a:cs typeface="+mn-cs"/>
-              </a:endParaRPr>
-            </a:p>
-          </p:txBody>
-        </p:sp>
-        <p:sp>
-          <p:nvSpPr>
-            <p:cNvPr id="137" name="テキスト ボックス 136">
-              <a:extLst>
-                <a:ext uri="{FF2B5EF4-FFF2-40B4-BE49-F238E27FC236}">
-                  <a16:creationId xmlns:a16="http://schemas.microsoft.com/office/drawing/2014/main" id="{966DE389-47A3-473D-8CAF-16D9C4A24B3F}"/>
-                </a:ext>
-              </a:extLst>
-            </p:cNvPr>
-            <p:cNvSpPr txBox="1"/>
-            <p:nvPr/>
-          </p:nvSpPr>
-          <p:spPr>
-            <a:xfrm>
-              <a:off x="2540906" y="1219634"/>
-              <a:ext cx="279421" cy="307777"/>
-            </a:xfrm>
-            <a:prstGeom prst="rect">
-              <a:avLst/>
-            </a:prstGeom>
-            <a:noFill/>
-          </p:spPr>
-          <p:txBody>
-            <a:bodyPr wrap="square" rtlCol="0">
-              <a:spAutoFit/>
-            </a:bodyPr>
-            <a:lstStyle/>
-            <a:p>
-              <a:pPr marL="0" marR="0" lvl="0" indent="0" algn="ctr" defTabSz="914400" rtl="0" eaLnBrk="1" fontAlgn="base" latinLnBrk="0" hangingPunct="1">
-                <a:lnSpc>
-                  <a:spcPct val="100000"/>
-                </a:lnSpc>
-                <a:spcBef>
-                  <a:spcPct val="0"/>
-                </a:spcBef>
-                <a:spcAft>
-                  <a:spcPct val="0"/>
-                </a:spcAft>
-                <a:buClrTx/>
-                <a:buSzTx/>
-                <a:buFontTx/>
-                <a:buNone/>
-                <a:tabLst/>
-                <a:defRPr/>
-              </a:pPr>
-              <a:r>
-                <a:rPr kumimoji="1" lang="en-US" altLang="ja-JP" sz="1400" b="1" i="0" u="none" strike="noStrike" kern="1200" cap="none" spc="0" normalizeH="0" baseline="0" noProof="0" dirty="0">
-                  <a:ln>
-                    <a:noFill/>
-                  </a:ln>
-                  <a:solidFill>
-                    <a:prstClr val="white"/>
-                  </a:solidFill>
-                  <a:effectLst/>
-                  <a:uLnTx/>
-                  <a:uFillTx/>
-                  <a:latin typeface="游ゴシック" panose="020F0502020204030204"/>
-                  <a:ea typeface="メイリオ" panose="020B0604030504040204" pitchFamily="50" charset="-128"/>
-                  <a:cs typeface="+mn-cs"/>
-                </a:rPr>
-                <a:t>1</a:t>
-              </a:r>
-            </a:p>
-          </p:txBody>
-        </p:sp>
-      </p:grpSp>
-      <p:grpSp>
-        <p:nvGrpSpPr>
-          <p:cNvPr id="141" name="グループ化 140">
-            <a:extLst>
-              <a:ext uri="{FF2B5EF4-FFF2-40B4-BE49-F238E27FC236}">
-                <a16:creationId xmlns:a16="http://schemas.microsoft.com/office/drawing/2014/main" id="{3C9EC0F0-38BD-49BC-BCB4-148F9E137F31}"/>
-              </a:ext>
-            </a:extLst>
-          </p:cNvPr>
-          <p:cNvGrpSpPr/>
-          <p:nvPr/>
-        </p:nvGrpSpPr>
-        <p:grpSpPr>
-          <a:xfrm>
-            <a:off x="2164240" y="7014967"/>
-            <a:ext cx="279421" cy="307777"/>
-            <a:chOff x="2540906" y="1219634"/>
-            <a:chExt cx="279421" cy="307777"/>
-          </a:xfrm>
-        </p:grpSpPr>
-        <p:sp>
-          <p:nvSpPr>
-            <p:cNvPr id="142" name="楕円 141">
-              <a:extLst>
-                <a:ext uri="{FF2B5EF4-FFF2-40B4-BE49-F238E27FC236}">
-                  <a16:creationId xmlns:a16="http://schemas.microsoft.com/office/drawing/2014/main" id="{6C966B29-6530-4E5A-BEAC-B1C0A86BA78F}"/>
-                </a:ext>
-              </a:extLst>
-            </p:cNvPr>
-            <p:cNvSpPr/>
-            <p:nvPr/>
-          </p:nvSpPr>
-          <p:spPr>
-            <a:xfrm>
-              <a:off x="2563617" y="1246863"/>
-              <a:ext cx="234000" cy="234000"/>
-            </a:xfrm>
-            <a:prstGeom prst="ellipse">
-              <a:avLst/>
-            </a:prstGeom>
-            <a:solidFill>
-              <a:schemeClr val="accent2"/>
-            </a:solidFill>
-            <a:ln>
-              <a:noFill/>
-            </a:ln>
-          </p:spPr>
-          <p:style>
-            <a:lnRef idx="2">
-              <a:schemeClr val="accent1">
-                <a:shade val="50000"/>
-              </a:schemeClr>
-            </a:lnRef>
-            <a:fillRef idx="1">
-              <a:schemeClr val="accent1"/>
-            </a:fillRef>
-            <a:effectRef idx="0">
-              <a:schemeClr val="accent1"/>
-            </a:effectRef>
-            <a:fontRef idx="minor">
-              <a:schemeClr val="lt1"/>
-            </a:fontRef>
-          </p:style>
-          <p:txBody>
-            <a:bodyPr rtlCol="0" anchor="ctr"/>
-            <a:lstStyle/>
-            <a:p>
-              <a:pPr marL="0" marR="0" lvl="0" indent="0" algn="ctr" defTabSz="914400" rtl="0" eaLnBrk="1" fontAlgn="base" latinLnBrk="0" hangingPunct="1">
-                <a:lnSpc>
-                  <a:spcPct val="100000"/>
-                </a:lnSpc>
-                <a:spcBef>
-                  <a:spcPct val="0"/>
-                </a:spcBef>
-                <a:spcAft>
-                  <a:spcPct val="0"/>
-                </a:spcAft>
-                <a:buClrTx/>
-                <a:buSzTx/>
-                <a:buFontTx/>
-                <a:buNone/>
-                <a:tabLst/>
-                <a:defRPr/>
-              </a:pPr>
-              <a:endParaRPr kumimoji="1" lang="ja-JP" altLang="en-US" sz="1600" b="0" i="0" u="none" strike="noStrike" kern="1200" cap="none" spc="0" normalizeH="0" baseline="0" noProof="0">
-                <a:ln>
-                  <a:noFill/>
-                </a:ln>
-                <a:solidFill>
-                  <a:prstClr val="white"/>
-                </a:solidFill>
-                <a:effectLst/>
-                <a:uLnTx/>
-                <a:uFillTx/>
-                <a:latin typeface="游ゴシック" panose="020F0502020204030204"/>
-                <a:ea typeface="游ゴシック" panose="020B0400000000000000" pitchFamily="50" charset="-128"/>
-                <a:cs typeface="+mn-cs"/>
-              </a:endParaRPr>
-            </a:p>
-          </p:txBody>
-        </p:sp>
-        <p:sp>
-          <p:nvSpPr>
-            <p:cNvPr id="143" name="テキスト ボックス 142">
-              <a:extLst>
-                <a:ext uri="{FF2B5EF4-FFF2-40B4-BE49-F238E27FC236}">
-                  <a16:creationId xmlns:a16="http://schemas.microsoft.com/office/drawing/2014/main" id="{27915049-E567-442B-82D7-7390904BB91D}"/>
-                </a:ext>
-              </a:extLst>
-            </p:cNvPr>
-            <p:cNvSpPr txBox="1"/>
-            <p:nvPr/>
-          </p:nvSpPr>
-          <p:spPr>
-            <a:xfrm>
-              <a:off x="2540906" y="1219634"/>
-              <a:ext cx="279421" cy="307777"/>
-            </a:xfrm>
-            <a:prstGeom prst="rect">
-              <a:avLst/>
-            </a:prstGeom>
-            <a:noFill/>
-          </p:spPr>
-          <p:txBody>
-            <a:bodyPr wrap="square" rtlCol="0">
-              <a:spAutoFit/>
-            </a:bodyPr>
-            <a:lstStyle/>
-            <a:p>
-              <a:pPr marL="0" marR="0" lvl="0" indent="0" algn="ctr" defTabSz="914400" rtl="0" eaLnBrk="1" fontAlgn="base" latinLnBrk="0" hangingPunct="1">
-                <a:lnSpc>
-                  <a:spcPct val="100000"/>
-                </a:lnSpc>
-                <a:spcBef>
-                  <a:spcPct val="0"/>
-                </a:spcBef>
-                <a:spcAft>
-                  <a:spcPct val="0"/>
-                </a:spcAft>
-                <a:buClrTx/>
-                <a:buSzTx/>
-                <a:buFontTx/>
-                <a:buNone/>
-                <a:tabLst/>
-                <a:defRPr/>
-              </a:pPr>
-              <a:r>
-                <a:rPr kumimoji="1" lang="en-US" altLang="ja-JP" sz="1400" b="1" i="0" u="none" strike="noStrike" kern="1200" cap="none" spc="0" normalizeH="0" baseline="0" noProof="0" dirty="0">
-                  <a:ln>
-                    <a:noFill/>
-                  </a:ln>
-                  <a:solidFill>
-                    <a:prstClr val="white"/>
-                  </a:solidFill>
-                  <a:effectLst/>
-                  <a:uLnTx/>
-                  <a:uFillTx/>
-                  <a:latin typeface="游ゴシック" panose="020F0502020204030204"/>
-                  <a:ea typeface="メイリオ" panose="020B0604030504040204" pitchFamily="50" charset="-128"/>
-                  <a:cs typeface="+mn-cs"/>
-                </a:rPr>
-                <a:t>2</a:t>
-              </a:r>
-            </a:p>
-          </p:txBody>
-        </p:sp>
-      </p:grpSp>
-      <p:grpSp>
-        <p:nvGrpSpPr>
-          <p:cNvPr id="144" name="グループ化 143">
-            <a:extLst>
-              <a:ext uri="{FF2B5EF4-FFF2-40B4-BE49-F238E27FC236}">
-                <a16:creationId xmlns:a16="http://schemas.microsoft.com/office/drawing/2014/main" id="{90E13857-E422-4AA8-8C40-E5931206E037}"/>
-              </a:ext>
-            </a:extLst>
-          </p:cNvPr>
-          <p:cNvGrpSpPr/>
-          <p:nvPr/>
-        </p:nvGrpSpPr>
-        <p:grpSpPr>
-          <a:xfrm>
-            <a:off x="2162141" y="7508215"/>
-            <a:ext cx="279421" cy="307777"/>
-            <a:chOff x="2540906" y="1219634"/>
-            <a:chExt cx="279421" cy="307777"/>
-          </a:xfrm>
-        </p:grpSpPr>
-        <p:sp>
-          <p:nvSpPr>
-            <p:cNvPr id="145" name="楕円 144">
-              <a:extLst>
-                <a:ext uri="{FF2B5EF4-FFF2-40B4-BE49-F238E27FC236}">
-                  <a16:creationId xmlns:a16="http://schemas.microsoft.com/office/drawing/2014/main" id="{D2CA4E39-9ADC-424F-89CB-ADCEED395E01}"/>
-                </a:ext>
-              </a:extLst>
-            </p:cNvPr>
-            <p:cNvSpPr/>
-            <p:nvPr/>
-          </p:nvSpPr>
-          <p:spPr>
-            <a:xfrm>
-              <a:off x="2563617" y="1246863"/>
-              <a:ext cx="234000" cy="234000"/>
-            </a:xfrm>
-            <a:prstGeom prst="ellipse">
-              <a:avLst/>
-            </a:prstGeom>
-            <a:solidFill>
-              <a:schemeClr val="accent2"/>
-            </a:solidFill>
-            <a:ln>
-              <a:noFill/>
-            </a:ln>
-          </p:spPr>
-          <p:style>
-            <a:lnRef idx="2">
-              <a:schemeClr val="accent1">
-                <a:shade val="50000"/>
-              </a:schemeClr>
-            </a:lnRef>
-            <a:fillRef idx="1">
-              <a:schemeClr val="accent1"/>
-            </a:fillRef>
-            <a:effectRef idx="0">
-              <a:schemeClr val="accent1"/>
-            </a:effectRef>
-            <a:fontRef idx="minor">
-              <a:schemeClr val="lt1"/>
-            </a:fontRef>
-          </p:style>
-          <p:txBody>
-            <a:bodyPr rtlCol="0" anchor="ctr"/>
-            <a:lstStyle/>
-            <a:p>
-              <a:pPr marL="0" marR="0" lvl="0" indent="0" algn="ctr" defTabSz="914400" rtl="0" eaLnBrk="1" fontAlgn="base" latinLnBrk="0" hangingPunct="1">
-                <a:lnSpc>
-                  <a:spcPct val="100000"/>
-                </a:lnSpc>
-                <a:spcBef>
-                  <a:spcPct val="0"/>
-                </a:spcBef>
-                <a:spcAft>
-                  <a:spcPct val="0"/>
-                </a:spcAft>
-                <a:buClrTx/>
-                <a:buSzTx/>
-                <a:buFontTx/>
-                <a:buNone/>
-                <a:tabLst/>
-                <a:defRPr/>
-              </a:pPr>
-              <a:endParaRPr kumimoji="1" lang="ja-JP" altLang="en-US" sz="1600" b="0" i="0" u="none" strike="noStrike" kern="1200" cap="none" spc="0" normalizeH="0" baseline="0" noProof="0">
-                <a:ln>
-                  <a:noFill/>
-                </a:ln>
-                <a:solidFill>
-                  <a:prstClr val="white"/>
-                </a:solidFill>
-                <a:effectLst/>
-                <a:uLnTx/>
-                <a:uFillTx/>
-                <a:latin typeface="游ゴシック" panose="020F0502020204030204"/>
-                <a:ea typeface="游ゴシック" panose="020B0400000000000000" pitchFamily="50" charset="-128"/>
-                <a:cs typeface="+mn-cs"/>
-              </a:endParaRPr>
-            </a:p>
-          </p:txBody>
-        </p:sp>
-        <p:sp>
-          <p:nvSpPr>
-            <p:cNvPr id="146" name="テキスト ボックス 145">
-              <a:extLst>
-                <a:ext uri="{FF2B5EF4-FFF2-40B4-BE49-F238E27FC236}">
-                  <a16:creationId xmlns:a16="http://schemas.microsoft.com/office/drawing/2014/main" id="{CF7D7047-6952-4FAB-9013-59AFE4F554E2}"/>
-                </a:ext>
-              </a:extLst>
-            </p:cNvPr>
-            <p:cNvSpPr txBox="1"/>
-            <p:nvPr/>
-          </p:nvSpPr>
-          <p:spPr>
-            <a:xfrm>
-              <a:off x="2540906" y="1219634"/>
-              <a:ext cx="279421" cy="307777"/>
-            </a:xfrm>
-            <a:prstGeom prst="rect">
-              <a:avLst/>
-            </a:prstGeom>
-            <a:noFill/>
-          </p:spPr>
-          <p:txBody>
-            <a:bodyPr wrap="square" rtlCol="0">
-              <a:spAutoFit/>
-            </a:bodyPr>
-            <a:lstStyle/>
-            <a:p>
-              <a:pPr marL="0" marR="0" lvl="0" indent="0" algn="ctr" defTabSz="914400" rtl="0" eaLnBrk="1" fontAlgn="base" latinLnBrk="0" hangingPunct="1">
-                <a:lnSpc>
-                  <a:spcPct val="100000"/>
-                </a:lnSpc>
-                <a:spcBef>
-                  <a:spcPct val="0"/>
-                </a:spcBef>
-                <a:spcAft>
-                  <a:spcPct val="0"/>
-                </a:spcAft>
-                <a:buClrTx/>
-                <a:buSzTx/>
-                <a:buFontTx/>
-                <a:buNone/>
-                <a:tabLst/>
-                <a:defRPr/>
-              </a:pPr>
-              <a:r>
-                <a:rPr kumimoji="1" lang="en-US" altLang="ja-JP" sz="1400" b="1" i="0" u="none" strike="noStrike" kern="1200" cap="none" spc="0" normalizeH="0" baseline="0" noProof="0" dirty="0">
-                  <a:ln>
-                    <a:noFill/>
-                  </a:ln>
-                  <a:solidFill>
-                    <a:prstClr val="white"/>
-                  </a:solidFill>
-                  <a:effectLst/>
-                  <a:uLnTx/>
-                  <a:uFillTx/>
-                  <a:latin typeface="游ゴシック" panose="020F0502020204030204"/>
-                  <a:ea typeface="メイリオ" panose="020B0604030504040204" pitchFamily="50" charset="-128"/>
-                  <a:cs typeface="+mn-cs"/>
-                </a:rPr>
-                <a:t>3</a:t>
-              </a:r>
-            </a:p>
-          </p:txBody>
-        </p:sp>
-      </p:grpSp>
-      <p:grpSp>
-        <p:nvGrpSpPr>
-          <p:cNvPr id="147" name="グループ化 146">
-            <a:extLst>
-              <a:ext uri="{FF2B5EF4-FFF2-40B4-BE49-F238E27FC236}">
-                <a16:creationId xmlns:a16="http://schemas.microsoft.com/office/drawing/2014/main" id="{7A213496-6371-4132-98B2-A10F65C5EDE4}"/>
-              </a:ext>
-            </a:extLst>
-          </p:cNvPr>
-          <p:cNvGrpSpPr/>
-          <p:nvPr/>
-        </p:nvGrpSpPr>
-        <p:grpSpPr>
-          <a:xfrm>
-            <a:off x="2162141" y="8013731"/>
-            <a:ext cx="279421" cy="307777"/>
-            <a:chOff x="2540906" y="1219634"/>
-            <a:chExt cx="279421" cy="307777"/>
-          </a:xfrm>
-        </p:grpSpPr>
-        <p:sp>
-          <p:nvSpPr>
-            <p:cNvPr id="148" name="楕円 147">
-              <a:extLst>
-                <a:ext uri="{FF2B5EF4-FFF2-40B4-BE49-F238E27FC236}">
-                  <a16:creationId xmlns:a16="http://schemas.microsoft.com/office/drawing/2014/main" id="{6B6CAC7F-E12E-4405-A475-2445947A1883}"/>
-                </a:ext>
-              </a:extLst>
-            </p:cNvPr>
-            <p:cNvSpPr/>
-            <p:nvPr/>
-          </p:nvSpPr>
-          <p:spPr>
-            <a:xfrm>
-              <a:off x="2563617" y="1246863"/>
-              <a:ext cx="234000" cy="234000"/>
-            </a:xfrm>
-            <a:prstGeom prst="ellipse">
-              <a:avLst/>
-            </a:prstGeom>
-            <a:solidFill>
-              <a:schemeClr val="accent2"/>
-            </a:solidFill>
-            <a:ln>
-              <a:noFill/>
-            </a:ln>
-          </p:spPr>
-          <p:style>
-            <a:lnRef idx="2">
-              <a:schemeClr val="accent1">
-                <a:shade val="50000"/>
-              </a:schemeClr>
-            </a:lnRef>
-            <a:fillRef idx="1">
-              <a:schemeClr val="accent1"/>
-            </a:fillRef>
-            <a:effectRef idx="0">
-              <a:schemeClr val="accent1"/>
-            </a:effectRef>
-            <a:fontRef idx="minor">
-              <a:schemeClr val="lt1"/>
-            </a:fontRef>
-          </p:style>
-          <p:txBody>
-            <a:bodyPr rtlCol="0" anchor="ctr"/>
-            <a:lstStyle/>
-            <a:p>
-              <a:pPr marL="0" marR="0" lvl="0" indent="0" algn="ctr" defTabSz="914400" rtl="0" eaLnBrk="1" fontAlgn="base" latinLnBrk="0" hangingPunct="1">
-                <a:lnSpc>
-                  <a:spcPct val="100000"/>
-                </a:lnSpc>
-                <a:spcBef>
-                  <a:spcPct val="0"/>
-                </a:spcBef>
-                <a:spcAft>
-                  <a:spcPct val="0"/>
-                </a:spcAft>
-                <a:buClrTx/>
-                <a:buSzTx/>
-                <a:buFontTx/>
-                <a:buNone/>
-                <a:tabLst/>
-                <a:defRPr/>
-              </a:pPr>
-              <a:endParaRPr kumimoji="1" lang="ja-JP" altLang="en-US" sz="1600" b="0" i="0" u="none" strike="noStrike" kern="1200" cap="none" spc="0" normalizeH="0" baseline="0" noProof="0">
-                <a:ln>
-                  <a:noFill/>
-                </a:ln>
-                <a:solidFill>
-                  <a:prstClr val="white"/>
-                </a:solidFill>
-                <a:effectLst/>
-                <a:uLnTx/>
-                <a:uFillTx/>
-                <a:latin typeface="游ゴシック" panose="020F0502020204030204"/>
-                <a:ea typeface="游ゴシック" panose="020B0400000000000000" pitchFamily="50" charset="-128"/>
-                <a:cs typeface="+mn-cs"/>
-              </a:endParaRPr>
-            </a:p>
-          </p:txBody>
-        </p:sp>
-        <p:sp>
-          <p:nvSpPr>
-            <p:cNvPr id="149" name="テキスト ボックス 148">
-              <a:extLst>
-                <a:ext uri="{FF2B5EF4-FFF2-40B4-BE49-F238E27FC236}">
-                  <a16:creationId xmlns:a16="http://schemas.microsoft.com/office/drawing/2014/main" id="{3C3533E7-0B69-42C2-BC2E-7C32CFF2BD1A}"/>
-                </a:ext>
-              </a:extLst>
-            </p:cNvPr>
-            <p:cNvSpPr txBox="1"/>
-            <p:nvPr/>
-          </p:nvSpPr>
-          <p:spPr>
-            <a:xfrm>
-              <a:off x="2540906" y="1219634"/>
-              <a:ext cx="279421" cy="307777"/>
-            </a:xfrm>
-            <a:prstGeom prst="rect">
-              <a:avLst/>
-            </a:prstGeom>
-            <a:noFill/>
-          </p:spPr>
-          <p:txBody>
-            <a:bodyPr wrap="square" rtlCol="0">
-              <a:spAutoFit/>
-            </a:bodyPr>
-            <a:lstStyle/>
-            <a:p>
-              <a:pPr marL="0" marR="0" lvl="0" indent="0" algn="ctr" defTabSz="914400" rtl="0" eaLnBrk="1" fontAlgn="base" latinLnBrk="0" hangingPunct="1">
-                <a:lnSpc>
-                  <a:spcPct val="100000"/>
-                </a:lnSpc>
-                <a:spcBef>
-                  <a:spcPct val="0"/>
-                </a:spcBef>
-                <a:spcAft>
-                  <a:spcPct val="0"/>
-                </a:spcAft>
-                <a:buClrTx/>
-                <a:buSzTx/>
-                <a:buFontTx/>
-                <a:buNone/>
-                <a:tabLst/>
-                <a:defRPr/>
-              </a:pPr>
-              <a:r>
-                <a:rPr kumimoji="1" lang="en-US" altLang="ja-JP" sz="1400" b="1" i="0" u="none" strike="noStrike" kern="1200" cap="none" spc="0" normalizeH="0" baseline="0" noProof="0" dirty="0">
-                  <a:ln>
-                    <a:noFill/>
-                  </a:ln>
-                  <a:solidFill>
-                    <a:prstClr val="white"/>
-                  </a:solidFill>
-                  <a:effectLst/>
-                  <a:uLnTx/>
-                  <a:uFillTx/>
-                  <a:latin typeface="游ゴシック" panose="020F0502020204030204"/>
-                  <a:ea typeface="メイリオ" panose="020B0604030504040204" pitchFamily="50" charset="-128"/>
-                  <a:cs typeface="+mn-cs"/>
-                </a:rPr>
-                <a:t>4</a:t>
-              </a:r>
-            </a:p>
-          </p:txBody>
-        </p:sp>
-      </p:grpSp>
-      <p:grpSp>
-        <p:nvGrpSpPr>
-          <p:cNvPr id="150" name="グループ化 149">
-            <a:extLst>
-              <a:ext uri="{FF2B5EF4-FFF2-40B4-BE49-F238E27FC236}">
-                <a16:creationId xmlns:a16="http://schemas.microsoft.com/office/drawing/2014/main" id="{FEF8F733-05BE-4443-AC8B-BD527894C988}"/>
-              </a:ext>
-            </a:extLst>
-          </p:cNvPr>
-          <p:cNvGrpSpPr/>
-          <p:nvPr/>
-        </p:nvGrpSpPr>
-        <p:grpSpPr>
-          <a:xfrm>
-            <a:off x="2162141" y="8513979"/>
-            <a:ext cx="279421" cy="307777"/>
-            <a:chOff x="2540906" y="1219634"/>
-            <a:chExt cx="279421" cy="307777"/>
-          </a:xfrm>
-        </p:grpSpPr>
-        <p:sp>
-          <p:nvSpPr>
-            <p:cNvPr id="151" name="楕円 150">
-              <a:extLst>
-                <a:ext uri="{FF2B5EF4-FFF2-40B4-BE49-F238E27FC236}">
-                  <a16:creationId xmlns:a16="http://schemas.microsoft.com/office/drawing/2014/main" id="{53C15CB9-AD36-4677-B8FC-D91E92A37B6F}"/>
-                </a:ext>
-              </a:extLst>
-            </p:cNvPr>
-            <p:cNvSpPr/>
-            <p:nvPr/>
-          </p:nvSpPr>
-          <p:spPr>
-            <a:xfrm>
-              <a:off x="2563617" y="1246863"/>
-              <a:ext cx="234000" cy="234000"/>
-            </a:xfrm>
-            <a:prstGeom prst="ellipse">
-              <a:avLst/>
-            </a:prstGeom>
-            <a:solidFill>
-              <a:schemeClr val="accent2"/>
-            </a:solidFill>
-            <a:ln>
-              <a:noFill/>
-            </a:ln>
-          </p:spPr>
-          <p:style>
-            <a:lnRef idx="2">
-              <a:schemeClr val="accent1">
-                <a:shade val="50000"/>
-              </a:schemeClr>
-            </a:lnRef>
-            <a:fillRef idx="1">
-              <a:schemeClr val="accent1"/>
-            </a:fillRef>
-            <a:effectRef idx="0">
-              <a:schemeClr val="accent1"/>
-            </a:effectRef>
-            <a:fontRef idx="minor">
-              <a:schemeClr val="lt1"/>
-            </a:fontRef>
-          </p:style>
-          <p:txBody>
-            <a:bodyPr rtlCol="0" anchor="ctr"/>
-            <a:lstStyle/>
-            <a:p>
-              <a:pPr marL="0" marR="0" lvl="0" indent="0" algn="ctr" defTabSz="914400" rtl="0" eaLnBrk="1" fontAlgn="base" latinLnBrk="0" hangingPunct="1">
-                <a:lnSpc>
-                  <a:spcPct val="100000"/>
-                </a:lnSpc>
-                <a:spcBef>
-                  <a:spcPct val="0"/>
-                </a:spcBef>
-                <a:spcAft>
-                  <a:spcPct val="0"/>
-                </a:spcAft>
-                <a:buClrTx/>
-                <a:buSzTx/>
-                <a:buFontTx/>
-                <a:buNone/>
-                <a:tabLst/>
-                <a:defRPr/>
-              </a:pPr>
-              <a:endParaRPr kumimoji="1" lang="ja-JP" altLang="en-US" sz="1600" b="0" i="0" u="none" strike="noStrike" kern="1200" cap="none" spc="0" normalizeH="0" baseline="0" noProof="0">
-                <a:ln>
-                  <a:noFill/>
-                </a:ln>
-                <a:solidFill>
-                  <a:prstClr val="white"/>
-                </a:solidFill>
-                <a:effectLst/>
-                <a:uLnTx/>
-                <a:uFillTx/>
-                <a:latin typeface="游ゴシック" panose="020F0502020204030204"/>
-                <a:ea typeface="游ゴシック" panose="020B0400000000000000" pitchFamily="50" charset="-128"/>
-                <a:cs typeface="+mn-cs"/>
-              </a:endParaRPr>
-            </a:p>
-          </p:txBody>
-        </p:sp>
-        <p:sp>
-          <p:nvSpPr>
-            <p:cNvPr id="152" name="テキスト ボックス 151">
-              <a:extLst>
-                <a:ext uri="{FF2B5EF4-FFF2-40B4-BE49-F238E27FC236}">
-                  <a16:creationId xmlns:a16="http://schemas.microsoft.com/office/drawing/2014/main" id="{D76D0E2D-D07C-4076-9A8F-DF4E146E55B2}"/>
-                </a:ext>
-              </a:extLst>
-            </p:cNvPr>
-            <p:cNvSpPr txBox="1"/>
-            <p:nvPr/>
-          </p:nvSpPr>
-          <p:spPr>
-            <a:xfrm>
-              <a:off x="2540906" y="1219634"/>
-              <a:ext cx="279421" cy="307777"/>
-            </a:xfrm>
-            <a:prstGeom prst="rect">
-              <a:avLst/>
-            </a:prstGeom>
-            <a:noFill/>
-          </p:spPr>
-          <p:txBody>
-            <a:bodyPr wrap="square" rtlCol="0">
-              <a:spAutoFit/>
-            </a:bodyPr>
-            <a:lstStyle/>
-            <a:p>
-              <a:pPr marL="0" marR="0" lvl="0" indent="0" algn="ctr" defTabSz="914400" rtl="0" eaLnBrk="1" fontAlgn="base" latinLnBrk="0" hangingPunct="1">
-                <a:lnSpc>
-                  <a:spcPct val="100000"/>
-                </a:lnSpc>
-                <a:spcBef>
-                  <a:spcPct val="0"/>
-                </a:spcBef>
-                <a:spcAft>
-                  <a:spcPct val="0"/>
-                </a:spcAft>
-                <a:buClrTx/>
-                <a:buSzTx/>
-                <a:buFontTx/>
-                <a:buNone/>
-                <a:tabLst/>
-                <a:defRPr/>
-              </a:pPr>
-              <a:r>
-                <a:rPr kumimoji="1" lang="en-US" altLang="ja-JP" sz="1400" b="1" i="0" u="none" strike="noStrike" kern="1200" cap="none" spc="0" normalizeH="0" baseline="0" noProof="0" dirty="0">
-                  <a:ln>
-                    <a:noFill/>
-                  </a:ln>
-                  <a:solidFill>
-                    <a:prstClr val="white"/>
-                  </a:solidFill>
-                  <a:effectLst/>
-                  <a:uLnTx/>
-                  <a:uFillTx/>
-                  <a:latin typeface="游ゴシック" panose="020F0502020204030204"/>
-                  <a:ea typeface="メイリオ" panose="020B0604030504040204" pitchFamily="50" charset="-128"/>
-                  <a:cs typeface="+mn-cs"/>
-                </a:rPr>
-                <a:t>5</a:t>
-              </a:r>
-            </a:p>
-          </p:txBody>
-        </p:sp>
-      </p:grpSp>
-      <p:sp>
-        <p:nvSpPr>
-          <p:cNvPr id="74" name="テキスト ボックス 73">
-            <a:extLst>
-              <a:ext uri="{FF2B5EF4-FFF2-40B4-BE49-F238E27FC236}">
-                <a16:creationId xmlns:a16="http://schemas.microsoft.com/office/drawing/2014/main" id="{A5846C84-42B8-4EE9-A815-729435606A11}"/>
-              </a:ext>
-            </a:extLst>
-          </p:cNvPr>
-          <p:cNvSpPr txBox="1"/>
-          <p:nvPr/>
-        </p:nvSpPr>
-        <p:spPr>
-          <a:xfrm>
-            <a:off x="10301946" y="109416"/>
-            <a:ext cx="2392114" cy="584775"/>
-          </a:xfrm>
-          <a:prstGeom prst="rect">
-            <a:avLst/>
-          </a:prstGeom>
-          <a:noFill/>
-        </p:spPr>
-        <p:txBody>
-          <a:bodyPr wrap="square" rtlCol="0">
-            <a:spAutoFit/>
-          </a:bodyPr>
-          <a:lstStyle/>
-          <a:p>
-            <a:r>
-              <a:rPr kumimoji="1" lang="en-US" altLang="ja-JP" sz="3200" b="1" dirty="0" err="1">
-                <a:solidFill>
-                  <a:srgbClr val="F600AA"/>
-                </a:solidFill>
-                <a:latin typeface="+mn-ea"/>
-                <a:ea typeface="+mn-ea"/>
-              </a:rPr>
-              <a:t>teamNITIC</a:t>
-            </a:r>
-            <a:endParaRPr kumimoji="1" lang="ja-JP" altLang="en-US" sz="3200" b="1" dirty="0">
-              <a:solidFill>
-                <a:srgbClr val="F600AA"/>
-              </a:solidFill>
-              <a:latin typeface="+mn-ea"/>
-              <a:ea typeface="+mn-ea"/>
-            </a:endParaRPr>
-          </a:p>
-        </p:txBody>
-      </p:sp>
     </p:spTree>
     <p:extLst>
       <p:ext uri="{BB962C8B-B14F-4D97-AF65-F5344CB8AC3E}">
-        <p14:creationId xmlns:p14="http://schemas.microsoft.com/office/powerpoint/2010/main" val="3004469087"/>
+        <p14:creationId xmlns:p14="http://schemas.microsoft.com/office/powerpoint/2010/main" val="2533137847"/>
       </p:ext>
     </p:extLst>
   </p:cSld>
@@ -29303,8 +29377,8 @@
         </p:nvCxnSpPr>
         <p:spPr>
           <a:xfrm>
-            <a:off x="6397137" y="766991"/>
-            <a:ext cx="0" cy="8784976"/>
+            <a:off x="6397137" y="804529"/>
+            <a:ext cx="0" cy="8676591"/>
           </a:xfrm>
           <a:prstGeom prst="line">
             <a:avLst/>
@@ -30899,7 +30973,27 @@
               <a:t>3-1</a:t>
             </a:r>
             <a:r>
-              <a:rPr kumimoji="1" lang="ja-JP" altLang="en-US" sz="1200" b="1" i="0" u="none" strike="noStrike" kern="1200" cap="none" spc="0" normalizeH="0" baseline="0" noProof="0">
+              <a:rPr lang="en-US" altLang="ja-JP" sz="1200" b="1" dirty="0">
+                <a:solidFill>
+                  <a:prstClr val="black"/>
+                </a:solidFill>
+                <a:latin typeface="Yu Gothic" panose="020B0400000000000000" pitchFamily="34" charset="-128"/>
+                <a:ea typeface="Yu Gothic" panose="020B0400000000000000" pitchFamily="34" charset="-128"/>
+              </a:rPr>
+              <a:t>.</a:t>
+            </a:r>
+            <a:r>
+              <a:rPr lang="ja-JP" altLang="en-US" sz="1200" b="1" dirty="0">
+                <a:solidFill>
+                  <a:prstClr val="black"/>
+                </a:solidFill>
+                <a:latin typeface="Yu Gothic" panose="020B0400000000000000" pitchFamily="34" charset="-128"/>
+                <a:ea typeface="Yu Gothic" panose="020B0400000000000000" pitchFamily="34" charset="-128"/>
+              </a:rPr>
+              <a:t> </a:t>
+            </a:r>
+            <a:r>
+              <a:rPr kumimoji="1" lang="ja-JP" altLang="en-US" sz="1200" b="1" i="0" u="none" strike="noStrike" kern="1200" cap="none" spc="0" normalizeH="0" baseline="0" noProof="0" dirty="0">
                 <a:ln>
                   <a:noFill/>
                 </a:ln>
@@ -30913,7 +31007,7 @@
                 <a:ea typeface="Yu Gothic" panose="020B0400000000000000" pitchFamily="34" charset="-128"/>
                 <a:cs typeface="+mn-cs"/>
               </a:rPr>
-              <a:t>．曲率制御の導入</a:t>
+              <a:t>曲率制御の導入</a:t>
             </a:r>
             <a:endParaRPr kumimoji="1" lang="en-US" altLang="ja-JP" sz="1200" b="1" i="0" u="none" strike="noStrike" kern="1200" cap="none" spc="0" normalizeH="0" baseline="0" noProof="0" dirty="0">
               <a:ln>
@@ -32964,7 +33058,27 @@
               <a:t>3-2</a:t>
             </a:r>
             <a:r>
-              <a:rPr kumimoji="1" lang="ja-JP" altLang="en-US" sz="1200" b="1" i="0" u="none" strike="noStrike" kern="1200" cap="none" spc="0" normalizeH="0" baseline="0" noProof="0">
+              <a:rPr lang="en-US" altLang="ja-JP" sz="1200" b="1" dirty="0">
+                <a:solidFill>
+                  <a:prstClr val="black"/>
+                </a:solidFill>
+                <a:latin typeface="Yu Gothic" panose="020B0400000000000000" pitchFamily="34" charset="-128"/>
+                <a:ea typeface="Yu Gothic" panose="020B0400000000000000" pitchFamily="34" charset="-128"/>
+              </a:rPr>
+              <a:t>.</a:t>
+            </a:r>
+            <a:r>
+              <a:rPr lang="ja-JP" altLang="en-US" sz="1200" b="1" dirty="0">
+                <a:solidFill>
+                  <a:prstClr val="black"/>
+                </a:solidFill>
+                <a:latin typeface="Yu Gothic" panose="020B0400000000000000" pitchFamily="34" charset="-128"/>
+                <a:ea typeface="Yu Gothic" panose="020B0400000000000000" pitchFamily="34" charset="-128"/>
+              </a:rPr>
+              <a:t> </a:t>
+            </a:r>
+            <a:r>
+              <a:rPr kumimoji="1" lang="ja-JP" altLang="en-US" sz="1200" b="1" i="0" u="none" strike="noStrike" kern="1200" cap="none" spc="0" normalizeH="0" baseline="0" noProof="0" dirty="0">
                 <a:ln>
                   <a:noFill/>
                 </a:ln>
@@ -32978,7 +33092,7 @@
                 <a:ea typeface="Yu Gothic" panose="020B0400000000000000" pitchFamily="34" charset="-128"/>
                 <a:cs typeface="+mn-cs"/>
               </a:rPr>
-              <a:t>．バッテリ電圧補償係数の導入</a:t>
+              <a:t>バッテリ電圧補償係数の導入</a:t>
             </a:r>
             <a:endParaRPr kumimoji="1" lang="en-US" altLang="ja-JP" sz="1200" b="1" i="0" u="none" strike="noStrike" kern="1200" cap="none" spc="0" normalizeH="0" baseline="0" noProof="0" dirty="0">
               <a:ln>
@@ -36567,7 +36681,7 @@
               <a:defRPr/>
             </a:pPr>
             <a:r>
-              <a:rPr kumimoji="1" lang="ja-JP" altLang="en-US" sz="1050" b="0" i="0" u="none" strike="noStrike" kern="1200" cap="none" spc="0" normalizeH="0" baseline="0" noProof="0">
+              <a:rPr kumimoji="1" lang="ja-JP" altLang="en-US" sz="1050" b="0" i="0" u="none" strike="noStrike" kern="1200" cap="none" spc="0" normalizeH="0" baseline="0" noProof="0" dirty="0">
                 <a:ln>
                   <a:noFill/>
                 </a:ln>
@@ -36601,7 +36715,7 @@
               <a:t>EV3RT</a:t>
             </a:r>
             <a:r>
-              <a:rPr kumimoji="1" lang="ja-JP" altLang="en-US" sz="1050" b="0" i="0" u="none" strike="noStrike" kern="1200" cap="none" spc="0" normalizeH="0" baseline="0" noProof="0">
+              <a:rPr kumimoji="1" lang="ja-JP" altLang="en-US" sz="1050" b="0" i="0" u="none" strike="noStrike" kern="1200" cap="none" spc="0" normalizeH="0" baseline="0" noProof="0" dirty="0">
                 <a:ln>
                   <a:noFill/>
                 </a:ln>
@@ -36635,7 +36749,7 @@
               <a:t>3</a:t>
             </a:r>
             <a:r>
-              <a:rPr kumimoji="1" lang="ja-JP" altLang="en-US" sz="1050" b="0" i="0" u="none" strike="noStrike" kern="1200" cap="none" spc="0" normalizeH="0" baseline="0" noProof="0">
+              <a:rPr kumimoji="1" lang="ja-JP" altLang="en-US" sz="1050" b="0" i="0" u="none" strike="noStrike" kern="1200" cap="none" spc="0" normalizeH="0" baseline="0" noProof="0" dirty="0" err="1">
                 <a:ln>
                   <a:noFill/>
                 </a:ln>
@@ -36649,7 +36763,24 @@
                 <a:ea typeface="Meiryo" panose="020B0604030504040204" pitchFamily="34" charset="-128"/>
                 <a:cs typeface="+mn-cs"/>
               </a:rPr>
-              <a:t>つのモータを</a:t>
+              <a:t>つの</a:t>
+            </a:r>
+            <a:r>
+              <a:rPr kumimoji="1" lang="ja-JP" altLang="en-US" sz="1050" b="0" i="0" u="none" strike="noStrike" kern="1200" cap="none" spc="0" normalizeH="0" baseline="0" noProof="0" dirty="0">
+                <a:ln>
+                  <a:noFill/>
+                </a:ln>
+                <a:solidFill>
+                  <a:prstClr val="black"/>
+                </a:solidFill>
+                <a:effectLst/>
+                <a:uLnTx/>
+                <a:uFillTx/>
+                <a:latin typeface="Meiryo" panose="020B0604030504040204" pitchFamily="34" charset="-128"/>
+                <a:ea typeface="Meiryo" panose="020B0604030504040204" pitchFamily="34" charset="-128"/>
+                <a:cs typeface="+mn-cs"/>
+              </a:rPr>
+              <a:t>モータを</a:t>
             </a:r>
             <a:r>
               <a:rPr kumimoji="1" lang="en-US" altLang="ja-JP" sz="1050" b="0" i="0" u="none" strike="noStrike" kern="1200" cap="none" spc="0" normalizeH="0" baseline="0" noProof="0" dirty="0">
@@ -36669,7 +36800,7 @@
               <a:t>PWM100%</a:t>
             </a:r>
             <a:r>
-              <a:rPr kumimoji="1" lang="ja-JP" altLang="en-US" sz="1050" b="0" i="0" u="none" strike="noStrike" kern="1200" cap="none" spc="0" normalizeH="0" baseline="0" noProof="0">
+              <a:rPr kumimoji="1" lang="ja-JP" altLang="en-US" sz="1050" b="0" i="0" u="none" strike="noStrike" kern="1200" cap="none" spc="0" normalizeH="0" baseline="0" noProof="0" dirty="0">
                 <a:ln>
                   <a:noFill/>
                 </a:ln>

--- a/PowerPoint/提出用.pptx
+++ b/PowerPoint/提出用.pptx
@@ -5656,251 +5656,824 @@
           <a:chExt cx="0" cy="0"/>
         </a:xfrm>
       </p:grpSpPr>
-      <p:sp>
-        <p:nvSpPr>
-          <p:cNvPr id="115" name="四角形: 角を丸くする 114">
+      <p:grpSp>
+        <p:nvGrpSpPr>
+          <p:cNvPr id="87" name="グループ化 86">
             <a:extLst>
               <a:ext uri="{FF2B5EF4-FFF2-40B4-BE49-F238E27FC236}">
-                <a16:creationId xmlns:a16="http://schemas.microsoft.com/office/drawing/2014/main" id="{2798FF8C-0FCA-4075-AE5D-BA71AC9C3B39}"/>
+                <a16:creationId xmlns:a16="http://schemas.microsoft.com/office/drawing/2014/main" id="{C6EE735F-9B61-47E5-8FDB-415FAA31D034}"/>
               </a:ext>
             </a:extLst>
           </p:cNvPr>
-          <p:cNvSpPr/>
+          <p:cNvGrpSpPr/>
           <p:nvPr/>
-        </p:nvSpPr>
-        <p:spPr>
+        </p:nvGrpSpPr>
+        <p:grpSpPr>
           <a:xfrm>
-            <a:off x="6147012" y="267972"/>
-            <a:ext cx="2016000" cy="1152297"/>
+            <a:off x="8159073" y="253425"/>
+            <a:ext cx="2016000" cy="1167206"/>
+            <a:chOff x="8159073" y="253425"/>
+            <a:chExt cx="2016000" cy="1167206"/>
           </a:xfrm>
-          <a:prstGeom prst="roundRect">
-            <a:avLst/>
-          </a:prstGeom>
-          <a:ln w="28575">
-            <a:solidFill>
-              <a:schemeClr val="accent6">
-                <a:lumMod val="60000"/>
-                <a:lumOff val="40000"/>
-              </a:schemeClr>
-            </a:solidFill>
-          </a:ln>
-        </p:spPr>
-        <p:style>
-          <a:lnRef idx="2">
-            <a:schemeClr val="accent6"/>
-          </a:lnRef>
-          <a:fillRef idx="1">
-            <a:schemeClr val="lt1"/>
-          </a:fillRef>
-          <a:effectRef idx="0">
-            <a:schemeClr val="accent6"/>
-          </a:effectRef>
-          <a:fontRef idx="minor">
-            <a:schemeClr val="dk1"/>
-          </a:fontRef>
-        </p:style>
-        <p:txBody>
-          <a:bodyPr rtlCol="0" anchor="ctr"/>
-          <a:lstStyle/>
-          <a:p>
-            <a:pPr marL="0" marR="0" lvl="0" indent="0" algn="ctr" defTabSz="914400" rtl="0" eaLnBrk="1" fontAlgn="base" latinLnBrk="0" hangingPunct="1">
-              <a:lnSpc>
-                <a:spcPct val="100000"/>
-              </a:lnSpc>
-              <a:spcBef>
-                <a:spcPct val="0"/>
-              </a:spcBef>
-              <a:spcAft>
-                <a:spcPct val="0"/>
-              </a:spcAft>
-              <a:buClrTx/>
-              <a:buSzTx/>
-              <a:buFontTx/>
-              <a:buNone/>
-              <a:tabLst/>
-              <a:defRPr/>
-            </a:pPr>
-            <a:endParaRPr kumimoji="1" lang="ja-JP" altLang="en-US" sz="1600" b="0" i="0" u="none" strike="noStrike" kern="1200" cap="none" spc="0" normalizeH="0" baseline="0" noProof="0">
-              <a:ln>
-                <a:noFill/>
-              </a:ln>
+        </p:grpSpPr>
+        <p:sp>
+          <p:nvSpPr>
+            <p:cNvPr id="88" name="四角形: 角を丸くする 87">
+              <a:extLst>
+                <a:ext uri="{FF2B5EF4-FFF2-40B4-BE49-F238E27FC236}">
+                  <a16:creationId xmlns:a16="http://schemas.microsoft.com/office/drawing/2014/main" id="{D6AE63AF-BD32-4D59-AC8B-4277B8AE561C}"/>
+                </a:ext>
+              </a:extLst>
+            </p:cNvPr>
+            <p:cNvSpPr/>
+            <p:nvPr/>
+          </p:nvSpPr>
+          <p:spPr>
+            <a:xfrm>
+              <a:off x="8159073" y="268334"/>
+              <a:ext cx="2016000" cy="1152297"/>
+            </a:xfrm>
+            <a:prstGeom prst="roundRect">
+              <a:avLst/>
+            </a:prstGeom>
+            <a:ln w="28575">
               <a:solidFill>
-                <a:prstClr val="black"/>
+                <a:schemeClr val="accent6">
+                  <a:lumMod val="60000"/>
+                  <a:lumOff val="40000"/>
+                </a:schemeClr>
               </a:solidFill>
-              <a:effectLst/>
-              <a:uLnTx/>
-              <a:uFillTx/>
-              <a:latin typeface="游ゴシック" panose="020F0502020204030204"/>
-              <a:ea typeface="游ゴシック" panose="020B0400000000000000" pitchFamily="50" charset="-128"/>
-              <a:cs typeface="+mn-cs"/>
-            </a:endParaRPr>
-          </a:p>
-        </p:txBody>
-      </p:sp>
-      <p:sp>
-        <p:nvSpPr>
-          <p:cNvPr id="14" name="四角形: 角を丸くする 13">
+            </a:ln>
+          </p:spPr>
+          <p:style>
+            <a:lnRef idx="2">
+              <a:schemeClr val="accent6"/>
+            </a:lnRef>
+            <a:fillRef idx="1">
+              <a:schemeClr val="lt1"/>
+            </a:fillRef>
+            <a:effectRef idx="0">
+              <a:schemeClr val="accent6"/>
+            </a:effectRef>
+            <a:fontRef idx="minor">
+              <a:schemeClr val="dk1"/>
+            </a:fontRef>
+          </p:style>
+          <p:txBody>
+            <a:bodyPr rtlCol="0" anchor="ctr"/>
+            <a:lstStyle/>
+            <a:p>
+              <a:pPr marL="0" marR="0" lvl="0" indent="0" algn="ctr" defTabSz="914400" rtl="0" eaLnBrk="1" fontAlgn="base" latinLnBrk="0" hangingPunct="1">
+                <a:lnSpc>
+                  <a:spcPct val="100000"/>
+                </a:lnSpc>
+                <a:spcBef>
+                  <a:spcPct val="0"/>
+                </a:spcBef>
+                <a:spcAft>
+                  <a:spcPct val="0"/>
+                </a:spcAft>
+                <a:buClrTx/>
+                <a:buSzTx/>
+                <a:buFontTx/>
+                <a:buNone/>
+                <a:tabLst/>
+                <a:defRPr/>
+              </a:pPr>
+              <a:endParaRPr kumimoji="1" lang="ja-JP" altLang="en-US" sz="1600" b="0" i="0" u="none" strike="noStrike" kern="1200" cap="none" spc="0" normalizeH="0" baseline="0" noProof="0">
+                <a:ln>
+                  <a:noFill/>
+                </a:ln>
+                <a:solidFill>
+                  <a:prstClr val="black"/>
+                </a:solidFill>
+                <a:effectLst/>
+                <a:uLnTx/>
+                <a:uFillTx/>
+                <a:latin typeface="游ゴシック" panose="020F0502020204030204"/>
+                <a:ea typeface="游ゴシック" panose="020B0400000000000000" pitchFamily="50" charset="-128"/>
+                <a:cs typeface="+mn-cs"/>
+              </a:endParaRPr>
+            </a:p>
+          </p:txBody>
+        </p:sp>
+        <p:sp>
+          <p:nvSpPr>
+            <p:cNvPr id="89" name="テキスト ボックス 88">
+              <a:extLst>
+                <a:ext uri="{FF2B5EF4-FFF2-40B4-BE49-F238E27FC236}">
+                  <a16:creationId xmlns:a16="http://schemas.microsoft.com/office/drawing/2014/main" id="{72FB4A5E-743B-4A6D-92A0-577965E52030}"/>
+                </a:ext>
+              </a:extLst>
+            </p:cNvPr>
+            <p:cNvSpPr txBox="1"/>
+            <p:nvPr/>
+          </p:nvSpPr>
+          <p:spPr>
+            <a:xfrm>
+              <a:off x="8683078" y="253425"/>
+              <a:ext cx="1445666" cy="430887"/>
+            </a:xfrm>
+            <a:prstGeom prst="rect">
+              <a:avLst/>
+            </a:prstGeom>
+            <a:noFill/>
+            <a:ln>
+              <a:noFill/>
+            </a:ln>
+          </p:spPr>
+          <p:style>
+            <a:lnRef idx="0">
+              <a:scrgbClr r="0" g="0" b="0"/>
+            </a:lnRef>
+            <a:fillRef idx="0">
+              <a:scrgbClr r="0" g="0" b="0"/>
+            </a:fillRef>
+            <a:effectRef idx="0">
+              <a:scrgbClr r="0" g="0" b="0"/>
+            </a:effectRef>
+            <a:fontRef idx="minor">
+              <a:schemeClr val="dk1"/>
+            </a:fontRef>
+          </p:style>
+          <p:txBody>
+            <a:bodyPr wrap="square" rtlCol="0">
+              <a:spAutoFit/>
+            </a:bodyPr>
+            <a:lstStyle/>
+            <a:p>
+              <a:pPr marL="0" marR="0" lvl="0" indent="0" algn="l" defTabSz="914400" rtl="0" eaLnBrk="1" fontAlgn="base" latinLnBrk="0" hangingPunct="1">
+                <a:lnSpc>
+                  <a:spcPct val="100000"/>
+                </a:lnSpc>
+                <a:spcBef>
+                  <a:spcPct val="0"/>
+                </a:spcBef>
+                <a:spcAft>
+                  <a:spcPct val="0"/>
+                </a:spcAft>
+                <a:buClrTx/>
+                <a:buSzTx/>
+                <a:buFontTx/>
+                <a:buNone/>
+                <a:tabLst/>
+                <a:defRPr/>
+              </a:pPr>
+              <a:r>
+                <a:rPr kumimoji="1" lang="ja-JP" altLang="en-US" sz="2200" b="0" i="0" u="none" strike="noStrike" kern="1200" cap="none" spc="0" normalizeH="0" baseline="0" noProof="0" dirty="0">
+                  <a:ln>
+                    <a:noFill/>
+                  </a:ln>
+                  <a:solidFill>
+                    <a:srgbClr val="70AD47">
+                      <a:lumMod val="60000"/>
+                      <a:lumOff val="40000"/>
+                    </a:srgbClr>
+                  </a:solidFill>
+                  <a:effectLst/>
+                  <a:uLnTx/>
+                  <a:uFillTx/>
+                  <a:latin typeface="HG創英角ｺﾞｼｯｸUB" panose="020B0909000000000000" pitchFamily="49" charset="-128"/>
+                  <a:ea typeface="HG創英角ｺﾞｼｯｸUB" panose="020B0909000000000000" pitchFamily="49" charset="-128"/>
+                  <a:cs typeface="+mn-cs"/>
+                </a:rPr>
+                <a:t>工夫点</a:t>
+              </a:r>
+              <a:endParaRPr kumimoji="1" lang="en-US" altLang="ja-JP" sz="2200" b="0" i="0" u="none" strike="noStrike" kern="1200" cap="none" spc="0" normalizeH="0" baseline="0" noProof="0" dirty="0">
+                <a:ln>
+                  <a:noFill/>
+                </a:ln>
+                <a:solidFill>
+                  <a:srgbClr val="70AD47">
+                    <a:lumMod val="60000"/>
+                    <a:lumOff val="40000"/>
+                  </a:srgbClr>
+                </a:solidFill>
+                <a:effectLst/>
+                <a:uLnTx/>
+                <a:uFillTx/>
+                <a:latin typeface="HG創英角ｺﾞｼｯｸUB" panose="020B0909000000000000" pitchFamily="49" charset="-128"/>
+                <a:ea typeface="HG創英角ｺﾞｼｯｸUB" panose="020B0909000000000000" pitchFamily="49" charset="-128"/>
+                <a:cs typeface="+mn-cs"/>
+              </a:endParaRPr>
+            </a:p>
+          </p:txBody>
+        </p:sp>
+      </p:grpSp>
+      <p:grpSp>
+        <p:nvGrpSpPr>
+          <p:cNvPr id="81" name="グループ化 80">
             <a:extLst>
               <a:ext uri="{FF2B5EF4-FFF2-40B4-BE49-F238E27FC236}">
-                <a16:creationId xmlns:a16="http://schemas.microsoft.com/office/drawing/2014/main" id="{5DFFF80D-32F6-4641-A456-86DEF48B839E}"/>
+                <a16:creationId xmlns:a16="http://schemas.microsoft.com/office/drawing/2014/main" id="{01B239F3-8601-49BB-8A31-EAA7CCAFC032}"/>
               </a:ext>
             </a:extLst>
           </p:cNvPr>
-          <p:cNvSpPr/>
+          <p:cNvGrpSpPr/>
           <p:nvPr/>
-        </p:nvSpPr>
-        <p:spPr>
+        </p:nvGrpSpPr>
+        <p:grpSpPr>
           <a:xfrm>
-            <a:off x="4131012" y="264096"/>
-            <a:ext cx="2016000" cy="1080368"/>
+            <a:off x="6147012" y="266574"/>
+            <a:ext cx="2438787" cy="1153695"/>
+            <a:chOff x="6147012" y="266574"/>
+            <a:chExt cx="2438787" cy="1153695"/>
           </a:xfrm>
-          <a:prstGeom prst="roundRect">
-            <a:avLst/>
-          </a:prstGeom>
-          <a:ln w="28575">
-            <a:solidFill>
-              <a:schemeClr val="accent6">
-                <a:lumMod val="60000"/>
-                <a:lumOff val="40000"/>
-              </a:schemeClr>
-            </a:solidFill>
-          </a:ln>
-        </p:spPr>
-        <p:style>
-          <a:lnRef idx="2">
-            <a:schemeClr val="accent6"/>
-          </a:lnRef>
-          <a:fillRef idx="1">
-            <a:schemeClr val="lt1"/>
-          </a:fillRef>
-          <a:effectRef idx="0">
-            <a:schemeClr val="accent6"/>
-          </a:effectRef>
-          <a:fontRef idx="minor">
-            <a:schemeClr val="dk1"/>
-          </a:fontRef>
-        </p:style>
-        <p:txBody>
-          <a:bodyPr rtlCol="0" anchor="ctr"/>
-          <a:lstStyle/>
-          <a:p>
-            <a:pPr marL="0" marR="0" lvl="0" indent="0" algn="ctr" defTabSz="914400" rtl="0" eaLnBrk="1" fontAlgn="base" latinLnBrk="0" hangingPunct="1">
-              <a:lnSpc>
-                <a:spcPct val="100000"/>
-              </a:lnSpc>
-              <a:spcBef>
-                <a:spcPct val="0"/>
-              </a:spcBef>
-              <a:spcAft>
-                <a:spcPct val="0"/>
-              </a:spcAft>
-              <a:buClrTx/>
-              <a:buSzTx/>
-              <a:buFontTx/>
-              <a:buNone/>
-              <a:tabLst/>
-              <a:defRPr/>
-            </a:pPr>
-            <a:endParaRPr kumimoji="1" lang="ja-JP" altLang="en-US" sz="1600" b="0" i="0" u="none" strike="noStrike" kern="1200" cap="none" spc="0" normalizeH="0" baseline="0" noProof="0">
-              <a:ln>
-                <a:noFill/>
-              </a:ln>
+        </p:grpSpPr>
+        <p:sp>
+          <p:nvSpPr>
+            <p:cNvPr id="82" name="四角形: 角を丸くする 81">
+              <a:extLst>
+                <a:ext uri="{FF2B5EF4-FFF2-40B4-BE49-F238E27FC236}">
+                  <a16:creationId xmlns:a16="http://schemas.microsoft.com/office/drawing/2014/main" id="{B2795837-951C-4FCA-B51B-652BF63A3B41}"/>
+                </a:ext>
+              </a:extLst>
+            </p:cNvPr>
+            <p:cNvSpPr/>
+            <p:nvPr/>
+          </p:nvSpPr>
+          <p:spPr>
+            <a:xfrm>
+              <a:off x="6147012" y="267972"/>
+              <a:ext cx="2016000" cy="1152297"/>
+            </a:xfrm>
+            <a:prstGeom prst="roundRect">
+              <a:avLst/>
+            </a:prstGeom>
+            <a:ln w="28575">
               <a:solidFill>
-                <a:prstClr val="black"/>
+                <a:schemeClr val="accent6">
+                  <a:lumMod val="60000"/>
+                  <a:lumOff val="40000"/>
+                </a:schemeClr>
               </a:solidFill>
-              <a:effectLst/>
-              <a:uLnTx/>
-              <a:uFillTx/>
-              <a:latin typeface="游ゴシック" panose="020F0502020204030204"/>
-              <a:ea typeface="游ゴシック" panose="020B0400000000000000" pitchFamily="50" charset="-128"/>
-              <a:cs typeface="+mn-cs"/>
-            </a:endParaRPr>
-          </a:p>
-        </p:txBody>
-      </p:sp>
-      <p:sp>
-        <p:nvSpPr>
-          <p:cNvPr id="13" name="四角形: 角を丸くする 12">
+            </a:ln>
+          </p:spPr>
+          <p:style>
+            <a:lnRef idx="2">
+              <a:schemeClr val="accent6"/>
+            </a:lnRef>
+            <a:fillRef idx="1">
+              <a:schemeClr val="lt1"/>
+            </a:fillRef>
+            <a:effectRef idx="0">
+              <a:schemeClr val="accent6"/>
+            </a:effectRef>
+            <a:fontRef idx="minor">
+              <a:schemeClr val="dk1"/>
+            </a:fontRef>
+          </p:style>
+          <p:txBody>
+            <a:bodyPr rtlCol="0" anchor="ctr"/>
+            <a:lstStyle/>
+            <a:p>
+              <a:pPr marL="0" marR="0" lvl="0" indent="0" algn="ctr" defTabSz="914400" rtl="0" eaLnBrk="1" fontAlgn="base" latinLnBrk="0" hangingPunct="1">
+                <a:lnSpc>
+                  <a:spcPct val="100000"/>
+                </a:lnSpc>
+                <a:spcBef>
+                  <a:spcPct val="0"/>
+                </a:spcBef>
+                <a:spcAft>
+                  <a:spcPct val="0"/>
+                </a:spcAft>
+                <a:buClrTx/>
+                <a:buSzTx/>
+                <a:buFontTx/>
+                <a:buNone/>
+                <a:tabLst/>
+                <a:defRPr/>
+              </a:pPr>
+              <a:endParaRPr kumimoji="1" lang="ja-JP" altLang="en-US" sz="1600" b="0" i="0" u="none" strike="noStrike" kern="1200" cap="none" spc="0" normalizeH="0" baseline="0" noProof="0">
+                <a:ln>
+                  <a:noFill/>
+                </a:ln>
+                <a:solidFill>
+                  <a:prstClr val="black"/>
+                </a:solidFill>
+                <a:effectLst/>
+                <a:uLnTx/>
+                <a:uFillTx/>
+                <a:latin typeface="游ゴシック" panose="020F0502020204030204"/>
+                <a:ea typeface="游ゴシック" panose="020B0400000000000000" pitchFamily="50" charset="-128"/>
+                <a:cs typeface="+mn-cs"/>
+              </a:endParaRPr>
+            </a:p>
+          </p:txBody>
+        </p:sp>
+        <p:sp>
+          <p:nvSpPr>
+            <p:cNvPr id="83" name="テキスト ボックス 82">
+              <a:extLst>
+                <a:ext uri="{FF2B5EF4-FFF2-40B4-BE49-F238E27FC236}">
+                  <a16:creationId xmlns:a16="http://schemas.microsoft.com/office/drawing/2014/main" id="{2B2F1DBB-F3A9-4CD5-A44C-2E467AEEE4CE}"/>
+                </a:ext>
+              </a:extLst>
+            </p:cNvPr>
+            <p:cNvSpPr txBox="1"/>
+            <p:nvPr/>
+          </p:nvSpPr>
+          <p:spPr>
+            <a:xfrm>
+              <a:off x="6425559" y="266574"/>
+              <a:ext cx="2160240" cy="446276"/>
+            </a:xfrm>
+            <a:prstGeom prst="rect">
+              <a:avLst/>
+            </a:prstGeom>
+            <a:noFill/>
+            <a:ln>
+              <a:noFill/>
+            </a:ln>
+          </p:spPr>
+          <p:style>
+            <a:lnRef idx="0">
+              <a:scrgbClr r="0" g="0" b="0"/>
+            </a:lnRef>
+            <a:fillRef idx="0">
+              <a:scrgbClr r="0" g="0" b="0"/>
+            </a:fillRef>
+            <a:effectRef idx="0">
+              <a:scrgbClr r="0" g="0" b="0"/>
+            </a:effectRef>
+            <a:fontRef idx="minor">
+              <a:schemeClr val="dk1"/>
+            </a:fontRef>
+          </p:style>
+          <p:txBody>
+            <a:bodyPr wrap="square" rtlCol="0">
+              <a:spAutoFit/>
+            </a:bodyPr>
+            <a:lstStyle/>
+            <a:p>
+              <a:pPr marL="0" marR="0" lvl="0" indent="0" algn="l" defTabSz="914400" rtl="0" eaLnBrk="1" fontAlgn="base" latinLnBrk="0" hangingPunct="1">
+                <a:lnSpc>
+                  <a:spcPct val="100000"/>
+                </a:lnSpc>
+                <a:spcBef>
+                  <a:spcPct val="0"/>
+                </a:spcBef>
+                <a:spcAft>
+                  <a:spcPct val="0"/>
+                </a:spcAft>
+                <a:buClrTx/>
+                <a:buSzTx/>
+                <a:buFontTx/>
+                <a:buNone/>
+                <a:tabLst/>
+                <a:defRPr/>
+              </a:pPr>
+              <a:r>
+                <a:rPr kumimoji="1" lang="ja-JP" altLang="en-US" sz="2200" b="0" i="0" u="none" strike="noStrike" kern="1200" cap="none" spc="0" normalizeH="0" baseline="0" noProof="0" dirty="0">
+                  <a:ln>
+                    <a:noFill/>
+                  </a:ln>
+                  <a:solidFill>
+                    <a:srgbClr val="70AD47">
+                      <a:lumMod val="60000"/>
+                      <a:lumOff val="40000"/>
+                    </a:srgbClr>
+                  </a:solidFill>
+                  <a:effectLst/>
+                  <a:uLnTx/>
+                  <a:uFillTx/>
+                  <a:latin typeface="HG創英角ｺﾞｼｯｸUB" panose="020B0909000000000000" pitchFamily="49" charset="-128"/>
+                  <a:ea typeface="HG創英角ｺﾞｼｯｸUB" panose="020B0909000000000000" pitchFamily="49" charset="-128"/>
+                  <a:cs typeface="+mn-cs"/>
+                </a:rPr>
+                <a:t>振る舞い②</a:t>
+              </a:r>
+              <a:endParaRPr kumimoji="1" lang="en-US" altLang="ja-JP" sz="2200" b="0" i="0" u="none" strike="noStrike" kern="1200" cap="none" spc="0" normalizeH="0" baseline="0" noProof="0" dirty="0">
+                <a:ln>
+                  <a:noFill/>
+                </a:ln>
+                <a:solidFill>
+                  <a:srgbClr val="70AD47">
+                    <a:lumMod val="60000"/>
+                    <a:lumOff val="40000"/>
+                  </a:srgbClr>
+                </a:solidFill>
+                <a:effectLst/>
+                <a:uLnTx/>
+                <a:uFillTx/>
+                <a:latin typeface="HG創英角ｺﾞｼｯｸUB" panose="020B0909000000000000" pitchFamily="49" charset="-128"/>
+                <a:ea typeface="HG創英角ｺﾞｼｯｸUB" panose="020B0909000000000000" pitchFamily="49" charset="-128"/>
+                <a:cs typeface="+mn-cs"/>
+              </a:endParaRPr>
+            </a:p>
+          </p:txBody>
+        </p:sp>
+      </p:grpSp>
+      <p:grpSp>
+        <p:nvGrpSpPr>
+          <p:cNvPr id="76" name="グループ化 75">
             <a:extLst>
               <a:ext uri="{FF2B5EF4-FFF2-40B4-BE49-F238E27FC236}">
-                <a16:creationId xmlns:a16="http://schemas.microsoft.com/office/drawing/2014/main" id="{84934B8C-C644-49A7-8C50-B417AAAD4BD4}"/>
+                <a16:creationId xmlns:a16="http://schemas.microsoft.com/office/drawing/2014/main" id="{0D31F88D-6DB0-44FB-B41A-5701447A3CC8}"/>
               </a:ext>
             </a:extLst>
           </p:cNvPr>
-          <p:cNvSpPr/>
+          <p:cNvGrpSpPr/>
           <p:nvPr/>
-        </p:nvSpPr>
-        <p:spPr>
+        </p:nvGrpSpPr>
+        <p:grpSpPr>
           <a:xfrm>
-            <a:off x="2118951" y="267206"/>
-            <a:ext cx="2016000" cy="1368400"/>
+            <a:off x="4131012" y="255607"/>
+            <a:ext cx="2285247" cy="1088857"/>
+            <a:chOff x="4131012" y="255607"/>
+            <a:chExt cx="2285247" cy="1088857"/>
           </a:xfrm>
-          <a:prstGeom prst="roundRect">
-            <a:avLst>
-              <a:gd name="adj" fmla="val 13495"/>
-            </a:avLst>
-          </a:prstGeom>
-          <a:ln w="28575">
-            <a:solidFill>
-              <a:schemeClr val="accent6">
-                <a:lumMod val="60000"/>
-                <a:lumOff val="40000"/>
-              </a:schemeClr>
-            </a:solidFill>
-          </a:ln>
-        </p:spPr>
-        <p:style>
-          <a:lnRef idx="2">
-            <a:schemeClr val="accent6"/>
-          </a:lnRef>
-          <a:fillRef idx="1">
-            <a:schemeClr val="lt1"/>
-          </a:fillRef>
-          <a:effectRef idx="0">
-            <a:schemeClr val="accent6"/>
-          </a:effectRef>
-          <a:fontRef idx="minor">
-            <a:schemeClr val="dk1"/>
-          </a:fontRef>
-        </p:style>
-        <p:txBody>
-          <a:bodyPr rtlCol="0" anchor="ctr"/>
-          <a:lstStyle/>
-          <a:p>
-            <a:pPr marL="0" marR="0" lvl="0" indent="0" algn="ctr" defTabSz="914400" rtl="0" eaLnBrk="1" fontAlgn="base" latinLnBrk="0" hangingPunct="1">
-              <a:lnSpc>
-                <a:spcPct val="100000"/>
-              </a:lnSpc>
-              <a:spcBef>
-                <a:spcPct val="0"/>
-              </a:spcBef>
-              <a:spcAft>
-                <a:spcPct val="0"/>
-              </a:spcAft>
-              <a:buClrTx/>
-              <a:buSzTx/>
-              <a:buFontTx/>
-              <a:buNone/>
-              <a:tabLst/>
-              <a:defRPr/>
-            </a:pPr>
-            <a:endParaRPr kumimoji="1" lang="ja-JP" altLang="en-US" sz="1600" b="0" i="0" u="none" strike="noStrike" kern="1200" cap="none" spc="0" normalizeH="0" baseline="0" noProof="0">
-              <a:ln>
-                <a:noFill/>
-              </a:ln>
+        </p:grpSpPr>
+        <p:sp>
+          <p:nvSpPr>
+            <p:cNvPr id="78" name="四角形: 角を丸くする 77">
+              <a:extLst>
+                <a:ext uri="{FF2B5EF4-FFF2-40B4-BE49-F238E27FC236}">
+                  <a16:creationId xmlns:a16="http://schemas.microsoft.com/office/drawing/2014/main" id="{25686A00-D5EB-4D8C-8FE9-96D082BAC845}"/>
+                </a:ext>
+              </a:extLst>
+            </p:cNvPr>
+            <p:cNvSpPr/>
+            <p:nvPr/>
+          </p:nvSpPr>
+          <p:spPr>
+            <a:xfrm>
+              <a:off x="4131012" y="264096"/>
+              <a:ext cx="2016000" cy="1080368"/>
+            </a:xfrm>
+            <a:prstGeom prst="roundRect">
+              <a:avLst/>
+            </a:prstGeom>
+            <a:ln w="28575">
               <a:solidFill>
-                <a:prstClr val="black"/>
+                <a:schemeClr val="accent6">
+                  <a:lumMod val="60000"/>
+                  <a:lumOff val="40000"/>
+                </a:schemeClr>
               </a:solidFill>
-              <a:effectLst/>
-              <a:uLnTx/>
-              <a:uFillTx/>
-              <a:latin typeface="游ゴシック" panose="020F0502020204030204"/>
-              <a:ea typeface="游ゴシック" panose="020B0400000000000000" pitchFamily="50" charset="-128"/>
-              <a:cs typeface="+mn-cs"/>
-            </a:endParaRPr>
-          </a:p>
-        </p:txBody>
-      </p:sp>
+            </a:ln>
+          </p:spPr>
+          <p:style>
+            <a:lnRef idx="2">
+              <a:schemeClr val="accent6"/>
+            </a:lnRef>
+            <a:fillRef idx="1">
+              <a:schemeClr val="lt1"/>
+            </a:fillRef>
+            <a:effectRef idx="0">
+              <a:schemeClr val="accent6"/>
+            </a:effectRef>
+            <a:fontRef idx="minor">
+              <a:schemeClr val="dk1"/>
+            </a:fontRef>
+          </p:style>
+          <p:txBody>
+            <a:bodyPr rtlCol="0" anchor="ctr"/>
+            <a:lstStyle/>
+            <a:p>
+              <a:pPr marL="0" marR="0" lvl="0" indent="0" algn="ctr" defTabSz="914400" rtl="0" eaLnBrk="1" fontAlgn="base" latinLnBrk="0" hangingPunct="1">
+                <a:lnSpc>
+                  <a:spcPct val="100000"/>
+                </a:lnSpc>
+                <a:spcBef>
+                  <a:spcPct val="0"/>
+                </a:spcBef>
+                <a:spcAft>
+                  <a:spcPct val="0"/>
+                </a:spcAft>
+                <a:buClrTx/>
+                <a:buSzTx/>
+                <a:buFontTx/>
+                <a:buNone/>
+                <a:tabLst/>
+                <a:defRPr/>
+              </a:pPr>
+              <a:endParaRPr kumimoji="1" lang="ja-JP" altLang="en-US" sz="1600" b="0" i="0" u="none" strike="noStrike" kern="1200" cap="none" spc="0" normalizeH="0" baseline="0" noProof="0">
+                <a:ln>
+                  <a:noFill/>
+                </a:ln>
+                <a:solidFill>
+                  <a:prstClr val="black"/>
+                </a:solidFill>
+                <a:effectLst/>
+                <a:uLnTx/>
+                <a:uFillTx/>
+                <a:latin typeface="游ゴシック" panose="020F0502020204030204"/>
+                <a:ea typeface="游ゴシック" panose="020B0400000000000000" pitchFamily="50" charset="-128"/>
+                <a:cs typeface="+mn-cs"/>
+              </a:endParaRPr>
+            </a:p>
+          </p:txBody>
+        </p:sp>
+        <p:sp>
+          <p:nvSpPr>
+            <p:cNvPr id="80" name="テキスト ボックス 79">
+              <a:extLst>
+                <a:ext uri="{FF2B5EF4-FFF2-40B4-BE49-F238E27FC236}">
+                  <a16:creationId xmlns:a16="http://schemas.microsoft.com/office/drawing/2014/main" id="{741456BA-BD5C-40C0-9029-0348760120D5}"/>
+                </a:ext>
+              </a:extLst>
+            </p:cNvPr>
+            <p:cNvSpPr txBox="1"/>
+            <p:nvPr/>
+          </p:nvSpPr>
+          <p:spPr>
+            <a:xfrm>
+              <a:off x="4400259" y="255607"/>
+              <a:ext cx="2016000" cy="446276"/>
+            </a:xfrm>
+            <a:prstGeom prst="rect">
+              <a:avLst/>
+            </a:prstGeom>
+            <a:noFill/>
+            <a:ln>
+              <a:noFill/>
+            </a:ln>
+          </p:spPr>
+          <p:style>
+            <a:lnRef idx="0">
+              <a:scrgbClr r="0" g="0" b="0"/>
+            </a:lnRef>
+            <a:fillRef idx="0">
+              <a:scrgbClr r="0" g="0" b="0"/>
+            </a:fillRef>
+            <a:effectRef idx="0">
+              <a:scrgbClr r="0" g="0" b="0"/>
+            </a:effectRef>
+            <a:fontRef idx="minor">
+              <a:schemeClr val="dk1"/>
+            </a:fontRef>
+          </p:style>
+          <p:txBody>
+            <a:bodyPr wrap="square" rtlCol="0">
+              <a:spAutoFit/>
+            </a:bodyPr>
+            <a:lstStyle/>
+            <a:p>
+              <a:pPr marL="0" marR="0" lvl="0" indent="0" algn="l" defTabSz="914400" rtl="0" eaLnBrk="1" fontAlgn="base" latinLnBrk="0" hangingPunct="1">
+                <a:lnSpc>
+                  <a:spcPct val="100000"/>
+                </a:lnSpc>
+                <a:spcBef>
+                  <a:spcPct val="0"/>
+                </a:spcBef>
+                <a:spcAft>
+                  <a:spcPct val="0"/>
+                </a:spcAft>
+                <a:buClrTx/>
+                <a:buSzTx/>
+                <a:buFontTx/>
+                <a:buNone/>
+                <a:tabLst/>
+                <a:defRPr/>
+              </a:pPr>
+              <a:r>
+                <a:rPr kumimoji="1" lang="ja-JP" altLang="en-US" sz="2200" b="0" i="0" u="none" strike="noStrike" kern="1200" cap="none" spc="0" normalizeH="0" baseline="0" noProof="0" dirty="0">
+                  <a:ln>
+                    <a:noFill/>
+                  </a:ln>
+                  <a:solidFill>
+                    <a:srgbClr val="70AD47">
+                      <a:lumMod val="60000"/>
+                      <a:lumOff val="40000"/>
+                    </a:srgbClr>
+                  </a:solidFill>
+                  <a:effectLst/>
+                  <a:uLnTx/>
+                  <a:uFillTx/>
+                  <a:latin typeface="HG創英角ｺﾞｼｯｸUB" panose="020B0909000000000000" pitchFamily="49" charset="-128"/>
+                  <a:ea typeface="HG創英角ｺﾞｼｯｸUB" panose="020B0909000000000000" pitchFamily="49" charset="-128"/>
+                  <a:cs typeface="+mn-cs"/>
+                </a:rPr>
+                <a:t>振る舞い①</a:t>
+              </a:r>
+              <a:endParaRPr kumimoji="1" lang="en-US" altLang="ja-JP" sz="2200" b="0" i="0" u="none" strike="noStrike" kern="1200" cap="none" spc="0" normalizeH="0" baseline="0" noProof="0" dirty="0">
+                <a:ln>
+                  <a:noFill/>
+                </a:ln>
+                <a:solidFill>
+                  <a:srgbClr val="70AD47">
+                    <a:lumMod val="60000"/>
+                    <a:lumOff val="40000"/>
+                  </a:srgbClr>
+                </a:solidFill>
+                <a:effectLst/>
+                <a:uLnTx/>
+                <a:uFillTx/>
+                <a:latin typeface="HG創英角ｺﾞｼｯｸUB" panose="020B0909000000000000" pitchFamily="49" charset="-128"/>
+                <a:ea typeface="HG創英角ｺﾞｼｯｸUB" panose="020B0909000000000000" pitchFamily="49" charset="-128"/>
+                <a:cs typeface="+mn-cs"/>
+              </a:endParaRPr>
+            </a:p>
+          </p:txBody>
+        </p:sp>
+      </p:grpSp>
+      <p:grpSp>
+        <p:nvGrpSpPr>
+          <p:cNvPr id="7" name="グループ化 6">
+            <a:extLst>
+              <a:ext uri="{FF2B5EF4-FFF2-40B4-BE49-F238E27FC236}">
+                <a16:creationId xmlns:a16="http://schemas.microsoft.com/office/drawing/2014/main" id="{F6C58F56-441B-4939-B86B-C57E37DC31CE}"/>
+              </a:ext>
+            </a:extLst>
+          </p:cNvPr>
+          <p:cNvGrpSpPr/>
+          <p:nvPr/>
+        </p:nvGrpSpPr>
+        <p:grpSpPr>
+          <a:xfrm>
+            <a:off x="2107846" y="250893"/>
+            <a:ext cx="2016000" cy="1383050"/>
+            <a:chOff x="2107846" y="250893"/>
+            <a:chExt cx="2016000" cy="1383050"/>
+          </a:xfrm>
+        </p:grpSpPr>
+        <p:sp>
+          <p:nvSpPr>
+            <p:cNvPr id="74" name="四角形: 角を丸くする 73">
+              <a:extLst>
+                <a:ext uri="{FF2B5EF4-FFF2-40B4-BE49-F238E27FC236}">
+                  <a16:creationId xmlns:a16="http://schemas.microsoft.com/office/drawing/2014/main" id="{A219E691-7072-470D-98D7-B696146CA142}"/>
+                </a:ext>
+              </a:extLst>
+            </p:cNvPr>
+            <p:cNvSpPr/>
+            <p:nvPr/>
+          </p:nvSpPr>
+          <p:spPr>
+            <a:xfrm>
+              <a:off x="2107846" y="265543"/>
+              <a:ext cx="2016000" cy="1368400"/>
+            </a:xfrm>
+            <a:prstGeom prst="roundRect">
+              <a:avLst>
+                <a:gd name="adj" fmla="val 13495"/>
+              </a:avLst>
+            </a:prstGeom>
+            <a:ln w="28575">
+              <a:solidFill>
+                <a:schemeClr val="accent6">
+                  <a:lumMod val="60000"/>
+                  <a:lumOff val="40000"/>
+                </a:schemeClr>
+              </a:solidFill>
+            </a:ln>
+          </p:spPr>
+          <p:style>
+            <a:lnRef idx="2">
+              <a:schemeClr val="accent6"/>
+            </a:lnRef>
+            <a:fillRef idx="1">
+              <a:schemeClr val="lt1"/>
+            </a:fillRef>
+            <a:effectRef idx="0">
+              <a:schemeClr val="accent6"/>
+            </a:effectRef>
+            <a:fontRef idx="minor">
+              <a:schemeClr val="dk1"/>
+            </a:fontRef>
+          </p:style>
+          <p:txBody>
+            <a:bodyPr rtlCol="0" anchor="ctr"/>
+            <a:lstStyle/>
+            <a:p>
+              <a:pPr marL="0" marR="0" lvl="0" indent="0" algn="ctr" defTabSz="914400" rtl="0" eaLnBrk="1" fontAlgn="base" latinLnBrk="0" hangingPunct="1">
+                <a:lnSpc>
+                  <a:spcPct val="100000"/>
+                </a:lnSpc>
+                <a:spcBef>
+                  <a:spcPct val="0"/>
+                </a:spcBef>
+                <a:spcAft>
+                  <a:spcPct val="0"/>
+                </a:spcAft>
+                <a:buClrTx/>
+                <a:buSzTx/>
+                <a:buFontTx/>
+                <a:buNone/>
+                <a:tabLst/>
+                <a:defRPr/>
+              </a:pPr>
+              <a:endParaRPr kumimoji="1" lang="ja-JP" altLang="en-US" sz="1600" b="0" i="0" u="none" strike="noStrike" kern="1200" cap="none" spc="0" normalizeH="0" baseline="0" noProof="0">
+                <a:ln>
+                  <a:noFill/>
+                </a:ln>
+                <a:solidFill>
+                  <a:prstClr val="black"/>
+                </a:solidFill>
+                <a:effectLst/>
+                <a:uLnTx/>
+                <a:uFillTx/>
+                <a:latin typeface="游ゴシック" panose="020F0502020204030204"/>
+                <a:ea typeface="游ゴシック" panose="020B0400000000000000" pitchFamily="50" charset="-128"/>
+                <a:cs typeface="+mn-cs"/>
+              </a:endParaRPr>
+            </a:p>
+          </p:txBody>
+        </p:sp>
+        <p:sp>
+          <p:nvSpPr>
+            <p:cNvPr id="75" name="テキスト ボックス 74">
+              <a:extLst>
+                <a:ext uri="{FF2B5EF4-FFF2-40B4-BE49-F238E27FC236}">
+                  <a16:creationId xmlns:a16="http://schemas.microsoft.com/office/drawing/2014/main" id="{0BFD0013-5B1C-4D68-90F8-8BD8B491CA4D}"/>
+                </a:ext>
+              </a:extLst>
+            </p:cNvPr>
+            <p:cNvSpPr txBox="1"/>
+            <p:nvPr/>
+          </p:nvSpPr>
+          <p:spPr>
+            <a:xfrm>
+              <a:off x="2132400" y="250893"/>
+              <a:ext cx="1979156" cy="430887"/>
+            </a:xfrm>
+            <a:prstGeom prst="rect">
+              <a:avLst/>
+            </a:prstGeom>
+            <a:noFill/>
+            <a:ln>
+              <a:noFill/>
+            </a:ln>
+          </p:spPr>
+          <p:style>
+            <a:lnRef idx="0">
+              <a:scrgbClr r="0" g="0" b="0"/>
+            </a:lnRef>
+            <a:fillRef idx="0">
+              <a:scrgbClr r="0" g="0" b="0"/>
+            </a:fillRef>
+            <a:effectRef idx="0">
+              <a:scrgbClr r="0" g="0" b="0"/>
+            </a:effectRef>
+            <a:fontRef idx="minor">
+              <a:schemeClr val="dk1"/>
+            </a:fontRef>
+          </p:style>
+          <p:txBody>
+            <a:bodyPr wrap="square" rtlCol="0">
+              <a:spAutoFit/>
+            </a:bodyPr>
+            <a:lstStyle/>
+            <a:p>
+              <a:pPr marL="0" marR="0" lvl="0" indent="0" algn="ctr" defTabSz="914400" rtl="0" eaLnBrk="1" fontAlgn="base" latinLnBrk="0" hangingPunct="1">
+                <a:lnSpc>
+                  <a:spcPct val="100000"/>
+                </a:lnSpc>
+                <a:spcBef>
+                  <a:spcPct val="0"/>
+                </a:spcBef>
+                <a:spcAft>
+                  <a:spcPct val="0"/>
+                </a:spcAft>
+                <a:buClrTx/>
+                <a:buSzTx/>
+                <a:buFontTx/>
+                <a:buNone/>
+                <a:tabLst/>
+                <a:defRPr/>
+              </a:pPr>
+              <a:r>
+                <a:rPr kumimoji="1" lang="ja-JP" altLang="en-US" sz="2200" b="0" i="0" u="none" strike="noStrike" kern="1200" cap="none" spc="0" normalizeH="0" baseline="0" noProof="0" dirty="0">
+                  <a:ln>
+                    <a:noFill/>
+                  </a:ln>
+                  <a:solidFill>
+                    <a:srgbClr val="70AD47">
+                      <a:lumMod val="60000"/>
+                      <a:lumOff val="40000"/>
+                    </a:srgbClr>
+                  </a:solidFill>
+                  <a:effectLst/>
+                  <a:uLnTx/>
+                  <a:uFillTx/>
+                  <a:latin typeface="HG創英角ｺﾞｼｯｸUB" panose="020B0909000000000000" pitchFamily="49" charset="-128"/>
+                  <a:ea typeface="HG創英角ｺﾞｼｯｸUB" panose="020B0909000000000000" pitchFamily="49" charset="-128"/>
+                  <a:cs typeface="+mn-cs"/>
+                </a:rPr>
+                <a:t>構造</a:t>
+              </a:r>
+              <a:endParaRPr kumimoji="1" lang="en-US" altLang="ja-JP" sz="2200" b="0" i="0" u="none" strike="noStrike" kern="1200" cap="none" spc="0" normalizeH="0" baseline="0" noProof="0" dirty="0">
+                <a:ln>
+                  <a:noFill/>
+                </a:ln>
+                <a:solidFill>
+                  <a:srgbClr val="70AD47">
+                    <a:lumMod val="60000"/>
+                    <a:lumOff val="40000"/>
+                  </a:srgbClr>
+                </a:solidFill>
+                <a:effectLst/>
+                <a:uLnTx/>
+                <a:uFillTx/>
+                <a:latin typeface="HG創英角ｺﾞｼｯｸUB" panose="020B0909000000000000" pitchFamily="49" charset="-128"/>
+                <a:ea typeface="HG創英角ｺﾞｼｯｸUB" panose="020B0909000000000000" pitchFamily="49" charset="-128"/>
+                <a:cs typeface="+mn-cs"/>
+              </a:endParaRPr>
+            </a:p>
+          </p:txBody>
+        </p:sp>
+      </p:grpSp>
       <p:sp>
         <p:nvSpPr>
           <p:cNvPr id="12" name="四角形: 角を丸くする 11">
@@ -5964,87 +6537,6 @@
               <a:defRPr/>
             </a:pPr>
             <a:endParaRPr kumimoji="1" lang="ja-JP" altLang="en-US" sz="1600" b="0" i="0" u="none" strike="noStrike" kern="1200" cap="none" spc="0" normalizeH="0" baseline="0" noProof="0" dirty="0">
-              <a:ln>
-                <a:noFill/>
-              </a:ln>
-              <a:solidFill>
-                <a:prstClr val="black"/>
-              </a:solidFill>
-              <a:effectLst/>
-              <a:uLnTx/>
-              <a:uFillTx/>
-              <a:latin typeface="游ゴシック" panose="020F0502020204030204"/>
-              <a:ea typeface="游ゴシック" panose="020B0400000000000000" pitchFamily="50" charset="-128"/>
-              <a:cs typeface="+mn-cs"/>
-            </a:endParaRPr>
-          </a:p>
-        </p:txBody>
-      </p:sp>
-      <p:sp>
-        <p:nvSpPr>
-          <p:cNvPr id="15" name="四角形: 角を丸くする 14">
-            <a:extLst>
-              <a:ext uri="{FF2B5EF4-FFF2-40B4-BE49-F238E27FC236}">
-                <a16:creationId xmlns:a16="http://schemas.microsoft.com/office/drawing/2014/main" id="{A9B96D26-795E-44A3-9A17-D2913FF49DAB}"/>
-              </a:ext>
-            </a:extLst>
-          </p:cNvPr>
-          <p:cNvSpPr/>
-          <p:nvPr/>
-        </p:nvSpPr>
-        <p:spPr>
-          <a:xfrm>
-            <a:off x="8159073" y="268334"/>
-            <a:ext cx="2016000" cy="1152297"/>
-          </a:xfrm>
-          <a:prstGeom prst="roundRect">
-            <a:avLst/>
-          </a:prstGeom>
-          <a:ln w="28575">
-            <a:solidFill>
-              <a:schemeClr val="accent6">
-                <a:lumMod val="60000"/>
-                <a:lumOff val="40000"/>
-              </a:schemeClr>
-            </a:solidFill>
-          </a:ln>
-        </p:spPr>
-        <p:style>
-          <a:lnRef idx="2">
-            <a:schemeClr val="accent6"/>
-          </a:lnRef>
-          <a:fillRef idx="1">
-            <a:schemeClr val="lt1"/>
-          </a:fillRef>
-          <a:effectRef idx="0">
-            <a:schemeClr val="accent6"/>
-          </a:effectRef>
-          <a:fontRef idx="minor">
-            <a:schemeClr val="dk1"/>
-          </a:fontRef>
-        </p:style>
-        <p:txBody>
-          <a:bodyPr rtlCol="0" anchor="ctr"/>
-          <a:lstStyle/>
-          <a:p>
-            <a:pPr marL="0" marR="0" lvl="0" indent="0" algn="ctr" defTabSz="914400" rtl="0" eaLnBrk="1" fontAlgn="base" latinLnBrk="0" hangingPunct="1">
-              <a:lnSpc>
-                <a:spcPct val="100000"/>
-              </a:lnSpc>
-              <a:spcBef>
-                <a:spcPct val="0"/>
-              </a:spcBef>
-              <a:spcAft>
-                <a:spcPct val="0"/>
-              </a:spcAft>
-              <a:buClrTx/>
-              <a:buSzTx/>
-              <a:buFontTx/>
-              <a:buNone/>
-              <a:tabLst/>
-              <a:defRPr/>
-            </a:pPr>
-            <a:endParaRPr kumimoji="1" lang="ja-JP" altLang="en-US" sz="1600" b="0" i="0" u="none" strike="noStrike" kern="1200" cap="none" spc="0" normalizeH="0" baseline="0" noProof="0">
               <a:ln>
                 <a:noFill/>
               </a:ln>
@@ -6140,108 +6632,6 @@
       </p:sp>
       <p:sp>
         <p:nvSpPr>
-          <p:cNvPr id="9" name="テキスト ボックス 8">
-            <a:extLst>
-              <a:ext uri="{FF2B5EF4-FFF2-40B4-BE49-F238E27FC236}">
-                <a16:creationId xmlns:a16="http://schemas.microsoft.com/office/drawing/2014/main" id="{27FC2256-755B-4562-8E23-88557EE81276}"/>
-              </a:ext>
-            </a:extLst>
-          </p:cNvPr>
-          <p:cNvSpPr txBox="1"/>
-          <p:nvPr/>
-        </p:nvSpPr>
-        <p:spPr>
-          <a:xfrm>
-            <a:off x="2726583" y="249029"/>
-            <a:ext cx="1203919" cy="430887"/>
-          </a:xfrm>
-          <a:prstGeom prst="rect">
-            <a:avLst/>
-          </a:prstGeom>
-          <a:noFill/>
-          <a:ln>
-            <a:noFill/>
-          </a:ln>
-        </p:spPr>
-        <p:style>
-          <a:lnRef idx="0">
-            <a:scrgbClr r="0" g="0" b="0"/>
-          </a:lnRef>
-          <a:fillRef idx="0">
-            <a:scrgbClr r="0" g="0" b="0"/>
-          </a:fillRef>
-          <a:effectRef idx="0">
-            <a:scrgbClr r="0" g="0" b="0"/>
-          </a:effectRef>
-          <a:fontRef idx="minor">
-            <a:schemeClr val="dk1"/>
-          </a:fontRef>
-        </p:style>
-        <p:txBody>
-          <a:bodyPr wrap="square" rtlCol="0">
-            <a:spAutoFit/>
-          </a:bodyPr>
-          <a:lstStyle/>
-          <a:p>
-            <a:pPr marL="0" marR="0" lvl="0" indent="0" algn="l" defTabSz="914400" rtl="0" eaLnBrk="1" fontAlgn="base" latinLnBrk="0" hangingPunct="1">
-              <a:lnSpc>
-                <a:spcPct val="100000"/>
-              </a:lnSpc>
-              <a:spcBef>
-                <a:spcPct val="0"/>
-              </a:spcBef>
-              <a:spcAft>
-                <a:spcPct val="0"/>
-              </a:spcAft>
-              <a:buClrTx/>
-              <a:buSzTx/>
-              <a:buFontTx/>
-              <a:buNone/>
-              <a:tabLst/>
-              <a:defRPr/>
-            </a:pPr>
-            <a:r>
-              <a:rPr kumimoji="1" lang="ja-JP" altLang="en-US" sz="2200" b="0" i="0" u="none" strike="noStrike" kern="1200" cap="none" spc="0" normalizeH="0" baseline="0" noProof="0" dirty="0">
-                <a:ln>
-                  <a:noFill/>
-                </a:ln>
-                <a:solidFill>
-                  <a:srgbClr val="70AD47">
-                    <a:lumMod val="60000"/>
-                    <a:lumOff val="40000"/>
-                  </a:srgbClr>
-                </a:solidFill>
-                <a:effectLst/>
-                <a:uLnTx/>
-                <a:uFillTx/>
-                <a:latin typeface="HG創英角ｺﾞｼｯｸUB" panose="020B0909000000000000" pitchFamily="49" charset="-128"/>
-                <a:ea typeface="HG創英角ｺﾞｼｯｸUB" panose="020B0909000000000000" pitchFamily="49" charset="-128"/>
-                <a:cs typeface="+mn-cs"/>
-              </a:rPr>
-              <a:t>構造</a:t>
-            </a:r>
-            <a:endParaRPr kumimoji="1" lang="en-US" altLang="ja-JP" sz="2200" b="0" i="0" u="none" strike="noStrike" kern="1200" cap="none" spc="0" normalizeH="0" baseline="0" noProof="0" dirty="0">
-              <a:ln>
-                <a:noFill/>
-              </a:ln>
-              <a:solidFill>
-                <a:srgbClr val="70AD47">
-                  <a:lumMod val="60000"/>
-                  <a:lumOff val="40000"/>
-                </a:srgbClr>
-              </a:solidFill>
-              <a:effectLst/>
-              <a:uLnTx/>
-              <a:uFillTx/>
-              <a:latin typeface="HG創英角ｺﾞｼｯｸUB" panose="020B0909000000000000" pitchFamily="49" charset="-128"/>
-              <a:ea typeface="HG創英角ｺﾞｼｯｸUB" panose="020B0909000000000000" pitchFamily="49" charset="-128"/>
-              <a:cs typeface="+mn-cs"/>
-            </a:endParaRPr>
-          </a:p>
-        </p:txBody>
-      </p:sp>
-      <p:sp>
-        <p:nvSpPr>
           <p:cNvPr id="3" name="テキスト ボックス 2">
             <a:extLst>
               <a:ext uri="{FF2B5EF4-FFF2-40B4-BE49-F238E27FC236}">
@@ -6325,210 +6715,6 @@
               </a:ln>
               <a:solidFill>
                 <a:prstClr val="white"/>
-              </a:solidFill>
-              <a:effectLst/>
-              <a:uLnTx/>
-              <a:uFillTx/>
-              <a:latin typeface="HG創英角ｺﾞｼｯｸUB" panose="020B0909000000000000" pitchFamily="49" charset="-128"/>
-              <a:ea typeface="HG創英角ｺﾞｼｯｸUB" panose="020B0909000000000000" pitchFamily="49" charset="-128"/>
-              <a:cs typeface="+mn-cs"/>
-            </a:endParaRPr>
-          </a:p>
-        </p:txBody>
-      </p:sp>
-      <p:sp>
-        <p:nvSpPr>
-          <p:cNvPr id="10" name="テキスト ボックス 9">
-            <a:extLst>
-              <a:ext uri="{FF2B5EF4-FFF2-40B4-BE49-F238E27FC236}">
-                <a16:creationId xmlns:a16="http://schemas.microsoft.com/office/drawing/2014/main" id="{6B6DE600-02D5-4297-AB70-824D28CEE6FA}"/>
-              </a:ext>
-            </a:extLst>
-          </p:cNvPr>
-          <p:cNvSpPr txBox="1"/>
-          <p:nvPr/>
-        </p:nvSpPr>
-        <p:spPr>
-          <a:xfrm>
-            <a:off x="4400259" y="255607"/>
-            <a:ext cx="2016000" cy="446276"/>
-          </a:xfrm>
-          <a:prstGeom prst="rect">
-            <a:avLst/>
-          </a:prstGeom>
-          <a:noFill/>
-          <a:ln>
-            <a:noFill/>
-          </a:ln>
-        </p:spPr>
-        <p:style>
-          <a:lnRef idx="0">
-            <a:scrgbClr r="0" g="0" b="0"/>
-          </a:lnRef>
-          <a:fillRef idx="0">
-            <a:scrgbClr r="0" g="0" b="0"/>
-          </a:fillRef>
-          <a:effectRef idx="0">
-            <a:scrgbClr r="0" g="0" b="0"/>
-          </a:effectRef>
-          <a:fontRef idx="minor">
-            <a:schemeClr val="dk1"/>
-          </a:fontRef>
-        </p:style>
-        <p:txBody>
-          <a:bodyPr wrap="square" rtlCol="0">
-            <a:spAutoFit/>
-          </a:bodyPr>
-          <a:lstStyle/>
-          <a:p>
-            <a:pPr marL="0" marR="0" lvl="0" indent="0" algn="l" defTabSz="914400" rtl="0" eaLnBrk="1" fontAlgn="base" latinLnBrk="0" hangingPunct="1">
-              <a:lnSpc>
-                <a:spcPct val="100000"/>
-              </a:lnSpc>
-              <a:spcBef>
-                <a:spcPct val="0"/>
-              </a:spcBef>
-              <a:spcAft>
-                <a:spcPct val="0"/>
-              </a:spcAft>
-              <a:buClrTx/>
-              <a:buSzTx/>
-              <a:buFontTx/>
-              <a:buNone/>
-              <a:tabLst/>
-              <a:defRPr/>
-            </a:pPr>
-            <a:r>
-              <a:rPr kumimoji="1" lang="ja-JP" altLang="en-US" sz="2200" b="0" i="0" u="none" strike="noStrike" kern="1200" cap="none" spc="0" normalizeH="0" baseline="0" noProof="0" dirty="0">
-                <a:ln>
-                  <a:noFill/>
-                </a:ln>
-                <a:solidFill>
-                  <a:srgbClr val="70AD47">
-                    <a:lumMod val="60000"/>
-                    <a:lumOff val="40000"/>
-                  </a:srgbClr>
-                </a:solidFill>
-                <a:effectLst/>
-                <a:uLnTx/>
-                <a:uFillTx/>
-                <a:latin typeface="HG創英角ｺﾞｼｯｸUB" panose="020B0909000000000000" pitchFamily="49" charset="-128"/>
-                <a:ea typeface="HG創英角ｺﾞｼｯｸUB" panose="020B0909000000000000" pitchFamily="49" charset="-128"/>
-                <a:cs typeface="+mn-cs"/>
-              </a:rPr>
-              <a:t>振る舞い①</a:t>
-            </a:r>
-            <a:endParaRPr kumimoji="1" lang="en-US" altLang="ja-JP" sz="2200" b="0" i="0" u="none" strike="noStrike" kern="1200" cap="none" spc="0" normalizeH="0" baseline="0" noProof="0" dirty="0">
-              <a:ln>
-                <a:noFill/>
-              </a:ln>
-              <a:solidFill>
-                <a:srgbClr val="70AD47">
-                  <a:lumMod val="60000"/>
-                  <a:lumOff val="40000"/>
-                </a:srgbClr>
-              </a:solidFill>
-              <a:effectLst/>
-              <a:uLnTx/>
-              <a:uFillTx/>
-              <a:latin typeface="HG創英角ｺﾞｼｯｸUB" panose="020B0909000000000000" pitchFamily="49" charset="-128"/>
-              <a:ea typeface="HG創英角ｺﾞｼｯｸUB" panose="020B0909000000000000" pitchFamily="49" charset="-128"/>
-              <a:cs typeface="+mn-cs"/>
-            </a:endParaRPr>
-          </a:p>
-        </p:txBody>
-      </p:sp>
-      <p:sp>
-        <p:nvSpPr>
-          <p:cNvPr id="16" name="テキスト ボックス 15">
-            <a:extLst>
-              <a:ext uri="{FF2B5EF4-FFF2-40B4-BE49-F238E27FC236}">
-                <a16:creationId xmlns:a16="http://schemas.microsoft.com/office/drawing/2014/main" id="{B2857B95-E44E-4693-9BF6-518968E8AB21}"/>
-              </a:ext>
-            </a:extLst>
-          </p:cNvPr>
-          <p:cNvSpPr txBox="1"/>
-          <p:nvPr/>
-        </p:nvSpPr>
-        <p:spPr>
-          <a:xfrm>
-            <a:off x="8683078" y="253425"/>
-            <a:ext cx="1445666" cy="430887"/>
-          </a:xfrm>
-          <a:prstGeom prst="rect">
-            <a:avLst/>
-          </a:prstGeom>
-          <a:noFill/>
-          <a:ln>
-            <a:noFill/>
-          </a:ln>
-        </p:spPr>
-        <p:style>
-          <a:lnRef idx="0">
-            <a:scrgbClr r="0" g="0" b="0"/>
-          </a:lnRef>
-          <a:fillRef idx="0">
-            <a:scrgbClr r="0" g="0" b="0"/>
-          </a:fillRef>
-          <a:effectRef idx="0">
-            <a:scrgbClr r="0" g="0" b="0"/>
-          </a:effectRef>
-          <a:fontRef idx="minor">
-            <a:schemeClr val="dk1"/>
-          </a:fontRef>
-        </p:style>
-        <p:txBody>
-          <a:bodyPr wrap="square" rtlCol="0">
-            <a:spAutoFit/>
-          </a:bodyPr>
-          <a:lstStyle/>
-          <a:p>
-            <a:pPr marL="0" marR="0" lvl="0" indent="0" algn="l" defTabSz="914400" rtl="0" eaLnBrk="1" fontAlgn="base" latinLnBrk="0" hangingPunct="1">
-              <a:lnSpc>
-                <a:spcPct val="100000"/>
-              </a:lnSpc>
-              <a:spcBef>
-                <a:spcPct val="0"/>
-              </a:spcBef>
-              <a:spcAft>
-                <a:spcPct val="0"/>
-              </a:spcAft>
-              <a:buClrTx/>
-              <a:buSzTx/>
-              <a:buFontTx/>
-              <a:buNone/>
-              <a:tabLst/>
-              <a:defRPr/>
-            </a:pPr>
-            <a:r>
-              <a:rPr kumimoji="1" lang="ja-JP" altLang="en-US" sz="2200" b="0" i="0" u="none" strike="noStrike" kern="1200" cap="none" spc="0" normalizeH="0" baseline="0" noProof="0" dirty="0">
-                <a:ln>
-                  <a:noFill/>
-                </a:ln>
-                <a:solidFill>
-                  <a:srgbClr val="70AD47">
-                    <a:lumMod val="60000"/>
-                    <a:lumOff val="40000"/>
-                  </a:srgbClr>
-                </a:solidFill>
-                <a:effectLst/>
-                <a:uLnTx/>
-                <a:uFillTx/>
-                <a:latin typeface="HG創英角ｺﾞｼｯｸUB" panose="020B0909000000000000" pitchFamily="49" charset="-128"/>
-                <a:ea typeface="HG創英角ｺﾞｼｯｸUB" panose="020B0909000000000000" pitchFamily="49" charset="-128"/>
-                <a:cs typeface="+mn-cs"/>
-              </a:rPr>
-              <a:t>工夫点</a:t>
-            </a:r>
-            <a:endParaRPr kumimoji="1" lang="en-US" altLang="ja-JP" sz="2200" b="0" i="0" u="none" strike="noStrike" kern="1200" cap="none" spc="0" normalizeH="0" baseline="0" noProof="0" dirty="0">
-              <a:ln>
-                <a:noFill/>
-              </a:ln>
-              <a:solidFill>
-                <a:srgbClr val="70AD47">
-                  <a:lumMod val="60000"/>
-                  <a:lumOff val="40000"/>
-                </a:srgbClr>
               </a:solidFill>
               <a:effectLst/>
               <a:uLnTx/>
@@ -14224,7 +14410,7 @@
         </p:nvSpPr>
         <p:spPr>
           <a:xfrm>
-            <a:off x="3914483" y="9221120"/>
+            <a:off x="3914483" y="9242868"/>
             <a:ext cx="8667117" cy="260000"/>
           </a:xfrm>
           <a:prstGeom prst="chevron">
@@ -14318,108 +14504,6 @@
               </a:rPr>
               <a:t>工夫点」で解説する．</a:t>
             </a:r>
-          </a:p>
-        </p:txBody>
-      </p:sp>
-      <p:sp>
-        <p:nvSpPr>
-          <p:cNvPr id="114" name="テキスト ボックス 113">
-            <a:extLst>
-              <a:ext uri="{FF2B5EF4-FFF2-40B4-BE49-F238E27FC236}">
-                <a16:creationId xmlns:a16="http://schemas.microsoft.com/office/drawing/2014/main" id="{409ED78E-271A-48CD-8696-D402EDAEEC9F}"/>
-              </a:ext>
-            </a:extLst>
-          </p:cNvPr>
-          <p:cNvSpPr txBox="1"/>
-          <p:nvPr/>
-        </p:nvSpPr>
-        <p:spPr>
-          <a:xfrm>
-            <a:off x="6425559" y="266574"/>
-            <a:ext cx="2160240" cy="446276"/>
-          </a:xfrm>
-          <a:prstGeom prst="rect">
-            <a:avLst/>
-          </a:prstGeom>
-          <a:noFill/>
-          <a:ln>
-            <a:noFill/>
-          </a:ln>
-        </p:spPr>
-        <p:style>
-          <a:lnRef idx="0">
-            <a:scrgbClr r="0" g="0" b="0"/>
-          </a:lnRef>
-          <a:fillRef idx="0">
-            <a:scrgbClr r="0" g="0" b="0"/>
-          </a:fillRef>
-          <a:effectRef idx="0">
-            <a:scrgbClr r="0" g="0" b="0"/>
-          </a:effectRef>
-          <a:fontRef idx="minor">
-            <a:schemeClr val="dk1"/>
-          </a:fontRef>
-        </p:style>
-        <p:txBody>
-          <a:bodyPr wrap="square" rtlCol="0">
-            <a:spAutoFit/>
-          </a:bodyPr>
-          <a:lstStyle/>
-          <a:p>
-            <a:pPr marL="0" marR="0" lvl="0" indent="0" algn="l" defTabSz="914400" rtl="0" eaLnBrk="1" fontAlgn="base" latinLnBrk="0" hangingPunct="1">
-              <a:lnSpc>
-                <a:spcPct val="100000"/>
-              </a:lnSpc>
-              <a:spcBef>
-                <a:spcPct val="0"/>
-              </a:spcBef>
-              <a:spcAft>
-                <a:spcPct val="0"/>
-              </a:spcAft>
-              <a:buClrTx/>
-              <a:buSzTx/>
-              <a:buFontTx/>
-              <a:buNone/>
-              <a:tabLst/>
-              <a:defRPr/>
-            </a:pPr>
-            <a:r>
-              <a:rPr kumimoji="1" lang="ja-JP" altLang="en-US" sz="2200" b="0" i="0" u="none" strike="noStrike" kern="1200" cap="none" spc="0" normalizeH="0" baseline="0" noProof="0" dirty="0">
-                <a:ln>
-                  <a:noFill/>
-                </a:ln>
-                <a:solidFill>
-                  <a:srgbClr val="70AD47">
-                    <a:lumMod val="60000"/>
-                    <a:lumOff val="40000"/>
-                  </a:srgbClr>
-                </a:solidFill>
-                <a:effectLst/>
-                <a:uLnTx/>
-                <a:uFillTx/>
-                <a:latin typeface="HG創英角ｺﾞｼｯｸUB" panose="020B0909000000000000" pitchFamily="49" charset="-128"/>
-                <a:ea typeface="HG創英角ｺﾞｼｯｸUB" panose="020B0909000000000000" pitchFamily="49" charset="-128"/>
-                <a:cs typeface="+mn-cs"/>
-              </a:rPr>
-              <a:t>振る舞い②</a:t>
-            </a:r>
-            <a:endParaRPr kumimoji="1" lang="en-US" altLang="ja-JP" sz="2200" b="0" i="0" u="none" strike="noStrike" kern="1200" cap="none" spc="0" normalizeH="0" baseline="0" noProof="0" dirty="0">
-              <a:ln>
-                <a:noFill/>
-              </a:ln>
-              <a:solidFill>
-                <a:srgbClr val="70AD47">
-                  <a:lumMod val="60000"/>
-                  <a:lumOff val="40000"/>
-                </a:srgbClr>
-              </a:solidFill>
-              <a:effectLst/>
-              <a:uLnTx/>
-              <a:uFillTx/>
-              <a:latin typeface="HG創英角ｺﾞｼｯｸUB" panose="020B0909000000000000" pitchFamily="49" charset="-128"/>
-              <a:ea typeface="HG創英角ｺﾞｼｯｸUB" panose="020B0909000000000000" pitchFamily="49" charset="-128"/>
-              <a:cs typeface="+mn-cs"/>
-            </a:endParaRPr>
           </a:p>
         </p:txBody>
       </p:sp>
@@ -14567,7 +14651,7 @@
         </p:blipFill>
         <p:spPr>
           <a:xfrm>
-            <a:off x="3997518" y="714988"/>
+            <a:off x="3958964" y="724682"/>
             <a:ext cx="2691314" cy="5807081"/>
           </a:xfrm>
           <a:prstGeom prst="rect">
@@ -14693,10 +14777,10 @@
       </p:grpSpPr>
       <p:sp>
         <p:nvSpPr>
-          <p:cNvPr id="27" name="四角形: 角を丸くする 26">
+          <p:cNvPr id="35" name="四角形: 角を丸くする 34">
             <a:extLst>
               <a:ext uri="{FF2B5EF4-FFF2-40B4-BE49-F238E27FC236}">
-                <a16:creationId xmlns:a16="http://schemas.microsoft.com/office/drawing/2014/main" id="{1DBBAA86-4E84-4FB7-AC19-8BA83A5E8B55}"/>
+                <a16:creationId xmlns:a16="http://schemas.microsoft.com/office/drawing/2014/main" id="{6755E810-6702-4410-B741-D1EFE2093A67}"/>
               </a:ext>
             </a:extLst>
           </p:cNvPr>
@@ -14705,7 +14789,7 @@
         </p:nvSpPr>
         <p:spPr>
           <a:xfrm>
-            <a:off x="6134466" y="264096"/>
+            <a:off x="91678" y="264096"/>
             <a:ext cx="2016000" cy="1152297"/>
           </a:xfrm>
           <a:prstGeom prst="roundRect">
@@ -14772,170 +14856,618 @@
           </a:p>
         </p:txBody>
       </p:sp>
-      <p:sp>
-        <p:nvSpPr>
-          <p:cNvPr id="28" name="四角形: 角を丸くする 27">
+      <p:grpSp>
+        <p:nvGrpSpPr>
+          <p:cNvPr id="47" name="グループ化 46">
             <a:extLst>
               <a:ext uri="{FF2B5EF4-FFF2-40B4-BE49-F238E27FC236}">
-                <a16:creationId xmlns:a16="http://schemas.microsoft.com/office/drawing/2014/main" id="{36C4F103-C895-45C5-89A6-2BB40CFCF818}"/>
+                <a16:creationId xmlns:a16="http://schemas.microsoft.com/office/drawing/2014/main" id="{6C416FBF-629C-4A53-85B5-B3D0E44F1BA0}"/>
               </a:ext>
             </a:extLst>
           </p:cNvPr>
-          <p:cNvSpPr/>
+          <p:cNvGrpSpPr/>
           <p:nvPr/>
-        </p:nvSpPr>
-        <p:spPr>
+        </p:nvGrpSpPr>
+        <p:grpSpPr>
           <a:xfrm>
-            <a:off x="4118466" y="264096"/>
-            <a:ext cx="2016000" cy="1080368"/>
+            <a:off x="8159073" y="253425"/>
+            <a:ext cx="2016000" cy="1167206"/>
+            <a:chOff x="8159073" y="253425"/>
+            <a:chExt cx="2016000" cy="1167206"/>
           </a:xfrm>
-          <a:prstGeom prst="roundRect">
-            <a:avLst/>
-          </a:prstGeom>
-          <a:ln w="28575">
-            <a:solidFill>
-              <a:schemeClr val="accent6">
-                <a:lumMod val="60000"/>
-                <a:lumOff val="40000"/>
-              </a:schemeClr>
-            </a:solidFill>
-          </a:ln>
-        </p:spPr>
-        <p:style>
-          <a:lnRef idx="2">
-            <a:schemeClr val="accent6"/>
-          </a:lnRef>
-          <a:fillRef idx="1">
-            <a:schemeClr val="lt1"/>
-          </a:fillRef>
-          <a:effectRef idx="0">
-            <a:schemeClr val="accent6"/>
-          </a:effectRef>
-          <a:fontRef idx="minor">
-            <a:schemeClr val="dk1"/>
-          </a:fontRef>
-        </p:style>
-        <p:txBody>
-          <a:bodyPr rtlCol="0" anchor="ctr"/>
-          <a:lstStyle/>
-          <a:p>
-            <a:pPr marL="0" marR="0" lvl="0" indent="0" algn="ctr" defTabSz="914400" rtl="0" eaLnBrk="1" fontAlgn="base" latinLnBrk="0" hangingPunct="1">
-              <a:lnSpc>
-                <a:spcPct val="100000"/>
-              </a:lnSpc>
-              <a:spcBef>
-                <a:spcPct val="0"/>
-              </a:spcBef>
-              <a:spcAft>
-                <a:spcPct val="0"/>
-              </a:spcAft>
-              <a:buClrTx/>
-              <a:buSzTx/>
-              <a:buFontTx/>
-              <a:buNone/>
-              <a:tabLst/>
-              <a:defRPr/>
-            </a:pPr>
-            <a:endParaRPr kumimoji="1" lang="ja-JP" altLang="en-US" sz="1600" b="0" i="0" u="none" strike="noStrike" kern="1200" cap="none" spc="0" normalizeH="0" baseline="0" noProof="0">
-              <a:ln>
-                <a:noFill/>
-              </a:ln>
+        </p:grpSpPr>
+        <p:sp>
+          <p:nvSpPr>
+            <p:cNvPr id="49" name="四角形: 角を丸くする 48">
+              <a:extLst>
+                <a:ext uri="{FF2B5EF4-FFF2-40B4-BE49-F238E27FC236}">
+                  <a16:creationId xmlns:a16="http://schemas.microsoft.com/office/drawing/2014/main" id="{826177ED-4F8B-4EC3-873D-0AD0C7519586}"/>
+                </a:ext>
+              </a:extLst>
+            </p:cNvPr>
+            <p:cNvSpPr/>
+            <p:nvPr/>
+          </p:nvSpPr>
+          <p:spPr>
+            <a:xfrm>
+              <a:off x="8159073" y="268334"/>
+              <a:ext cx="2016000" cy="1152297"/>
+            </a:xfrm>
+            <a:prstGeom prst="roundRect">
+              <a:avLst/>
+            </a:prstGeom>
+            <a:ln w="28575">
               <a:solidFill>
-                <a:prstClr val="black"/>
+                <a:schemeClr val="accent6">
+                  <a:lumMod val="60000"/>
+                  <a:lumOff val="40000"/>
+                </a:schemeClr>
               </a:solidFill>
-              <a:effectLst/>
-              <a:uLnTx/>
-              <a:uFillTx/>
-              <a:latin typeface="游ゴシック" panose="020F0502020204030204"/>
-              <a:ea typeface="游ゴシック" panose="020B0400000000000000" pitchFamily="50" charset="-128"/>
-              <a:cs typeface="+mn-cs"/>
-            </a:endParaRPr>
-          </a:p>
-        </p:txBody>
-      </p:sp>
-      <p:sp>
-        <p:nvSpPr>
-          <p:cNvPr id="29" name="四角形: 角を丸くする 28">
+            </a:ln>
+          </p:spPr>
+          <p:style>
+            <a:lnRef idx="2">
+              <a:schemeClr val="accent6"/>
+            </a:lnRef>
+            <a:fillRef idx="1">
+              <a:schemeClr val="lt1"/>
+            </a:fillRef>
+            <a:effectRef idx="0">
+              <a:schemeClr val="accent6"/>
+            </a:effectRef>
+            <a:fontRef idx="minor">
+              <a:schemeClr val="dk1"/>
+            </a:fontRef>
+          </p:style>
+          <p:txBody>
+            <a:bodyPr rtlCol="0" anchor="ctr"/>
+            <a:lstStyle/>
+            <a:p>
+              <a:pPr marL="0" marR="0" lvl="0" indent="0" algn="ctr" defTabSz="914400" rtl="0" eaLnBrk="1" fontAlgn="base" latinLnBrk="0" hangingPunct="1">
+                <a:lnSpc>
+                  <a:spcPct val="100000"/>
+                </a:lnSpc>
+                <a:spcBef>
+                  <a:spcPct val="0"/>
+                </a:spcBef>
+                <a:spcAft>
+                  <a:spcPct val="0"/>
+                </a:spcAft>
+                <a:buClrTx/>
+                <a:buSzTx/>
+                <a:buFontTx/>
+                <a:buNone/>
+                <a:tabLst/>
+                <a:defRPr/>
+              </a:pPr>
+              <a:endParaRPr kumimoji="1" lang="ja-JP" altLang="en-US" sz="1600" b="0" i="0" u="none" strike="noStrike" kern="1200" cap="none" spc="0" normalizeH="0" baseline="0" noProof="0">
+                <a:ln>
+                  <a:noFill/>
+                </a:ln>
+                <a:solidFill>
+                  <a:prstClr val="black"/>
+                </a:solidFill>
+                <a:effectLst/>
+                <a:uLnTx/>
+                <a:uFillTx/>
+                <a:latin typeface="游ゴシック" panose="020F0502020204030204"/>
+                <a:ea typeface="游ゴシック" panose="020B0400000000000000" pitchFamily="50" charset="-128"/>
+                <a:cs typeface="+mn-cs"/>
+              </a:endParaRPr>
+            </a:p>
+          </p:txBody>
+        </p:sp>
+        <p:sp>
+          <p:nvSpPr>
+            <p:cNvPr id="50" name="テキスト ボックス 49">
+              <a:extLst>
+                <a:ext uri="{FF2B5EF4-FFF2-40B4-BE49-F238E27FC236}">
+                  <a16:creationId xmlns:a16="http://schemas.microsoft.com/office/drawing/2014/main" id="{41CF4A6E-DF1D-4DFE-9CF9-8AE838A79D98}"/>
+                </a:ext>
+              </a:extLst>
+            </p:cNvPr>
+            <p:cNvSpPr txBox="1"/>
+            <p:nvPr/>
+          </p:nvSpPr>
+          <p:spPr>
+            <a:xfrm>
+              <a:off x="8683078" y="253425"/>
+              <a:ext cx="1445666" cy="430887"/>
+            </a:xfrm>
+            <a:prstGeom prst="rect">
+              <a:avLst/>
+            </a:prstGeom>
+            <a:noFill/>
+            <a:ln>
+              <a:noFill/>
+            </a:ln>
+          </p:spPr>
+          <p:style>
+            <a:lnRef idx="0">
+              <a:scrgbClr r="0" g="0" b="0"/>
+            </a:lnRef>
+            <a:fillRef idx="0">
+              <a:scrgbClr r="0" g="0" b="0"/>
+            </a:fillRef>
+            <a:effectRef idx="0">
+              <a:scrgbClr r="0" g="0" b="0"/>
+            </a:effectRef>
+            <a:fontRef idx="minor">
+              <a:schemeClr val="dk1"/>
+            </a:fontRef>
+          </p:style>
+          <p:txBody>
+            <a:bodyPr wrap="square" rtlCol="0">
+              <a:spAutoFit/>
+            </a:bodyPr>
+            <a:lstStyle/>
+            <a:p>
+              <a:pPr marL="0" marR="0" lvl="0" indent="0" algn="l" defTabSz="914400" rtl="0" eaLnBrk="1" fontAlgn="base" latinLnBrk="0" hangingPunct="1">
+                <a:lnSpc>
+                  <a:spcPct val="100000"/>
+                </a:lnSpc>
+                <a:spcBef>
+                  <a:spcPct val="0"/>
+                </a:spcBef>
+                <a:spcAft>
+                  <a:spcPct val="0"/>
+                </a:spcAft>
+                <a:buClrTx/>
+                <a:buSzTx/>
+                <a:buFontTx/>
+                <a:buNone/>
+                <a:tabLst/>
+                <a:defRPr/>
+              </a:pPr>
+              <a:r>
+                <a:rPr kumimoji="1" lang="ja-JP" altLang="en-US" sz="2200" b="0" i="0" u="none" strike="noStrike" kern="1200" cap="none" spc="0" normalizeH="0" baseline="0" noProof="0" dirty="0">
+                  <a:ln>
+                    <a:noFill/>
+                  </a:ln>
+                  <a:solidFill>
+                    <a:srgbClr val="70AD47">
+                      <a:lumMod val="60000"/>
+                      <a:lumOff val="40000"/>
+                    </a:srgbClr>
+                  </a:solidFill>
+                  <a:effectLst/>
+                  <a:uLnTx/>
+                  <a:uFillTx/>
+                  <a:latin typeface="HG創英角ｺﾞｼｯｸUB" panose="020B0909000000000000" pitchFamily="49" charset="-128"/>
+                  <a:ea typeface="HG創英角ｺﾞｼｯｸUB" panose="020B0909000000000000" pitchFamily="49" charset="-128"/>
+                  <a:cs typeface="+mn-cs"/>
+                </a:rPr>
+                <a:t>工夫点</a:t>
+              </a:r>
+              <a:endParaRPr kumimoji="1" lang="en-US" altLang="ja-JP" sz="2200" b="0" i="0" u="none" strike="noStrike" kern="1200" cap="none" spc="0" normalizeH="0" baseline="0" noProof="0" dirty="0">
+                <a:ln>
+                  <a:noFill/>
+                </a:ln>
+                <a:solidFill>
+                  <a:srgbClr val="70AD47">
+                    <a:lumMod val="60000"/>
+                    <a:lumOff val="40000"/>
+                  </a:srgbClr>
+                </a:solidFill>
+                <a:effectLst/>
+                <a:uLnTx/>
+                <a:uFillTx/>
+                <a:latin typeface="HG創英角ｺﾞｼｯｸUB" panose="020B0909000000000000" pitchFamily="49" charset="-128"/>
+                <a:ea typeface="HG創英角ｺﾞｼｯｸUB" panose="020B0909000000000000" pitchFamily="49" charset="-128"/>
+                <a:cs typeface="+mn-cs"/>
+              </a:endParaRPr>
+            </a:p>
+          </p:txBody>
+        </p:sp>
+      </p:grpSp>
+      <p:grpSp>
+        <p:nvGrpSpPr>
+          <p:cNvPr id="40" name="グループ化 39">
             <a:extLst>
               <a:ext uri="{FF2B5EF4-FFF2-40B4-BE49-F238E27FC236}">
-                <a16:creationId xmlns:a16="http://schemas.microsoft.com/office/drawing/2014/main" id="{3DCA5E50-8DA7-4566-952F-4575563F37A0}"/>
+                <a16:creationId xmlns:a16="http://schemas.microsoft.com/office/drawing/2014/main" id="{7C88292A-E88D-4438-8645-2C5C97E56E32}"/>
               </a:ext>
             </a:extLst>
           </p:cNvPr>
-          <p:cNvSpPr/>
+          <p:cNvGrpSpPr/>
           <p:nvPr/>
-        </p:nvSpPr>
-        <p:spPr>
+        </p:nvGrpSpPr>
+        <p:grpSpPr>
           <a:xfrm>
-            <a:off x="96930" y="264096"/>
-            <a:ext cx="2016000" cy="1368400"/>
+            <a:off x="6147012" y="266574"/>
+            <a:ext cx="2438787" cy="1153695"/>
+            <a:chOff x="6147012" y="266574"/>
+            <a:chExt cx="2438787" cy="1153695"/>
           </a:xfrm>
-          <a:prstGeom prst="roundRect">
-            <a:avLst>
-              <a:gd name="adj" fmla="val 13495"/>
-            </a:avLst>
-          </a:prstGeom>
-          <a:ln w="28575">
-            <a:solidFill>
-              <a:schemeClr val="accent6">
-                <a:lumMod val="60000"/>
-                <a:lumOff val="40000"/>
-              </a:schemeClr>
-            </a:solidFill>
-          </a:ln>
-        </p:spPr>
-        <p:style>
-          <a:lnRef idx="2">
-            <a:schemeClr val="accent6"/>
-          </a:lnRef>
-          <a:fillRef idx="1">
-            <a:schemeClr val="lt1"/>
-          </a:fillRef>
-          <a:effectRef idx="0">
-            <a:schemeClr val="accent6"/>
-          </a:effectRef>
-          <a:fontRef idx="minor">
-            <a:schemeClr val="dk1"/>
-          </a:fontRef>
-        </p:style>
-        <p:txBody>
-          <a:bodyPr rtlCol="0" anchor="ctr"/>
-          <a:lstStyle/>
-          <a:p>
-            <a:pPr marL="0" marR="0" lvl="0" indent="0" algn="ctr" defTabSz="914400" rtl="0" eaLnBrk="1" fontAlgn="base" latinLnBrk="0" hangingPunct="1">
-              <a:lnSpc>
-                <a:spcPct val="100000"/>
-              </a:lnSpc>
-              <a:spcBef>
-                <a:spcPct val="0"/>
-              </a:spcBef>
-              <a:spcAft>
-                <a:spcPct val="0"/>
-              </a:spcAft>
-              <a:buClrTx/>
-              <a:buSzTx/>
-              <a:buFontTx/>
-              <a:buNone/>
-              <a:tabLst/>
-              <a:defRPr/>
-            </a:pPr>
-            <a:endParaRPr kumimoji="1" lang="ja-JP" altLang="en-US" sz="1600" b="0" i="0" u="none" strike="noStrike" kern="1200" cap="none" spc="0" normalizeH="0" baseline="0" noProof="0">
-              <a:ln>
-                <a:noFill/>
-              </a:ln>
+        </p:grpSpPr>
+        <p:sp>
+          <p:nvSpPr>
+            <p:cNvPr id="41" name="四角形: 角を丸くする 40">
+              <a:extLst>
+                <a:ext uri="{FF2B5EF4-FFF2-40B4-BE49-F238E27FC236}">
+                  <a16:creationId xmlns:a16="http://schemas.microsoft.com/office/drawing/2014/main" id="{90298446-F773-4AD1-8DAC-DD43230402CF}"/>
+                </a:ext>
+              </a:extLst>
+            </p:cNvPr>
+            <p:cNvSpPr/>
+            <p:nvPr/>
+          </p:nvSpPr>
+          <p:spPr>
+            <a:xfrm>
+              <a:off x="6147012" y="267972"/>
+              <a:ext cx="2016000" cy="1152297"/>
+            </a:xfrm>
+            <a:prstGeom prst="roundRect">
+              <a:avLst/>
+            </a:prstGeom>
+            <a:ln w="28575">
               <a:solidFill>
-                <a:prstClr val="black"/>
+                <a:schemeClr val="accent6">
+                  <a:lumMod val="60000"/>
+                  <a:lumOff val="40000"/>
+                </a:schemeClr>
               </a:solidFill>
-              <a:effectLst/>
-              <a:uLnTx/>
-              <a:uFillTx/>
-              <a:latin typeface="游ゴシック" panose="020F0502020204030204"/>
-              <a:ea typeface="游ゴシック" panose="020B0400000000000000" pitchFamily="50" charset="-128"/>
-              <a:cs typeface="+mn-cs"/>
-            </a:endParaRPr>
-          </a:p>
-        </p:txBody>
-      </p:sp>
+            </a:ln>
+          </p:spPr>
+          <p:style>
+            <a:lnRef idx="2">
+              <a:schemeClr val="accent6"/>
+            </a:lnRef>
+            <a:fillRef idx="1">
+              <a:schemeClr val="lt1"/>
+            </a:fillRef>
+            <a:effectRef idx="0">
+              <a:schemeClr val="accent6"/>
+            </a:effectRef>
+            <a:fontRef idx="minor">
+              <a:schemeClr val="dk1"/>
+            </a:fontRef>
+          </p:style>
+          <p:txBody>
+            <a:bodyPr rtlCol="0" anchor="ctr"/>
+            <a:lstStyle/>
+            <a:p>
+              <a:pPr marL="0" marR="0" lvl="0" indent="0" algn="ctr" defTabSz="914400" rtl="0" eaLnBrk="1" fontAlgn="base" latinLnBrk="0" hangingPunct="1">
+                <a:lnSpc>
+                  <a:spcPct val="100000"/>
+                </a:lnSpc>
+                <a:spcBef>
+                  <a:spcPct val="0"/>
+                </a:spcBef>
+                <a:spcAft>
+                  <a:spcPct val="0"/>
+                </a:spcAft>
+                <a:buClrTx/>
+                <a:buSzTx/>
+                <a:buFontTx/>
+                <a:buNone/>
+                <a:tabLst/>
+                <a:defRPr/>
+              </a:pPr>
+              <a:endParaRPr kumimoji="1" lang="ja-JP" altLang="en-US" sz="1600" b="0" i="0" u="none" strike="noStrike" kern="1200" cap="none" spc="0" normalizeH="0" baseline="0" noProof="0">
+                <a:ln>
+                  <a:noFill/>
+                </a:ln>
+                <a:solidFill>
+                  <a:prstClr val="black"/>
+                </a:solidFill>
+                <a:effectLst/>
+                <a:uLnTx/>
+                <a:uFillTx/>
+                <a:latin typeface="游ゴシック" panose="020F0502020204030204"/>
+                <a:ea typeface="游ゴシック" panose="020B0400000000000000" pitchFamily="50" charset="-128"/>
+                <a:cs typeface="+mn-cs"/>
+              </a:endParaRPr>
+            </a:p>
+          </p:txBody>
+        </p:sp>
+        <p:sp>
+          <p:nvSpPr>
+            <p:cNvPr id="43" name="テキスト ボックス 42">
+              <a:extLst>
+                <a:ext uri="{FF2B5EF4-FFF2-40B4-BE49-F238E27FC236}">
+                  <a16:creationId xmlns:a16="http://schemas.microsoft.com/office/drawing/2014/main" id="{FCF1A5FC-9B9D-4242-BF9F-79B730FC1A02}"/>
+                </a:ext>
+              </a:extLst>
+            </p:cNvPr>
+            <p:cNvSpPr txBox="1"/>
+            <p:nvPr/>
+          </p:nvSpPr>
+          <p:spPr>
+            <a:xfrm>
+              <a:off x="6425559" y="266574"/>
+              <a:ext cx="2160240" cy="446276"/>
+            </a:xfrm>
+            <a:prstGeom prst="rect">
+              <a:avLst/>
+            </a:prstGeom>
+            <a:noFill/>
+            <a:ln>
+              <a:noFill/>
+            </a:ln>
+          </p:spPr>
+          <p:style>
+            <a:lnRef idx="0">
+              <a:scrgbClr r="0" g="0" b="0"/>
+            </a:lnRef>
+            <a:fillRef idx="0">
+              <a:scrgbClr r="0" g="0" b="0"/>
+            </a:fillRef>
+            <a:effectRef idx="0">
+              <a:scrgbClr r="0" g="0" b="0"/>
+            </a:effectRef>
+            <a:fontRef idx="minor">
+              <a:schemeClr val="dk1"/>
+            </a:fontRef>
+          </p:style>
+          <p:txBody>
+            <a:bodyPr wrap="square" rtlCol="0">
+              <a:spAutoFit/>
+            </a:bodyPr>
+            <a:lstStyle/>
+            <a:p>
+              <a:pPr marL="0" marR="0" lvl="0" indent="0" algn="l" defTabSz="914400" rtl="0" eaLnBrk="1" fontAlgn="base" latinLnBrk="0" hangingPunct="1">
+                <a:lnSpc>
+                  <a:spcPct val="100000"/>
+                </a:lnSpc>
+                <a:spcBef>
+                  <a:spcPct val="0"/>
+                </a:spcBef>
+                <a:spcAft>
+                  <a:spcPct val="0"/>
+                </a:spcAft>
+                <a:buClrTx/>
+                <a:buSzTx/>
+                <a:buFontTx/>
+                <a:buNone/>
+                <a:tabLst/>
+                <a:defRPr/>
+              </a:pPr>
+              <a:r>
+                <a:rPr kumimoji="1" lang="ja-JP" altLang="en-US" sz="2200" b="0" i="0" u="none" strike="noStrike" kern="1200" cap="none" spc="0" normalizeH="0" baseline="0" noProof="0" dirty="0">
+                  <a:ln>
+                    <a:noFill/>
+                  </a:ln>
+                  <a:solidFill>
+                    <a:srgbClr val="70AD47">
+                      <a:lumMod val="60000"/>
+                      <a:lumOff val="40000"/>
+                    </a:srgbClr>
+                  </a:solidFill>
+                  <a:effectLst/>
+                  <a:uLnTx/>
+                  <a:uFillTx/>
+                  <a:latin typeface="HG創英角ｺﾞｼｯｸUB" panose="020B0909000000000000" pitchFamily="49" charset="-128"/>
+                  <a:ea typeface="HG創英角ｺﾞｼｯｸUB" panose="020B0909000000000000" pitchFamily="49" charset="-128"/>
+                  <a:cs typeface="+mn-cs"/>
+                </a:rPr>
+                <a:t>振る舞い②</a:t>
+              </a:r>
+              <a:endParaRPr kumimoji="1" lang="en-US" altLang="ja-JP" sz="2200" b="0" i="0" u="none" strike="noStrike" kern="1200" cap="none" spc="0" normalizeH="0" baseline="0" noProof="0" dirty="0">
+                <a:ln>
+                  <a:noFill/>
+                </a:ln>
+                <a:solidFill>
+                  <a:srgbClr val="70AD47">
+                    <a:lumMod val="60000"/>
+                    <a:lumOff val="40000"/>
+                  </a:srgbClr>
+                </a:solidFill>
+                <a:effectLst/>
+                <a:uLnTx/>
+                <a:uFillTx/>
+                <a:latin typeface="HG創英角ｺﾞｼｯｸUB" panose="020B0909000000000000" pitchFamily="49" charset="-128"/>
+                <a:ea typeface="HG創英角ｺﾞｼｯｸUB" panose="020B0909000000000000" pitchFamily="49" charset="-128"/>
+                <a:cs typeface="+mn-cs"/>
+              </a:endParaRPr>
+            </a:p>
+          </p:txBody>
+        </p:sp>
+      </p:grpSp>
+      <p:grpSp>
+        <p:nvGrpSpPr>
+          <p:cNvPr id="37" name="グループ化 36">
+            <a:extLst>
+              <a:ext uri="{FF2B5EF4-FFF2-40B4-BE49-F238E27FC236}">
+                <a16:creationId xmlns:a16="http://schemas.microsoft.com/office/drawing/2014/main" id="{A728FF99-F18C-4390-97DC-39AD11C0906D}"/>
+              </a:ext>
+            </a:extLst>
+          </p:cNvPr>
+          <p:cNvGrpSpPr/>
+          <p:nvPr/>
+        </p:nvGrpSpPr>
+        <p:grpSpPr>
+          <a:xfrm>
+            <a:off x="4131012" y="255607"/>
+            <a:ext cx="2285247" cy="1088857"/>
+            <a:chOff x="4131012" y="255607"/>
+            <a:chExt cx="2285247" cy="1088857"/>
+          </a:xfrm>
+        </p:grpSpPr>
+        <p:sp>
+          <p:nvSpPr>
+            <p:cNvPr id="38" name="四角形: 角を丸くする 37">
+              <a:extLst>
+                <a:ext uri="{FF2B5EF4-FFF2-40B4-BE49-F238E27FC236}">
+                  <a16:creationId xmlns:a16="http://schemas.microsoft.com/office/drawing/2014/main" id="{671087CF-17CC-4B94-B2E9-6FD98354A040}"/>
+                </a:ext>
+              </a:extLst>
+            </p:cNvPr>
+            <p:cNvSpPr/>
+            <p:nvPr/>
+          </p:nvSpPr>
+          <p:spPr>
+            <a:xfrm>
+              <a:off x="4131012" y="264096"/>
+              <a:ext cx="2016000" cy="1080368"/>
+            </a:xfrm>
+            <a:prstGeom prst="roundRect">
+              <a:avLst/>
+            </a:prstGeom>
+            <a:ln w="28575">
+              <a:solidFill>
+                <a:schemeClr val="accent6">
+                  <a:lumMod val="60000"/>
+                  <a:lumOff val="40000"/>
+                </a:schemeClr>
+              </a:solidFill>
+            </a:ln>
+          </p:spPr>
+          <p:style>
+            <a:lnRef idx="2">
+              <a:schemeClr val="accent6"/>
+            </a:lnRef>
+            <a:fillRef idx="1">
+              <a:schemeClr val="lt1"/>
+            </a:fillRef>
+            <a:effectRef idx="0">
+              <a:schemeClr val="accent6"/>
+            </a:effectRef>
+            <a:fontRef idx="minor">
+              <a:schemeClr val="dk1"/>
+            </a:fontRef>
+          </p:style>
+          <p:txBody>
+            <a:bodyPr rtlCol="0" anchor="ctr"/>
+            <a:lstStyle/>
+            <a:p>
+              <a:pPr marL="0" marR="0" lvl="0" indent="0" algn="ctr" defTabSz="914400" rtl="0" eaLnBrk="1" fontAlgn="base" latinLnBrk="0" hangingPunct="1">
+                <a:lnSpc>
+                  <a:spcPct val="100000"/>
+                </a:lnSpc>
+                <a:spcBef>
+                  <a:spcPct val="0"/>
+                </a:spcBef>
+                <a:spcAft>
+                  <a:spcPct val="0"/>
+                </a:spcAft>
+                <a:buClrTx/>
+                <a:buSzTx/>
+                <a:buFontTx/>
+                <a:buNone/>
+                <a:tabLst/>
+                <a:defRPr/>
+              </a:pPr>
+              <a:endParaRPr kumimoji="1" lang="ja-JP" altLang="en-US" sz="1600" b="0" i="0" u="none" strike="noStrike" kern="1200" cap="none" spc="0" normalizeH="0" baseline="0" noProof="0">
+                <a:ln>
+                  <a:noFill/>
+                </a:ln>
+                <a:solidFill>
+                  <a:prstClr val="black"/>
+                </a:solidFill>
+                <a:effectLst/>
+                <a:uLnTx/>
+                <a:uFillTx/>
+                <a:latin typeface="游ゴシック" panose="020F0502020204030204"/>
+                <a:ea typeface="游ゴシック" panose="020B0400000000000000" pitchFamily="50" charset="-128"/>
+                <a:cs typeface="+mn-cs"/>
+              </a:endParaRPr>
+            </a:p>
+          </p:txBody>
+        </p:sp>
+        <p:sp>
+          <p:nvSpPr>
+            <p:cNvPr id="39" name="テキスト ボックス 38">
+              <a:extLst>
+                <a:ext uri="{FF2B5EF4-FFF2-40B4-BE49-F238E27FC236}">
+                  <a16:creationId xmlns:a16="http://schemas.microsoft.com/office/drawing/2014/main" id="{9CA4A4D9-029F-4F26-B354-7BB79FC7944C}"/>
+                </a:ext>
+              </a:extLst>
+            </p:cNvPr>
+            <p:cNvSpPr txBox="1"/>
+            <p:nvPr/>
+          </p:nvSpPr>
+          <p:spPr>
+            <a:xfrm>
+              <a:off x="4400259" y="255607"/>
+              <a:ext cx="2016000" cy="446276"/>
+            </a:xfrm>
+            <a:prstGeom prst="rect">
+              <a:avLst/>
+            </a:prstGeom>
+            <a:noFill/>
+            <a:ln>
+              <a:noFill/>
+            </a:ln>
+          </p:spPr>
+          <p:style>
+            <a:lnRef idx="0">
+              <a:scrgbClr r="0" g="0" b="0"/>
+            </a:lnRef>
+            <a:fillRef idx="0">
+              <a:scrgbClr r="0" g="0" b="0"/>
+            </a:fillRef>
+            <a:effectRef idx="0">
+              <a:scrgbClr r="0" g="0" b="0"/>
+            </a:effectRef>
+            <a:fontRef idx="minor">
+              <a:schemeClr val="dk1"/>
+            </a:fontRef>
+          </p:style>
+          <p:txBody>
+            <a:bodyPr wrap="square" rtlCol="0">
+              <a:spAutoFit/>
+            </a:bodyPr>
+            <a:lstStyle/>
+            <a:p>
+              <a:pPr marL="0" marR="0" lvl="0" indent="0" algn="l" defTabSz="914400" rtl="0" eaLnBrk="1" fontAlgn="base" latinLnBrk="0" hangingPunct="1">
+                <a:lnSpc>
+                  <a:spcPct val="100000"/>
+                </a:lnSpc>
+                <a:spcBef>
+                  <a:spcPct val="0"/>
+                </a:spcBef>
+                <a:spcAft>
+                  <a:spcPct val="0"/>
+                </a:spcAft>
+                <a:buClrTx/>
+                <a:buSzTx/>
+                <a:buFontTx/>
+                <a:buNone/>
+                <a:tabLst/>
+                <a:defRPr/>
+              </a:pPr>
+              <a:r>
+                <a:rPr kumimoji="1" lang="ja-JP" altLang="en-US" sz="2200" b="0" i="0" u="none" strike="noStrike" kern="1200" cap="none" spc="0" normalizeH="0" baseline="0" noProof="0" dirty="0">
+                  <a:ln>
+                    <a:noFill/>
+                  </a:ln>
+                  <a:solidFill>
+                    <a:srgbClr val="70AD47">
+                      <a:lumMod val="60000"/>
+                      <a:lumOff val="40000"/>
+                    </a:srgbClr>
+                  </a:solidFill>
+                  <a:effectLst/>
+                  <a:uLnTx/>
+                  <a:uFillTx/>
+                  <a:latin typeface="HG創英角ｺﾞｼｯｸUB" panose="020B0909000000000000" pitchFamily="49" charset="-128"/>
+                  <a:ea typeface="HG創英角ｺﾞｼｯｸUB" panose="020B0909000000000000" pitchFamily="49" charset="-128"/>
+                  <a:cs typeface="+mn-cs"/>
+                </a:rPr>
+                <a:t>振る舞い①</a:t>
+              </a:r>
+              <a:endParaRPr kumimoji="1" lang="en-US" altLang="ja-JP" sz="2200" b="0" i="0" u="none" strike="noStrike" kern="1200" cap="none" spc="0" normalizeH="0" baseline="0" noProof="0" dirty="0">
+                <a:ln>
+                  <a:noFill/>
+                </a:ln>
+                <a:solidFill>
+                  <a:srgbClr val="70AD47">
+                    <a:lumMod val="60000"/>
+                    <a:lumOff val="40000"/>
+                  </a:srgbClr>
+                </a:solidFill>
+                <a:effectLst/>
+                <a:uLnTx/>
+                <a:uFillTx/>
+                <a:latin typeface="HG創英角ｺﾞｼｯｸUB" panose="020B0909000000000000" pitchFamily="49" charset="-128"/>
+                <a:ea typeface="HG創英角ｺﾞｼｯｸUB" panose="020B0909000000000000" pitchFamily="49" charset="-128"/>
+                <a:cs typeface="+mn-cs"/>
+              </a:endParaRPr>
+            </a:p>
+          </p:txBody>
+        </p:sp>
+      </p:grpSp>
       <p:sp>
         <p:nvSpPr>
           <p:cNvPr id="31" name="四角形: 角を丸くする 30">
@@ -15017,10 +15549,10 @@
       </p:sp>
       <p:sp>
         <p:nvSpPr>
-          <p:cNvPr id="33" name="四角形: 角を丸くする 32">
+          <p:cNvPr id="51" name="正方形/長方形 50">
             <a:extLst>
               <a:ext uri="{FF2B5EF4-FFF2-40B4-BE49-F238E27FC236}">
-                <a16:creationId xmlns:a16="http://schemas.microsoft.com/office/drawing/2014/main" id="{7318D891-AC89-489E-BDFE-B0A80C789DFC}"/>
+                <a16:creationId xmlns:a16="http://schemas.microsoft.com/office/drawing/2014/main" id="{BA6D0DD1-3A3A-452E-954D-64DB2A647F7E}"/>
               </a:ext>
             </a:extLst>
           </p:cNvPr>
@@ -15029,19 +15561,15 @@
         </p:nvSpPr>
         <p:spPr>
           <a:xfrm>
-            <a:off x="8150466" y="264096"/>
-            <a:ext cx="2016000" cy="1152297"/>
+            <a:off x="100800" y="696144"/>
+            <a:ext cx="12600000" cy="8856984"/>
           </a:xfrm>
-          <a:prstGeom prst="roundRect">
+          <a:prstGeom prst="rect">
             <a:avLst/>
           </a:prstGeom>
-          <a:ln w="28575">
-            <a:solidFill>
-              <a:schemeClr val="accent6">
-                <a:lumMod val="60000"/>
-                <a:lumOff val="40000"/>
-              </a:schemeClr>
-            </a:solidFill>
+          <a:ln w="38100">
+            <a:headEnd type="none" w="med" len="med"/>
+            <a:tailEnd type="none" w="med" len="med"/>
           </a:ln>
         </p:spPr>
         <p:style>
@@ -15079,7 +15607,7 @@
               <a:tabLst/>
               <a:defRPr/>
             </a:pPr>
-            <a:endParaRPr kumimoji="1" lang="ja-JP" altLang="en-US" sz="1600" b="0" i="0" u="none" strike="noStrike" kern="1200" cap="none" spc="0" normalizeH="0" baseline="0" noProof="0">
+            <a:endParaRPr kumimoji="1" lang="ja-JP" altLang="en-US" sz="1600" b="0" i="0" u="none" strike="noStrike" kern="1200" cap="none" spc="0" normalizeH="0" baseline="0" noProof="0" dirty="0">
               <a:ln>
                 <a:noFill/>
               </a:ln>
@@ -15098,10 +15626,10 @@
       </p:sp>
       <p:sp>
         <p:nvSpPr>
-          <p:cNvPr id="3" name="テキスト ボックス 2">
+          <p:cNvPr id="36" name="テキスト ボックス 35">
             <a:extLst>
               <a:ext uri="{FF2B5EF4-FFF2-40B4-BE49-F238E27FC236}">
-                <a16:creationId xmlns:a16="http://schemas.microsoft.com/office/drawing/2014/main" id="{4A839BC4-54BA-4246-90D0-1001B466FC18}"/>
+                <a16:creationId xmlns:a16="http://schemas.microsoft.com/office/drawing/2014/main" id="{07A91E90-F6F5-47F1-BA7D-82DB151C767C}"/>
               </a:ext>
             </a:extLst>
           </p:cNvPr>
@@ -15110,8 +15638,8 @@
         </p:nvSpPr>
         <p:spPr>
           <a:xfrm>
-            <a:off x="701927" y="258118"/>
-            <a:ext cx="1215249" cy="430887"/>
+            <a:off x="751005" y="238522"/>
+            <a:ext cx="754387" cy="430887"/>
           </a:xfrm>
           <a:prstGeom prst="rect">
             <a:avLst/>
@@ -15289,287 +15817,6 @@
               <a:uFillTx/>
               <a:latin typeface="HG創英角ｺﾞｼｯｸUB" panose="020B0909000000000000" pitchFamily="49" charset="-128"/>
               <a:ea typeface="HG創英角ｺﾞｼｯｸUB" panose="020B0909000000000000" pitchFamily="49" charset="-128"/>
-              <a:cs typeface="+mn-cs"/>
-            </a:endParaRPr>
-          </a:p>
-        </p:txBody>
-      </p:sp>
-      <p:sp>
-        <p:nvSpPr>
-          <p:cNvPr id="10" name="テキスト ボックス 9">
-            <a:extLst>
-              <a:ext uri="{FF2B5EF4-FFF2-40B4-BE49-F238E27FC236}">
-                <a16:creationId xmlns:a16="http://schemas.microsoft.com/office/drawing/2014/main" id="{6B6DE600-02D5-4297-AB70-824D28CEE6FA}"/>
-              </a:ext>
-            </a:extLst>
-          </p:cNvPr>
-          <p:cNvSpPr txBox="1"/>
-          <p:nvPr/>
-        </p:nvSpPr>
-        <p:spPr>
-          <a:xfrm>
-            <a:off x="4384800" y="258118"/>
-            <a:ext cx="2016000" cy="446276"/>
-          </a:xfrm>
-          <a:prstGeom prst="rect">
-            <a:avLst/>
-          </a:prstGeom>
-          <a:noFill/>
-          <a:ln>
-            <a:noFill/>
-          </a:ln>
-        </p:spPr>
-        <p:style>
-          <a:lnRef idx="0">
-            <a:scrgbClr r="0" g="0" b="0"/>
-          </a:lnRef>
-          <a:fillRef idx="0">
-            <a:scrgbClr r="0" g="0" b="0"/>
-          </a:fillRef>
-          <a:effectRef idx="0">
-            <a:scrgbClr r="0" g="0" b="0"/>
-          </a:effectRef>
-          <a:fontRef idx="minor">
-            <a:schemeClr val="dk1"/>
-          </a:fontRef>
-        </p:style>
-        <p:txBody>
-          <a:bodyPr wrap="square" rtlCol="0">
-            <a:spAutoFit/>
-          </a:bodyPr>
-          <a:lstStyle/>
-          <a:p>
-            <a:pPr marL="0" marR="0" lvl="0" indent="0" algn="l" defTabSz="914400" rtl="0" eaLnBrk="1" fontAlgn="base" latinLnBrk="0" hangingPunct="1">
-              <a:lnSpc>
-                <a:spcPct val="100000"/>
-              </a:lnSpc>
-              <a:spcBef>
-                <a:spcPct val="0"/>
-              </a:spcBef>
-              <a:spcAft>
-                <a:spcPct val="0"/>
-              </a:spcAft>
-              <a:buClrTx/>
-              <a:buSzTx/>
-              <a:buFontTx/>
-              <a:buNone/>
-              <a:tabLst/>
-              <a:defRPr/>
-            </a:pPr>
-            <a:r>
-              <a:rPr kumimoji="1" lang="ja-JP" altLang="en-US" sz="2200" b="0" i="0" u="none" strike="noStrike" kern="1200" cap="none" spc="0" normalizeH="0" baseline="0" noProof="0" dirty="0">
-                <a:ln>
-                  <a:noFill/>
-                </a:ln>
-                <a:solidFill>
-                  <a:srgbClr val="70AD47">
-                    <a:lumMod val="60000"/>
-                    <a:lumOff val="40000"/>
-                  </a:srgbClr>
-                </a:solidFill>
-                <a:effectLst/>
-                <a:uLnTx/>
-                <a:uFillTx/>
-                <a:latin typeface="HG創英角ｺﾞｼｯｸUB" panose="020B0909000000000000" pitchFamily="49" charset="-128"/>
-                <a:ea typeface="HG創英角ｺﾞｼｯｸUB" panose="020B0909000000000000" pitchFamily="49" charset="-128"/>
-                <a:cs typeface="+mn-cs"/>
-              </a:rPr>
-              <a:t>振る舞い①</a:t>
-            </a:r>
-            <a:endParaRPr kumimoji="1" lang="en-US" altLang="ja-JP" sz="2200" b="0" i="0" u="none" strike="noStrike" kern="1200" cap="none" spc="0" normalizeH="0" baseline="0" noProof="0" dirty="0">
-              <a:ln>
-                <a:noFill/>
-              </a:ln>
-              <a:solidFill>
-                <a:srgbClr val="70AD47">
-                  <a:lumMod val="60000"/>
-                  <a:lumOff val="40000"/>
-                </a:srgbClr>
-              </a:solidFill>
-              <a:effectLst/>
-              <a:uLnTx/>
-              <a:uFillTx/>
-              <a:latin typeface="HG創英角ｺﾞｼｯｸUB" panose="020B0909000000000000" pitchFamily="49" charset="-128"/>
-              <a:ea typeface="HG創英角ｺﾞｼｯｸUB" panose="020B0909000000000000" pitchFamily="49" charset="-128"/>
-              <a:cs typeface="+mn-cs"/>
-            </a:endParaRPr>
-          </a:p>
-        </p:txBody>
-      </p:sp>
-      <p:sp>
-        <p:nvSpPr>
-          <p:cNvPr id="16" name="テキスト ボックス 15">
-            <a:extLst>
-              <a:ext uri="{FF2B5EF4-FFF2-40B4-BE49-F238E27FC236}">
-                <a16:creationId xmlns:a16="http://schemas.microsoft.com/office/drawing/2014/main" id="{B2857B95-E44E-4693-9BF6-518968E8AB21}"/>
-              </a:ext>
-            </a:extLst>
-          </p:cNvPr>
-          <p:cNvSpPr txBox="1"/>
-          <p:nvPr/>
-        </p:nvSpPr>
-        <p:spPr>
-          <a:xfrm>
-            <a:off x="8642047" y="255566"/>
-            <a:ext cx="1512758" cy="430887"/>
-          </a:xfrm>
-          <a:prstGeom prst="rect">
-            <a:avLst/>
-          </a:prstGeom>
-          <a:noFill/>
-          <a:ln>
-            <a:noFill/>
-          </a:ln>
-        </p:spPr>
-        <p:style>
-          <a:lnRef idx="0">
-            <a:scrgbClr r="0" g="0" b="0"/>
-          </a:lnRef>
-          <a:fillRef idx="0">
-            <a:scrgbClr r="0" g="0" b="0"/>
-          </a:fillRef>
-          <a:effectRef idx="0">
-            <a:scrgbClr r="0" g="0" b="0"/>
-          </a:effectRef>
-          <a:fontRef idx="minor">
-            <a:schemeClr val="dk1"/>
-          </a:fontRef>
-        </p:style>
-        <p:txBody>
-          <a:bodyPr wrap="square" rtlCol="0">
-            <a:spAutoFit/>
-          </a:bodyPr>
-          <a:lstStyle/>
-          <a:p>
-            <a:pPr marL="0" marR="0" lvl="0" indent="0" algn="l" defTabSz="914400" rtl="0" eaLnBrk="1" fontAlgn="base" latinLnBrk="0" hangingPunct="1">
-              <a:lnSpc>
-                <a:spcPct val="100000"/>
-              </a:lnSpc>
-              <a:spcBef>
-                <a:spcPct val="0"/>
-              </a:spcBef>
-              <a:spcAft>
-                <a:spcPct val="0"/>
-              </a:spcAft>
-              <a:buClrTx/>
-              <a:buSzTx/>
-              <a:buFontTx/>
-              <a:buNone/>
-              <a:tabLst/>
-              <a:defRPr/>
-            </a:pPr>
-            <a:r>
-              <a:rPr kumimoji="1" lang="ja-JP" altLang="en-US" sz="2200" b="0" i="0" u="none" strike="noStrike" kern="1200" cap="none" spc="0" normalizeH="0" baseline="0" noProof="0" dirty="0">
-                <a:ln>
-                  <a:noFill/>
-                </a:ln>
-                <a:solidFill>
-                  <a:srgbClr val="70AD47">
-                    <a:lumMod val="60000"/>
-                    <a:lumOff val="40000"/>
-                  </a:srgbClr>
-                </a:solidFill>
-                <a:effectLst/>
-                <a:uLnTx/>
-                <a:uFillTx/>
-                <a:latin typeface="HG創英角ｺﾞｼｯｸUB" panose="020B0909000000000000" pitchFamily="49" charset="-128"/>
-                <a:ea typeface="HG創英角ｺﾞｼｯｸUB" panose="020B0909000000000000" pitchFamily="49" charset="-128"/>
-                <a:cs typeface="+mn-cs"/>
-              </a:rPr>
-              <a:t>工夫点</a:t>
-            </a:r>
-            <a:endParaRPr kumimoji="1" lang="en-US" altLang="ja-JP" sz="2200" b="0" i="0" u="none" strike="noStrike" kern="1200" cap="none" spc="0" normalizeH="0" baseline="0" noProof="0" dirty="0">
-              <a:ln>
-                <a:noFill/>
-              </a:ln>
-              <a:solidFill>
-                <a:srgbClr val="70AD47">
-                  <a:lumMod val="60000"/>
-                  <a:lumOff val="40000"/>
-                </a:srgbClr>
-              </a:solidFill>
-              <a:effectLst/>
-              <a:uLnTx/>
-              <a:uFillTx/>
-              <a:latin typeface="HG創英角ｺﾞｼｯｸUB" panose="020B0909000000000000" pitchFamily="49" charset="-128"/>
-              <a:ea typeface="HG創英角ｺﾞｼｯｸUB" panose="020B0909000000000000" pitchFamily="49" charset="-128"/>
-              <a:cs typeface="+mn-cs"/>
-            </a:endParaRPr>
-          </a:p>
-        </p:txBody>
-      </p:sp>
-      <p:sp>
-        <p:nvSpPr>
-          <p:cNvPr id="34" name="正方形/長方形 33">
-            <a:extLst>
-              <a:ext uri="{FF2B5EF4-FFF2-40B4-BE49-F238E27FC236}">
-                <a16:creationId xmlns:a16="http://schemas.microsoft.com/office/drawing/2014/main" id="{34FF8071-01DD-4691-8FEA-FFC6B6D41D1D}"/>
-              </a:ext>
-            </a:extLst>
-          </p:cNvPr>
-          <p:cNvSpPr/>
-          <p:nvPr/>
-        </p:nvSpPr>
-        <p:spPr>
-          <a:xfrm>
-            <a:off x="100800" y="657554"/>
-            <a:ext cx="12600000" cy="8856984"/>
-          </a:xfrm>
-          <a:prstGeom prst="rect">
-            <a:avLst/>
-          </a:prstGeom>
-          <a:ln w="38100">
-            <a:headEnd type="none" w="med" len="med"/>
-            <a:tailEnd type="none" w="med" len="med"/>
-          </a:ln>
-        </p:spPr>
-        <p:style>
-          <a:lnRef idx="2">
-            <a:schemeClr val="accent6"/>
-          </a:lnRef>
-          <a:fillRef idx="1">
-            <a:schemeClr val="lt1"/>
-          </a:fillRef>
-          <a:effectRef idx="0">
-            <a:schemeClr val="accent6"/>
-          </a:effectRef>
-          <a:fontRef idx="minor">
-            <a:schemeClr val="dk1"/>
-          </a:fontRef>
-        </p:style>
-        <p:txBody>
-          <a:bodyPr rtlCol="0" anchor="ctr"/>
-          <a:lstStyle/>
-          <a:p>
-            <a:pPr marL="0" marR="0" lvl="0" indent="0" algn="ctr" defTabSz="914400" rtl="0" eaLnBrk="1" fontAlgn="base" latinLnBrk="0" hangingPunct="1">
-              <a:lnSpc>
-                <a:spcPct val="100000"/>
-              </a:lnSpc>
-              <a:spcBef>
-                <a:spcPct val="0"/>
-              </a:spcBef>
-              <a:spcAft>
-                <a:spcPct val="0"/>
-              </a:spcAft>
-              <a:buClrTx/>
-              <a:buSzTx/>
-              <a:buFontTx/>
-              <a:buNone/>
-              <a:tabLst/>
-              <a:defRPr/>
-            </a:pPr>
-            <a:endParaRPr kumimoji="1" lang="ja-JP" altLang="en-US" sz="1600" b="0" i="0" u="none" strike="noStrike" kern="1200" cap="none" spc="0" normalizeH="0" baseline="0" noProof="0" dirty="0">
-              <a:ln>
-                <a:noFill/>
-              </a:ln>
-              <a:solidFill>
-                <a:prstClr val="black"/>
-              </a:solidFill>
-              <a:effectLst/>
-              <a:uLnTx/>
-              <a:uFillTx/>
-              <a:latin typeface="游ゴシック" panose="020F0502020204030204"/>
-              <a:ea typeface="游ゴシック" panose="020B0400000000000000" pitchFamily="50" charset="-128"/>
               <a:cs typeface="+mn-cs"/>
             </a:endParaRPr>
           </a:p>
@@ -16712,114 +16959,12 @@
           </a:fontRef>
         </p:style>
       </p:cxnSp>
-      <p:sp>
-        <p:nvSpPr>
-          <p:cNvPr id="22" name="テキスト ボックス 21">
+      <p:pic>
+        <p:nvPicPr>
+          <p:cNvPr id="4" name="図 3">
             <a:extLst>
               <a:ext uri="{FF2B5EF4-FFF2-40B4-BE49-F238E27FC236}">
-                <a16:creationId xmlns:a16="http://schemas.microsoft.com/office/drawing/2014/main" id="{BC902F71-606F-411E-AF5F-F6F7243763A7}"/>
-              </a:ext>
-            </a:extLst>
-          </p:cNvPr>
-          <p:cNvSpPr txBox="1"/>
-          <p:nvPr/>
-        </p:nvSpPr>
-        <p:spPr>
-          <a:xfrm>
-            <a:off x="6404670" y="266144"/>
-            <a:ext cx="2006632" cy="446276"/>
-          </a:xfrm>
-          <a:prstGeom prst="rect">
-            <a:avLst/>
-          </a:prstGeom>
-          <a:noFill/>
-          <a:ln>
-            <a:noFill/>
-          </a:ln>
-        </p:spPr>
-        <p:style>
-          <a:lnRef idx="0">
-            <a:scrgbClr r="0" g="0" b="0"/>
-          </a:lnRef>
-          <a:fillRef idx="0">
-            <a:scrgbClr r="0" g="0" b="0"/>
-          </a:fillRef>
-          <a:effectRef idx="0">
-            <a:scrgbClr r="0" g="0" b="0"/>
-          </a:effectRef>
-          <a:fontRef idx="minor">
-            <a:schemeClr val="dk1"/>
-          </a:fontRef>
-        </p:style>
-        <p:txBody>
-          <a:bodyPr wrap="square" rtlCol="0">
-            <a:spAutoFit/>
-          </a:bodyPr>
-          <a:lstStyle/>
-          <a:p>
-            <a:pPr marL="0" marR="0" lvl="0" indent="0" algn="l" defTabSz="914400" rtl="0" eaLnBrk="1" fontAlgn="base" latinLnBrk="0" hangingPunct="1">
-              <a:lnSpc>
-                <a:spcPct val="100000"/>
-              </a:lnSpc>
-              <a:spcBef>
-                <a:spcPct val="0"/>
-              </a:spcBef>
-              <a:spcAft>
-                <a:spcPct val="0"/>
-              </a:spcAft>
-              <a:buClrTx/>
-              <a:buSzTx/>
-              <a:buFontTx/>
-              <a:buNone/>
-              <a:tabLst/>
-              <a:defRPr/>
-            </a:pPr>
-            <a:r>
-              <a:rPr kumimoji="1" lang="ja-JP" altLang="en-US" sz="2200" b="0" i="0" u="none" strike="noStrike" kern="1200" cap="none" spc="0" normalizeH="0" baseline="0" noProof="0" dirty="0">
-                <a:ln>
-                  <a:noFill/>
-                </a:ln>
-                <a:solidFill>
-                  <a:srgbClr val="70AD47">
-                    <a:lumMod val="60000"/>
-                    <a:lumOff val="40000"/>
-                  </a:srgbClr>
-                </a:solidFill>
-                <a:effectLst/>
-                <a:uLnTx/>
-                <a:uFillTx/>
-                <a:latin typeface="HG創英角ｺﾞｼｯｸUB" panose="020B0909000000000000" pitchFamily="49" charset="-128"/>
-                <a:ea typeface="HG創英角ｺﾞｼｯｸUB" panose="020B0909000000000000" pitchFamily="49" charset="-128"/>
-                <a:cs typeface="+mn-cs"/>
-              </a:rPr>
-              <a:t>振る舞い②</a:t>
-            </a:r>
-            <a:endParaRPr kumimoji="1" lang="en-US" altLang="ja-JP" sz="2200" b="0" i="0" u="none" strike="noStrike" kern="1200" cap="none" spc="0" normalizeH="0" baseline="0" noProof="0" dirty="0">
-              <a:ln>
-                <a:noFill/>
-              </a:ln>
-              <a:solidFill>
-                <a:srgbClr val="70AD47">
-                  <a:lumMod val="60000"/>
-                  <a:lumOff val="40000"/>
-                </a:srgbClr>
-              </a:solidFill>
-              <a:effectLst/>
-              <a:uLnTx/>
-              <a:uFillTx/>
-              <a:latin typeface="HG創英角ｺﾞｼｯｸUB" panose="020B0909000000000000" pitchFamily="49" charset="-128"/>
-              <a:ea typeface="HG創英角ｺﾞｼｯｸUB" panose="020B0909000000000000" pitchFamily="49" charset="-128"/>
-              <a:cs typeface="+mn-cs"/>
-            </a:endParaRPr>
-          </a:p>
-        </p:txBody>
-      </p:sp>
-      <p:pic>
-        <p:nvPicPr>
-          <p:cNvPr id="11" name="図 10">
-            <a:extLst>
-              <a:ext uri="{FF2B5EF4-FFF2-40B4-BE49-F238E27FC236}">
-                <a16:creationId xmlns:a16="http://schemas.microsoft.com/office/drawing/2014/main" id="{86BB4ACD-B618-42B1-AA04-6F4BD77CEC6E}"/>
+                <a16:creationId xmlns:a16="http://schemas.microsoft.com/office/drawing/2014/main" id="{CE84C7DB-1995-4F7C-92A5-FB82AE47015E}"/>
               </a:ext>
             </a:extLst>
           </p:cNvPr>
@@ -16842,8 +16987,8 @@
         </p:blipFill>
         <p:spPr>
           <a:xfrm>
-            <a:off x="130623" y="3519118"/>
-            <a:ext cx="12540354" cy="5966841"/>
+            <a:off x="132828" y="3527041"/>
+            <a:ext cx="12535944" cy="5964743"/>
           </a:xfrm>
           <a:prstGeom prst="rect">
             <a:avLst/>
@@ -16946,7 +17091,11 @@
             <a:graphicFrameLocks noGrp="1"/>
           </p:cNvGraphicFramePr>
           <p:nvPr>
-            <p:extLst/>
+            <p:extLst>
+              <p:ext uri="{D42A27DB-BD31-4B8C-83A1-F6EECF244321}">
+                <p14:modId xmlns:p14="http://schemas.microsoft.com/office/powerpoint/2010/main" val="1790681961"/>
+              </p:ext>
+            </p:extLst>
           </p:nvPr>
         </p:nvGraphicFramePr>
         <p:xfrm>
@@ -17836,7 +17985,7 @@
                           <a:latin typeface="メイリオ" panose="020B0604030504040204" pitchFamily="50" charset="-128"/>
                           <a:ea typeface="メイリオ" panose="020B0604030504040204" pitchFamily="50" charset="-128"/>
                         </a:rPr>
-                        <a:t>計器管理</a:t>
+                        <a:t>計器</a:t>
                       </a:r>
                     </a:p>
                   </a:txBody>
@@ -19086,176 +19235,626 @@
           <a:chExt cx="0" cy="0"/>
         </a:xfrm>
       </p:grpSpPr>
-      <p:sp>
-        <p:nvSpPr>
-          <p:cNvPr id="42" name="四角形: 角を丸くする 41">
+      <p:grpSp>
+        <p:nvGrpSpPr>
+          <p:cNvPr id="121" name="グループ化 120">
             <a:extLst>
               <a:ext uri="{FF2B5EF4-FFF2-40B4-BE49-F238E27FC236}">
-                <a16:creationId xmlns:a16="http://schemas.microsoft.com/office/drawing/2014/main" id="{970C972D-A8D0-4FC6-8E13-8D1A819F2413}"/>
+                <a16:creationId xmlns:a16="http://schemas.microsoft.com/office/drawing/2014/main" id="{43F7C058-092B-4E80-A739-DA527B4C703F}"/>
               </a:ext>
             </a:extLst>
           </p:cNvPr>
-          <p:cNvSpPr/>
+          <p:cNvGrpSpPr/>
           <p:nvPr/>
-        </p:nvSpPr>
-        <p:spPr>
+        </p:nvGrpSpPr>
+        <p:grpSpPr>
           <a:xfrm>
-            <a:off x="2107846" y="265543"/>
-            <a:ext cx="2016000" cy="1368400"/>
+            <a:off x="8159073" y="253425"/>
+            <a:ext cx="2016000" cy="1167206"/>
+            <a:chOff x="8159073" y="253425"/>
+            <a:chExt cx="2016000" cy="1167206"/>
           </a:xfrm>
-          <a:prstGeom prst="roundRect">
-            <a:avLst>
-              <a:gd name="adj" fmla="val 13495"/>
-            </a:avLst>
-          </a:prstGeom>
-          <a:ln w="28575">
-            <a:solidFill>
-              <a:schemeClr val="accent6">
-                <a:lumMod val="60000"/>
-                <a:lumOff val="40000"/>
-              </a:schemeClr>
-            </a:solidFill>
-          </a:ln>
-        </p:spPr>
-        <p:style>
-          <a:lnRef idx="2">
-            <a:schemeClr val="accent6"/>
-          </a:lnRef>
-          <a:fillRef idx="1">
-            <a:schemeClr val="lt1"/>
-          </a:fillRef>
-          <a:effectRef idx="0">
-            <a:schemeClr val="accent6"/>
-          </a:effectRef>
-          <a:fontRef idx="minor">
-            <a:schemeClr val="dk1"/>
-          </a:fontRef>
-        </p:style>
-        <p:txBody>
-          <a:bodyPr rtlCol="0" anchor="ctr"/>
-          <a:lstStyle/>
-          <a:p>
-            <a:pPr marL="0" marR="0" lvl="0" indent="0" algn="ctr" defTabSz="914400" rtl="0" eaLnBrk="1" fontAlgn="base" latinLnBrk="0" hangingPunct="1">
-              <a:lnSpc>
-                <a:spcPct val="100000"/>
-              </a:lnSpc>
-              <a:spcBef>
-                <a:spcPct val="0"/>
-              </a:spcBef>
-              <a:spcAft>
-                <a:spcPct val="0"/>
-              </a:spcAft>
-              <a:buClrTx/>
-              <a:buSzTx/>
-              <a:buFontTx/>
-              <a:buNone/>
-              <a:tabLst/>
-              <a:defRPr/>
-            </a:pPr>
-            <a:endParaRPr kumimoji="1" lang="ja-JP" altLang="en-US" sz="1600" b="0" i="0" u="none" strike="noStrike" kern="1200" cap="none" spc="0" normalizeH="0" baseline="0" noProof="0">
-              <a:ln>
-                <a:noFill/>
-              </a:ln>
+        </p:grpSpPr>
+        <p:sp>
+          <p:nvSpPr>
+            <p:cNvPr id="122" name="四角形: 角を丸くする 121">
+              <a:extLst>
+                <a:ext uri="{FF2B5EF4-FFF2-40B4-BE49-F238E27FC236}">
+                  <a16:creationId xmlns:a16="http://schemas.microsoft.com/office/drawing/2014/main" id="{70D53A19-497C-48A4-9F64-45C4FFC4715B}"/>
+                </a:ext>
+              </a:extLst>
+            </p:cNvPr>
+            <p:cNvSpPr/>
+            <p:nvPr/>
+          </p:nvSpPr>
+          <p:spPr>
+            <a:xfrm>
+              <a:off x="8159073" y="268334"/>
+              <a:ext cx="2016000" cy="1152297"/>
+            </a:xfrm>
+            <a:prstGeom prst="roundRect">
+              <a:avLst/>
+            </a:prstGeom>
+            <a:ln w="28575">
               <a:solidFill>
-                <a:prstClr val="black"/>
+                <a:schemeClr val="accent6">
+                  <a:lumMod val="60000"/>
+                  <a:lumOff val="40000"/>
+                </a:schemeClr>
               </a:solidFill>
-              <a:effectLst/>
-              <a:uLnTx/>
-              <a:uFillTx/>
-              <a:latin typeface="游ゴシック" panose="020F0502020204030204"/>
-              <a:ea typeface="游ゴシック" panose="020B0400000000000000" pitchFamily="50" charset="-128"/>
-              <a:cs typeface="+mn-cs"/>
-            </a:endParaRPr>
-          </a:p>
-        </p:txBody>
-      </p:sp>
-      <p:sp>
-        <p:nvSpPr>
-          <p:cNvPr id="33" name="四角形: 角を丸くする 32">
+            </a:ln>
+          </p:spPr>
+          <p:style>
+            <a:lnRef idx="2">
+              <a:schemeClr val="accent6"/>
+            </a:lnRef>
+            <a:fillRef idx="1">
+              <a:schemeClr val="lt1"/>
+            </a:fillRef>
+            <a:effectRef idx="0">
+              <a:schemeClr val="accent6"/>
+            </a:effectRef>
+            <a:fontRef idx="minor">
+              <a:schemeClr val="dk1"/>
+            </a:fontRef>
+          </p:style>
+          <p:txBody>
+            <a:bodyPr rtlCol="0" anchor="ctr"/>
+            <a:lstStyle/>
+            <a:p>
+              <a:pPr marL="0" marR="0" lvl="0" indent="0" algn="ctr" defTabSz="914400" rtl="0" eaLnBrk="1" fontAlgn="base" latinLnBrk="0" hangingPunct="1">
+                <a:lnSpc>
+                  <a:spcPct val="100000"/>
+                </a:lnSpc>
+                <a:spcBef>
+                  <a:spcPct val="0"/>
+                </a:spcBef>
+                <a:spcAft>
+                  <a:spcPct val="0"/>
+                </a:spcAft>
+                <a:buClrTx/>
+                <a:buSzTx/>
+                <a:buFontTx/>
+                <a:buNone/>
+                <a:tabLst/>
+                <a:defRPr/>
+              </a:pPr>
+              <a:endParaRPr kumimoji="1" lang="ja-JP" altLang="en-US" sz="1600" b="0" i="0" u="none" strike="noStrike" kern="1200" cap="none" spc="0" normalizeH="0" baseline="0" noProof="0">
+                <a:ln>
+                  <a:noFill/>
+                </a:ln>
+                <a:solidFill>
+                  <a:prstClr val="black"/>
+                </a:solidFill>
+                <a:effectLst/>
+                <a:uLnTx/>
+                <a:uFillTx/>
+                <a:latin typeface="游ゴシック" panose="020F0502020204030204"/>
+                <a:ea typeface="游ゴシック" panose="020B0400000000000000" pitchFamily="50" charset="-128"/>
+                <a:cs typeface="+mn-cs"/>
+              </a:endParaRPr>
+            </a:p>
+          </p:txBody>
+        </p:sp>
+        <p:sp>
+          <p:nvSpPr>
+            <p:cNvPr id="123" name="テキスト ボックス 122">
+              <a:extLst>
+                <a:ext uri="{FF2B5EF4-FFF2-40B4-BE49-F238E27FC236}">
+                  <a16:creationId xmlns:a16="http://schemas.microsoft.com/office/drawing/2014/main" id="{24D8E5A6-8986-4166-B16A-26A3EACC1CC1}"/>
+                </a:ext>
+              </a:extLst>
+            </p:cNvPr>
+            <p:cNvSpPr txBox="1"/>
+            <p:nvPr/>
+          </p:nvSpPr>
+          <p:spPr>
+            <a:xfrm>
+              <a:off x="8683078" y="253425"/>
+              <a:ext cx="1445666" cy="430887"/>
+            </a:xfrm>
+            <a:prstGeom prst="rect">
+              <a:avLst/>
+            </a:prstGeom>
+            <a:noFill/>
+            <a:ln>
+              <a:noFill/>
+            </a:ln>
+          </p:spPr>
+          <p:style>
+            <a:lnRef idx="0">
+              <a:scrgbClr r="0" g="0" b="0"/>
+            </a:lnRef>
+            <a:fillRef idx="0">
+              <a:scrgbClr r="0" g="0" b="0"/>
+            </a:fillRef>
+            <a:effectRef idx="0">
+              <a:scrgbClr r="0" g="0" b="0"/>
+            </a:effectRef>
+            <a:fontRef idx="minor">
+              <a:schemeClr val="dk1"/>
+            </a:fontRef>
+          </p:style>
+          <p:txBody>
+            <a:bodyPr wrap="square" rtlCol="0">
+              <a:spAutoFit/>
+            </a:bodyPr>
+            <a:lstStyle/>
+            <a:p>
+              <a:pPr marL="0" marR="0" lvl="0" indent="0" algn="l" defTabSz="914400" rtl="0" eaLnBrk="1" fontAlgn="base" latinLnBrk="0" hangingPunct="1">
+                <a:lnSpc>
+                  <a:spcPct val="100000"/>
+                </a:lnSpc>
+                <a:spcBef>
+                  <a:spcPct val="0"/>
+                </a:spcBef>
+                <a:spcAft>
+                  <a:spcPct val="0"/>
+                </a:spcAft>
+                <a:buClrTx/>
+                <a:buSzTx/>
+                <a:buFontTx/>
+                <a:buNone/>
+                <a:tabLst/>
+                <a:defRPr/>
+              </a:pPr>
+              <a:r>
+                <a:rPr kumimoji="1" lang="ja-JP" altLang="en-US" sz="2200" b="0" i="0" u="none" strike="noStrike" kern="1200" cap="none" spc="0" normalizeH="0" baseline="0" noProof="0" dirty="0">
+                  <a:ln>
+                    <a:noFill/>
+                  </a:ln>
+                  <a:solidFill>
+                    <a:srgbClr val="70AD47">
+                      <a:lumMod val="60000"/>
+                      <a:lumOff val="40000"/>
+                    </a:srgbClr>
+                  </a:solidFill>
+                  <a:effectLst/>
+                  <a:uLnTx/>
+                  <a:uFillTx/>
+                  <a:latin typeface="HG創英角ｺﾞｼｯｸUB" panose="020B0909000000000000" pitchFamily="49" charset="-128"/>
+                  <a:ea typeface="HG創英角ｺﾞｼｯｸUB" panose="020B0909000000000000" pitchFamily="49" charset="-128"/>
+                  <a:cs typeface="+mn-cs"/>
+                </a:rPr>
+                <a:t>工夫点</a:t>
+              </a:r>
+              <a:endParaRPr kumimoji="1" lang="en-US" altLang="ja-JP" sz="2200" b="0" i="0" u="none" strike="noStrike" kern="1200" cap="none" spc="0" normalizeH="0" baseline="0" noProof="0" dirty="0">
+                <a:ln>
+                  <a:noFill/>
+                </a:ln>
+                <a:solidFill>
+                  <a:srgbClr val="70AD47">
+                    <a:lumMod val="60000"/>
+                    <a:lumOff val="40000"/>
+                  </a:srgbClr>
+                </a:solidFill>
+                <a:effectLst/>
+                <a:uLnTx/>
+                <a:uFillTx/>
+                <a:latin typeface="HG創英角ｺﾞｼｯｸUB" panose="020B0909000000000000" pitchFamily="49" charset="-128"/>
+                <a:ea typeface="HG創英角ｺﾞｼｯｸUB" panose="020B0909000000000000" pitchFamily="49" charset="-128"/>
+                <a:cs typeface="+mn-cs"/>
+              </a:endParaRPr>
+            </a:p>
+          </p:txBody>
+        </p:sp>
+      </p:grpSp>
+      <p:grpSp>
+        <p:nvGrpSpPr>
+          <p:cNvPr id="118" name="グループ化 117">
             <a:extLst>
               <a:ext uri="{FF2B5EF4-FFF2-40B4-BE49-F238E27FC236}">
-                <a16:creationId xmlns:a16="http://schemas.microsoft.com/office/drawing/2014/main" id="{AB69E598-2CB0-4F9C-AB67-10943352431A}"/>
+                <a16:creationId xmlns:a16="http://schemas.microsoft.com/office/drawing/2014/main" id="{28CF8E8F-61E0-4301-AEA1-5E1075DD646F}"/>
               </a:ext>
             </a:extLst>
           </p:cNvPr>
-          <p:cNvSpPr/>
+          <p:cNvGrpSpPr/>
           <p:nvPr/>
-        </p:nvSpPr>
-        <p:spPr>
+        </p:nvGrpSpPr>
+        <p:grpSpPr>
           <a:xfrm>
-            <a:off x="8164000" y="221359"/>
-            <a:ext cx="2016000" cy="1152297"/>
+            <a:off x="6147012" y="266574"/>
+            <a:ext cx="2438787" cy="1153695"/>
+            <a:chOff x="6147012" y="266574"/>
+            <a:chExt cx="2438787" cy="1153695"/>
           </a:xfrm>
-          <a:prstGeom prst="roundRect">
-            <a:avLst/>
-          </a:prstGeom>
-          <a:ln w="28575">
-            <a:solidFill>
-              <a:schemeClr val="accent6">
-                <a:lumMod val="60000"/>
-                <a:lumOff val="40000"/>
-              </a:schemeClr>
-            </a:solidFill>
-          </a:ln>
-        </p:spPr>
-        <p:style>
-          <a:lnRef idx="2">
-            <a:schemeClr val="accent6"/>
-          </a:lnRef>
-          <a:fillRef idx="1">
-            <a:schemeClr val="lt1"/>
-          </a:fillRef>
-          <a:effectRef idx="0">
-            <a:schemeClr val="accent6"/>
-          </a:effectRef>
-          <a:fontRef idx="minor">
-            <a:schemeClr val="dk1"/>
-          </a:fontRef>
-        </p:style>
-        <p:txBody>
-          <a:bodyPr rtlCol="0" anchor="ctr"/>
-          <a:lstStyle/>
-          <a:p>
-            <a:pPr marL="0" marR="0" lvl="0" indent="0" algn="ctr" defTabSz="914400" rtl="0" eaLnBrk="1" fontAlgn="base" latinLnBrk="0" hangingPunct="1">
-              <a:lnSpc>
-                <a:spcPct val="100000"/>
-              </a:lnSpc>
-              <a:spcBef>
-                <a:spcPct val="0"/>
-              </a:spcBef>
-              <a:spcAft>
-                <a:spcPct val="0"/>
-              </a:spcAft>
-              <a:buClrTx/>
-              <a:buSzTx/>
-              <a:buFontTx/>
-              <a:buNone/>
-              <a:tabLst/>
-              <a:defRPr/>
-            </a:pPr>
-            <a:endParaRPr kumimoji="1" lang="ja-JP" altLang="en-US" sz="1600" b="0" i="0" u="none" strike="noStrike" kern="1200" cap="none" spc="0" normalizeH="0" baseline="0" noProof="0">
-              <a:ln>
-                <a:noFill/>
-              </a:ln>
+        </p:grpSpPr>
+        <p:sp>
+          <p:nvSpPr>
+            <p:cNvPr id="119" name="四角形: 角を丸くする 118">
+              <a:extLst>
+                <a:ext uri="{FF2B5EF4-FFF2-40B4-BE49-F238E27FC236}">
+                  <a16:creationId xmlns:a16="http://schemas.microsoft.com/office/drawing/2014/main" id="{9158F5F3-9485-4C44-8FD0-7FA75B97AAFB}"/>
+                </a:ext>
+              </a:extLst>
+            </p:cNvPr>
+            <p:cNvSpPr/>
+            <p:nvPr/>
+          </p:nvSpPr>
+          <p:spPr>
+            <a:xfrm>
+              <a:off x="6147012" y="267972"/>
+              <a:ext cx="2016000" cy="1152297"/>
+            </a:xfrm>
+            <a:prstGeom prst="roundRect">
+              <a:avLst/>
+            </a:prstGeom>
+            <a:ln w="28575">
               <a:solidFill>
-                <a:prstClr val="black"/>
+                <a:schemeClr val="accent6">
+                  <a:lumMod val="60000"/>
+                  <a:lumOff val="40000"/>
+                </a:schemeClr>
               </a:solidFill>
-              <a:effectLst/>
-              <a:uLnTx/>
-              <a:uFillTx/>
-              <a:latin typeface="游ゴシック" panose="020F0502020204030204"/>
-              <a:ea typeface="游ゴシック" panose="020B0400000000000000" pitchFamily="50" charset="-128"/>
-              <a:cs typeface="+mn-cs"/>
-            </a:endParaRPr>
-          </a:p>
-        </p:txBody>
-      </p:sp>
+            </a:ln>
+          </p:spPr>
+          <p:style>
+            <a:lnRef idx="2">
+              <a:schemeClr val="accent6"/>
+            </a:lnRef>
+            <a:fillRef idx="1">
+              <a:schemeClr val="lt1"/>
+            </a:fillRef>
+            <a:effectRef idx="0">
+              <a:schemeClr val="accent6"/>
+            </a:effectRef>
+            <a:fontRef idx="minor">
+              <a:schemeClr val="dk1"/>
+            </a:fontRef>
+          </p:style>
+          <p:txBody>
+            <a:bodyPr rtlCol="0" anchor="ctr"/>
+            <a:lstStyle/>
+            <a:p>
+              <a:pPr marL="0" marR="0" lvl="0" indent="0" algn="ctr" defTabSz="914400" rtl="0" eaLnBrk="1" fontAlgn="base" latinLnBrk="0" hangingPunct="1">
+                <a:lnSpc>
+                  <a:spcPct val="100000"/>
+                </a:lnSpc>
+                <a:spcBef>
+                  <a:spcPct val="0"/>
+                </a:spcBef>
+                <a:spcAft>
+                  <a:spcPct val="0"/>
+                </a:spcAft>
+                <a:buClrTx/>
+                <a:buSzTx/>
+                <a:buFontTx/>
+                <a:buNone/>
+                <a:tabLst/>
+                <a:defRPr/>
+              </a:pPr>
+              <a:endParaRPr kumimoji="1" lang="ja-JP" altLang="en-US" sz="1600" b="0" i="0" u="none" strike="noStrike" kern="1200" cap="none" spc="0" normalizeH="0" baseline="0" noProof="0">
+                <a:ln>
+                  <a:noFill/>
+                </a:ln>
+                <a:solidFill>
+                  <a:prstClr val="black"/>
+                </a:solidFill>
+                <a:effectLst/>
+                <a:uLnTx/>
+                <a:uFillTx/>
+                <a:latin typeface="游ゴシック" panose="020F0502020204030204"/>
+                <a:ea typeface="游ゴシック" panose="020B0400000000000000" pitchFamily="50" charset="-128"/>
+                <a:cs typeface="+mn-cs"/>
+              </a:endParaRPr>
+            </a:p>
+          </p:txBody>
+        </p:sp>
+        <p:sp>
+          <p:nvSpPr>
+            <p:cNvPr id="120" name="テキスト ボックス 119">
+              <a:extLst>
+                <a:ext uri="{FF2B5EF4-FFF2-40B4-BE49-F238E27FC236}">
+                  <a16:creationId xmlns:a16="http://schemas.microsoft.com/office/drawing/2014/main" id="{26E98462-2A45-42F6-9B81-9CC086D9E7AD}"/>
+                </a:ext>
+              </a:extLst>
+            </p:cNvPr>
+            <p:cNvSpPr txBox="1"/>
+            <p:nvPr/>
+          </p:nvSpPr>
+          <p:spPr>
+            <a:xfrm>
+              <a:off x="6425559" y="266574"/>
+              <a:ext cx="2160240" cy="446276"/>
+            </a:xfrm>
+            <a:prstGeom prst="rect">
+              <a:avLst/>
+            </a:prstGeom>
+            <a:noFill/>
+            <a:ln>
+              <a:noFill/>
+            </a:ln>
+          </p:spPr>
+          <p:style>
+            <a:lnRef idx="0">
+              <a:scrgbClr r="0" g="0" b="0"/>
+            </a:lnRef>
+            <a:fillRef idx="0">
+              <a:scrgbClr r="0" g="0" b="0"/>
+            </a:fillRef>
+            <a:effectRef idx="0">
+              <a:scrgbClr r="0" g="0" b="0"/>
+            </a:effectRef>
+            <a:fontRef idx="minor">
+              <a:schemeClr val="dk1"/>
+            </a:fontRef>
+          </p:style>
+          <p:txBody>
+            <a:bodyPr wrap="square" rtlCol="0">
+              <a:spAutoFit/>
+            </a:bodyPr>
+            <a:lstStyle/>
+            <a:p>
+              <a:pPr marL="0" marR="0" lvl="0" indent="0" algn="l" defTabSz="914400" rtl="0" eaLnBrk="1" fontAlgn="base" latinLnBrk="0" hangingPunct="1">
+                <a:lnSpc>
+                  <a:spcPct val="100000"/>
+                </a:lnSpc>
+                <a:spcBef>
+                  <a:spcPct val="0"/>
+                </a:spcBef>
+                <a:spcAft>
+                  <a:spcPct val="0"/>
+                </a:spcAft>
+                <a:buClrTx/>
+                <a:buSzTx/>
+                <a:buFontTx/>
+                <a:buNone/>
+                <a:tabLst/>
+                <a:defRPr/>
+              </a:pPr>
+              <a:r>
+                <a:rPr kumimoji="1" lang="ja-JP" altLang="en-US" sz="2200" b="0" i="0" u="none" strike="noStrike" kern="1200" cap="none" spc="0" normalizeH="0" baseline="0" noProof="0" dirty="0">
+                  <a:ln>
+                    <a:noFill/>
+                  </a:ln>
+                  <a:solidFill>
+                    <a:srgbClr val="70AD47">
+                      <a:lumMod val="60000"/>
+                      <a:lumOff val="40000"/>
+                    </a:srgbClr>
+                  </a:solidFill>
+                  <a:effectLst/>
+                  <a:uLnTx/>
+                  <a:uFillTx/>
+                  <a:latin typeface="HG創英角ｺﾞｼｯｸUB" panose="020B0909000000000000" pitchFamily="49" charset="-128"/>
+                  <a:ea typeface="HG創英角ｺﾞｼｯｸUB" panose="020B0909000000000000" pitchFamily="49" charset="-128"/>
+                  <a:cs typeface="+mn-cs"/>
+                </a:rPr>
+                <a:t>振る舞い②</a:t>
+              </a:r>
+              <a:endParaRPr kumimoji="1" lang="en-US" altLang="ja-JP" sz="2200" b="0" i="0" u="none" strike="noStrike" kern="1200" cap="none" spc="0" normalizeH="0" baseline="0" noProof="0" dirty="0">
+                <a:ln>
+                  <a:noFill/>
+                </a:ln>
+                <a:solidFill>
+                  <a:srgbClr val="70AD47">
+                    <a:lumMod val="60000"/>
+                    <a:lumOff val="40000"/>
+                  </a:srgbClr>
+                </a:solidFill>
+                <a:effectLst/>
+                <a:uLnTx/>
+                <a:uFillTx/>
+                <a:latin typeface="HG創英角ｺﾞｼｯｸUB" panose="020B0909000000000000" pitchFamily="49" charset="-128"/>
+                <a:ea typeface="HG創英角ｺﾞｼｯｸUB" panose="020B0909000000000000" pitchFamily="49" charset="-128"/>
+                <a:cs typeface="+mn-cs"/>
+              </a:endParaRPr>
+            </a:p>
+          </p:txBody>
+        </p:sp>
+      </p:grpSp>
+      <p:grpSp>
+        <p:nvGrpSpPr>
+          <p:cNvPr id="112" name="グループ化 111">
+            <a:extLst>
+              <a:ext uri="{FF2B5EF4-FFF2-40B4-BE49-F238E27FC236}">
+                <a16:creationId xmlns:a16="http://schemas.microsoft.com/office/drawing/2014/main" id="{2733FBC0-326E-47EC-B3CD-1CD49EBFB576}"/>
+              </a:ext>
+            </a:extLst>
+          </p:cNvPr>
+          <p:cNvGrpSpPr/>
+          <p:nvPr/>
+        </p:nvGrpSpPr>
+        <p:grpSpPr>
+          <a:xfrm>
+            <a:off x="2107846" y="250893"/>
+            <a:ext cx="2016000" cy="1383050"/>
+            <a:chOff x="2107846" y="250893"/>
+            <a:chExt cx="2016000" cy="1383050"/>
+          </a:xfrm>
+        </p:grpSpPr>
+        <p:sp>
+          <p:nvSpPr>
+            <p:cNvPr id="113" name="四角形: 角を丸くする 112">
+              <a:extLst>
+                <a:ext uri="{FF2B5EF4-FFF2-40B4-BE49-F238E27FC236}">
+                  <a16:creationId xmlns:a16="http://schemas.microsoft.com/office/drawing/2014/main" id="{C9CC8F6A-29E1-4A48-97BD-C0D43CA2FDAA}"/>
+                </a:ext>
+              </a:extLst>
+            </p:cNvPr>
+            <p:cNvSpPr/>
+            <p:nvPr/>
+          </p:nvSpPr>
+          <p:spPr>
+            <a:xfrm>
+              <a:off x="2107846" y="265543"/>
+              <a:ext cx="2016000" cy="1368400"/>
+            </a:xfrm>
+            <a:prstGeom prst="roundRect">
+              <a:avLst>
+                <a:gd name="adj" fmla="val 13495"/>
+              </a:avLst>
+            </a:prstGeom>
+            <a:ln w="28575">
+              <a:solidFill>
+                <a:schemeClr val="accent6">
+                  <a:lumMod val="60000"/>
+                  <a:lumOff val="40000"/>
+                </a:schemeClr>
+              </a:solidFill>
+            </a:ln>
+          </p:spPr>
+          <p:style>
+            <a:lnRef idx="2">
+              <a:schemeClr val="accent6"/>
+            </a:lnRef>
+            <a:fillRef idx="1">
+              <a:schemeClr val="lt1"/>
+            </a:fillRef>
+            <a:effectRef idx="0">
+              <a:schemeClr val="accent6"/>
+            </a:effectRef>
+            <a:fontRef idx="minor">
+              <a:schemeClr val="dk1"/>
+            </a:fontRef>
+          </p:style>
+          <p:txBody>
+            <a:bodyPr rtlCol="0" anchor="ctr"/>
+            <a:lstStyle/>
+            <a:p>
+              <a:pPr marL="0" marR="0" lvl="0" indent="0" algn="ctr" defTabSz="914400" rtl="0" eaLnBrk="1" fontAlgn="base" latinLnBrk="0" hangingPunct="1">
+                <a:lnSpc>
+                  <a:spcPct val="100000"/>
+                </a:lnSpc>
+                <a:spcBef>
+                  <a:spcPct val="0"/>
+                </a:spcBef>
+                <a:spcAft>
+                  <a:spcPct val="0"/>
+                </a:spcAft>
+                <a:buClrTx/>
+                <a:buSzTx/>
+                <a:buFontTx/>
+                <a:buNone/>
+                <a:tabLst/>
+                <a:defRPr/>
+              </a:pPr>
+              <a:endParaRPr kumimoji="1" lang="ja-JP" altLang="en-US" sz="1600" b="0" i="0" u="none" strike="noStrike" kern="1200" cap="none" spc="0" normalizeH="0" baseline="0" noProof="0">
+                <a:ln>
+                  <a:noFill/>
+                </a:ln>
+                <a:solidFill>
+                  <a:prstClr val="black"/>
+                </a:solidFill>
+                <a:effectLst/>
+                <a:uLnTx/>
+                <a:uFillTx/>
+                <a:latin typeface="游ゴシック" panose="020F0502020204030204"/>
+                <a:ea typeface="游ゴシック" panose="020B0400000000000000" pitchFamily="50" charset="-128"/>
+                <a:cs typeface="+mn-cs"/>
+              </a:endParaRPr>
+            </a:p>
+          </p:txBody>
+        </p:sp>
+        <p:sp>
+          <p:nvSpPr>
+            <p:cNvPr id="114" name="テキスト ボックス 113">
+              <a:extLst>
+                <a:ext uri="{FF2B5EF4-FFF2-40B4-BE49-F238E27FC236}">
+                  <a16:creationId xmlns:a16="http://schemas.microsoft.com/office/drawing/2014/main" id="{B54A97B5-EBD8-4A32-9976-A0BDF1C1A607}"/>
+                </a:ext>
+              </a:extLst>
+            </p:cNvPr>
+            <p:cNvSpPr txBox="1"/>
+            <p:nvPr/>
+          </p:nvSpPr>
+          <p:spPr>
+            <a:xfrm>
+              <a:off x="2132400" y="250893"/>
+              <a:ext cx="1979156" cy="430887"/>
+            </a:xfrm>
+            <a:prstGeom prst="rect">
+              <a:avLst/>
+            </a:prstGeom>
+            <a:noFill/>
+            <a:ln>
+              <a:noFill/>
+            </a:ln>
+          </p:spPr>
+          <p:style>
+            <a:lnRef idx="0">
+              <a:scrgbClr r="0" g="0" b="0"/>
+            </a:lnRef>
+            <a:fillRef idx="0">
+              <a:scrgbClr r="0" g="0" b="0"/>
+            </a:fillRef>
+            <a:effectRef idx="0">
+              <a:scrgbClr r="0" g="0" b="0"/>
+            </a:effectRef>
+            <a:fontRef idx="minor">
+              <a:schemeClr val="dk1"/>
+            </a:fontRef>
+          </p:style>
+          <p:txBody>
+            <a:bodyPr wrap="square" rtlCol="0">
+              <a:spAutoFit/>
+            </a:bodyPr>
+            <a:lstStyle/>
+            <a:p>
+              <a:pPr marL="0" marR="0" lvl="0" indent="0" algn="ctr" defTabSz="914400" rtl="0" eaLnBrk="1" fontAlgn="base" latinLnBrk="0" hangingPunct="1">
+                <a:lnSpc>
+                  <a:spcPct val="100000"/>
+                </a:lnSpc>
+                <a:spcBef>
+                  <a:spcPct val="0"/>
+                </a:spcBef>
+                <a:spcAft>
+                  <a:spcPct val="0"/>
+                </a:spcAft>
+                <a:buClrTx/>
+                <a:buSzTx/>
+                <a:buFontTx/>
+                <a:buNone/>
+                <a:tabLst/>
+                <a:defRPr/>
+              </a:pPr>
+              <a:r>
+                <a:rPr kumimoji="1" lang="ja-JP" altLang="en-US" sz="2200" b="0" i="0" u="none" strike="noStrike" kern="1200" cap="none" spc="0" normalizeH="0" baseline="0" noProof="0" dirty="0">
+                  <a:ln>
+                    <a:noFill/>
+                  </a:ln>
+                  <a:solidFill>
+                    <a:srgbClr val="70AD47">
+                      <a:lumMod val="60000"/>
+                      <a:lumOff val="40000"/>
+                    </a:srgbClr>
+                  </a:solidFill>
+                  <a:effectLst/>
+                  <a:uLnTx/>
+                  <a:uFillTx/>
+                  <a:latin typeface="HG創英角ｺﾞｼｯｸUB" panose="020B0909000000000000" pitchFamily="49" charset="-128"/>
+                  <a:ea typeface="HG創英角ｺﾞｼｯｸUB" panose="020B0909000000000000" pitchFamily="49" charset="-128"/>
+                  <a:cs typeface="+mn-cs"/>
+                </a:rPr>
+                <a:t>構造</a:t>
+              </a:r>
+              <a:endParaRPr kumimoji="1" lang="en-US" altLang="ja-JP" sz="2200" b="0" i="0" u="none" strike="noStrike" kern="1200" cap="none" spc="0" normalizeH="0" baseline="0" noProof="0" dirty="0">
+                <a:ln>
+                  <a:noFill/>
+                </a:ln>
+                <a:solidFill>
+                  <a:srgbClr val="70AD47">
+                    <a:lumMod val="60000"/>
+                    <a:lumOff val="40000"/>
+                  </a:srgbClr>
+                </a:solidFill>
+                <a:effectLst/>
+                <a:uLnTx/>
+                <a:uFillTx/>
+                <a:latin typeface="HG創英角ｺﾞｼｯｸUB" panose="020B0909000000000000" pitchFamily="49" charset="-128"/>
+                <a:ea typeface="HG創英角ｺﾞｼｯｸUB" panose="020B0909000000000000" pitchFamily="49" charset="-128"/>
+                <a:cs typeface="+mn-cs"/>
+              </a:endParaRPr>
+            </a:p>
+          </p:txBody>
+        </p:sp>
+      </p:grpSp>
       <p:sp>
         <p:nvSpPr>
-          <p:cNvPr id="39" name="四角形: 角を丸くする 38">
+          <p:cNvPr id="100" name="四角形: 角を丸くする 99">
             <a:extLst>
               <a:ext uri="{FF2B5EF4-FFF2-40B4-BE49-F238E27FC236}">
-                <a16:creationId xmlns:a16="http://schemas.microsoft.com/office/drawing/2014/main" id="{23B15715-F5D5-4B31-B75E-8C29505B5661}"/>
+                <a16:creationId xmlns:a16="http://schemas.microsoft.com/office/drawing/2014/main" id="{4C9CA578-648F-4159-8A6A-1C3A25BDF3C8}"/>
               </a:ext>
             </a:extLst>
           </p:cNvPr>
@@ -19333,10 +19932,10 @@
       </p:sp>
       <p:sp>
         <p:nvSpPr>
-          <p:cNvPr id="44" name="テキスト ボックス 43">
+          <p:cNvPr id="103" name="テキスト ボックス 102">
             <a:extLst>
               <a:ext uri="{FF2B5EF4-FFF2-40B4-BE49-F238E27FC236}">
-                <a16:creationId xmlns:a16="http://schemas.microsoft.com/office/drawing/2014/main" id="{53B16152-68D8-41C8-A10A-9E05D913E3AE}"/>
+                <a16:creationId xmlns:a16="http://schemas.microsoft.com/office/drawing/2014/main" id="{52F64BF3-FFE5-4B54-8909-4F3410501A17}"/>
               </a:ext>
             </a:extLst>
           </p:cNvPr>
@@ -19345,8 +19944,8 @@
         </p:nvSpPr>
         <p:spPr>
           <a:xfrm>
-            <a:off x="8680986" y="227904"/>
-            <a:ext cx="1445666" cy="430887"/>
+            <a:off x="751005" y="238522"/>
+            <a:ext cx="754387" cy="430887"/>
           </a:xfrm>
           <a:prstGeom prst="rect">
             <a:avLst/>
@@ -19411,524 +20010,7 @@
                 <a:ea typeface="HG創英角ｺﾞｼｯｸUB" panose="020B0909000000000000" pitchFamily="49" charset="-128"/>
                 <a:cs typeface="+mn-cs"/>
               </a:rPr>
-              <a:t>工夫点</a:t>
-            </a:r>
-            <a:endParaRPr kumimoji="1" lang="en-US" altLang="ja-JP" sz="2200" b="0" i="0" u="none" strike="noStrike" kern="1200" cap="none" spc="0" normalizeH="0" baseline="0" noProof="0" dirty="0">
-              <a:ln>
-                <a:noFill/>
-              </a:ln>
-              <a:solidFill>
-                <a:srgbClr val="70AD47">
-                  <a:lumMod val="60000"/>
-                  <a:lumOff val="40000"/>
-                </a:srgbClr>
-              </a:solidFill>
-              <a:effectLst/>
-              <a:uLnTx/>
-              <a:uFillTx/>
-              <a:latin typeface="HG創英角ｺﾞｼｯｸUB" panose="020B0909000000000000" pitchFamily="49" charset="-128"/>
-              <a:ea typeface="HG創英角ｺﾞｼｯｸUB" panose="020B0909000000000000" pitchFamily="49" charset="-128"/>
-              <a:cs typeface="+mn-cs"/>
-            </a:endParaRPr>
-          </a:p>
-        </p:txBody>
-      </p:sp>
-      <p:sp>
-        <p:nvSpPr>
-          <p:cNvPr id="45" name="テキスト ボックス 44">
-            <a:extLst>
-              <a:ext uri="{FF2B5EF4-FFF2-40B4-BE49-F238E27FC236}">
-                <a16:creationId xmlns:a16="http://schemas.microsoft.com/office/drawing/2014/main" id="{F17BE212-57A8-4AE2-92E3-66CC674CFDE1}"/>
-              </a:ext>
-            </a:extLst>
-          </p:cNvPr>
-          <p:cNvSpPr txBox="1"/>
-          <p:nvPr/>
-        </p:nvSpPr>
-        <p:spPr>
-          <a:xfrm>
-            <a:off x="714673" y="256085"/>
-            <a:ext cx="1184003" cy="430887"/>
-          </a:xfrm>
-          <a:prstGeom prst="rect">
-            <a:avLst/>
-          </a:prstGeom>
-          <a:noFill/>
-          <a:ln>
-            <a:noFill/>
-          </a:ln>
-        </p:spPr>
-        <p:style>
-          <a:lnRef idx="0">
-            <a:scrgbClr r="0" g="0" b="0"/>
-          </a:lnRef>
-          <a:fillRef idx="0">
-            <a:scrgbClr r="0" g="0" b="0"/>
-          </a:fillRef>
-          <a:effectRef idx="0">
-            <a:scrgbClr r="0" g="0" b="0"/>
-          </a:effectRef>
-          <a:fontRef idx="minor">
-            <a:schemeClr val="dk1"/>
-          </a:fontRef>
-        </p:style>
-        <p:txBody>
-          <a:bodyPr wrap="square" rtlCol="0">
-            <a:spAutoFit/>
-          </a:bodyPr>
-          <a:lstStyle/>
-          <a:p>
-            <a:pPr marL="0" marR="0" lvl="0" indent="0" algn="l" defTabSz="914400" rtl="0" eaLnBrk="1" fontAlgn="base" latinLnBrk="0" hangingPunct="1">
-              <a:lnSpc>
-                <a:spcPct val="100000"/>
-              </a:lnSpc>
-              <a:spcBef>
-                <a:spcPct val="0"/>
-              </a:spcBef>
-              <a:spcAft>
-                <a:spcPct val="0"/>
-              </a:spcAft>
-              <a:buClrTx/>
-              <a:buSzTx/>
-              <a:buFontTx/>
-              <a:buNone/>
-              <a:tabLst/>
-              <a:defRPr/>
-            </a:pPr>
-            <a:r>
-              <a:rPr kumimoji="1" lang="ja-JP" altLang="en-US" sz="2200" b="0" i="0" u="none" strike="noStrike" kern="1200" cap="none" spc="0" normalizeH="0" baseline="0" noProof="0" dirty="0">
-                <a:ln>
-                  <a:noFill/>
-                </a:ln>
-                <a:solidFill>
-                  <a:srgbClr val="70AD47">
-                    <a:lumMod val="60000"/>
-                    <a:lumOff val="40000"/>
-                  </a:srgbClr>
-                </a:solidFill>
-                <a:effectLst/>
-                <a:uLnTx/>
-                <a:uFillTx/>
-                <a:latin typeface="HG創英角ｺﾞｼｯｸUB" panose="020B0909000000000000" pitchFamily="49" charset="-128"/>
-                <a:ea typeface="HG創英角ｺﾞｼｯｸUB" panose="020B0909000000000000" pitchFamily="49" charset="-128"/>
-                <a:cs typeface="+mn-cs"/>
-              </a:rPr>
               <a:t>機能</a:t>
-            </a:r>
-            <a:endParaRPr kumimoji="1" lang="en-US" altLang="ja-JP" sz="2200" b="0" i="0" u="none" strike="noStrike" kern="1200" cap="none" spc="0" normalizeH="0" baseline="0" noProof="0" dirty="0">
-              <a:ln>
-                <a:noFill/>
-              </a:ln>
-              <a:solidFill>
-                <a:srgbClr val="70AD47">
-                  <a:lumMod val="60000"/>
-                  <a:lumOff val="40000"/>
-                </a:srgbClr>
-              </a:solidFill>
-              <a:effectLst/>
-              <a:uLnTx/>
-              <a:uFillTx/>
-              <a:latin typeface="HG創英角ｺﾞｼｯｸUB" panose="020B0909000000000000" pitchFamily="49" charset="-128"/>
-              <a:ea typeface="HG創英角ｺﾞｼｯｸUB" panose="020B0909000000000000" pitchFamily="49" charset="-128"/>
-              <a:cs typeface="+mn-cs"/>
-            </a:endParaRPr>
-          </a:p>
-        </p:txBody>
-      </p:sp>
-      <p:sp>
-        <p:nvSpPr>
-          <p:cNvPr id="46" name="テキスト ボックス 45">
-            <a:extLst>
-              <a:ext uri="{FF2B5EF4-FFF2-40B4-BE49-F238E27FC236}">
-                <a16:creationId xmlns:a16="http://schemas.microsoft.com/office/drawing/2014/main" id="{33447AD1-4E55-44F3-948A-184C41655AAF}"/>
-              </a:ext>
-            </a:extLst>
-          </p:cNvPr>
-          <p:cNvSpPr txBox="1"/>
-          <p:nvPr/>
-        </p:nvSpPr>
-        <p:spPr>
-          <a:xfrm>
-            <a:off x="2753382" y="227904"/>
-            <a:ext cx="1203919" cy="430887"/>
-          </a:xfrm>
-          <a:prstGeom prst="rect">
-            <a:avLst/>
-          </a:prstGeom>
-          <a:noFill/>
-          <a:ln>
-            <a:noFill/>
-          </a:ln>
-        </p:spPr>
-        <p:style>
-          <a:lnRef idx="0">
-            <a:scrgbClr r="0" g="0" b="0"/>
-          </a:lnRef>
-          <a:fillRef idx="0">
-            <a:scrgbClr r="0" g="0" b="0"/>
-          </a:fillRef>
-          <a:effectRef idx="0">
-            <a:scrgbClr r="0" g="0" b="0"/>
-          </a:effectRef>
-          <a:fontRef idx="minor">
-            <a:schemeClr val="dk1"/>
-          </a:fontRef>
-        </p:style>
-        <p:txBody>
-          <a:bodyPr wrap="square" rtlCol="0">
-            <a:spAutoFit/>
-          </a:bodyPr>
-          <a:lstStyle/>
-          <a:p>
-            <a:pPr marL="0" marR="0" lvl="0" indent="0" algn="l" defTabSz="914400" rtl="0" eaLnBrk="1" fontAlgn="base" latinLnBrk="0" hangingPunct="1">
-              <a:lnSpc>
-                <a:spcPct val="100000"/>
-              </a:lnSpc>
-              <a:spcBef>
-                <a:spcPct val="0"/>
-              </a:spcBef>
-              <a:spcAft>
-                <a:spcPct val="0"/>
-              </a:spcAft>
-              <a:buClrTx/>
-              <a:buSzTx/>
-              <a:buFontTx/>
-              <a:buNone/>
-              <a:tabLst/>
-              <a:defRPr/>
-            </a:pPr>
-            <a:r>
-              <a:rPr kumimoji="1" lang="ja-JP" altLang="en-US" sz="2200" b="0" i="0" u="none" strike="noStrike" kern="1200" cap="none" spc="0" normalizeH="0" baseline="0" noProof="0" dirty="0">
-                <a:ln>
-                  <a:noFill/>
-                </a:ln>
-                <a:solidFill>
-                  <a:srgbClr val="70AD47">
-                    <a:lumMod val="60000"/>
-                    <a:lumOff val="40000"/>
-                  </a:srgbClr>
-                </a:solidFill>
-                <a:effectLst/>
-                <a:uLnTx/>
-                <a:uFillTx/>
-                <a:latin typeface="HG創英角ｺﾞｼｯｸUB" panose="020B0909000000000000" pitchFamily="49" charset="-128"/>
-                <a:ea typeface="HG創英角ｺﾞｼｯｸUB" panose="020B0909000000000000" pitchFamily="49" charset="-128"/>
-                <a:cs typeface="+mn-cs"/>
-              </a:rPr>
-              <a:t>構造</a:t>
-            </a:r>
-            <a:endParaRPr kumimoji="1" lang="en-US" altLang="ja-JP" sz="2200" b="0" i="0" u="none" strike="noStrike" kern="1200" cap="none" spc="0" normalizeH="0" baseline="0" noProof="0" dirty="0">
-              <a:ln>
-                <a:noFill/>
-              </a:ln>
-              <a:solidFill>
-                <a:srgbClr val="70AD47">
-                  <a:lumMod val="60000"/>
-                  <a:lumOff val="40000"/>
-                </a:srgbClr>
-              </a:solidFill>
-              <a:effectLst/>
-              <a:uLnTx/>
-              <a:uFillTx/>
-              <a:latin typeface="HG創英角ｺﾞｼｯｸUB" panose="020B0909000000000000" pitchFamily="49" charset="-128"/>
-              <a:ea typeface="HG創英角ｺﾞｼｯｸUB" panose="020B0909000000000000" pitchFamily="49" charset="-128"/>
-              <a:cs typeface="+mn-cs"/>
-            </a:endParaRPr>
-          </a:p>
-        </p:txBody>
-      </p:sp>
-      <p:sp>
-        <p:nvSpPr>
-          <p:cNvPr id="47" name="テキスト ボックス 46">
-            <a:extLst>
-              <a:ext uri="{FF2B5EF4-FFF2-40B4-BE49-F238E27FC236}">
-                <a16:creationId xmlns:a16="http://schemas.microsoft.com/office/drawing/2014/main" id="{8DB39518-74BC-4709-B479-100B45A7FB97}"/>
-              </a:ext>
-            </a:extLst>
-          </p:cNvPr>
-          <p:cNvSpPr txBox="1"/>
-          <p:nvPr/>
-        </p:nvSpPr>
-        <p:spPr>
-          <a:xfrm>
-            <a:off x="6185756" y="140469"/>
-            <a:ext cx="2049970" cy="446276"/>
-          </a:xfrm>
-          <a:prstGeom prst="rect">
-            <a:avLst/>
-          </a:prstGeom>
-          <a:noFill/>
-          <a:ln>
-            <a:noFill/>
-          </a:ln>
-        </p:spPr>
-        <p:style>
-          <a:lnRef idx="0">
-            <a:scrgbClr r="0" g="0" b="0"/>
-          </a:lnRef>
-          <a:fillRef idx="0">
-            <a:scrgbClr r="0" g="0" b="0"/>
-          </a:fillRef>
-          <a:effectRef idx="0">
-            <a:scrgbClr r="0" g="0" b="0"/>
-          </a:effectRef>
-          <a:fontRef idx="minor">
-            <a:schemeClr val="dk1"/>
-          </a:fontRef>
-        </p:style>
-        <p:txBody>
-          <a:bodyPr wrap="square" rtlCol="0">
-            <a:spAutoFit/>
-          </a:bodyPr>
-          <a:lstStyle/>
-          <a:p>
-            <a:pPr marL="0" marR="0" lvl="0" indent="0" algn="l" defTabSz="914400" rtl="0" eaLnBrk="1" fontAlgn="base" latinLnBrk="0" hangingPunct="1">
-              <a:lnSpc>
-                <a:spcPct val="100000"/>
-              </a:lnSpc>
-              <a:spcBef>
-                <a:spcPct val="0"/>
-              </a:spcBef>
-              <a:spcAft>
-                <a:spcPct val="0"/>
-              </a:spcAft>
-              <a:buClrTx/>
-              <a:buSzTx/>
-              <a:buFontTx/>
-              <a:buNone/>
-              <a:tabLst/>
-              <a:defRPr/>
-            </a:pPr>
-            <a:r>
-              <a:rPr kumimoji="1" lang="ja-JP" altLang="en-US" sz="2200" b="0" i="0" u="none" strike="noStrike" kern="1200" cap="none" spc="0" normalizeH="0" baseline="0" noProof="0" dirty="0">
-                <a:ln>
-                  <a:noFill/>
-                </a:ln>
-                <a:solidFill>
-                  <a:prstClr val="white"/>
-                </a:solidFill>
-                <a:effectLst/>
-                <a:uLnTx/>
-                <a:uFillTx/>
-                <a:latin typeface="HG創英角ｺﾞｼｯｸUB" panose="020B0909000000000000" pitchFamily="49" charset="-128"/>
-                <a:ea typeface="HG創英角ｺﾞｼｯｸUB" panose="020B0909000000000000" pitchFamily="49" charset="-128"/>
-                <a:cs typeface="+mn-cs"/>
-              </a:rPr>
-              <a:t>３</a:t>
-            </a:r>
-            <a:r>
-              <a:rPr kumimoji="1" lang="en-US" altLang="ja-JP" sz="2200" b="1" i="0" u="none" strike="noStrike" kern="1200" cap="none" spc="0" normalizeH="0" baseline="0" noProof="0" dirty="0">
-                <a:ln>
-                  <a:noFill/>
-                </a:ln>
-                <a:solidFill>
-                  <a:prstClr val="white"/>
-                </a:solidFill>
-                <a:effectLst/>
-                <a:uLnTx/>
-                <a:uFillTx/>
-                <a:latin typeface="HG創英角ｺﾞｼｯｸUB" panose="020B0909000000000000" pitchFamily="49" charset="-128"/>
-                <a:ea typeface="HG創英角ｺﾞｼｯｸUB" panose="020B0909000000000000" pitchFamily="49" charset="-128"/>
-                <a:cs typeface="+mn-cs"/>
-              </a:rPr>
-              <a:t>.</a:t>
-            </a:r>
-            <a:r>
-              <a:rPr kumimoji="1" lang="ja-JP" altLang="en-US" sz="2200" b="0" i="0" u="none" strike="noStrike" kern="1200" cap="none" spc="0" normalizeH="0" baseline="0" noProof="0" dirty="0">
-                <a:ln>
-                  <a:noFill/>
-                </a:ln>
-                <a:solidFill>
-                  <a:prstClr val="white"/>
-                </a:solidFill>
-                <a:effectLst/>
-                <a:uLnTx/>
-                <a:uFillTx/>
-                <a:latin typeface="HG創英角ｺﾞｼｯｸUB" panose="020B0909000000000000" pitchFamily="49" charset="-128"/>
-                <a:ea typeface="HG創英角ｺﾞｼｯｸUB" panose="020B0909000000000000" pitchFamily="49" charset="-128"/>
-                <a:cs typeface="+mn-cs"/>
-              </a:rPr>
-              <a:t>振る舞い②</a:t>
-            </a:r>
-            <a:endParaRPr kumimoji="1" lang="en-US" altLang="ja-JP" sz="2200" b="0" i="0" u="none" strike="noStrike" kern="1200" cap="none" spc="0" normalizeH="0" baseline="0" noProof="0" dirty="0">
-              <a:ln>
-                <a:noFill/>
-              </a:ln>
-              <a:solidFill>
-                <a:prstClr val="white"/>
-              </a:solidFill>
-              <a:effectLst/>
-              <a:uLnTx/>
-              <a:uFillTx/>
-              <a:latin typeface="HG創英角ｺﾞｼｯｸUB" panose="020B0909000000000000" pitchFamily="49" charset="-128"/>
-              <a:ea typeface="HG創英角ｺﾞｼｯｸUB" panose="020B0909000000000000" pitchFamily="49" charset="-128"/>
-              <a:cs typeface="+mn-cs"/>
-            </a:endParaRPr>
-          </a:p>
-        </p:txBody>
-      </p:sp>
-      <p:sp>
-        <p:nvSpPr>
-          <p:cNvPr id="48" name="四角形: 角を丸くする 47">
-            <a:extLst>
-              <a:ext uri="{FF2B5EF4-FFF2-40B4-BE49-F238E27FC236}">
-                <a16:creationId xmlns:a16="http://schemas.microsoft.com/office/drawing/2014/main" id="{68D7D717-6109-4243-9469-2CA5CB60052A}"/>
-              </a:ext>
-            </a:extLst>
-          </p:cNvPr>
-          <p:cNvSpPr/>
-          <p:nvPr/>
-        </p:nvSpPr>
-        <p:spPr>
-          <a:xfrm>
-            <a:off x="6153908" y="221359"/>
-            <a:ext cx="2016000" cy="1152297"/>
-          </a:xfrm>
-          <a:prstGeom prst="roundRect">
-            <a:avLst/>
-          </a:prstGeom>
-          <a:ln w="28575">
-            <a:solidFill>
-              <a:schemeClr val="accent6">
-                <a:lumMod val="60000"/>
-                <a:lumOff val="40000"/>
-              </a:schemeClr>
-            </a:solidFill>
-          </a:ln>
-        </p:spPr>
-        <p:style>
-          <a:lnRef idx="2">
-            <a:schemeClr val="accent6"/>
-          </a:lnRef>
-          <a:fillRef idx="1">
-            <a:schemeClr val="lt1"/>
-          </a:fillRef>
-          <a:effectRef idx="0">
-            <a:schemeClr val="accent6"/>
-          </a:effectRef>
-          <a:fontRef idx="minor">
-            <a:schemeClr val="dk1"/>
-          </a:fontRef>
-        </p:style>
-        <p:txBody>
-          <a:bodyPr rtlCol="0" anchor="ctr"/>
-          <a:lstStyle/>
-          <a:p>
-            <a:pPr marL="0" marR="0" lvl="0" indent="0" algn="ctr" defTabSz="914400" rtl="0" eaLnBrk="1" fontAlgn="base" latinLnBrk="0" hangingPunct="1">
-              <a:lnSpc>
-                <a:spcPct val="100000"/>
-              </a:lnSpc>
-              <a:spcBef>
-                <a:spcPct val="0"/>
-              </a:spcBef>
-              <a:spcAft>
-                <a:spcPct val="0"/>
-              </a:spcAft>
-              <a:buClrTx/>
-              <a:buSzTx/>
-              <a:buFontTx/>
-              <a:buNone/>
-              <a:tabLst/>
-              <a:defRPr/>
-            </a:pPr>
-            <a:endParaRPr kumimoji="1" lang="ja-JP" altLang="en-US" sz="1600" b="0" i="0" u="none" strike="noStrike" kern="1200" cap="none" spc="0" normalizeH="0" baseline="0" noProof="0">
-              <a:ln>
-                <a:noFill/>
-              </a:ln>
-              <a:solidFill>
-                <a:prstClr val="black"/>
-              </a:solidFill>
-              <a:effectLst/>
-              <a:uLnTx/>
-              <a:uFillTx/>
-              <a:latin typeface="游ゴシック" panose="020F0502020204030204"/>
-              <a:ea typeface="游ゴシック" panose="020B0400000000000000" pitchFamily="50" charset="-128"/>
-              <a:cs typeface="+mn-cs"/>
-            </a:endParaRPr>
-          </a:p>
-        </p:txBody>
-      </p:sp>
-      <p:sp>
-        <p:nvSpPr>
-          <p:cNvPr id="49" name="テキスト ボックス 48">
-            <a:extLst>
-              <a:ext uri="{FF2B5EF4-FFF2-40B4-BE49-F238E27FC236}">
-                <a16:creationId xmlns:a16="http://schemas.microsoft.com/office/drawing/2014/main" id="{DB5D1ABC-93CF-4546-B1FD-46E24E501524}"/>
-              </a:ext>
-            </a:extLst>
-          </p:cNvPr>
-          <p:cNvSpPr txBox="1"/>
-          <p:nvPr/>
-        </p:nvSpPr>
-        <p:spPr>
-          <a:xfrm>
-            <a:off x="6443912" y="230828"/>
-            <a:ext cx="2022396" cy="446276"/>
-          </a:xfrm>
-          <a:prstGeom prst="rect">
-            <a:avLst/>
-          </a:prstGeom>
-          <a:noFill/>
-          <a:ln>
-            <a:noFill/>
-          </a:ln>
-        </p:spPr>
-        <p:style>
-          <a:lnRef idx="0">
-            <a:scrgbClr r="0" g="0" b="0"/>
-          </a:lnRef>
-          <a:fillRef idx="0">
-            <a:scrgbClr r="0" g="0" b="0"/>
-          </a:fillRef>
-          <a:effectRef idx="0">
-            <a:scrgbClr r="0" g="0" b="0"/>
-          </a:effectRef>
-          <a:fontRef idx="minor">
-            <a:schemeClr val="dk1"/>
-          </a:fontRef>
-        </p:style>
-        <p:txBody>
-          <a:bodyPr wrap="square" rtlCol="0">
-            <a:spAutoFit/>
-          </a:bodyPr>
-          <a:lstStyle/>
-          <a:p>
-            <a:pPr marL="0" marR="0" lvl="0" indent="0" algn="l" defTabSz="914400" rtl="0" eaLnBrk="1" fontAlgn="base" latinLnBrk="0" hangingPunct="1">
-              <a:lnSpc>
-                <a:spcPct val="100000"/>
-              </a:lnSpc>
-              <a:spcBef>
-                <a:spcPct val="0"/>
-              </a:spcBef>
-              <a:spcAft>
-                <a:spcPct val="0"/>
-              </a:spcAft>
-              <a:buClrTx/>
-              <a:buSzTx/>
-              <a:buFontTx/>
-              <a:buNone/>
-              <a:tabLst/>
-              <a:defRPr/>
-            </a:pPr>
-            <a:r>
-              <a:rPr kumimoji="1" lang="ja-JP" altLang="en-US" sz="2200" b="0" i="0" u="none" strike="noStrike" kern="1200" cap="none" spc="0" normalizeH="0" baseline="0" noProof="0" dirty="0">
-                <a:ln>
-                  <a:noFill/>
-                </a:ln>
-                <a:solidFill>
-                  <a:srgbClr val="70AD47">
-                    <a:lumMod val="60000"/>
-                    <a:lumOff val="40000"/>
-                  </a:srgbClr>
-                </a:solidFill>
-                <a:effectLst/>
-                <a:uLnTx/>
-                <a:uFillTx/>
-                <a:latin typeface="HG創英角ｺﾞｼｯｸUB" panose="020B0909000000000000" pitchFamily="49" charset="-128"/>
-                <a:ea typeface="HG創英角ｺﾞｼｯｸUB" panose="020B0909000000000000" pitchFamily="49" charset="-128"/>
-                <a:cs typeface="+mn-cs"/>
-              </a:rPr>
-              <a:t>振る舞い②</a:t>
             </a:r>
             <a:endParaRPr kumimoji="1" lang="en-US" altLang="ja-JP" sz="2200" b="0" i="0" u="none" strike="noStrike" kern="1200" cap="none" spc="0" normalizeH="0" baseline="0" noProof="0" dirty="0">
               <a:ln>
@@ -21149,7 +21231,11 @@
             <a:graphicFrameLocks noGrp="1"/>
           </p:cNvGraphicFramePr>
           <p:nvPr>
-            <p:extLst/>
+            <p:extLst>
+              <p:ext uri="{D42A27DB-BD31-4B8C-83A1-F6EECF244321}">
+                <p14:modId xmlns:p14="http://schemas.microsoft.com/office/powerpoint/2010/main" val="12184954"/>
+              </p:ext>
+            </p:extLst>
           </p:nvPr>
         </p:nvGraphicFramePr>
         <p:xfrm>
@@ -21197,7 +21283,7 @@
                   </a:txBody>
                   <a:tcPr>
                     <a:solidFill>
-                      <a:schemeClr val="accent6"/>
+                      <a:schemeClr val="bg1"/>
                     </a:solidFill>
                   </a:tcPr>
                 </a:tc>
@@ -23812,87 +23898,620 @@
           <a:chExt cx="0" cy="0"/>
         </a:xfrm>
       </p:grpSpPr>
-      <p:sp>
-        <p:nvSpPr>
-          <p:cNvPr id="58" name="四角形: 角を丸くする 57">
+      <p:grpSp>
+        <p:nvGrpSpPr>
+          <p:cNvPr id="86" name="グループ化 85">
             <a:extLst>
               <a:ext uri="{FF2B5EF4-FFF2-40B4-BE49-F238E27FC236}">
-                <a16:creationId xmlns:a16="http://schemas.microsoft.com/office/drawing/2014/main" id="{4280B8FD-DB58-421D-93ED-25F759AEE0AF}"/>
+                <a16:creationId xmlns:a16="http://schemas.microsoft.com/office/drawing/2014/main" id="{147E8D34-ACF2-448F-A70B-C03F3759DBEE}"/>
               </a:ext>
             </a:extLst>
           </p:cNvPr>
-          <p:cNvSpPr/>
+          <p:cNvGrpSpPr/>
           <p:nvPr/>
-        </p:nvSpPr>
-        <p:spPr>
+        </p:nvGrpSpPr>
+        <p:grpSpPr>
           <a:xfrm>
-            <a:off x="8164000" y="221359"/>
-            <a:ext cx="2016000" cy="1152297"/>
+            <a:off x="8159073" y="253425"/>
+            <a:ext cx="2016000" cy="1167206"/>
+            <a:chOff x="8159073" y="253425"/>
+            <a:chExt cx="2016000" cy="1167206"/>
           </a:xfrm>
-          <a:prstGeom prst="roundRect">
-            <a:avLst/>
-          </a:prstGeom>
-          <a:ln w="28575">
-            <a:solidFill>
-              <a:schemeClr val="accent6">
-                <a:lumMod val="60000"/>
-                <a:lumOff val="40000"/>
-              </a:schemeClr>
-            </a:solidFill>
-          </a:ln>
-        </p:spPr>
-        <p:style>
-          <a:lnRef idx="2">
-            <a:schemeClr val="accent6"/>
-          </a:lnRef>
-          <a:fillRef idx="1">
-            <a:schemeClr val="lt1"/>
-          </a:fillRef>
-          <a:effectRef idx="0">
-            <a:schemeClr val="accent6"/>
-          </a:effectRef>
-          <a:fontRef idx="minor">
-            <a:schemeClr val="dk1"/>
-          </a:fontRef>
-        </p:style>
-        <p:txBody>
-          <a:bodyPr rtlCol="0" anchor="ctr"/>
-          <a:lstStyle/>
-          <a:p>
-            <a:pPr marL="0" marR="0" lvl="0" indent="0" algn="ctr" defTabSz="914400" rtl="0" eaLnBrk="1" fontAlgn="base" latinLnBrk="0" hangingPunct="1">
-              <a:lnSpc>
-                <a:spcPct val="100000"/>
-              </a:lnSpc>
-              <a:spcBef>
-                <a:spcPct val="0"/>
-              </a:spcBef>
-              <a:spcAft>
-                <a:spcPct val="0"/>
-              </a:spcAft>
-              <a:buClrTx/>
-              <a:buSzTx/>
-              <a:buFontTx/>
-              <a:buNone/>
-              <a:tabLst/>
-              <a:defRPr/>
-            </a:pPr>
-            <a:endParaRPr kumimoji="1" lang="ja-JP" altLang="en-US" sz="1600" b="0" i="0" u="none" strike="noStrike" kern="1200" cap="none" spc="0" normalizeH="0" baseline="0" noProof="0" dirty="0">
-              <a:ln>
-                <a:noFill/>
-              </a:ln>
+        </p:grpSpPr>
+        <p:sp>
+          <p:nvSpPr>
+            <p:cNvPr id="88" name="四角形: 角を丸くする 87">
+              <a:extLst>
+                <a:ext uri="{FF2B5EF4-FFF2-40B4-BE49-F238E27FC236}">
+                  <a16:creationId xmlns:a16="http://schemas.microsoft.com/office/drawing/2014/main" id="{61827232-5142-4BB0-949F-725BB21581A6}"/>
+                </a:ext>
+              </a:extLst>
+            </p:cNvPr>
+            <p:cNvSpPr/>
+            <p:nvPr/>
+          </p:nvSpPr>
+          <p:spPr>
+            <a:xfrm>
+              <a:off x="8159073" y="268334"/>
+              <a:ext cx="2016000" cy="1152297"/>
+            </a:xfrm>
+            <a:prstGeom prst="roundRect">
+              <a:avLst/>
+            </a:prstGeom>
+            <a:ln w="28575">
               <a:solidFill>
-                <a:prstClr val="black"/>
+                <a:schemeClr val="accent6">
+                  <a:lumMod val="60000"/>
+                  <a:lumOff val="40000"/>
+                </a:schemeClr>
               </a:solidFill>
-              <a:effectLst/>
-              <a:uLnTx/>
-              <a:uFillTx/>
-              <a:latin typeface="游ゴシック" panose="020F0502020204030204"/>
-              <a:ea typeface="游ゴシック" panose="020B0400000000000000" pitchFamily="50" charset="-128"/>
-              <a:cs typeface="+mn-cs"/>
-            </a:endParaRPr>
-          </a:p>
-        </p:txBody>
-      </p:sp>
+            </a:ln>
+          </p:spPr>
+          <p:style>
+            <a:lnRef idx="2">
+              <a:schemeClr val="accent6"/>
+            </a:lnRef>
+            <a:fillRef idx="1">
+              <a:schemeClr val="lt1"/>
+            </a:fillRef>
+            <a:effectRef idx="0">
+              <a:schemeClr val="accent6"/>
+            </a:effectRef>
+            <a:fontRef idx="minor">
+              <a:schemeClr val="dk1"/>
+            </a:fontRef>
+          </p:style>
+          <p:txBody>
+            <a:bodyPr rtlCol="0" anchor="ctr"/>
+            <a:lstStyle/>
+            <a:p>
+              <a:pPr marL="0" marR="0" lvl="0" indent="0" algn="ctr" defTabSz="914400" rtl="0" eaLnBrk="1" fontAlgn="base" latinLnBrk="0" hangingPunct="1">
+                <a:lnSpc>
+                  <a:spcPct val="100000"/>
+                </a:lnSpc>
+                <a:spcBef>
+                  <a:spcPct val="0"/>
+                </a:spcBef>
+                <a:spcAft>
+                  <a:spcPct val="0"/>
+                </a:spcAft>
+                <a:buClrTx/>
+                <a:buSzTx/>
+                <a:buFontTx/>
+                <a:buNone/>
+                <a:tabLst/>
+                <a:defRPr/>
+              </a:pPr>
+              <a:endParaRPr kumimoji="1" lang="ja-JP" altLang="en-US" sz="1600" b="0" i="0" u="none" strike="noStrike" kern="1200" cap="none" spc="0" normalizeH="0" baseline="0" noProof="0">
+                <a:ln>
+                  <a:noFill/>
+                </a:ln>
+                <a:solidFill>
+                  <a:prstClr val="black"/>
+                </a:solidFill>
+                <a:effectLst/>
+                <a:uLnTx/>
+                <a:uFillTx/>
+                <a:latin typeface="游ゴシック" panose="020F0502020204030204"/>
+                <a:ea typeface="游ゴシック" panose="020B0400000000000000" pitchFamily="50" charset="-128"/>
+                <a:cs typeface="+mn-cs"/>
+              </a:endParaRPr>
+            </a:p>
+          </p:txBody>
+        </p:sp>
+        <p:sp>
+          <p:nvSpPr>
+            <p:cNvPr id="91" name="テキスト ボックス 90">
+              <a:extLst>
+                <a:ext uri="{FF2B5EF4-FFF2-40B4-BE49-F238E27FC236}">
+                  <a16:creationId xmlns:a16="http://schemas.microsoft.com/office/drawing/2014/main" id="{9E060E07-EA58-4D70-AD54-F2184016E5CD}"/>
+                </a:ext>
+              </a:extLst>
+            </p:cNvPr>
+            <p:cNvSpPr txBox="1"/>
+            <p:nvPr/>
+          </p:nvSpPr>
+          <p:spPr>
+            <a:xfrm>
+              <a:off x="8683078" y="253425"/>
+              <a:ext cx="1445666" cy="430887"/>
+            </a:xfrm>
+            <a:prstGeom prst="rect">
+              <a:avLst/>
+            </a:prstGeom>
+            <a:noFill/>
+            <a:ln>
+              <a:noFill/>
+            </a:ln>
+          </p:spPr>
+          <p:style>
+            <a:lnRef idx="0">
+              <a:scrgbClr r="0" g="0" b="0"/>
+            </a:lnRef>
+            <a:fillRef idx="0">
+              <a:scrgbClr r="0" g="0" b="0"/>
+            </a:fillRef>
+            <a:effectRef idx="0">
+              <a:scrgbClr r="0" g="0" b="0"/>
+            </a:effectRef>
+            <a:fontRef idx="minor">
+              <a:schemeClr val="dk1"/>
+            </a:fontRef>
+          </p:style>
+          <p:txBody>
+            <a:bodyPr wrap="square" rtlCol="0">
+              <a:spAutoFit/>
+            </a:bodyPr>
+            <a:lstStyle/>
+            <a:p>
+              <a:pPr marL="0" marR="0" lvl="0" indent="0" algn="l" defTabSz="914400" rtl="0" eaLnBrk="1" fontAlgn="base" latinLnBrk="0" hangingPunct="1">
+                <a:lnSpc>
+                  <a:spcPct val="100000"/>
+                </a:lnSpc>
+                <a:spcBef>
+                  <a:spcPct val="0"/>
+                </a:spcBef>
+                <a:spcAft>
+                  <a:spcPct val="0"/>
+                </a:spcAft>
+                <a:buClrTx/>
+                <a:buSzTx/>
+                <a:buFontTx/>
+                <a:buNone/>
+                <a:tabLst/>
+                <a:defRPr/>
+              </a:pPr>
+              <a:r>
+                <a:rPr kumimoji="1" lang="ja-JP" altLang="en-US" sz="2200" b="0" i="0" u="none" strike="noStrike" kern="1200" cap="none" spc="0" normalizeH="0" baseline="0" noProof="0" dirty="0">
+                  <a:ln>
+                    <a:noFill/>
+                  </a:ln>
+                  <a:solidFill>
+                    <a:srgbClr val="70AD47">
+                      <a:lumMod val="60000"/>
+                      <a:lumOff val="40000"/>
+                    </a:srgbClr>
+                  </a:solidFill>
+                  <a:effectLst/>
+                  <a:uLnTx/>
+                  <a:uFillTx/>
+                  <a:latin typeface="HG創英角ｺﾞｼｯｸUB" panose="020B0909000000000000" pitchFamily="49" charset="-128"/>
+                  <a:ea typeface="HG創英角ｺﾞｼｯｸUB" panose="020B0909000000000000" pitchFamily="49" charset="-128"/>
+                  <a:cs typeface="+mn-cs"/>
+                </a:rPr>
+                <a:t>工夫点</a:t>
+              </a:r>
+              <a:endParaRPr kumimoji="1" lang="en-US" altLang="ja-JP" sz="2200" b="0" i="0" u="none" strike="noStrike" kern="1200" cap="none" spc="0" normalizeH="0" baseline="0" noProof="0" dirty="0">
+                <a:ln>
+                  <a:noFill/>
+                </a:ln>
+                <a:solidFill>
+                  <a:srgbClr val="70AD47">
+                    <a:lumMod val="60000"/>
+                    <a:lumOff val="40000"/>
+                  </a:srgbClr>
+                </a:solidFill>
+                <a:effectLst/>
+                <a:uLnTx/>
+                <a:uFillTx/>
+                <a:latin typeface="HG創英角ｺﾞｼｯｸUB" panose="020B0909000000000000" pitchFamily="49" charset="-128"/>
+                <a:ea typeface="HG創英角ｺﾞｼｯｸUB" panose="020B0909000000000000" pitchFamily="49" charset="-128"/>
+                <a:cs typeface="+mn-cs"/>
+              </a:endParaRPr>
+            </a:p>
+          </p:txBody>
+        </p:sp>
+      </p:grpSp>
+      <p:grpSp>
+        <p:nvGrpSpPr>
+          <p:cNvPr id="78" name="グループ化 77">
+            <a:extLst>
+              <a:ext uri="{FF2B5EF4-FFF2-40B4-BE49-F238E27FC236}">
+                <a16:creationId xmlns:a16="http://schemas.microsoft.com/office/drawing/2014/main" id="{881E8781-22C1-475D-9D31-A2721867A140}"/>
+              </a:ext>
+            </a:extLst>
+          </p:cNvPr>
+          <p:cNvGrpSpPr/>
+          <p:nvPr/>
+        </p:nvGrpSpPr>
+        <p:grpSpPr>
+          <a:xfrm>
+            <a:off x="4131012" y="255607"/>
+            <a:ext cx="2285247" cy="1088857"/>
+            <a:chOff x="4131012" y="255607"/>
+            <a:chExt cx="2285247" cy="1088857"/>
+          </a:xfrm>
+        </p:grpSpPr>
+        <p:sp>
+          <p:nvSpPr>
+            <p:cNvPr id="79" name="四角形: 角を丸くする 78">
+              <a:extLst>
+                <a:ext uri="{FF2B5EF4-FFF2-40B4-BE49-F238E27FC236}">
+                  <a16:creationId xmlns:a16="http://schemas.microsoft.com/office/drawing/2014/main" id="{D76069F0-2B58-4D57-84AC-07525E4690C6}"/>
+                </a:ext>
+              </a:extLst>
+            </p:cNvPr>
+            <p:cNvSpPr/>
+            <p:nvPr/>
+          </p:nvSpPr>
+          <p:spPr>
+            <a:xfrm>
+              <a:off x="4131012" y="264096"/>
+              <a:ext cx="2016000" cy="1080368"/>
+            </a:xfrm>
+            <a:prstGeom prst="roundRect">
+              <a:avLst/>
+            </a:prstGeom>
+            <a:ln w="28575">
+              <a:solidFill>
+                <a:schemeClr val="accent6">
+                  <a:lumMod val="60000"/>
+                  <a:lumOff val="40000"/>
+                </a:schemeClr>
+              </a:solidFill>
+            </a:ln>
+          </p:spPr>
+          <p:style>
+            <a:lnRef idx="2">
+              <a:schemeClr val="accent6"/>
+            </a:lnRef>
+            <a:fillRef idx="1">
+              <a:schemeClr val="lt1"/>
+            </a:fillRef>
+            <a:effectRef idx="0">
+              <a:schemeClr val="accent6"/>
+            </a:effectRef>
+            <a:fontRef idx="minor">
+              <a:schemeClr val="dk1"/>
+            </a:fontRef>
+          </p:style>
+          <p:txBody>
+            <a:bodyPr rtlCol="0" anchor="ctr"/>
+            <a:lstStyle/>
+            <a:p>
+              <a:pPr marL="0" marR="0" lvl="0" indent="0" algn="ctr" defTabSz="914400" rtl="0" eaLnBrk="1" fontAlgn="base" latinLnBrk="0" hangingPunct="1">
+                <a:lnSpc>
+                  <a:spcPct val="100000"/>
+                </a:lnSpc>
+                <a:spcBef>
+                  <a:spcPct val="0"/>
+                </a:spcBef>
+                <a:spcAft>
+                  <a:spcPct val="0"/>
+                </a:spcAft>
+                <a:buClrTx/>
+                <a:buSzTx/>
+                <a:buFontTx/>
+                <a:buNone/>
+                <a:tabLst/>
+                <a:defRPr/>
+              </a:pPr>
+              <a:endParaRPr kumimoji="1" lang="ja-JP" altLang="en-US" sz="1600" b="0" i="0" u="none" strike="noStrike" kern="1200" cap="none" spc="0" normalizeH="0" baseline="0" noProof="0">
+                <a:ln>
+                  <a:noFill/>
+                </a:ln>
+                <a:solidFill>
+                  <a:prstClr val="black"/>
+                </a:solidFill>
+                <a:effectLst/>
+                <a:uLnTx/>
+                <a:uFillTx/>
+                <a:latin typeface="游ゴシック" panose="020F0502020204030204"/>
+                <a:ea typeface="游ゴシック" panose="020B0400000000000000" pitchFamily="50" charset="-128"/>
+                <a:cs typeface="+mn-cs"/>
+              </a:endParaRPr>
+            </a:p>
+          </p:txBody>
+        </p:sp>
+        <p:sp>
+          <p:nvSpPr>
+            <p:cNvPr id="80" name="テキスト ボックス 79">
+              <a:extLst>
+                <a:ext uri="{FF2B5EF4-FFF2-40B4-BE49-F238E27FC236}">
+                  <a16:creationId xmlns:a16="http://schemas.microsoft.com/office/drawing/2014/main" id="{849BA9BE-101C-42A9-87F0-CD6E52D6BEBC}"/>
+                </a:ext>
+              </a:extLst>
+            </p:cNvPr>
+            <p:cNvSpPr txBox="1"/>
+            <p:nvPr/>
+          </p:nvSpPr>
+          <p:spPr>
+            <a:xfrm>
+              <a:off x="4400259" y="255607"/>
+              <a:ext cx="2016000" cy="446276"/>
+            </a:xfrm>
+            <a:prstGeom prst="rect">
+              <a:avLst/>
+            </a:prstGeom>
+            <a:noFill/>
+            <a:ln>
+              <a:noFill/>
+            </a:ln>
+          </p:spPr>
+          <p:style>
+            <a:lnRef idx="0">
+              <a:scrgbClr r="0" g="0" b="0"/>
+            </a:lnRef>
+            <a:fillRef idx="0">
+              <a:scrgbClr r="0" g="0" b="0"/>
+            </a:fillRef>
+            <a:effectRef idx="0">
+              <a:scrgbClr r="0" g="0" b="0"/>
+            </a:effectRef>
+            <a:fontRef idx="minor">
+              <a:schemeClr val="dk1"/>
+            </a:fontRef>
+          </p:style>
+          <p:txBody>
+            <a:bodyPr wrap="square" rtlCol="0">
+              <a:spAutoFit/>
+            </a:bodyPr>
+            <a:lstStyle/>
+            <a:p>
+              <a:pPr marL="0" marR="0" lvl="0" indent="0" algn="l" defTabSz="914400" rtl="0" eaLnBrk="1" fontAlgn="base" latinLnBrk="0" hangingPunct="1">
+                <a:lnSpc>
+                  <a:spcPct val="100000"/>
+                </a:lnSpc>
+                <a:spcBef>
+                  <a:spcPct val="0"/>
+                </a:spcBef>
+                <a:spcAft>
+                  <a:spcPct val="0"/>
+                </a:spcAft>
+                <a:buClrTx/>
+                <a:buSzTx/>
+                <a:buFontTx/>
+                <a:buNone/>
+                <a:tabLst/>
+                <a:defRPr/>
+              </a:pPr>
+              <a:r>
+                <a:rPr kumimoji="1" lang="ja-JP" altLang="en-US" sz="2200" b="0" i="0" u="none" strike="noStrike" kern="1200" cap="none" spc="0" normalizeH="0" baseline="0" noProof="0" dirty="0">
+                  <a:ln>
+                    <a:noFill/>
+                  </a:ln>
+                  <a:solidFill>
+                    <a:srgbClr val="70AD47">
+                      <a:lumMod val="60000"/>
+                      <a:lumOff val="40000"/>
+                    </a:srgbClr>
+                  </a:solidFill>
+                  <a:effectLst/>
+                  <a:uLnTx/>
+                  <a:uFillTx/>
+                  <a:latin typeface="HG創英角ｺﾞｼｯｸUB" panose="020B0909000000000000" pitchFamily="49" charset="-128"/>
+                  <a:ea typeface="HG創英角ｺﾞｼｯｸUB" panose="020B0909000000000000" pitchFamily="49" charset="-128"/>
+                  <a:cs typeface="+mn-cs"/>
+                </a:rPr>
+                <a:t>振る舞い①</a:t>
+              </a:r>
+              <a:endParaRPr kumimoji="1" lang="en-US" altLang="ja-JP" sz="2200" b="0" i="0" u="none" strike="noStrike" kern="1200" cap="none" spc="0" normalizeH="0" baseline="0" noProof="0" dirty="0">
+                <a:ln>
+                  <a:noFill/>
+                </a:ln>
+                <a:solidFill>
+                  <a:srgbClr val="70AD47">
+                    <a:lumMod val="60000"/>
+                    <a:lumOff val="40000"/>
+                  </a:srgbClr>
+                </a:solidFill>
+                <a:effectLst/>
+                <a:uLnTx/>
+                <a:uFillTx/>
+                <a:latin typeface="HG創英角ｺﾞｼｯｸUB" panose="020B0909000000000000" pitchFamily="49" charset="-128"/>
+                <a:ea typeface="HG創英角ｺﾞｼｯｸUB" panose="020B0909000000000000" pitchFamily="49" charset="-128"/>
+                <a:cs typeface="+mn-cs"/>
+              </a:endParaRPr>
+            </a:p>
+          </p:txBody>
+        </p:sp>
+      </p:grpSp>
+      <p:grpSp>
+        <p:nvGrpSpPr>
+          <p:cNvPr id="75" name="グループ化 74">
+            <a:extLst>
+              <a:ext uri="{FF2B5EF4-FFF2-40B4-BE49-F238E27FC236}">
+                <a16:creationId xmlns:a16="http://schemas.microsoft.com/office/drawing/2014/main" id="{80E93157-939F-4AFF-B491-302446061157}"/>
+              </a:ext>
+            </a:extLst>
+          </p:cNvPr>
+          <p:cNvGrpSpPr/>
+          <p:nvPr/>
+        </p:nvGrpSpPr>
+        <p:grpSpPr>
+          <a:xfrm>
+            <a:off x="2107846" y="250893"/>
+            <a:ext cx="2016000" cy="1383050"/>
+            <a:chOff x="2107846" y="250893"/>
+            <a:chExt cx="2016000" cy="1383050"/>
+          </a:xfrm>
+        </p:grpSpPr>
+        <p:sp>
+          <p:nvSpPr>
+            <p:cNvPr id="76" name="四角形: 角を丸くする 75">
+              <a:extLst>
+                <a:ext uri="{FF2B5EF4-FFF2-40B4-BE49-F238E27FC236}">
+                  <a16:creationId xmlns:a16="http://schemas.microsoft.com/office/drawing/2014/main" id="{288BFF48-462B-4433-A3D6-C85EDE1D1E88}"/>
+                </a:ext>
+              </a:extLst>
+            </p:cNvPr>
+            <p:cNvSpPr/>
+            <p:nvPr/>
+          </p:nvSpPr>
+          <p:spPr>
+            <a:xfrm>
+              <a:off x="2107846" y="265543"/>
+              <a:ext cx="2016000" cy="1368400"/>
+            </a:xfrm>
+            <a:prstGeom prst="roundRect">
+              <a:avLst>
+                <a:gd name="adj" fmla="val 13495"/>
+              </a:avLst>
+            </a:prstGeom>
+            <a:ln w="28575">
+              <a:solidFill>
+                <a:schemeClr val="accent6">
+                  <a:lumMod val="60000"/>
+                  <a:lumOff val="40000"/>
+                </a:schemeClr>
+              </a:solidFill>
+            </a:ln>
+          </p:spPr>
+          <p:style>
+            <a:lnRef idx="2">
+              <a:schemeClr val="accent6"/>
+            </a:lnRef>
+            <a:fillRef idx="1">
+              <a:schemeClr val="lt1"/>
+            </a:fillRef>
+            <a:effectRef idx="0">
+              <a:schemeClr val="accent6"/>
+            </a:effectRef>
+            <a:fontRef idx="minor">
+              <a:schemeClr val="dk1"/>
+            </a:fontRef>
+          </p:style>
+          <p:txBody>
+            <a:bodyPr rtlCol="0" anchor="ctr"/>
+            <a:lstStyle/>
+            <a:p>
+              <a:pPr marL="0" marR="0" lvl="0" indent="0" algn="ctr" defTabSz="914400" rtl="0" eaLnBrk="1" fontAlgn="base" latinLnBrk="0" hangingPunct="1">
+                <a:lnSpc>
+                  <a:spcPct val="100000"/>
+                </a:lnSpc>
+                <a:spcBef>
+                  <a:spcPct val="0"/>
+                </a:spcBef>
+                <a:spcAft>
+                  <a:spcPct val="0"/>
+                </a:spcAft>
+                <a:buClrTx/>
+                <a:buSzTx/>
+                <a:buFontTx/>
+                <a:buNone/>
+                <a:tabLst/>
+                <a:defRPr/>
+              </a:pPr>
+              <a:endParaRPr kumimoji="1" lang="ja-JP" altLang="en-US" sz="1600" b="0" i="0" u="none" strike="noStrike" kern="1200" cap="none" spc="0" normalizeH="0" baseline="0" noProof="0">
+                <a:ln>
+                  <a:noFill/>
+                </a:ln>
+                <a:solidFill>
+                  <a:prstClr val="black"/>
+                </a:solidFill>
+                <a:effectLst/>
+                <a:uLnTx/>
+                <a:uFillTx/>
+                <a:latin typeface="游ゴシック" panose="020F0502020204030204"/>
+                <a:ea typeface="游ゴシック" panose="020B0400000000000000" pitchFamily="50" charset="-128"/>
+                <a:cs typeface="+mn-cs"/>
+              </a:endParaRPr>
+            </a:p>
+          </p:txBody>
+        </p:sp>
+        <p:sp>
+          <p:nvSpPr>
+            <p:cNvPr id="77" name="テキスト ボックス 76">
+              <a:extLst>
+                <a:ext uri="{FF2B5EF4-FFF2-40B4-BE49-F238E27FC236}">
+                  <a16:creationId xmlns:a16="http://schemas.microsoft.com/office/drawing/2014/main" id="{1E6306DC-74A0-4720-AD9F-1D75E63972F2}"/>
+                </a:ext>
+              </a:extLst>
+            </p:cNvPr>
+            <p:cNvSpPr txBox="1"/>
+            <p:nvPr/>
+          </p:nvSpPr>
+          <p:spPr>
+            <a:xfrm>
+              <a:off x="2132400" y="250893"/>
+              <a:ext cx="1979156" cy="430887"/>
+            </a:xfrm>
+            <a:prstGeom prst="rect">
+              <a:avLst/>
+            </a:prstGeom>
+            <a:noFill/>
+            <a:ln>
+              <a:noFill/>
+            </a:ln>
+          </p:spPr>
+          <p:style>
+            <a:lnRef idx="0">
+              <a:scrgbClr r="0" g="0" b="0"/>
+            </a:lnRef>
+            <a:fillRef idx="0">
+              <a:scrgbClr r="0" g="0" b="0"/>
+            </a:fillRef>
+            <a:effectRef idx="0">
+              <a:scrgbClr r="0" g="0" b="0"/>
+            </a:effectRef>
+            <a:fontRef idx="minor">
+              <a:schemeClr val="dk1"/>
+            </a:fontRef>
+          </p:style>
+          <p:txBody>
+            <a:bodyPr wrap="square" rtlCol="0">
+              <a:spAutoFit/>
+            </a:bodyPr>
+            <a:lstStyle/>
+            <a:p>
+              <a:pPr marL="0" marR="0" lvl="0" indent="0" algn="ctr" defTabSz="914400" rtl="0" eaLnBrk="1" fontAlgn="base" latinLnBrk="0" hangingPunct="1">
+                <a:lnSpc>
+                  <a:spcPct val="100000"/>
+                </a:lnSpc>
+                <a:spcBef>
+                  <a:spcPct val="0"/>
+                </a:spcBef>
+                <a:spcAft>
+                  <a:spcPct val="0"/>
+                </a:spcAft>
+                <a:buClrTx/>
+                <a:buSzTx/>
+                <a:buFontTx/>
+                <a:buNone/>
+                <a:tabLst/>
+                <a:defRPr/>
+              </a:pPr>
+              <a:r>
+                <a:rPr kumimoji="1" lang="ja-JP" altLang="en-US" sz="2200" b="0" i="0" u="none" strike="noStrike" kern="1200" cap="none" spc="0" normalizeH="0" baseline="0" noProof="0" dirty="0">
+                  <a:ln>
+                    <a:noFill/>
+                  </a:ln>
+                  <a:solidFill>
+                    <a:srgbClr val="70AD47">
+                      <a:lumMod val="60000"/>
+                      <a:lumOff val="40000"/>
+                    </a:srgbClr>
+                  </a:solidFill>
+                  <a:effectLst/>
+                  <a:uLnTx/>
+                  <a:uFillTx/>
+                  <a:latin typeface="HG創英角ｺﾞｼｯｸUB" panose="020B0909000000000000" pitchFamily="49" charset="-128"/>
+                  <a:ea typeface="HG創英角ｺﾞｼｯｸUB" panose="020B0909000000000000" pitchFamily="49" charset="-128"/>
+                  <a:cs typeface="+mn-cs"/>
+                </a:rPr>
+                <a:t>構造</a:t>
+              </a:r>
+              <a:endParaRPr kumimoji="1" lang="en-US" altLang="ja-JP" sz="2200" b="0" i="0" u="none" strike="noStrike" kern="1200" cap="none" spc="0" normalizeH="0" baseline="0" noProof="0" dirty="0">
+                <a:ln>
+                  <a:noFill/>
+                </a:ln>
+                <a:solidFill>
+                  <a:srgbClr val="70AD47">
+                    <a:lumMod val="60000"/>
+                    <a:lumOff val="40000"/>
+                  </a:srgbClr>
+                </a:solidFill>
+                <a:effectLst/>
+                <a:uLnTx/>
+                <a:uFillTx/>
+                <a:latin typeface="HG創英角ｺﾞｼｯｸUB" panose="020B0909000000000000" pitchFamily="49" charset="-128"/>
+                <a:ea typeface="HG創英角ｺﾞｼｯｸUB" panose="020B0909000000000000" pitchFamily="49" charset="-128"/>
+                <a:cs typeface="+mn-cs"/>
+              </a:endParaRPr>
+            </a:p>
+          </p:txBody>
+        </p:sp>
+      </p:grpSp>
       <p:sp>
         <p:nvSpPr>
           <p:cNvPr id="28" name="四角形: 角を丸くする 27">
@@ -23912,170 +24531,6 @@
           </a:xfrm>
           <a:prstGeom prst="roundRect">
             <a:avLst/>
-          </a:prstGeom>
-          <a:ln w="28575">
-            <a:solidFill>
-              <a:schemeClr val="accent6">
-                <a:lumMod val="60000"/>
-                <a:lumOff val="40000"/>
-              </a:schemeClr>
-            </a:solidFill>
-          </a:ln>
-        </p:spPr>
-        <p:style>
-          <a:lnRef idx="2">
-            <a:schemeClr val="accent6"/>
-          </a:lnRef>
-          <a:fillRef idx="1">
-            <a:schemeClr val="lt1"/>
-          </a:fillRef>
-          <a:effectRef idx="0">
-            <a:schemeClr val="accent6"/>
-          </a:effectRef>
-          <a:fontRef idx="minor">
-            <a:schemeClr val="dk1"/>
-          </a:fontRef>
-        </p:style>
-        <p:txBody>
-          <a:bodyPr rtlCol="0" anchor="ctr"/>
-          <a:lstStyle/>
-          <a:p>
-            <a:pPr marL="0" marR="0" lvl="0" indent="0" algn="ctr" defTabSz="914400" rtl="0" eaLnBrk="1" fontAlgn="base" latinLnBrk="0" hangingPunct="1">
-              <a:lnSpc>
-                <a:spcPct val="100000"/>
-              </a:lnSpc>
-              <a:spcBef>
-                <a:spcPct val="0"/>
-              </a:spcBef>
-              <a:spcAft>
-                <a:spcPct val="0"/>
-              </a:spcAft>
-              <a:buClrTx/>
-              <a:buSzTx/>
-              <a:buFontTx/>
-              <a:buNone/>
-              <a:tabLst/>
-              <a:defRPr/>
-            </a:pPr>
-            <a:endParaRPr kumimoji="1" lang="ja-JP" altLang="en-US" sz="1600" b="0" i="0" u="none" strike="noStrike" kern="1200" cap="none" spc="0" normalizeH="0" baseline="0" noProof="0">
-              <a:ln>
-                <a:noFill/>
-              </a:ln>
-              <a:solidFill>
-                <a:prstClr val="black"/>
-              </a:solidFill>
-              <a:effectLst/>
-              <a:uLnTx/>
-              <a:uFillTx/>
-              <a:latin typeface="游ゴシック" panose="020F0502020204030204"/>
-              <a:ea typeface="游ゴシック" panose="020B0400000000000000" pitchFamily="50" charset="-128"/>
-              <a:cs typeface="+mn-cs"/>
-            </a:endParaRPr>
-          </a:p>
-        </p:txBody>
-      </p:sp>
-      <p:sp>
-        <p:nvSpPr>
-          <p:cNvPr id="29" name="四角形: 角を丸くする 28">
-            <a:extLst>
-              <a:ext uri="{FF2B5EF4-FFF2-40B4-BE49-F238E27FC236}">
-                <a16:creationId xmlns:a16="http://schemas.microsoft.com/office/drawing/2014/main" id="{1E9DE310-0E63-4F12-BF6E-A93C69918B4F}"/>
-              </a:ext>
-            </a:extLst>
-          </p:cNvPr>
-          <p:cNvSpPr/>
-          <p:nvPr/>
-        </p:nvSpPr>
-        <p:spPr>
-          <a:xfrm>
-            <a:off x="4131012" y="264096"/>
-            <a:ext cx="2016000" cy="1080368"/>
-          </a:xfrm>
-          <a:prstGeom prst="roundRect">
-            <a:avLst/>
-          </a:prstGeom>
-          <a:ln w="28575">
-            <a:solidFill>
-              <a:schemeClr val="accent6">
-                <a:lumMod val="60000"/>
-                <a:lumOff val="40000"/>
-              </a:schemeClr>
-            </a:solidFill>
-          </a:ln>
-        </p:spPr>
-        <p:style>
-          <a:lnRef idx="2">
-            <a:schemeClr val="accent6"/>
-          </a:lnRef>
-          <a:fillRef idx="1">
-            <a:schemeClr val="lt1"/>
-          </a:fillRef>
-          <a:effectRef idx="0">
-            <a:schemeClr val="accent6"/>
-          </a:effectRef>
-          <a:fontRef idx="minor">
-            <a:schemeClr val="dk1"/>
-          </a:fontRef>
-        </p:style>
-        <p:txBody>
-          <a:bodyPr rtlCol="0" anchor="ctr"/>
-          <a:lstStyle/>
-          <a:p>
-            <a:pPr marL="0" marR="0" lvl="0" indent="0" algn="ctr" defTabSz="914400" rtl="0" eaLnBrk="1" fontAlgn="base" latinLnBrk="0" hangingPunct="1">
-              <a:lnSpc>
-                <a:spcPct val="100000"/>
-              </a:lnSpc>
-              <a:spcBef>
-                <a:spcPct val="0"/>
-              </a:spcBef>
-              <a:spcAft>
-                <a:spcPct val="0"/>
-              </a:spcAft>
-              <a:buClrTx/>
-              <a:buSzTx/>
-              <a:buFontTx/>
-              <a:buNone/>
-              <a:tabLst/>
-              <a:defRPr/>
-            </a:pPr>
-            <a:endParaRPr kumimoji="1" lang="ja-JP" altLang="en-US" sz="1600" b="0" i="0" u="none" strike="noStrike" kern="1200" cap="none" spc="0" normalizeH="0" baseline="0" noProof="0">
-              <a:ln>
-                <a:noFill/>
-              </a:ln>
-              <a:solidFill>
-                <a:prstClr val="black"/>
-              </a:solidFill>
-              <a:effectLst/>
-              <a:uLnTx/>
-              <a:uFillTx/>
-              <a:latin typeface="游ゴシック" panose="020F0502020204030204"/>
-              <a:ea typeface="游ゴシック" panose="020B0400000000000000" pitchFamily="50" charset="-128"/>
-              <a:cs typeface="+mn-cs"/>
-            </a:endParaRPr>
-          </a:p>
-        </p:txBody>
-      </p:sp>
-      <p:sp>
-        <p:nvSpPr>
-          <p:cNvPr id="30" name="四角形: 角を丸くする 29">
-            <a:extLst>
-              <a:ext uri="{FF2B5EF4-FFF2-40B4-BE49-F238E27FC236}">
-                <a16:creationId xmlns:a16="http://schemas.microsoft.com/office/drawing/2014/main" id="{A323A2CF-BBD4-45A7-9084-92253C4FC27F}"/>
-              </a:ext>
-            </a:extLst>
-          </p:cNvPr>
-          <p:cNvSpPr/>
-          <p:nvPr/>
-        </p:nvSpPr>
-        <p:spPr>
-          <a:xfrm>
-            <a:off x="2107846" y="265543"/>
-            <a:ext cx="2016000" cy="1368400"/>
-          </a:xfrm>
-          <a:prstGeom prst="roundRect">
-            <a:avLst>
-              <a:gd name="adj" fmla="val 13495"/>
-            </a:avLst>
           </a:prstGeom>
           <a:ln w="28575">
             <a:solidFill>
@@ -24231,7 +24686,7 @@
         </p:nvSpPr>
         <p:spPr>
           <a:xfrm>
-            <a:off x="100609" y="689395"/>
+            <a:off x="100800" y="689395"/>
             <a:ext cx="12600000" cy="8856984"/>
           </a:xfrm>
           <a:prstGeom prst="rect">
@@ -24398,210 +24853,6 @@
       </p:sp>
       <p:sp>
         <p:nvSpPr>
-          <p:cNvPr id="24" name="テキスト ボックス 23">
-            <a:extLst>
-              <a:ext uri="{FF2B5EF4-FFF2-40B4-BE49-F238E27FC236}">
-                <a16:creationId xmlns:a16="http://schemas.microsoft.com/office/drawing/2014/main" id="{280AB16F-3751-4BEE-AFA4-B0938C8B6235}"/>
-              </a:ext>
-            </a:extLst>
-          </p:cNvPr>
-          <p:cNvSpPr txBox="1"/>
-          <p:nvPr/>
-        </p:nvSpPr>
-        <p:spPr>
-          <a:xfrm>
-            <a:off x="4400838" y="247943"/>
-            <a:ext cx="2049970" cy="446276"/>
-          </a:xfrm>
-          <a:prstGeom prst="rect">
-            <a:avLst/>
-          </a:prstGeom>
-          <a:noFill/>
-          <a:ln>
-            <a:noFill/>
-          </a:ln>
-        </p:spPr>
-        <p:style>
-          <a:lnRef idx="0">
-            <a:scrgbClr r="0" g="0" b="0"/>
-          </a:lnRef>
-          <a:fillRef idx="0">
-            <a:scrgbClr r="0" g="0" b="0"/>
-          </a:fillRef>
-          <a:effectRef idx="0">
-            <a:scrgbClr r="0" g="0" b="0"/>
-          </a:effectRef>
-          <a:fontRef idx="minor">
-            <a:schemeClr val="dk1"/>
-          </a:fontRef>
-        </p:style>
-        <p:txBody>
-          <a:bodyPr wrap="square" rtlCol="0">
-            <a:spAutoFit/>
-          </a:bodyPr>
-          <a:lstStyle/>
-          <a:p>
-            <a:pPr marL="0" marR="0" lvl="0" indent="0" algn="l" defTabSz="914400" rtl="0" eaLnBrk="1" fontAlgn="base" latinLnBrk="0" hangingPunct="1">
-              <a:lnSpc>
-                <a:spcPct val="100000"/>
-              </a:lnSpc>
-              <a:spcBef>
-                <a:spcPct val="0"/>
-              </a:spcBef>
-              <a:spcAft>
-                <a:spcPct val="0"/>
-              </a:spcAft>
-              <a:buClrTx/>
-              <a:buSzTx/>
-              <a:buFontTx/>
-              <a:buNone/>
-              <a:tabLst/>
-              <a:defRPr/>
-            </a:pPr>
-            <a:r>
-              <a:rPr kumimoji="1" lang="ja-JP" altLang="en-US" sz="2200" b="0" i="0" u="none" strike="noStrike" kern="1200" cap="none" spc="0" normalizeH="0" baseline="0" noProof="0" dirty="0">
-                <a:ln>
-                  <a:noFill/>
-                </a:ln>
-                <a:solidFill>
-                  <a:srgbClr val="70AD47">
-                    <a:lumMod val="60000"/>
-                    <a:lumOff val="40000"/>
-                  </a:srgbClr>
-                </a:solidFill>
-                <a:effectLst/>
-                <a:uLnTx/>
-                <a:uFillTx/>
-                <a:latin typeface="HG創英角ｺﾞｼｯｸUB" panose="020B0909000000000000" pitchFamily="49" charset="-128"/>
-                <a:ea typeface="HG創英角ｺﾞｼｯｸUB" panose="020B0909000000000000" pitchFamily="49" charset="-128"/>
-                <a:cs typeface="+mn-cs"/>
-              </a:rPr>
-              <a:t>振る舞い①</a:t>
-            </a:r>
-            <a:endParaRPr kumimoji="1" lang="en-US" altLang="ja-JP" sz="2200" b="0" i="0" u="none" strike="noStrike" kern="1200" cap="none" spc="0" normalizeH="0" baseline="0" noProof="0" dirty="0">
-              <a:ln>
-                <a:noFill/>
-              </a:ln>
-              <a:solidFill>
-                <a:srgbClr val="70AD47">
-                  <a:lumMod val="60000"/>
-                  <a:lumOff val="40000"/>
-                </a:srgbClr>
-              </a:solidFill>
-              <a:effectLst/>
-              <a:uLnTx/>
-              <a:uFillTx/>
-              <a:latin typeface="HG創英角ｺﾞｼｯｸUB" panose="020B0909000000000000" pitchFamily="49" charset="-128"/>
-              <a:ea typeface="HG創英角ｺﾞｼｯｸUB" panose="020B0909000000000000" pitchFamily="49" charset="-128"/>
-              <a:cs typeface="+mn-cs"/>
-            </a:endParaRPr>
-          </a:p>
-        </p:txBody>
-      </p:sp>
-      <p:sp>
-        <p:nvSpPr>
-          <p:cNvPr id="25" name="テキスト ボックス 24">
-            <a:extLst>
-              <a:ext uri="{FF2B5EF4-FFF2-40B4-BE49-F238E27FC236}">
-                <a16:creationId xmlns:a16="http://schemas.microsoft.com/office/drawing/2014/main" id="{7A51ACB0-CE29-40FA-81B8-60249ABC5648}"/>
-              </a:ext>
-            </a:extLst>
-          </p:cNvPr>
-          <p:cNvSpPr txBox="1"/>
-          <p:nvPr/>
-        </p:nvSpPr>
-        <p:spPr>
-          <a:xfrm>
-            <a:off x="2766118" y="251748"/>
-            <a:ext cx="1203919" cy="430887"/>
-          </a:xfrm>
-          <a:prstGeom prst="rect">
-            <a:avLst/>
-          </a:prstGeom>
-          <a:noFill/>
-          <a:ln>
-            <a:noFill/>
-          </a:ln>
-        </p:spPr>
-        <p:style>
-          <a:lnRef idx="0">
-            <a:scrgbClr r="0" g="0" b="0"/>
-          </a:lnRef>
-          <a:fillRef idx="0">
-            <a:scrgbClr r="0" g="0" b="0"/>
-          </a:fillRef>
-          <a:effectRef idx="0">
-            <a:scrgbClr r="0" g="0" b="0"/>
-          </a:effectRef>
-          <a:fontRef idx="minor">
-            <a:schemeClr val="dk1"/>
-          </a:fontRef>
-        </p:style>
-        <p:txBody>
-          <a:bodyPr wrap="square" rtlCol="0">
-            <a:spAutoFit/>
-          </a:bodyPr>
-          <a:lstStyle/>
-          <a:p>
-            <a:pPr marL="0" marR="0" lvl="0" indent="0" algn="l" defTabSz="914400" rtl="0" eaLnBrk="1" fontAlgn="base" latinLnBrk="0" hangingPunct="1">
-              <a:lnSpc>
-                <a:spcPct val="100000"/>
-              </a:lnSpc>
-              <a:spcBef>
-                <a:spcPct val="0"/>
-              </a:spcBef>
-              <a:spcAft>
-                <a:spcPct val="0"/>
-              </a:spcAft>
-              <a:buClrTx/>
-              <a:buSzTx/>
-              <a:buFontTx/>
-              <a:buNone/>
-              <a:tabLst/>
-              <a:defRPr/>
-            </a:pPr>
-            <a:r>
-              <a:rPr kumimoji="1" lang="ja-JP" altLang="en-US" sz="2200" b="0" i="0" u="none" strike="noStrike" kern="1200" cap="none" spc="0" normalizeH="0" baseline="0" noProof="0" dirty="0">
-                <a:ln>
-                  <a:noFill/>
-                </a:ln>
-                <a:solidFill>
-                  <a:srgbClr val="70AD47">
-                    <a:lumMod val="60000"/>
-                    <a:lumOff val="40000"/>
-                  </a:srgbClr>
-                </a:solidFill>
-                <a:effectLst/>
-                <a:uLnTx/>
-                <a:uFillTx/>
-                <a:latin typeface="HG創英角ｺﾞｼｯｸUB" panose="020B0909000000000000" pitchFamily="49" charset="-128"/>
-                <a:ea typeface="HG創英角ｺﾞｼｯｸUB" panose="020B0909000000000000" pitchFamily="49" charset="-128"/>
-                <a:cs typeface="+mn-cs"/>
-              </a:rPr>
-              <a:t>構造</a:t>
-            </a:r>
-            <a:endParaRPr kumimoji="1" lang="en-US" altLang="ja-JP" sz="2200" b="0" i="0" u="none" strike="noStrike" kern="1200" cap="none" spc="0" normalizeH="0" baseline="0" noProof="0" dirty="0">
-              <a:ln>
-                <a:noFill/>
-              </a:ln>
-              <a:solidFill>
-                <a:srgbClr val="70AD47">
-                  <a:lumMod val="60000"/>
-                  <a:lumOff val="40000"/>
-                </a:srgbClr>
-              </a:solidFill>
-              <a:effectLst/>
-              <a:uLnTx/>
-              <a:uFillTx/>
-              <a:latin typeface="HG創英角ｺﾞｼｯｸUB" panose="020B0909000000000000" pitchFamily="49" charset="-128"/>
-              <a:ea typeface="HG創英角ｺﾞｼｯｸUB" panose="020B0909000000000000" pitchFamily="49" charset="-128"/>
-              <a:cs typeface="+mn-cs"/>
-            </a:endParaRPr>
-          </a:p>
-        </p:txBody>
-      </p:sp>
-      <p:sp>
-        <p:nvSpPr>
           <p:cNvPr id="26" name="テキスト ボックス 25">
             <a:extLst>
               <a:ext uri="{FF2B5EF4-FFF2-40B4-BE49-F238E27FC236}">
@@ -24685,108 +24936,6 @@
               </a:ln>
               <a:solidFill>
                 <a:prstClr val="white"/>
-              </a:solidFill>
-              <a:effectLst/>
-              <a:uLnTx/>
-              <a:uFillTx/>
-              <a:latin typeface="HG創英角ｺﾞｼｯｸUB" panose="020B0909000000000000" pitchFamily="49" charset="-128"/>
-              <a:ea typeface="HG創英角ｺﾞｼｯｸUB" panose="020B0909000000000000" pitchFamily="49" charset="-128"/>
-              <a:cs typeface="+mn-cs"/>
-            </a:endParaRPr>
-          </a:p>
-        </p:txBody>
-      </p:sp>
-      <p:sp>
-        <p:nvSpPr>
-          <p:cNvPr id="59" name="テキスト ボックス 58">
-            <a:extLst>
-              <a:ext uri="{FF2B5EF4-FFF2-40B4-BE49-F238E27FC236}">
-                <a16:creationId xmlns:a16="http://schemas.microsoft.com/office/drawing/2014/main" id="{F9BA1229-BF5E-4D11-9B41-7045545B5934}"/>
-              </a:ext>
-            </a:extLst>
-          </p:cNvPr>
-          <p:cNvSpPr txBox="1"/>
-          <p:nvPr/>
-        </p:nvSpPr>
-        <p:spPr>
-          <a:xfrm>
-            <a:off x="8673078" y="238916"/>
-            <a:ext cx="1445666" cy="430887"/>
-          </a:xfrm>
-          <a:prstGeom prst="rect">
-            <a:avLst/>
-          </a:prstGeom>
-          <a:noFill/>
-          <a:ln>
-            <a:noFill/>
-          </a:ln>
-        </p:spPr>
-        <p:style>
-          <a:lnRef idx="0">
-            <a:scrgbClr r="0" g="0" b="0"/>
-          </a:lnRef>
-          <a:fillRef idx="0">
-            <a:scrgbClr r="0" g="0" b="0"/>
-          </a:fillRef>
-          <a:effectRef idx="0">
-            <a:scrgbClr r="0" g="0" b="0"/>
-          </a:effectRef>
-          <a:fontRef idx="minor">
-            <a:schemeClr val="dk1"/>
-          </a:fontRef>
-        </p:style>
-        <p:txBody>
-          <a:bodyPr wrap="square" rtlCol="0">
-            <a:spAutoFit/>
-          </a:bodyPr>
-          <a:lstStyle/>
-          <a:p>
-            <a:pPr marL="0" marR="0" lvl="0" indent="0" algn="l" defTabSz="914400" rtl="0" eaLnBrk="1" fontAlgn="base" latinLnBrk="0" hangingPunct="1">
-              <a:lnSpc>
-                <a:spcPct val="100000"/>
-              </a:lnSpc>
-              <a:spcBef>
-                <a:spcPct val="0"/>
-              </a:spcBef>
-              <a:spcAft>
-                <a:spcPct val="0"/>
-              </a:spcAft>
-              <a:buClrTx/>
-              <a:buSzTx/>
-              <a:buFontTx/>
-              <a:buNone/>
-              <a:tabLst/>
-              <a:defRPr/>
-            </a:pPr>
-            <a:r>
-              <a:rPr kumimoji="1" lang="ja-JP" altLang="en-US" sz="2200" b="0" i="0" u="none" strike="noStrike" kern="1200" cap="none" spc="0" normalizeH="0" baseline="0" noProof="0" dirty="0">
-                <a:ln>
-                  <a:noFill/>
-                </a:ln>
-                <a:solidFill>
-                  <a:srgbClr val="70AD47">
-                    <a:lumMod val="60000"/>
-                    <a:lumOff val="40000"/>
-                  </a:srgbClr>
-                </a:solidFill>
-                <a:effectLst/>
-                <a:uLnTx/>
-                <a:uFillTx/>
-                <a:latin typeface="HG創英角ｺﾞｼｯｸUB" panose="020B0909000000000000" pitchFamily="49" charset="-128"/>
-                <a:ea typeface="HG創英角ｺﾞｼｯｸUB" panose="020B0909000000000000" pitchFamily="49" charset="-128"/>
-                <a:cs typeface="+mn-cs"/>
-              </a:rPr>
-              <a:t>工夫点</a:t>
-            </a:r>
-            <a:endParaRPr kumimoji="1" lang="en-US" altLang="ja-JP" sz="2200" b="0" i="0" u="none" strike="noStrike" kern="1200" cap="none" spc="0" normalizeH="0" baseline="0" noProof="0" dirty="0">
-              <a:ln>
-                <a:noFill/>
-              </a:ln>
-              <a:solidFill>
-                <a:srgbClr val="70AD47">
-                  <a:lumMod val="60000"/>
-                  <a:lumOff val="40000"/>
-                </a:srgbClr>
               </a:solidFill>
               <a:effectLst/>
               <a:uLnTx/>
@@ -28202,12 +28351,626 @@
           <a:chExt cx="0" cy="0"/>
         </a:xfrm>
       </p:grpSpPr>
+      <p:grpSp>
+        <p:nvGrpSpPr>
+          <p:cNvPr id="99" name="グループ化 98">
+            <a:extLst>
+              <a:ext uri="{FF2B5EF4-FFF2-40B4-BE49-F238E27FC236}">
+                <a16:creationId xmlns:a16="http://schemas.microsoft.com/office/drawing/2014/main" id="{1C52CFA4-79C5-43ED-90C1-4E4C9203B343}"/>
+              </a:ext>
+            </a:extLst>
+          </p:cNvPr>
+          <p:cNvGrpSpPr/>
+          <p:nvPr/>
+        </p:nvGrpSpPr>
+        <p:grpSpPr>
+          <a:xfrm>
+            <a:off x="6147012" y="266574"/>
+            <a:ext cx="2438787" cy="1153695"/>
+            <a:chOff x="6147012" y="266574"/>
+            <a:chExt cx="2438787" cy="1153695"/>
+          </a:xfrm>
+        </p:grpSpPr>
+        <p:sp>
+          <p:nvSpPr>
+            <p:cNvPr id="100" name="四角形: 角を丸くする 99">
+              <a:extLst>
+                <a:ext uri="{FF2B5EF4-FFF2-40B4-BE49-F238E27FC236}">
+                  <a16:creationId xmlns:a16="http://schemas.microsoft.com/office/drawing/2014/main" id="{A78FBB62-50F2-4049-9ED6-4CF4FE1522BB}"/>
+                </a:ext>
+              </a:extLst>
+            </p:cNvPr>
+            <p:cNvSpPr/>
+            <p:nvPr/>
+          </p:nvSpPr>
+          <p:spPr>
+            <a:xfrm>
+              <a:off x="6147012" y="267972"/>
+              <a:ext cx="2016000" cy="1152297"/>
+            </a:xfrm>
+            <a:prstGeom prst="roundRect">
+              <a:avLst/>
+            </a:prstGeom>
+            <a:ln w="28575">
+              <a:solidFill>
+                <a:schemeClr val="accent6">
+                  <a:lumMod val="60000"/>
+                  <a:lumOff val="40000"/>
+                </a:schemeClr>
+              </a:solidFill>
+            </a:ln>
+          </p:spPr>
+          <p:style>
+            <a:lnRef idx="2">
+              <a:schemeClr val="accent6"/>
+            </a:lnRef>
+            <a:fillRef idx="1">
+              <a:schemeClr val="lt1"/>
+            </a:fillRef>
+            <a:effectRef idx="0">
+              <a:schemeClr val="accent6"/>
+            </a:effectRef>
+            <a:fontRef idx="minor">
+              <a:schemeClr val="dk1"/>
+            </a:fontRef>
+          </p:style>
+          <p:txBody>
+            <a:bodyPr rtlCol="0" anchor="ctr"/>
+            <a:lstStyle/>
+            <a:p>
+              <a:pPr marL="0" marR="0" lvl="0" indent="0" algn="ctr" defTabSz="914400" rtl="0" eaLnBrk="1" fontAlgn="base" latinLnBrk="0" hangingPunct="1">
+                <a:lnSpc>
+                  <a:spcPct val="100000"/>
+                </a:lnSpc>
+                <a:spcBef>
+                  <a:spcPct val="0"/>
+                </a:spcBef>
+                <a:spcAft>
+                  <a:spcPct val="0"/>
+                </a:spcAft>
+                <a:buClrTx/>
+                <a:buSzTx/>
+                <a:buFontTx/>
+                <a:buNone/>
+                <a:tabLst/>
+                <a:defRPr/>
+              </a:pPr>
+              <a:endParaRPr kumimoji="1" lang="ja-JP" altLang="en-US" sz="1600" b="0" i="0" u="none" strike="noStrike" kern="1200" cap="none" spc="0" normalizeH="0" baseline="0" noProof="0">
+                <a:ln>
+                  <a:noFill/>
+                </a:ln>
+                <a:solidFill>
+                  <a:prstClr val="black"/>
+                </a:solidFill>
+                <a:effectLst/>
+                <a:uLnTx/>
+                <a:uFillTx/>
+                <a:latin typeface="游ゴシック" panose="020F0502020204030204"/>
+                <a:ea typeface="游ゴシック" panose="020B0400000000000000" pitchFamily="50" charset="-128"/>
+                <a:cs typeface="+mn-cs"/>
+              </a:endParaRPr>
+            </a:p>
+          </p:txBody>
+        </p:sp>
+        <p:sp>
+          <p:nvSpPr>
+            <p:cNvPr id="101" name="テキスト ボックス 100">
+              <a:extLst>
+                <a:ext uri="{FF2B5EF4-FFF2-40B4-BE49-F238E27FC236}">
+                  <a16:creationId xmlns:a16="http://schemas.microsoft.com/office/drawing/2014/main" id="{DFB74B33-FFA0-4CA7-969E-AE32AFDD1CE0}"/>
+                </a:ext>
+              </a:extLst>
+            </p:cNvPr>
+            <p:cNvSpPr txBox="1"/>
+            <p:nvPr/>
+          </p:nvSpPr>
+          <p:spPr>
+            <a:xfrm>
+              <a:off x="6425559" y="266574"/>
+              <a:ext cx="2160240" cy="446276"/>
+            </a:xfrm>
+            <a:prstGeom prst="rect">
+              <a:avLst/>
+            </a:prstGeom>
+            <a:noFill/>
+            <a:ln>
+              <a:noFill/>
+            </a:ln>
+          </p:spPr>
+          <p:style>
+            <a:lnRef idx="0">
+              <a:scrgbClr r="0" g="0" b="0"/>
+            </a:lnRef>
+            <a:fillRef idx="0">
+              <a:scrgbClr r="0" g="0" b="0"/>
+            </a:fillRef>
+            <a:effectRef idx="0">
+              <a:scrgbClr r="0" g="0" b="0"/>
+            </a:effectRef>
+            <a:fontRef idx="minor">
+              <a:schemeClr val="dk1"/>
+            </a:fontRef>
+          </p:style>
+          <p:txBody>
+            <a:bodyPr wrap="square" rtlCol="0">
+              <a:spAutoFit/>
+            </a:bodyPr>
+            <a:lstStyle/>
+            <a:p>
+              <a:pPr marL="0" marR="0" lvl="0" indent="0" algn="l" defTabSz="914400" rtl="0" eaLnBrk="1" fontAlgn="base" latinLnBrk="0" hangingPunct="1">
+                <a:lnSpc>
+                  <a:spcPct val="100000"/>
+                </a:lnSpc>
+                <a:spcBef>
+                  <a:spcPct val="0"/>
+                </a:spcBef>
+                <a:spcAft>
+                  <a:spcPct val="0"/>
+                </a:spcAft>
+                <a:buClrTx/>
+                <a:buSzTx/>
+                <a:buFontTx/>
+                <a:buNone/>
+                <a:tabLst/>
+                <a:defRPr/>
+              </a:pPr>
+              <a:r>
+                <a:rPr kumimoji="1" lang="ja-JP" altLang="en-US" sz="2200" b="0" i="0" u="none" strike="noStrike" kern="1200" cap="none" spc="0" normalizeH="0" baseline="0" noProof="0" dirty="0">
+                  <a:ln>
+                    <a:noFill/>
+                  </a:ln>
+                  <a:solidFill>
+                    <a:srgbClr val="70AD47">
+                      <a:lumMod val="60000"/>
+                      <a:lumOff val="40000"/>
+                    </a:srgbClr>
+                  </a:solidFill>
+                  <a:effectLst/>
+                  <a:uLnTx/>
+                  <a:uFillTx/>
+                  <a:latin typeface="HG創英角ｺﾞｼｯｸUB" panose="020B0909000000000000" pitchFamily="49" charset="-128"/>
+                  <a:ea typeface="HG創英角ｺﾞｼｯｸUB" panose="020B0909000000000000" pitchFamily="49" charset="-128"/>
+                  <a:cs typeface="+mn-cs"/>
+                </a:rPr>
+                <a:t>振る舞い②</a:t>
+              </a:r>
+              <a:endParaRPr kumimoji="1" lang="en-US" altLang="ja-JP" sz="2200" b="0" i="0" u="none" strike="noStrike" kern="1200" cap="none" spc="0" normalizeH="0" baseline="0" noProof="0" dirty="0">
+                <a:ln>
+                  <a:noFill/>
+                </a:ln>
+                <a:solidFill>
+                  <a:srgbClr val="70AD47">
+                    <a:lumMod val="60000"/>
+                    <a:lumOff val="40000"/>
+                  </a:srgbClr>
+                </a:solidFill>
+                <a:effectLst/>
+                <a:uLnTx/>
+                <a:uFillTx/>
+                <a:latin typeface="HG創英角ｺﾞｼｯｸUB" panose="020B0909000000000000" pitchFamily="49" charset="-128"/>
+                <a:ea typeface="HG創英角ｺﾞｼｯｸUB" panose="020B0909000000000000" pitchFamily="49" charset="-128"/>
+                <a:cs typeface="+mn-cs"/>
+              </a:endParaRPr>
+            </a:p>
+          </p:txBody>
+        </p:sp>
+      </p:grpSp>
+      <p:grpSp>
+        <p:nvGrpSpPr>
+          <p:cNvPr id="96" name="グループ化 95">
+            <a:extLst>
+              <a:ext uri="{FF2B5EF4-FFF2-40B4-BE49-F238E27FC236}">
+                <a16:creationId xmlns:a16="http://schemas.microsoft.com/office/drawing/2014/main" id="{CB71ACC3-82DF-4F7C-8D3B-7C56EDE48D87}"/>
+              </a:ext>
+            </a:extLst>
+          </p:cNvPr>
+          <p:cNvGrpSpPr/>
+          <p:nvPr/>
+        </p:nvGrpSpPr>
+        <p:grpSpPr>
+          <a:xfrm>
+            <a:off x="4131012" y="255607"/>
+            <a:ext cx="2285247" cy="1088857"/>
+            <a:chOff x="4131012" y="255607"/>
+            <a:chExt cx="2285247" cy="1088857"/>
+          </a:xfrm>
+        </p:grpSpPr>
+        <p:sp>
+          <p:nvSpPr>
+            <p:cNvPr id="97" name="四角形: 角を丸くする 96">
+              <a:extLst>
+                <a:ext uri="{FF2B5EF4-FFF2-40B4-BE49-F238E27FC236}">
+                  <a16:creationId xmlns:a16="http://schemas.microsoft.com/office/drawing/2014/main" id="{D7F20D57-D5A9-4214-A043-681B5F08DFE1}"/>
+                </a:ext>
+              </a:extLst>
+            </p:cNvPr>
+            <p:cNvSpPr/>
+            <p:nvPr/>
+          </p:nvSpPr>
+          <p:spPr>
+            <a:xfrm>
+              <a:off x="4131012" y="264096"/>
+              <a:ext cx="2016000" cy="1080368"/>
+            </a:xfrm>
+            <a:prstGeom prst="roundRect">
+              <a:avLst/>
+            </a:prstGeom>
+            <a:ln w="28575">
+              <a:solidFill>
+                <a:schemeClr val="accent6">
+                  <a:lumMod val="60000"/>
+                  <a:lumOff val="40000"/>
+                </a:schemeClr>
+              </a:solidFill>
+            </a:ln>
+          </p:spPr>
+          <p:style>
+            <a:lnRef idx="2">
+              <a:schemeClr val="accent6"/>
+            </a:lnRef>
+            <a:fillRef idx="1">
+              <a:schemeClr val="lt1"/>
+            </a:fillRef>
+            <a:effectRef idx="0">
+              <a:schemeClr val="accent6"/>
+            </a:effectRef>
+            <a:fontRef idx="minor">
+              <a:schemeClr val="dk1"/>
+            </a:fontRef>
+          </p:style>
+          <p:txBody>
+            <a:bodyPr rtlCol="0" anchor="ctr"/>
+            <a:lstStyle/>
+            <a:p>
+              <a:pPr marL="0" marR="0" lvl="0" indent="0" algn="ctr" defTabSz="914400" rtl="0" eaLnBrk="1" fontAlgn="base" latinLnBrk="0" hangingPunct="1">
+                <a:lnSpc>
+                  <a:spcPct val="100000"/>
+                </a:lnSpc>
+                <a:spcBef>
+                  <a:spcPct val="0"/>
+                </a:spcBef>
+                <a:spcAft>
+                  <a:spcPct val="0"/>
+                </a:spcAft>
+                <a:buClrTx/>
+                <a:buSzTx/>
+                <a:buFontTx/>
+                <a:buNone/>
+                <a:tabLst/>
+                <a:defRPr/>
+              </a:pPr>
+              <a:endParaRPr kumimoji="1" lang="ja-JP" altLang="en-US" sz="1600" b="0" i="0" u="none" strike="noStrike" kern="1200" cap="none" spc="0" normalizeH="0" baseline="0" noProof="0">
+                <a:ln>
+                  <a:noFill/>
+                </a:ln>
+                <a:solidFill>
+                  <a:prstClr val="black"/>
+                </a:solidFill>
+                <a:effectLst/>
+                <a:uLnTx/>
+                <a:uFillTx/>
+                <a:latin typeface="游ゴシック" panose="020F0502020204030204"/>
+                <a:ea typeface="游ゴシック" panose="020B0400000000000000" pitchFamily="50" charset="-128"/>
+                <a:cs typeface="+mn-cs"/>
+              </a:endParaRPr>
+            </a:p>
+          </p:txBody>
+        </p:sp>
+        <p:sp>
+          <p:nvSpPr>
+            <p:cNvPr id="98" name="テキスト ボックス 97">
+              <a:extLst>
+                <a:ext uri="{FF2B5EF4-FFF2-40B4-BE49-F238E27FC236}">
+                  <a16:creationId xmlns:a16="http://schemas.microsoft.com/office/drawing/2014/main" id="{48D04E7D-261B-4E04-99A4-403D2F514892}"/>
+                </a:ext>
+              </a:extLst>
+            </p:cNvPr>
+            <p:cNvSpPr txBox="1"/>
+            <p:nvPr/>
+          </p:nvSpPr>
+          <p:spPr>
+            <a:xfrm>
+              <a:off x="4400259" y="255607"/>
+              <a:ext cx="2016000" cy="446276"/>
+            </a:xfrm>
+            <a:prstGeom prst="rect">
+              <a:avLst/>
+            </a:prstGeom>
+            <a:noFill/>
+            <a:ln>
+              <a:noFill/>
+            </a:ln>
+          </p:spPr>
+          <p:style>
+            <a:lnRef idx="0">
+              <a:scrgbClr r="0" g="0" b="0"/>
+            </a:lnRef>
+            <a:fillRef idx="0">
+              <a:scrgbClr r="0" g="0" b="0"/>
+            </a:fillRef>
+            <a:effectRef idx="0">
+              <a:scrgbClr r="0" g="0" b="0"/>
+            </a:effectRef>
+            <a:fontRef idx="minor">
+              <a:schemeClr val="dk1"/>
+            </a:fontRef>
+          </p:style>
+          <p:txBody>
+            <a:bodyPr wrap="square" rtlCol="0">
+              <a:spAutoFit/>
+            </a:bodyPr>
+            <a:lstStyle/>
+            <a:p>
+              <a:pPr marL="0" marR="0" lvl="0" indent="0" algn="l" defTabSz="914400" rtl="0" eaLnBrk="1" fontAlgn="base" latinLnBrk="0" hangingPunct="1">
+                <a:lnSpc>
+                  <a:spcPct val="100000"/>
+                </a:lnSpc>
+                <a:spcBef>
+                  <a:spcPct val="0"/>
+                </a:spcBef>
+                <a:spcAft>
+                  <a:spcPct val="0"/>
+                </a:spcAft>
+                <a:buClrTx/>
+                <a:buSzTx/>
+                <a:buFontTx/>
+                <a:buNone/>
+                <a:tabLst/>
+                <a:defRPr/>
+              </a:pPr>
+              <a:r>
+                <a:rPr kumimoji="1" lang="ja-JP" altLang="en-US" sz="2200" b="0" i="0" u="none" strike="noStrike" kern="1200" cap="none" spc="0" normalizeH="0" baseline="0" noProof="0" dirty="0">
+                  <a:ln>
+                    <a:noFill/>
+                  </a:ln>
+                  <a:solidFill>
+                    <a:srgbClr val="70AD47">
+                      <a:lumMod val="60000"/>
+                      <a:lumOff val="40000"/>
+                    </a:srgbClr>
+                  </a:solidFill>
+                  <a:effectLst/>
+                  <a:uLnTx/>
+                  <a:uFillTx/>
+                  <a:latin typeface="HG創英角ｺﾞｼｯｸUB" panose="020B0909000000000000" pitchFamily="49" charset="-128"/>
+                  <a:ea typeface="HG創英角ｺﾞｼｯｸUB" panose="020B0909000000000000" pitchFamily="49" charset="-128"/>
+                  <a:cs typeface="+mn-cs"/>
+                </a:rPr>
+                <a:t>振る舞い①</a:t>
+              </a:r>
+              <a:endParaRPr kumimoji="1" lang="en-US" altLang="ja-JP" sz="2200" b="0" i="0" u="none" strike="noStrike" kern="1200" cap="none" spc="0" normalizeH="0" baseline="0" noProof="0" dirty="0">
+                <a:ln>
+                  <a:noFill/>
+                </a:ln>
+                <a:solidFill>
+                  <a:srgbClr val="70AD47">
+                    <a:lumMod val="60000"/>
+                    <a:lumOff val="40000"/>
+                  </a:srgbClr>
+                </a:solidFill>
+                <a:effectLst/>
+                <a:uLnTx/>
+                <a:uFillTx/>
+                <a:latin typeface="HG創英角ｺﾞｼｯｸUB" panose="020B0909000000000000" pitchFamily="49" charset="-128"/>
+                <a:ea typeface="HG創英角ｺﾞｼｯｸUB" panose="020B0909000000000000" pitchFamily="49" charset="-128"/>
+                <a:cs typeface="+mn-cs"/>
+              </a:endParaRPr>
+            </a:p>
+          </p:txBody>
+        </p:sp>
+      </p:grpSp>
+      <p:grpSp>
+        <p:nvGrpSpPr>
+          <p:cNvPr id="93" name="グループ化 92">
+            <a:extLst>
+              <a:ext uri="{FF2B5EF4-FFF2-40B4-BE49-F238E27FC236}">
+                <a16:creationId xmlns:a16="http://schemas.microsoft.com/office/drawing/2014/main" id="{CB787DE4-BA0A-4DDD-966D-00D464B967CA}"/>
+              </a:ext>
+            </a:extLst>
+          </p:cNvPr>
+          <p:cNvGrpSpPr/>
+          <p:nvPr/>
+        </p:nvGrpSpPr>
+        <p:grpSpPr>
+          <a:xfrm>
+            <a:off x="2107846" y="250893"/>
+            <a:ext cx="2016000" cy="1383050"/>
+            <a:chOff x="2107846" y="250893"/>
+            <a:chExt cx="2016000" cy="1383050"/>
+          </a:xfrm>
+        </p:grpSpPr>
+        <p:sp>
+          <p:nvSpPr>
+            <p:cNvPr id="94" name="四角形: 角を丸くする 93">
+              <a:extLst>
+                <a:ext uri="{FF2B5EF4-FFF2-40B4-BE49-F238E27FC236}">
+                  <a16:creationId xmlns:a16="http://schemas.microsoft.com/office/drawing/2014/main" id="{CB34E77F-0815-46ED-9534-5E0234218AC4}"/>
+                </a:ext>
+              </a:extLst>
+            </p:cNvPr>
+            <p:cNvSpPr/>
+            <p:nvPr/>
+          </p:nvSpPr>
+          <p:spPr>
+            <a:xfrm>
+              <a:off x="2107846" y="265543"/>
+              <a:ext cx="2016000" cy="1368400"/>
+            </a:xfrm>
+            <a:prstGeom prst="roundRect">
+              <a:avLst>
+                <a:gd name="adj" fmla="val 13495"/>
+              </a:avLst>
+            </a:prstGeom>
+            <a:ln w="28575">
+              <a:solidFill>
+                <a:schemeClr val="accent6">
+                  <a:lumMod val="60000"/>
+                  <a:lumOff val="40000"/>
+                </a:schemeClr>
+              </a:solidFill>
+            </a:ln>
+          </p:spPr>
+          <p:style>
+            <a:lnRef idx="2">
+              <a:schemeClr val="accent6"/>
+            </a:lnRef>
+            <a:fillRef idx="1">
+              <a:schemeClr val="lt1"/>
+            </a:fillRef>
+            <a:effectRef idx="0">
+              <a:schemeClr val="accent6"/>
+            </a:effectRef>
+            <a:fontRef idx="minor">
+              <a:schemeClr val="dk1"/>
+            </a:fontRef>
+          </p:style>
+          <p:txBody>
+            <a:bodyPr rtlCol="0" anchor="ctr"/>
+            <a:lstStyle/>
+            <a:p>
+              <a:pPr marL="0" marR="0" lvl="0" indent="0" algn="ctr" defTabSz="914400" rtl="0" eaLnBrk="1" fontAlgn="base" latinLnBrk="0" hangingPunct="1">
+                <a:lnSpc>
+                  <a:spcPct val="100000"/>
+                </a:lnSpc>
+                <a:spcBef>
+                  <a:spcPct val="0"/>
+                </a:spcBef>
+                <a:spcAft>
+                  <a:spcPct val="0"/>
+                </a:spcAft>
+                <a:buClrTx/>
+                <a:buSzTx/>
+                <a:buFontTx/>
+                <a:buNone/>
+                <a:tabLst/>
+                <a:defRPr/>
+              </a:pPr>
+              <a:endParaRPr kumimoji="1" lang="ja-JP" altLang="en-US" sz="1600" b="0" i="0" u="none" strike="noStrike" kern="1200" cap="none" spc="0" normalizeH="0" baseline="0" noProof="0">
+                <a:ln>
+                  <a:noFill/>
+                </a:ln>
+                <a:solidFill>
+                  <a:prstClr val="black"/>
+                </a:solidFill>
+                <a:effectLst/>
+                <a:uLnTx/>
+                <a:uFillTx/>
+                <a:latin typeface="游ゴシック" panose="020F0502020204030204"/>
+                <a:ea typeface="游ゴシック" panose="020B0400000000000000" pitchFamily="50" charset="-128"/>
+                <a:cs typeface="+mn-cs"/>
+              </a:endParaRPr>
+            </a:p>
+          </p:txBody>
+        </p:sp>
+        <p:sp>
+          <p:nvSpPr>
+            <p:cNvPr id="95" name="テキスト ボックス 94">
+              <a:extLst>
+                <a:ext uri="{FF2B5EF4-FFF2-40B4-BE49-F238E27FC236}">
+                  <a16:creationId xmlns:a16="http://schemas.microsoft.com/office/drawing/2014/main" id="{CFBDDDE3-0D59-48A9-9484-0FAE15F4C6AA}"/>
+                </a:ext>
+              </a:extLst>
+            </p:cNvPr>
+            <p:cNvSpPr txBox="1"/>
+            <p:nvPr/>
+          </p:nvSpPr>
+          <p:spPr>
+            <a:xfrm>
+              <a:off x="2132400" y="250893"/>
+              <a:ext cx="1979156" cy="430887"/>
+            </a:xfrm>
+            <a:prstGeom prst="rect">
+              <a:avLst/>
+            </a:prstGeom>
+            <a:noFill/>
+            <a:ln>
+              <a:noFill/>
+            </a:ln>
+          </p:spPr>
+          <p:style>
+            <a:lnRef idx="0">
+              <a:scrgbClr r="0" g="0" b="0"/>
+            </a:lnRef>
+            <a:fillRef idx="0">
+              <a:scrgbClr r="0" g="0" b="0"/>
+            </a:fillRef>
+            <a:effectRef idx="0">
+              <a:scrgbClr r="0" g="0" b="0"/>
+            </a:effectRef>
+            <a:fontRef idx="minor">
+              <a:schemeClr val="dk1"/>
+            </a:fontRef>
+          </p:style>
+          <p:txBody>
+            <a:bodyPr wrap="square" rtlCol="0">
+              <a:spAutoFit/>
+            </a:bodyPr>
+            <a:lstStyle/>
+            <a:p>
+              <a:pPr marL="0" marR="0" lvl="0" indent="0" algn="ctr" defTabSz="914400" rtl="0" eaLnBrk="1" fontAlgn="base" latinLnBrk="0" hangingPunct="1">
+                <a:lnSpc>
+                  <a:spcPct val="100000"/>
+                </a:lnSpc>
+                <a:spcBef>
+                  <a:spcPct val="0"/>
+                </a:spcBef>
+                <a:spcAft>
+                  <a:spcPct val="0"/>
+                </a:spcAft>
+                <a:buClrTx/>
+                <a:buSzTx/>
+                <a:buFontTx/>
+                <a:buNone/>
+                <a:tabLst/>
+                <a:defRPr/>
+              </a:pPr>
+              <a:r>
+                <a:rPr kumimoji="1" lang="ja-JP" altLang="en-US" sz="2200" b="0" i="0" u="none" strike="noStrike" kern="1200" cap="none" spc="0" normalizeH="0" baseline="0" noProof="0" dirty="0">
+                  <a:ln>
+                    <a:noFill/>
+                  </a:ln>
+                  <a:solidFill>
+                    <a:srgbClr val="70AD47">
+                      <a:lumMod val="60000"/>
+                      <a:lumOff val="40000"/>
+                    </a:srgbClr>
+                  </a:solidFill>
+                  <a:effectLst/>
+                  <a:uLnTx/>
+                  <a:uFillTx/>
+                  <a:latin typeface="HG創英角ｺﾞｼｯｸUB" panose="020B0909000000000000" pitchFamily="49" charset="-128"/>
+                  <a:ea typeface="HG創英角ｺﾞｼｯｸUB" panose="020B0909000000000000" pitchFamily="49" charset="-128"/>
+                  <a:cs typeface="+mn-cs"/>
+                </a:rPr>
+                <a:t>構造</a:t>
+              </a:r>
+              <a:endParaRPr kumimoji="1" lang="en-US" altLang="ja-JP" sz="2200" b="0" i="0" u="none" strike="noStrike" kern="1200" cap="none" spc="0" normalizeH="0" baseline="0" noProof="0" dirty="0">
+                <a:ln>
+                  <a:noFill/>
+                </a:ln>
+                <a:solidFill>
+                  <a:srgbClr val="70AD47">
+                    <a:lumMod val="60000"/>
+                    <a:lumOff val="40000"/>
+                  </a:srgbClr>
+                </a:solidFill>
+                <a:effectLst/>
+                <a:uLnTx/>
+                <a:uFillTx/>
+                <a:latin typeface="HG創英角ｺﾞｼｯｸUB" panose="020B0909000000000000" pitchFamily="49" charset="-128"/>
+                <a:ea typeface="HG創英角ｺﾞｼｯｸUB" panose="020B0909000000000000" pitchFamily="49" charset="-128"/>
+                <a:cs typeface="+mn-cs"/>
+              </a:endParaRPr>
+            </a:p>
+          </p:txBody>
+        </p:sp>
+      </p:grpSp>
       <p:sp>
         <p:nvSpPr>
-          <p:cNvPr id="24" name="四角形: 角を丸くする 23">
+          <p:cNvPr id="89" name="四角形: 角を丸くする 88">
             <a:extLst>
               <a:ext uri="{FF2B5EF4-FFF2-40B4-BE49-F238E27FC236}">
-                <a16:creationId xmlns:a16="http://schemas.microsoft.com/office/drawing/2014/main" id="{12951430-E1FB-4735-9B37-A734F8A824A9}"/>
+                <a16:creationId xmlns:a16="http://schemas.microsoft.com/office/drawing/2014/main" id="{BC9F50A2-500E-4625-81D9-1753B2F0CCFD}"/>
               </a:ext>
             </a:extLst>
           </p:cNvPr>
@@ -28216,7 +28979,7 @@
         </p:nvSpPr>
         <p:spPr>
           <a:xfrm>
-            <a:off x="6137536" y="264374"/>
+            <a:off x="91678" y="264096"/>
             <a:ext cx="2016000" cy="1152297"/>
           </a:xfrm>
           <a:prstGeom prst="roundRect">
@@ -28285,52 +29048,50 @@
       </p:sp>
       <p:sp>
         <p:nvSpPr>
-          <p:cNvPr id="25" name="四角形: 角を丸くする 24">
+          <p:cNvPr id="90" name="テキスト ボックス 89">
             <a:extLst>
               <a:ext uri="{FF2B5EF4-FFF2-40B4-BE49-F238E27FC236}">
-                <a16:creationId xmlns:a16="http://schemas.microsoft.com/office/drawing/2014/main" id="{082B9990-7CE9-4E3A-916D-415F798931E5}"/>
+                <a16:creationId xmlns:a16="http://schemas.microsoft.com/office/drawing/2014/main" id="{1AF8C186-F03B-4F7A-BF6D-4A8362AC2F8F}"/>
               </a:ext>
             </a:extLst>
           </p:cNvPr>
-          <p:cNvSpPr/>
+          <p:cNvSpPr txBox="1"/>
           <p:nvPr/>
         </p:nvSpPr>
         <p:spPr>
           <a:xfrm>
-            <a:off x="4123165" y="267972"/>
-            <a:ext cx="2016000" cy="1080368"/>
+            <a:off x="751005" y="238522"/>
+            <a:ext cx="754387" cy="430887"/>
           </a:xfrm>
-          <a:prstGeom prst="roundRect">
+          <a:prstGeom prst="rect">
             <a:avLst/>
           </a:prstGeom>
-          <a:ln w="28575">
-            <a:solidFill>
-              <a:schemeClr val="accent6">
-                <a:lumMod val="60000"/>
-                <a:lumOff val="40000"/>
-              </a:schemeClr>
-            </a:solidFill>
+          <a:noFill/>
+          <a:ln>
+            <a:noFill/>
           </a:ln>
         </p:spPr>
         <p:style>
-          <a:lnRef idx="2">
-            <a:schemeClr val="accent6"/>
+          <a:lnRef idx="0">
+            <a:scrgbClr r="0" g="0" b="0"/>
           </a:lnRef>
-          <a:fillRef idx="1">
-            <a:schemeClr val="lt1"/>
+          <a:fillRef idx="0">
+            <a:scrgbClr r="0" g="0" b="0"/>
           </a:fillRef>
           <a:effectRef idx="0">
-            <a:schemeClr val="accent6"/>
+            <a:scrgbClr r="0" g="0" b="0"/>
           </a:effectRef>
           <a:fontRef idx="minor">
             <a:schemeClr val="dk1"/>
           </a:fontRef>
         </p:style>
         <p:txBody>
-          <a:bodyPr rtlCol="0" anchor="ctr"/>
+          <a:bodyPr wrap="square" rtlCol="0">
+            <a:spAutoFit/>
+          </a:bodyPr>
           <a:lstStyle/>
           <a:p>
-            <a:pPr marL="0" marR="0" lvl="0" indent="0" algn="ctr" defTabSz="914400" rtl="0" eaLnBrk="1" fontAlgn="base" latinLnBrk="0" hangingPunct="1">
+            <a:pPr marL="0" marR="0" lvl="0" indent="0" algn="l" defTabSz="914400" rtl="0" eaLnBrk="1" fontAlgn="base" latinLnBrk="0" hangingPunct="1">
               <a:lnSpc>
                 <a:spcPct val="100000"/>
               </a:lnSpc>
@@ -28347,101 +29108,41 @@
               <a:tabLst/>
               <a:defRPr/>
             </a:pPr>
-            <a:endParaRPr kumimoji="1" lang="ja-JP" altLang="en-US" sz="1600" b="0" i="0" u="none" strike="noStrike" kern="1200" cap="none" spc="0" normalizeH="0" baseline="0" noProof="0">
+            <a:r>
+              <a:rPr kumimoji="1" lang="ja-JP" altLang="en-US" sz="2200" b="0" i="0" u="none" strike="noStrike" kern="1200" cap="none" spc="0" normalizeH="0" baseline="0" noProof="0" dirty="0">
+                <a:ln>
+                  <a:noFill/>
+                </a:ln>
+                <a:solidFill>
+                  <a:srgbClr val="70AD47">
+                    <a:lumMod val="60000"/>
+                    <a:lumOff val="40000"/>
+                  </a:srgbClr>
+                </a:solidFill>
+                <a:effectLst/>
+                <a:uLnTx/>
+                <a:uFillTx/>
+                <a:latin typeface="HG創英角ｺﾞｼｯｸUB" panose="020B0909000000000000" pitchFamily="49" charset="-128"/>
+                <a:ea typeface="HG創英角ｺﾞｼｯｸUB" panose="020B0909000000000000" pitchFamily="49" charset="-128"/>
+                <a:cs typeface="+mn-cs"/>
+              </a:rPr>
+              <a:t>機能</a:t>
+            </a:r>
+            <a:endParaRPr kumimoji="1" lang="en-US" altLang="ja-JP" sz="2200" b="0" i="0" u="none" strike="noStrike" kern="1200" cap="none" spc="0" normalizeH="0" baseline="0" noProof="0" dirty="0">
               <a:ln>
                 <a:noFill/>
               </a:ln>
               <a:solidFill>
-                <a:prstClr val="black"/>
+                <a:srgbClr val="70AD47">
+                  <a:lumMod val="60000"/>
+                  <a:lumOff val="40000"/>
+                </a:srgbClr>
               </a:solidFill>
               <a:effectLst/>
               <a:uLnTx/>
               <a:uFillTx/>
-              <a:latin typeface="游ゴシック" panose="020F0502020204030204"/>
-              <a:ea typeface="游ゴシック" panose="020B0400000000000000" pitchFamily="50" charset="-128"/>
-              <a:cs typeface="+mn-cs"/>
-            </a:endParaRPr>
-          </a:p>
-        </p:txBody>
-      </p:sp>
-      <p:sp>
-        <p:nvSpPr>
-          <p:cNvPr id="26" name="四角形: 角を丸くする 25">
-            <a:extLst>
-              <a:ext uri="{FF2B5EF4-FFF2-40B4-BE49-F238E27FC236}">
-                <a16:creationId xmlns:a16="http://schemas.microsoft.com/office/drawing/2014/main" id="{D692603E-1CC2-4C7C-A269-124B18B5115C}"/>
-              </a:ext>
-            </a:extLst>
-          </p:cNvPr>
-          <p:cNvSpPr/>
-          <p:nvPr/>
-        </p:nvSpPr>
-        <p:spPr>
-          <a:xfrm>
-            <a:off x="2107184" y="271017"/>
-            <a:ext cx="2016000" cy="1368400"/>
-          </a:xfrm>
-          <a:prstGeom prst="roundRect">
-            <a:avLst>
-              <a:gd name="adj" fmla="val 13495"/>
-            </a:avLst>
-          </a:prstGeom>
-          <a:ln w="28575">
-            <a:solidFill>
-              <a:schemeClr val="accent6">
-                <a:lumMod val="60000"/>
-                <a:lumOff val="40000"/>
-              </a:schemeClr>
-            </a:solidFill>
-          </a:ln>
-        </p:spPr>
-        <p:style>
-          <a:lnRef idx="2">
-            <a:schemeClr val="accent6"/>
-          </a:lnRef>
-          <a:fillRef idx="1">
-            <a:schemeClr val="lt1"/>
-          </a:fillRef>
-          <a:effectRef idx="0">
-            <a:schemeClr val="accent6"/>
-          </a:effectRef>
-          <a:fontRef idx="minor">
-            <a:schemeClr val="dk1"/>
-          </a:fontRef>
-        </p:style>
-        <p:txBody>
-          <a:bodyPr rtlCol="0" anchor="ctr"/>
-          <a:lstStyle/>
-          <a:p>
-            <a:pPr marL="0" marR="0" lvl="0" indent="0" algn="ctr" defTabSz="914400" rtl="0" eaLnBrk="1" fontAlgn="base" latinLnBrk="0" hangingPunct="1">
-              <a:lnSpc>
-                <a:spcPct val="100000"/>
-              </a:lnSpc>
-              <a:spcBef>
-                <a:spcPct val="0"/>
-              </a:spcBef>
-              <a:spcAft>
-                <a:spcPct val="0"/>
-              </a:spcAft>
-              <a:buClrTx/>
-              <a:buSzTx/>
-              <a:buFontTx/>
-              <a:buNone/>
-              <a:tabLst/>
-              <a:defRPr/>
-            </a:pPr>
-            <a:endParaRPr kumimoji="1" lang="ja-JP" altLang="en-US" sz="1600" b="0" i="0" u="none" strike="noStrike" kern="1200" cap="none" spc="0" normalizeH="0" baseline="0" noProof="0">
-              <a:ln>
-                <a:noFill/>
-              </a:ln>
-              <a:solidFill>
-                <a:prstClr val="black"/>
-              </a:solidFill>
-              <a:effectLst/>
-              <a:uLnTx/>
-              <a:uFillTx/>
-              <a:latin typeface="游ゴシック" panose="020F0502020204030204"/>
-              <a:ea typeface="游ゴシック" panose="020B0400000000000000" pitchFamily="50" charset="-128"/>
+              <a:latin typeface="HG創英角ｺﾞｼｯｸUB" panose="020B0909000000000000" pitchFamily="49" charset="-128"/>
+              <a:ea typeface="HG創英角ｺﾞｼｯｸUB" panose="020B0909000000000000" pitchFamily="49" charset="-128"/>
               <a:cs typeface="+mn-cs"/>
             </a:endParaRPr>
           </a:p>
@@ -28510,87 +29211,6 @@
               <a:defRPr/>
             </a:pPr>
             <a:endParaRPr kumimoji="1" lang="ja-JP" altLang="en-US" sz="1600" b="0" i="0" u="none" strike="noStrike" kern="1200" cap="none" spc="0" normalizeH="0" baseline="0" noProof="0" dirty="0">
-              <a:ln>
-                <a:noFill/>
-              </a:ln>
-              <a:solidFill>
-                <a:prstClr val="black"/>
-              </a:solidFill>
-              <a:effectLst/>
-              <a:uLnTx/>
-              <a:uFillTx/>
-              <a:latin typeface="游ゴシック" panose="020F0502020204030204"/>
-              <a:ea typeface="游ゴシック" panose="020B0400000000000000" pitchFamily="50" charset="-128"/>
-              <a:cs typeface="+mn-cs"/>
-            </a:endParaRPr>
-          </a:p>
-        </p:txBody>
-      </p:sp>
-      <p:sp>
-        <p:nvSpPr>
-          <p:cNvPr id="28" name="四角形: 角を丸くする 27">
-            <a:extLst>
-              <a:ext uri="{FF2B5EF4-FFF2-40B4-BE49-F238E27FC236}">
-                <a16:creationId xmlns:a16="http://schemas.microsoft.com/office/drawing/2014/main" id="{CBF21EDC-25EC-4605-8BD1-65352BBF0B27}"/>
-              </a:ext>
-            </a:extLst>
-          </p:cNvPr>
-          <p:cNvSpPr/>
-          <p:nvPr/>
-        </p:nvSpPr>
-        <p:spPr>
-          <a:xfrm>
-            <a:off x="91184" y="271203"/>
-            <a:ext cx="2016000" cy="1152297"/>
-          </a:xfrm>
-          <a:prstGeom prst="roundRect">
-            <a:avLst/>
-          </a:prstGeom>
-          <a:ln w="28575">
-            <a:solidFill>
-              <a:schemeClr val="accent6">
-                <a:lumMod val="60000"/>
-                <a:lumOff val="40000"/>
-              </a:schemeClr>
-            </a:solidFill>
-          </a:ln>
-        </p:spPr>
-        <p:style>
-          <a:lnRef idx="2">
-            <a:schemeClr val="accent6"/>
-          </a:lnRef>
-          <a:fillRef idx="1">
-            <a:schemeClr val="lt1"/>
-          </a:fillRef>
-          <a:effectRef idx="0">
-            <a:schemeClr val="accent6"/>
-          </a:effectRef>
-          <a:fontRef idx="minor">
-            <a:schemeClr val="dk1"/>
-          </a:fontRef>
-        </p:style>
-        <p:txBody>
-          <a:bodyPr rtlCol="0" anchor="ctr"/>
-          <a:lstStyle/>
-          <a:p>
-            <a:pPr marL="0" marR="0" lvl="0" indent="0" algn="ctr" defTabSz="914400" rtl="0" eaLnBrk="1" fontAlgn="base" latinLnBrk="0" hangingPunct="1">
-              <a:lnSpc>
-                <a:spcPct val="100000"/>
-              </a:lnSpc>
-              <a:spcBef>
-                <a:spcPct val="0"/>
-              </a:spcBef>
-              <a:spcAft>
-                <a:spcPct val="0"/>
-              </a:spcAft>
-              <a:buClrTx/>
-              <a:buSzTx/>
-              <a:buFontTx/>
-              <a:buNone/>
-              <a:tabLst/>
-              <a:defRPr/>
-            </a:pPr>
-            <a:endParaRPr kumimoji="1" lang="ja-JP" altLang="en-US" sz="1600" b="0" i="0" u="none" strike="noStrike" kern="1200" cap="none" spc="0" normalizeH="0" baseline="0" noProof="0">
               <a:ln>
                 <a:noFill/>
               </a:ln>
@@ -28679,414 +29299,6 @@
               <a:uFillTx/>
               <a:latin typeface="游ゴシック" panose="020F0502020204030204"/>
               <a:ea typeface="游ゴシック" panose="020B0400000000000000" pitchFamily="50" charset="-128"/>
-              <a:cs typeface="+mn-cs"/>
-            </a:endParaRPr>
-          </a:p>
-        </p:txBody>
-      </p:sp>
-      <p:sp>
-        <p:nvSpPr>
-          <p:cNvPr id="18" name="テキスト ボックス 17">
-            <a:extLst>
-              <a:ext uri="{FF2B5EF4-FFF2-40B4-BE49-F238E27FC236}">
-                <a16:creationId xmlns:a16="http://schemas.microsoft.com/office/drawing/2014/main" id="{7822C4B6-AB52-4440-B9CE-AF88464E04C4}"/>
-              </a:ext>
-            </a:extLst>
-          </p:cNvPr>
-          <p:cNvSpPr txBox="1"/>
-          <p:nvPr/>
-        </p:nvSpPr>
-        <p:spPr>
-          <a:xfrm>
-            <a:off x="6393419" y="258340"/>
-            <a:ext cx="2049970" cy="446276"/>
-          </a:xfrm>
-          <a:prstGeom prst="rect">
-            <a:avLst/>
-          </a:prstGeom>
-          <a:noFill/>
-          <a:ln>
-            <a:noFill/>
-          </a:ln>
-        </p:spPr>
-        <p:style>
-          <a:lnRef idx="0">
-            <a:scrgbClr r="0" g="0" b="0"/>
-          </a:lnRef>
-          <a:fillRef idx="0">
-            <a:scrgbClr r="0" g="0" b="0"/>
-          </a:fillRef>
-          <a:effectRef idx="0">
-            <a:scrgbClr r="0" g="0" b="0"/>
-          </a:effectRef>
-          <a:fontRef idx="minor">
-            <a:schemeClr val="dk1"/>
-          </a:fontRef>
-        </p:style>
-        <p:txBody>
-          <a:bodyPr wrap="square" rtlCol="0">
-            <a:spAutoFit/>
-          </a:bodyPr>
-          <a:lstStyle/>
-          <a:p>
-            <a:pPr marL="0" marR="0" lvl="0" indent="0" algn="l" defTabSz="914400" rtl="0" eaLnBrk="1" fontAlgn="base" latinLnBrk="0" hangingPunct="1">
-              <a:lnSpc>
-                <a:spcPct val="100000"/>
-              </a:lnSpc>
-              <a:spcBef>
-                <a:spcPct val="0"/>
-              </a:spcBef>
-              <a:spcAft>
-                <a:spcPct val="0"/>
-              </a:spcAft>
-              <a:buClrTx/>
-              <a:buSzTx/>
-              <a:buFontTx/>
-              <a:buNone/>
-              <a:tabLst/>
-              <a:defRPr/>
-            </a:pPr>
-            <a:r>
-              <a:rPr kumimoji="1" lang="ja-JP" altLang="en-US" sz="2200" b="0" i="0" u="none" strike="noStrike" kern="1200" cap="none" spc="0" normalizeH="0" baseline="0" noProof="0" dirty="0">
-                <a:ln>
-                  <a:noFill/>
-                </a:ln>
-                <a:solidFill>
-                  <a:srgbClr val="70AD47">
-                    <a:lumMod val="60000"/>
-                    <a:lumOff val="40000"/>
-                  </a:srgbClr>
-                </a:solidFill>
-                <a:effectLst/>
-                <a:uLnTx/>
-                <a:uFillTx/>
-                <a:latin typeface="HG創英角ｺﾞｼｯｸUB" panose="020B0909000000000000" pitchFamily="49" charset="-128"/>
-                <a:ea typeface="HG創英角ｺﾞｼｯｸUB" panose="020B0909000000000000" pitchFamily="49" charset="-128"/>
-                <a:cs typeface="+mn-cs"/>
-              </a:rPr>
-              <a:t>振る舞い②</a:t>
-            </a:r>
-            <a:endParaRPr kumimoji="1" lang="en-US" altLang="ja-JP" sz="2200" b="0" i="0" u="none" strike="noStrike" kern="1200" cap="none" spc="0" normalizeH="0" baseline="0" noProof="0" dirty="0">
-              <a:ln>
-                <a:noFill/>
-              </a:ln>
-              <a:solidFill>
-                <a:srgbClr val="70AD47">
-                  <a:lumMod val="60000"/>
-                  <a:lumOff val="40000"/>
-                </a:srgbClr>
-              </a:solidFill>
-              <a:effectLst/>
-              <a:uLnTx/>
-              <a:uFillTx/>
-              <a:latin typeface="HG創英角ｺﾞｼｯｸUB" panose="020B0909000000000000" pitchFamily="49" charset="-128"/>
-              <a:ea typeface="HG創英角ｺﾞｼｯｸUB" panose="020B0909000000000000" pitchFamily="49" charset="-128"/>
-              <a:cs typeface="+mn-cs"/>
-            </a:endParaRPr>
-          </a:p>
-        </p:txBody>
-      </p:sp>
-      <p:sp>
-        <p:nvSpPr>
-          <p:cNvPr id="19" name="テキスト ボックス 18">
-            <a:extLst>
-              <a:ext uri="{FF2B5EF4-FFF2-40B4-BE49-F238E27FC236}">
-                <a16:creationId xmlns:a16="http://schemas.microsoft.com/office/drawing/2014/main" id="{FCFED912-B440-4631-B960-D1C2C31AD158}"/>
-              </a:ext>
-            </a:extLst>
-          </p:cNvPr>
-          <p:cNvSpPr txBox="1"/>
-          <p:nvPr/>
-        </p:nvSpPr>
-        <p:spPr>
-          <a:xfrm>
-            <a:off x="695855" y="248019"/>
-            <a:ext cx="1186551" cy="430887"/>
-          </a:xfrm>
-          <a:prstGeom prst="rect">
-            <a:avLst/>
-          </a:prstGeom>
-          <a:noFill/>
-          <a:ln>
-            <a:noFill/>
-          </a:ln>
-        </p:spPr>
-        <p:style>
-          <a:lnRef idx="0">
-            <a:scrgbClr r="0" g="0" b="0"/>
-          </a:lnRef>
-          <a:fillRef idx="0">
-            <a:scrgbClr r="0" g="0" b="0"/>
-          </a:fillRef>
-          <a:effectRef idx="0">
-            <a:scrgbClr r="0" g="0" b="0"/>
-          </a:effectRef>
-          <a:fontRef idx="minor">
-            <a:schemeClr val="dk1"/>
-          </a:fontRef>
-        </p:style>
-        <p:txBody>
-          <a:bodyPr wrap="square" rtlCol="0">
-            <a:spAutoFit/>
-          </a:bodyPr>
-          <a:lstStyle/>
-          <a:p>
-            <a:pPr marL="0" marR="0" lvl="0" indent="0" algn="l" defTabSz="914400" rtl="0" eaLnBrk="1" fontAlgn="base" latinLnBrk="0" hangingPunct="1">
-              <a:lnSpc>
-                <a:spcPct val="100000"/>
-              </a:lnSpc>
-              <a:spcBef>
-                <a:spcPct val="0"/>
-              </a:spcBef>
-              <a:spcAft>
-                <a:spcPct val="0"/>
-              </a:spcAft>
-              <a:buClrTx/>
-              <a:buSzTx/>
-              <a:buFontTx/>
-              <a:buNone/>
-              <a:tabLst/>
-              <a:defRPr/>
-            </a:pPr>
-            <a:r>
-              <a:rPr kumimoji="1" lang="ja-JP" altLang="en-US" sz="2200" b="0" i="0" u="none" strike="noStrike" kern="1200" cap="none" spc="0" normalizeH="0" baseline="0" noProof="0" dirty="0">
-                <a:ln>
-                  <a:noFill/>
-                </a:ln>
-                <a:solidFill>
-                  <a:srgbClr val="70AD47">
-                    <a:lumMod val="60000"/>
-                    <a:lumOff val="40000"/>
-                  </a:srgbClr>
-                </a:solidFill>
-                <a:effectLst/>
-                <a:uLnTx/>
-                <a:uFillTx/>
-                <a:latin typeface="HG創英角ｺﾞｼｯｸUB" panose="020B0909000000000000" pitchFamily="49" charset="-128"/>
-                <a:ea typeface="HG創英角ｺﾞｼｯｸUB" panose="020B0909000000000000" pitchFamily="49" charset="-128"/>
-                <a:cs typeface="+mn-cs"/>
-              </a:rPr>
-              <a:t>機能</a:t>
-            </a:r>
-            <a:endParaRPr kumimoji="1" lang="en-US" altLang="ja-JP" sz="2200" b="0" i="0" u="none" strike="noStrike" kern="1200" cap="none" spc="0" normalizeH="0" baseline="0" noProof="0" dirty="0">
-              <a:ln>
-                <a:noFill/>
-              </a:ln>
-              <a:solidFill>
-                <a:srgbClr val="70AD47">
-                  <a:lumMod val="60000"/>
-                  <a:lumOff val="40000"/>
-                </a:srgbClr>
-              </a:solidFill>
-              <a:effectLst/>
-              <a:uLnTx/>
-              <a:uFillTx/>
-              <a:latin typeface="HG創英角ｺﾞｼｯｸUB" panose="020B0909000000000000" pitchFamily="49" charset="-128"/>
-              <a:ea typeface="HG創英角ｺﾞｼｯｸUB" panose="020B0909000000000000" pitchFamily="49" charset="-128"/>
-              <a:cs typeface="+mn-cs"/>
-            </a:endParaRPr>
-          </a:p>
-        </p:txBody>
-      </p:sp>
-      <p:sp>
-        <p:nvSpPr>
-          <p:cNvPr id="20" name="テキスト ボックス 19">
-            <a:extLst>
-              <a:ext uri="{FF2B5EF4-FFF2-40B4-BE49-F238E27FC236}">
-                <a16:creationId xmlns:a16="http://schemas.microsoft.com/office/drawing/2014/main" id="{EC3B7523-8515-4312-B70A-7EAE3258E856}"/>
-              </a:ext>
-            </a:extLst>
-          </p:cNvPr>
-          <p:cNvSpPr txBox="1"/>
-          <p:nvPr/>
-        </p:nvSpPr>
-        <p:spPr>
-          <a:xfrm>
-            <a:off x="4392562" y="258340"/>
-            <a:ext cx="2049970" cy="446276"/>
-          </a:xfrm>
-          <a:prstGeom prst="rect">
-            <a:avLst/>
-          </a:prstGeom>
-          <a:noFill/>
-          <a:ln>
-            <a:noFill/>
-          </a:ln>
-        </p:spPr>
-        <p:style>
-          <a:lnRef idx="0">
-            <a:scrgbClr r="0" g="0" b="0"/>
-          </a:lnRef>
-          <a:fillRef idx="0">
-            <a:scrgbClr r="0" g="0" b="0"/>
-          </a:fillRef>
-          <a:effectRef idx="0">
-            <a:scrgbClr r="0" g="0" b="0"/>
-          </a:effectRef>
-          <a:fontRef idx="minor">
-            <a:schemeClr val="dk1"/>
-          </a:fontRef>
-        </p:style>
-        <p:txBody>
-          <a:bodyPr wrap="square" rtlCol="0">
-            <a:spAutoFit/>
-          </a:bodyPr>
-          <a:lstStyle/>
-          <a:p>
-            <a:pPr marL="0" marR="0" lvl="0" indent="0" algn="l" defTabSz="914400" rtl="0" eaLnBrk="1" fontAlgn="base" latinLnBrk="0" hangingPunct="1">
-              <a:lnSpc>
-                <a:spcPct val="100000"/>
-              </a:lnSpc>
-              <a:spcBef>
-                <a:spcPct val="0"/>
-              </a:spcBef>
-              <a:spcAft>
-                <a:spcPct val="0"/>
-              </a:spcAft>
-              <a:buClrTx/>
-              <a:buSzTx/>
-              <a:buFontTx/>
-              <a:buNone/>
-              <a:tabLst/>
-              <a:defRPr/>
-            </a:pPr>
-            <a:r>
-              <a:rPr kumimoji="1" lang="ja-JP" altLang="en-US" sz="2200" b="0" i="0" u="none" strike="noStrike" kern="1200" cap="none" spc="0" normalizeH="0" baseline="0" noProof="0" dirty="0">
-                <a:ln>
-                  <a:noFill/>
-                </a:ln>
-                <a:solidFill>
-                  <a:srgbClr val="70AD47">
-                    <a:lumMod val="60000"/>
-                    <a:lumOff val="40000"/>
-                  </a:srgbClr>
-                </a:solidFill>
-                <a:effectLst/>
-                <a:uLnTx/>
-                <a:uFillTx/>
-                <a:latin typeface="HG創英角ｺﾞｼｯｸUB" panose="020B0909000000000000" pitchFamily="49" charset="-128"/>
-                <a:ea typeface="HG創英角ｺﾞｼｯｸUB" panose="020B0909000000000000" pitchFamily="49" charset="-128"/>
-                <a:cs typeface="+mn-cs"/>
-              </a:rPr>
-              <a:t>振る舞い①</a:t>
-            </a:r>
-            <a:endParaRPr kumimoji="1" lang="en-US" altLang="ja-JP" sz="2200" b="0" i="0" u="none" strike="noStrike" kern="1200" cap="none" spc="0" normalizeH="0" baseline="0" noProof="0" dirty="0">
-              <a:ln>
-                <a:noFill/>
-              </a:ln>
-              <a:solidFill>
-                <a:srgbClr val="70AD47">
-                  <a:lumMod val="60000"/>
-                  <a:lumOff val="40000"/>
-                </a:srgbClr>
-              </a:solidFill>
-              <a:effectLst/>
-              <a:uLnTx/>
-              <a:uFillTx/>
-              <a:latin typeface="HG創英角ｺﾞｼｯｸUB" panose="020B0909000000000000" pitchFamily="49" charset="-128"/>
-              <a:ea typeface="HG創英角ｺﾞｼｯｸUB" panose="020B0909000000000000" pitchFamily="49" charset="-128"/>
-              <a:cs typeface="+mn-cs"/>
-            </a:endParaRPr>
-          </a:p>
-        </p:txBody>
-      </p:sp>
-      <p:sp>
-        <p:nvSpPr>
-          <p:cNvPr id="21" name="テキスト ボックス 20">
-            <a:extLst>
-              <a:ext uri="{FF2B5EF4-FFF2-40B4-BE49-F238E27FC236}">
-                <a16:creationId xmlns:a16="http://schemas.microsoft.com/office/drawing/2014/main" id="{A7EE68A5-322E-4DDC-A3C3-80A78E30A67A}"/>
-              </a:ext>
-            </a:extLst>
-          </p:cNvPr>
-          <p:cNvSpPr txBox="1"/>
-          <p:nvPr/>
-        </p:nvSpPr>
-        <p:spPr>
-          <a:xfrm>
-            <a:off x="2765734" y="256554"/>
-            <a:ext cx="1203919" cy="430887"/>
-          </a:xfrm>
-          <a:prstGeom prst="rect">
-            <a:avLst/>
-          </a:prstGeom>
-          <a:noFill/>
-          <a:ln>
-            <a:noFill/>
-          </a:ln>
-        </p:spPr>
-        <p:style>
-          <a:lnRef idx="0">
-            <a:scrgbClr r="0" g="0" b="0"/>
-          </a:lnRef>
-          <a:fillRef idx="0">
-            <a:scrgbClr r="0" g="0" b="0"/>
-          </a:fillRef>
-          <a:effectRef idx="0">
-            <a:scrgbClr r="0" g="0" b="0"/>
-          </a:effectRef>
-          <a:fontRef idx="minor">
-            <a:schemeClr val="dk1"/>
-          </a:fontRef>
-        </p:style>
-        <p:txBody>
-          <a:bodyPr wrap="square" rtlCol="0">
-            <a:spAutoFit/>
-          </a:bodyPr>
-          <a:lstStyle/>
-          <a:p>
-            <a:pPr marL="0" marR="0" lvl="0" indent="0" algn="l" defTabSz="914400" rtl="0" eaLnBrk="1" fontAlgn="base" latinLnBrk="0" hangingPunct="1">
-              <a:lnSpc>
-                <a:spcPct val="100000"/>
-              </a:lnSpc>
-              <a:spcBef>
-                <a:spcPct val="0"/>
-              </a:spcBef>
-              <a:spcAft>
-                <a:spcPct val="0"/>
-              </a:spcAft>
-              <a:buClrTx/>
-              <a:buSzTx/>
-              <a:buFontTx/>
-              <a:buNone/>
-              <a:tabLst/>
-              <a:defRPr/>
-            </a:pPr>
-            <a:r>
-              <a:rPr kumimoji="1" lang="ja-JP" altLang="en-US" sz="2200" b="0" i="0" u="none" strike="noStrike" kern="1200" cap="none" spc="0" normalizeH="0" baseline="0" noProof="0" dirty="0">
-                <a:ln>
-                  <a:noFill/>
-                </a:ln>
-                <a:solidFill>
-                  <a:srgbClr val="70AD47">
-                    <a:lumMod val="60000"/>
-                    <a:lumOff val="40000"/>
-                  </a:srgbClr>
-                </a:solidFill>
-                <a:effectLst/>
-                <a:uLnTx/>
-                <a:uFillTx/>
-                <a:latin typeface="HG創英角ｺﾞｼｯｸUB" panose="020B0909000000000000" pitchFamily="49" charset="-128"/>
-                <a:ea typeface="HG創英角ｺﾞｼｯｸUB" panose="020B0909000000000000" pitchFamily="49" charset="-128"/>
-                <a:cs typeface="+mn-cs"/>
-              </a:rPr>
-              <a:t>構造</a:t>
-            </a:r>
-            <a:endParaRPr kumimoji="1" lang="en-US" altLang="ja-JP" sz="2200" b="0" i="0" u="none" strike="noStrike" kern="1200" cap="none" spc="0" normalizeH="0" baseline="0" noProof="0" dirty="0">
-              <a:ln>
-                <a:noFill/>
-              </a:ln>
-              <a:solidFill>
-                <a:srgbClr val="70AD47">
-                  <a:lumMod val="60000"/>
-                  <a:lumOff val="40000"/>
-                </a:srgbClr>
-              </a:solidFill>
-              <a:effectLst/>
-              <a:uLnTx/>
-              <a:uFillTx/>
-              <a:latin typeface="HG創英角ｺﾞｼｯｸUB" panose="020B0909000000000000" pitchFamily="49" charset="-128"/>
-              <a:ea typeface="HG創英角ｺﾞｼｯｸUB" panose="020B0909000000000000" pitchFamily="49" charset="-128"/>
               <a:cs typeface="+mn-cs"/>
             </a:endParaRPr>
           </a:p>
